--- a/slides/Unit 2 - LC 101 - Class 9.pptx
+++ b/slides/Unit 2 - LC 101 - Class 9.pptx
@@ -1,24 +1,29 @@
 
 <file path=ppt/presentation.xml><?xml version="1.0" encoding="utf-8"?>
-<p:presentation xmlns:a="http://schemas.openxmlformats.org/drawingml/2006/main" xmlns:r="http://schemas.openxmlformats.org/officeDocument/2006/relationships" xmlns:mc="http://schemas.openxmlformats.org/markup-compatibility/2006" xmlns:mv="urn:schemas-microsoft-com:mac:vml" xmlns:p="http://schemas.openxmlformats.org/presentationml/2006/main" xmlns:c="http://schemas.openxmlformats.org/drawingml/2006/chart" xmlns:dgm="http://schemas.openxmlformats.org/drawingml/2006/diagram" xmlns:o="urn:schemas-microsoft-com:office:office" xmlns:v="urn:schemas-microsoft-com:vml" xmlns:pvml="urn:schemas-microsoft-com:office:powerpoint" xmlns:com="http://schemas.openxmlformats.org/drawingml/2006/compatibility" xmlns:p14="http://schemas.microsoft.com/office/powerpoint/2010/main" xmlns:p15="http://schemas.microsoft.com/office/powerpoint/2012/main" autoCompressPictures="0" strictFirstAndLastChars="0" saveSubsetFonts="1">
+<p:presentation xmlns:a="http://schemas.openxmlformats.org/drawingml/2006/main" xmlns:r="http://schemas.openxmlformats.org/officeDocument/2006/relationships" xmlns:p="http://schemas.openxmlformats.org/presentationml/2006/main" strictFirstAndLastChars="0" saveSubsetFonts="1" autoCompressPictures="0">
   <p:sldMasterIdLst>
-    <p:sldMasterId id="2147483659" r:id="rId3"/>
+    <p:sldMasterId id="2147483659" r:id="rId1"/>
   </p:sldMasterIdLst>
   <p:notesMasterIdLst>
-    <p:notesMasterId r:id="rId4"/>
+    <p:notesMasterId r:id="rId13"/>
   </p:notesMasterIdLst>
   <p:sldIdLst>
-    <p:sldId id="256" r:id="rId5"/>
-    <p:sldId id="257" r:id="rId6"/>
-    <p:sldId id="258" r:id="rId7"/>
-    <p:sldId id="259" r:id="rId8"/>
+    <p:sldId id="265" r:id="rId2"/>
+    <p:sldId id="266" r:id="rId3"/>
+    <p:sldId id="267" r:id="rId4"/>
+    <p:sldId id="268" r:id="rId5"/>
+    <p:sldId id="256" r:id="rId6"/>
+    <p:sldId id="257" r:id="rId7"/>
+    <p:sldId id="258" r:id="rId8"/>
     <p:sldId id="260" r:id="rId9"/>
     <p:sldId id="261" r:id="rId10"/>
+    <p:sldId id="269" r:id="rId11"/>
+    <p:sldId id="270" r:id="rId12"/>
   </p:sldIdLst>
-  <p:sldSz cy="5143500" cx="9144000"/>
+  <p:sldSz cx="9144000" cy="5143500" type="screen16x9"/>
   <p:notesSz cx="6858000" cy="9144000"/>
   <p:defaultTextStyle>
-    <a:defPPr lvl="0" marR="0" rtl="0" algn="l">
+    <a:defPPr marR="0" lvl="0" algn="l" rtl="0">
       <a:lnSpc>
         <a:spcPct val="100000"/>
       </a:lnSpc>
@@ -29,7 +34,7 @@
         <a:spcPts val="0"/>
       </a:spcAft>
     </a:defPPr>
-    <a:lvl1pPr lvl="0" marR="0" rtl="0" algn="l">
+    <a:lvl1pPr marR="0" lvl="0" algn="l" rtl="0">
       <a:lnSpc>
         <a:spcPct val="100000"/>
       </a:lnSpc>
@@ -43,7 +48,7 @@
         <a:srgbClr val="000000"/>
       </a:buClr>
       <a:buFont typeface="Arial"/>
-      <a:defRPr b="0" i="0" sz="1400" u="none" cap="none" strike="noStrike">
+      <a:defRPr sz="1400" b="0" i="0" u="none" strike="noStrike" cap="none">
         <a:solidFill>
           <a:srgbClr val="000000"/>
         </a:solidFill>
@@ -53,7 +58,7 @@
         <a:sym typeface="Arial"/>
       </a:defRPr>
     </a:lvl1pPr>
-    <a:lvl2pPr lvl="1" marR="0" rtl="0" algn="l">
+    <a:lvl2pPr marR="0" lvl="1" algn="l" rtl="0">
       <a:lnSpc>
         <a:spcPct val="100000"/>
       </a:lnSpc>
@@ -67,7 +72,7 @@
         <a:srgbClr val="000000"/>
       </a:buClr>
       <a:buFont typeface="Arial"/>
-      <a:defRPr b="0" i="0" sz="1400" u="none" cap="none" strike="noStrike">
+      <a:defRPr sz="1400" b="0" i="0" u="none" strike="noStrike" cap="none">
         <a:solidFill>
           <a:srgbClr val="000000"/>
         </a:solidFill>
@@ -77,7 +82,7 @@
         <a:sym typeface="Arial"/>
       </a:defRPr>
     </a:lvl2pPr>
-    <a:lvl3pPr lvl="2" marR="0" rtl="0" algn="l">
+    <a:lvl3pPr marR="0" lvl="2" algn="l" rtl="0">
       <a:lnSpc>
         <a:spcPct val="100000"/>
       </a:lnSpc>
@@ -91,7 +96,7 @@
         <a:srgbClr val="000000"/>
       </a:buClr>
       <a:buFont typeface="Arial"/>
-      <a:defRPr b="0" i="0" sz="1400" u="none" cap="none" strike="noStrike">
+      <a:defRPr sz="1400" b="0" i="0" u="none" strike="noStrike" cap="none">
         <a:solidFill>
           <a:srgbClr val="000000"/>
         </a:solidFill>
@@ -101,7 +106,7 @@
         <a:sym typeface="Arial"/>
       </a:defRPr>
     </a:lvl3pPr>
-    <a:lvl4pPr lvl="3" marR="0" rtl="0" algn="l">
+    <a:lvl4pPr marR="0" lvl="3" algn="l" rtl="0">
       <a:lnSpc>
         <a:spcPct val="100000"/>
       </a:lnSpc>
@@ -115,7 +120,7 @@
         <a:srgbClr val="000000"/>
       </a:buClr>
       <a:buFont typeface="Arial"/>
-      <a:defRPr b="0" i="0" sz="1400" u="none" cap="none" strike="noStrike">
+      <a:defRPr sz="1400" b="0" i="0" u="none" strike="noStrike" cap="none">
         <a:solidFill>
           <a:srgbClr val="000000"/>
         </a:solidFill>
@@ -125,7 +130,7 @@
         <a:sym typeface="Arial"/>
       </a:defRPr>
     </a:lvl4pPr>
-    <a:lvl5pPr lvl="4" marR="0" rtl="0" algn="l">
+    <a:lvl5pPr marR="0" lvl="4" algn="l" rtl="0">
       <a:lnSpc>
         <a:spcPct val="100000"/>
       </a:lnSpc>
@@ -139,7 +144,7 @@
         <a:srgbClr val="000000"/>
       </a:buClr>
       <a:buFont typeface="Arial"/>
-      <a:defRPr b="0" i="0" sz="1400" u="none" cap="none" strike="noStrike">
+      <a:defRPr sz="1400" b="0" i="0" u="none" strike="noStrike" cap="none">
         <a:solidFill>
           <a:srgbClr val="000000"/>
         </a:solidFill>
@@ -149,7 +154,7 @@
         <a:sym typeface="Arial"/>
       </a:defRPr>
     </a:lvl5pPr>
-    <a:lvl6pPr lvl="5" marR="0" rtl="0" algn="l">
+    <a:lvl6pPr marR="0" lvl="5" algn="l" rtl="0">
       <a:lnSpc>
         <a:spcPct val="100000"/>
       </a:lnSpc>
@@ -163,7 +168,7 @@
         <a:srgbClr val="000000"/>
       </a:buClr>
       <a:buFont typeface="Arial"/>
-      <a:defRPr b="0" i="0" sz="1400" u="none" cap="none" strike="noStrike">
+      <a:defRPr sz="1400" b="0" i="0" u="none" strike="noStrike" cap="none">
         <a:solidFill>
           <a:srgbClr val="000000"/>
         </a:solidFill>
@@ -173,7 +178,7 @@
         <a:sym typeface="Arial"/>
       </a:defRPr>
     </a:lvl6pPr>
-    <a:lvl7pPr lvl="6" marR="0" rtl="0" algn="l">
+    <a:lvl7pPr marR="0" lvl="6" algn="l" rtl="0">
       <a:lnSpc>
         <a:spcPct val="100000"/>
       </a:lnSpc>
@@ -187,7 +192,7 @@
         <a:srgbClr val="000000"/>
       </a:buClr>
       <a:buFont typeface="Arial"/>
-      <a:defRPr b="0" i="0" sz="1400" u="none" cap="none" strike="noStrike">
+      <a:defRPr sz="1400" b="0" i="0" u="none" strike="noStrike" cap="none">
         <a:solidFill>
           <a:srgbClr val="000000"/>
         </a:solidFill>
@@ -197,7 +202,7 @@
         <a:sym typeface="Arial"/>
       </a:defRPr>
     </a:lvl7pPr>
-    <a:lvl8pPr lvl="7" marR="0" rtl="0" algn="l">
+    <a:lvl8pPr marR="0" lvl="7" algn="l" rtl="0">
       <a:lnSpc>
         <a:spcPct val="100000"/>
       </a:lnSpc>
@@ -211,7 +216,7 @@
         <a:srgbClr val="000000"/>
       </a:buClr>
       <a:buFont typeface="Arial"/>
-      <a:defRPr b="0" i="0" sz="1400" u="none" cap="none" strike="noStrike">
+      <a:defRPr sz="1400" b="0" i="0" u="none" strike="noStrike" cap="none">
         <a:solidFill>
           <a:srgbClr val="000000"/>
         </a:solidFill>
@@ -221,7 +226,7 @@
         <a:sym typeface="Arial"/>
       </a:defRPr>
     </a:lvl8pPr>
-    <a:lvl9pPr lvl="8" marR="0" rtl="0" algn="l">
+    <a:lvl9pPr marR="0" lvl="8" algn="l" rtl="0">
       <a:lnSpc>
         <a:spcPct val="100000"/>
       </a:lnSpc>
@@ -235,7 +240,7 @@
         <a:srgbClr val="000000"/>
       </a:buClr>
       <a:buFont typeface="Arial"/>
-      <a:defRPr b="0" i="0" sz="1400" u="none" cap="none" strike="noStrike">
+      <a:defRPr sz="1400" b="0" i="0" u="none" strike="noStrike" cap="none">
         <a:solidFill>
           <a:srgbClr val="000000"/>
         </a:solidFill>
@@ -250,11 +255,16 @@
 </file>
 
 <file path=ppt/notesMasters/notesMaster1.xml><?xml version="1.0" encoding="utf-8"?>
-<p:notesMaster xmlns:a="http://schemas.openxmlformats.org/drawingml/2006/main" xmlns:r="http://schemas.openxmlformats.org/officeDocument/2006/relationships" xmlns:mc="http://schemas.openxmlformats.org/markup-compatibility/2006" xmlns:mv="urn:schemas-microsoft-com:mac:vml" xmlns:p="http://schemas.openxmlformats.org/presentationml/2006/main" xmlns:c="http://schemas.openxmlformats.org/drawingml/2006/chart" xmlns:dgm="http://schemas.openxmlformats.org/drawingml/2006/diagram" xmlns:o="urn:schemas-microsoft-com:office:office" xmlns:v="urn:schemas-microsoft-com:vml" xmlns:pvml="urn:schemas-microsoft-com:office:powerpoint" xmlns:com="http://schemas.openxmlformats.org/drawingml/2006/compatibility" xmlns:p14="http://schemas.microsoft.com/office/powerpoint/2010/main" xmlns:p15="http://schemas.microsoft.com/office/powerpoint/2012/main">
+<p:notesMaster xmlns:a="http://schemas.openxmlformats.org/drawingml/2006/main" xmlns:r="http://schemas.openxmlformats.org/officeDocument/2006/relationships" xmlns:p="http://schemas.openxmlformats.org/presentationml/2006/main">
   <p:cSld>
+    <p:bg>
+      <p:bgRef idx="1001">
+        <a:schemeClr val="bg1"/>
+      </p:bgRef>
+    </p:bg>
     <p:spTree>
       <p:nvGrpSpPr>
-        <p:cNvPr id="2" name="Shape 2"/>
+        <p:cNvPr id="1" name="Shape 2"/>
         <p:cNvGrpSpPr/>
         <p:nvPr/>
       </p:nvGrpSpPr>
@@ -269,9 +279,11 @@
       <p:sp>
         <p:nvSpPr>
           <p:cNvPr id="3" name="Shape 3"/>
-          <p:cNvSpPr/>
+          <p:cNvSpPr>
+            <a:spLocks noGrp="1" noRot="1" noChangeAspect="1"/>
+          </p:cNvSpPr>
           <p:nvPr>
-            <p:ph idx="2" type="sldImg"/>
+            <p:ph type="sldImg" idx="2"/>
           </p:nvPr>
         </p:nvSpPr>
         <p:spPr>
@@ -280,8 +292,13 @@
             <a:ext cx="6096075" cy="3429000"/>
           </a:xfrm>
           <a:custGeom>
+            <a:avLst/>
+            <a:gdLst/>
+            <a:ahLst/>
+            <a:cxnLst/>
+            <a:rect l="0" t="0" r="0" b="0"/>
             <a:pathLst>
-              <a:path extrusionOk="0" h="120000" w="120000">
+              <a:path w="120000" h="120000" extrusionOk="0">
                 <a:moveTo>
                   <a:pt x="0" y="0"/>
                 </a:moveTo>
@@ -299,23 +316,25 @@
             </a:pathLst>
           </a:custGeom>
           <a:noFill/>
-          <a:ln cap="flat" cmpd="sng" w="9525">
+          <a:ln w="9525" cap="flat" cmpd="sng">
             <a:solidFill>
               <a:srgbClr val="000000"/>
             </a:solidFill>
             <a:prstDash val="solid"/>
             <a:round/>
-            <a:headEnd len="sm" w="sm" type="none"/>
-            <a:tailEnd len="sm" w="sm" type="none"/>
+            <a:headEnd type="none" w="sm" len="sm"/>
+            <a:tailEnd type="none" w="sm" len="sm"/>
           </a:ln>
         </p:spPr>
       </p:sp>
       <p:sp>
         <p:nvSpPr>
           <p:cNvPr id="4" name="Shape 4"/>
-          <p:cNvSpPr txBox="1"/>
+          <p:cNvSpPr txBox="1">
+            <a:spLocks noGrp="1"/>
+          </p:cNvSpPr>
           <p:nvPr>
-            <p:ph idx="1" type="body"/>
+            <p:ph type="body" idx="1"/>
           </p:nvPr>
         </p:nvSpPr>
         <p:spPr>
@@ -332,9 +351,9 @@
           </a:ln>
         </p:spPr>
         <p:txBody>
-          <a:bodyPr anchorCtr="0" anchor="t" bIns="91425" lIns="91425" spcFirstLastPara="1" rIns="91425" wrap="square" tIns="91425"/>
+          <a:bodyPr spcFirstLastPara="1" wrap="square" lIns="91425" tIns="91425" rIns="91425" bIns="91425" anchor="t" anchorCtr="0"/>
           <a:lstStyle>
-            <a:lvl1pPr indent="-317500" lvl="0" marL="457200">
+            <a:lvl1pPr marL="457200" lvl="0" indent="-317500">
               <a:spcBef>
                 <a:spcPts val="0"/>
               </a:spcBef>
@@ -345,7 +364,7 @@
               <a:buChar char="●"/>
               <a:defRPr sz="1100"/>
             </a:lvl1pPr>
-            <a:lvl2pPr indent="-317500" lvl="1" marL="914400">
+            <a:lvl2pPr marL="914400" lvl="1" indent="-317500">
               <a:spcBef>
                 <a:spcPts val="0"/>
               </a:spcBef>
@@ -356,7 +375,7 @@
               <a:buChar char="○"/>
               <a:defRPr sz="1100"/>
             </a:lvl2pPr>
-            <a:lvl3pPr indent="-317500" lvl="2" marL="1371600">
+            <a:lvl3pPr marL="1371600" lvl="2" indent="-317500">
               <a:spcBef>
                 <a:spcPts val="0"/>
               </a:spcBef>
@@ -367,7 +386,7 @@
               <a:buChar char="■"/>
               <a:defRPr sz="1100"/>
             </a:lvl3pPr>
-            <a:lvl4pPr indent="-317500" lvl="3" marL="1828800">
+            <a:lvl4pPr marL="1828800" lvl="3" indent="-317500">
               <a:spcBef>
                 <a:spcPts val="0"/>
               </a:spcBef>
@@ -378,7 +397,7 @@
               <a:buChar char="●"/>
               <a:defRPr sz="1100"/>
             </a:lvl4pPr>
-            <a:lvl5pPr indent="-317500" lvl="4" marL="2286000">
+            <a:lvl5pPr marL="2286000" lvl="4" indent="-317500">
               <a:spcBef>
                 <a:spcPts val="0"/>
               </a:spcBef>
@@ -389,7 +408,7 @@
               <a:buChar char="○"/>
               <a:defRPr sz="1100"/>
             </a:lvl5pPr>
-            <a:lvl6pPr indent="-317500" lvl="5" marL="2743200">
+            <a:lvl6pPr marL="2743200" lvl="5" indent="-317500">
               <a:spcBef>
                 <a:spcPts val="0"/>
               </a:spcBef>
@@ -400,7 +419,7 @@
               <a:buChar char="■"/>
               <a:defRPr sz="1100"/>
             </a:lvl6pPr>
-            <a:lvl7pPr indent="-317500" lvl="6" marL="3200400">
+            <a:lvl7pPr marL="3200400" lvl="6" indent="-317500">
               <a:spcBef>
                 <a:spcPts val="0"/>
               </a:spcBef>
@@ -411,7 +430,7 @@
               <a:buChar char="●"/>
               <a:defRPr sz="1100"/>
             </a:lvl7pPr>
-            <a:lvl8pPr indent="-317500" lvl="7" marL="3657600">
+            <a:lvl8pPr marL="3657600" lvl="7" indent="-317500">
               <a:spcBef>
                 <a:spcPts val="0"/>
               </a:spcBef>
@@ -422,7 +441,7 @@
               <a:buChar char="○"/>
               <a:defRPr sz="1100"/>
             </a:lvl8pPr>
-            <a:lvl9pPr indent="-317500" lvl="8" marL="4114800">
+            <a:lvl9pPr marL="4114800" lvl="8" indent="-317500">
               <a:spcBef>
                 <a:spcPts val="0"/>
               </a:spcBef>
@@ -434,14 +453,16 @@
               <a:defRPr sz="1100"/>
             </a:lvl9pPr>
           </a:lstStyle>
-          <a:p/>
+          <a:p>
+            <a:endParaRPr/>
+          </a:p>
         </p:txBody>
       </p:sp>
     </p:spTree>
   </p:cSld>
-  <p:clrMap accent1="accent1" accent2="accent2" accent3="accent3" accent4="accent4" accent5="accent5" accent6="accent6" bg1="lt1" bg2="dk2" tx1="dk1" tx2="lt2" folHlink="folHlink" hlink="hlink"/>
+  <p:clrMap bg1="lt1" tx1="dk1" bg2="dk2" tx2="lt2" accent1="accent1" accent2="accent2" accent3="accent3" accent4="accent4" accent5="accent5" accent6="accent6" hlink="hlink" folHlink="folHlink"/>
   <p:notesStyle>
-    <a:defPPr lvl="0" marR="0" rtl="0" algn="l">
+    <a:defPPr marR="0" lvl="0" algn="l" rtl="0">
       <a:lnSpc>
         <a:spcPct val="100000"/>
       </a:lnSpc>
@@ -452,7 +473,7 @@
         <a:spcPts val="0"/>
       </a:spcAft>
     </a:defPPr>
-    <a:lvl1pPr lvl="0" marR="0" rtl="0" algn="l">
+    <a:lvl1pPr marR="0" lvl="0" algn="l" rtl="0">
       <a:lnSpc>
         <a:spcPct val="100000"/>
       </a:lnSpc>
@@ -466,7 +487,7 @@
         <a:srgbClr val="000000"/>
       </a:buClr>
       <a:buFont typeface="Arial"/>
-      <a:defRPr b="0" i="0" sz="1400" u="none" cap="none" strike="noStrike">
+      <a:defRPr sz="1400" b="0" i="0" u="none" strike="noStrike" cap="none">
         <a:solidFill>
           <a:srgbClr val="000000"/>
         </a:solidFill>
@@ -476,7 +497,7 @@
         <a:sym typeface="Arial"/>
       </a:defRPr>
     </a:lvl1pPr>
-    <a:lvl2pPr lvl="1" marR="0" rtl="0" algn="l">
+    <a:lvl2pPr marR="0" lvl="1" algn="l" rtl="0">
       <a:lnSpc>
         <a:spcPct val="100000"/>
       </a:lnSpc>
@@ -490,7 +511,7 @@
         <a:srgbClr val="000000"/>
       </a:buClr>
       <a:buFont typeface="Arial"/>
-      <a:defRPr b="0" i="0" sz="1400" u="none" cap="none" strike="noStrike">
+      <a:defRPr sz="1400" b="0" i="0" u="none" strike="noStrike" cap="none">
         <a:solidFill>
           <a:srgbClr val="000000"/>
         </a:solidFill>
@@ -500,7 +521,7 @@
         <a:sym typeface="Arial"/>
       </a:defRPr>
     </a:lvl2pPr>
-    <a:lvl3pPr lvl="2" marR="0" rtl="0" algn="l">
+    <a:lvl3pPr marR="0" lvl="2" algn="l" rtl="0">
       <a:lnSpc>
         <a:spcPct val="100000"/>
       </a:lnSpc>
@@ -514,7 +535,7 @@
         <a:srgbClr val="000000"/>
       </a:buClr>
       <a:buFont typeface="Arial"/>
-      <a:defRPr b="0" i="0" sz="1400" u="none" cap="none" strike="noStrike">
+      <a:defRPr sz="1400" b="0" i="0" u="none" strike="noStrike" cap="none">
         <a:solidFill>
           <a:srgbClr val="000000"/>
         </a:solidFill>
@@ -524,7 +545,7 @@
         <a:sym typeface="Arial"/>
       </a:defRPr>
     </a:lvl3pPr>
-    <a:lvl4pPr lvl="3" marR="0" rtl="0" algn="l">
+    <a:lvl4pPr marR="0" lvl="3" algn="l" rtl="0">
       <a:lnSpc>
         <a:spcPct val="100000"/>
       </a:lnSpc>
@@ -538,7 +559,7 @@
         <a:srgbClr val="000000"/>
       </a:buClr>
       <a:buFont typeface="Arial"/>
-      <a:defRPr b="0" i="0" sz="1400" u="none" cap="none" strike="noStrike">
+      <a:defRPr sz="1400" b="0" i="0" u="none" strike="noStrike" cap="none">
         <a:solidFill>
           <a:srgbClr val="000000"/>
         </a:solidFill>
@@ -548,7 +569,7 @@
         <a:sym typeface="Arial"/>
       </a:defRPr>
     </a:lvl4pPr>
-    <a:lvl5pPr lvl="4" marR="0" rtl="0" algn="l">
+    <a:lvl5pPr marR="0" lvl="4" algn="l" rtl="0">
       <a:lnSpc>
         <a:spcPct val="100000"/>
       </a:lnSpc>
@@ -562,7 +583,7 @@
         <a:srgbClr val="000000"/>
       </a:buClr>
       <a:buFont typeface="Arial"/>
-      <a:defRPr b="0" i="0" sz="1400" u="none" cap="none" strike="noStrike">
+      <a:defRPr sz="1400" b="0" i="0" u="none" strike="noStrike" cap="none">
         <a:solidFill>
           <a:srgbClr val="000000"/>
         </a:solidFill>
@@ -572,7 +593,7 @@
         <a:sym typeface="Arial"/>
       </a:defRPr>
     </a:lvl5pPr>
-    <a:lvl6pPr lvl="5" marR="0" rtl="0" algn="l">
+    <a:lvl6pPr marR="0" lvl="5" algn="l" rtl="0">
       <a:lnSpc>
         <a:spcPct val="100000"/>
       </a:lnSpc>
@@ -586,7 +607,7 @@
         <a:srgbClr val="000000"/>
       </a:buClr>
       <a:buFont typeface="Arial"/>
-      <a:defRPr b="0" i="0" sz="1400" u="none" cap="none" strike="noStrike">
+      <a:defRPr sz="1400" b="0" i="0" u="none" strike="noStrike" cap="none">
         <a:solidFill>
           <a:srgbClr val="000000"/>
         </a:solidFill>
@@ -596,7 +617,7 @@
         <a:sym typeface="Arial"/>
       </a:defRPr>
     </a:lvl6pPr>
-    <a:lvl7pPr lvl="6" marR="0" rtl="0" algn="l">
+    <a:lvl7pPr marR="0" lvl="6" algn="l" rtl="0">
       <a:lnSpc>
         <a:spcPct val="100000"/>
       </a:lnSpc>
@@ -610,7 +631,7 @@
         <a:srgbClr val="000000"/>
       </a:buClr>
       <a:buFont typeface="Arial"/>
-      <a:defRPr b="0" i="0" sz="1400" u="none" cap="none" strike="noStrike">
+      <a:defRPr sz="1400" b="0" i="0" u="none" strike="noStrike" cap="none">
         <a:solidFill>
           <a:srgbClr val="000000"/>
         </a:solidFill>
@@ -620,7 +641,7 @@
         <a:sym typeface="Arial"/>
       </a:defRPr>
     </a:lvl7pPr>
-    <a:lvl8pPr lvl="7" marR="0" rtl="0" algn="l">
+    <a:lvl8pPr marR="0" lvl="7" algn="l" rtl="0">
       <a:lnSpc>
         <a:spcPct val="100000"/>
       </a:lnSpc>
@@ -634,7 +655,7 @@
         <a:srgbClr val="000000"/>
       </a:buClr>
       <a:buFont typeface="Arial"/>
-      <a:defRPr b="0" i="0" sz="1400" u="none" cap="none" strike="noStrike">
+      <a:defRPr sz="1400" b="0" i="0" u="none" strike="noStrike" cap="none">
         <a:solidFill>
           <a:srgbClr val="000000"/>
         </a:solidFill>
@@ -644,7 +665,7 @@
         <a:sym typeface="Arial"/>
       </a:defRPr>
     </a:lvl8pPr>
-    <a:lvl9pPr lvl="8" marR="0" rtl="0" algn="l">
+    <a:lvl9pPr marR="0" lvl="8" algn="l" rtl="0">
       <a:lnSpc>
         <a:spcPct val="100000"/>
       </a:lnSpc>
@@ -658,7 +679,7 @@
         <a:srgbClr val="000000"/>
       </a:buClr>
       <a:buFont typeface="Arial"/>
-      <a:defRPr b="0" i="0" sz="1400" u="none" cap="none" strike="noStrike">
+      <a:defRPr sz="1400" b="0" i="0" u="none" strike="noStrike" cap="none">
         <a:solidFill>
           <a:srgbClr val="000000"/>
         </a:solidFill>
@@ -673,11 +694,366 @@
 </file>
 
 <file path=ppt/notesSlides/notesSlide1.xml><?xml version="1.0" encoding="utf-8"?>
-<p:notes xmlns:a="http://schemas.openxmlformats.org/drawingml/2006/main" xmlns:r="http://schemas.openxmlformats.org/officeDocument/2006/relationships" xmlns:mc="http://schemas.openxmlformats.org/markup-compatibility/2006" xmlns:mv="urn:schemas-microsoft-com:mac:vml" xmlns:p="http://schemas.openxmlformats.org/presentationml/2006/main" xmlns:c="http://schemas.openxmlformats.org/drawingml/2006/chart" xmlns:dgm="http://schemas.openxmlformats.org/drawingml/2006/diagram" xmlns:o="urn:schemas-microsoft-com:office:office" xmlns:v="urn:schemas-microsoft-com:vml" xmlns:pvml="urn:schemas-microsoft-com:office:powerpoint" xmlns:com="http://schemas.openxmlformats.org/drawingml/2006/compatibility" xmlns:p14="http://schemas.microsoft.com/office/powerpoint/2010/main" xmlns:p15="http://schemas.microsoft.com/office/powerpoint/2012/main" showMasterPhAnim="0" showMasterSp="0">
+<p:notes xmlns:a="http://schemas.openxmlformats.org/drawingml/2006/main" xmlns:r="http://schemas.openxmlformats.org/officeDocument/2006/relationships" xmlns:p="http://schemas.openxmlformats.org/presentationml/2006/main">
   <p:cSld>
     <p:spTree>
       <p:nvGrpSpPr>
-        <p:cNvPr id="50" name="Shape 50"/>
+        <p:cNvPr id="1" name=""/>
+        <p:cNvGrpSpPr/>
+        <p:nvPr/>
+      </p:nvGrpSpPr>
+      <p:grpSpPr>
+        <a:xfrm>
+          <a:off x="0" y="0"/>
+          <a:ext cx="0" cy="0"/>
+          <a:chOff x="0" y="0"/>
+          <a:chExt cx="0" cy="0"/>
+        </a:xfrm>
+      </p:grpSpPr>
+      <p:sp>
+        <p:nvSpPr>
+          <p:cNvPr id="2" name="Slide Image Placeholder 1"/>
+          <p:cNvSpPr>
+            <a:spLocks noGrp="1" noRot="1" noChangeAspect="1"/>
+          </p:cNvSpPr>
+          <p:nvPr>
+            <p:ph type="sldImg"/>
+          </p:nvPr>
+        </p:nvSpPr>
+        <p:spPr>
+          <a:xfrm>
+            <a:off x="381000" y="685800"/>
+            <a:ext cx="6096000" cy="3429000"/>
+          </a:xfrm>
+        </p:spPr>
+      </p:sp>
+      <p:sp>
+        <p:nvSpPr>
+          <p:cNvPr id="3" name="Notes Placeholder 2"/>
+          <p:cNvSpPr>
+            <a:spLocks noGrp="1"/>
+          </p:cNvSpPr>
+          <p:nvPr>
+            <p:ph type="body" idx="1"/>
+          </p:nvPr>
+        </p:nvSpPr>
+        <p:spPr/>
+        <p:txBody>
+          <a:bodyPr/>
+          <a:lstStyle/>
+          <a:p>
+            <a:r>
+              <a:rPr lang="en-US" dirty="0"/>
+              <a:t>Nothing is happening.</a:t>
+            </a:r>
+          </a:p>
+        </p:txBody>
+      </p:sp>
+    </p:spTree>
+    <p:extLst>
+      <p:ext uri="{BB962C8B-B14F-4D97-AF65-F5344CB8AC3E}">
+        <p14:creationId xmlns:p14="http://schemas.microsoft.com/office/powerpoint/2010/main" val="1220405538"/>
+      </p:ext>
+    </p:extLst>
+  </p:cSld>
+  <p:clrMapOvr>
+    <a:masterClrMapping/>
+  </p:clrMapOvr>
+</p:notes>
+</file>
+
+<file path=ppt/notesSlides/notesSlide10.xml><?xml version="1.0" encoding="utf-8"?>
+<p:notes xmlns:a="http://schemas.openxmlformats.org/drawingml/2006/main" xmlns:r="http://schemas.openxmlformats.org/officeDocument/2006/relationships" xmlns:p="http://schemas.openxmlformats.org/presentationml/2006/main">
+  <p:cSld>
+    <p:spTree>
+      <p:nvGrpSpPr>
+        <p:cNvPr id="1" name=""/>
+        <p:cNvGrpSpPr/>
+        <p:nvPr/>
+      </p:nvGrpSpPr>
+      <p:grpSpPr>
+        <a:xfrm>
+          <a:off x="0" y="0"/>
+          <a:ext cx="0" cy="0"/>
+          <a:chOff x="0" y="0"/>
+          <a:chExt cx="0" cy="0"/>
+        </a:xfrm>
+      </p:grpSpPr>
+      <p:sp>
+        <p:nvSpPr>
+          <p:cNvPr id="2" name="Slide Image Placeholder 1"/>
+          <p:cNvSpPr>
+            <a:spLocks noGrp="1" noRot="1" noChangeAspect="1"/>
+          </p:cNvSpPr>
+          <p:nvPr>
+            <p:ph type="sldImg"/>
+          </p:nvPr>
+        </p:nvSpPr>
+        <p:spPr>
+          <a:xfrm>
+            <a:off x="381000" y="685800"/>
+            <a:ext cx="6096000" cy="3429000"/>
+          </a:xfrm>
+        </p:spPr>
+      </p:sp>
+      <p:sp>
+        <p:nvSpPr>
+          <p:cNvPr id="3" name="Notes Placeholder 2"/>
+          <p:cNvSpPr>
+            <a:spLocks noGrp="1"/>
+          </p:cNvSpPr>
+          <p:nvPr>
+            <p:ph type="body" idx="1"/>
+          </p:nvPr>
+        </p:nvSpPr>
+        <p:spPr/>
+        <p:txBody>
+          <a:bodyPr/>
+          <a:lstStyle/>
+          <a:p>
+            <a:pPr marL="139700" indent="0">
+              <a:buNone/>
+            </a:pPr>
+            <a:endParaRPr lang="en-US" dirty="0"/>
+          </a:p>
+        </p:txBody>
+      </p:sp>
+    </p:spTree>
+    <p:extLst>
+      <p:ext uri="{BB962C8B-B14F-4D97-AF65-F5344CB8AC3E}">
+        <p14:creationId xmlns:p14="http://schemas.microsoft.com/office/powerpoint/2010/main" val="3682970656"/>
+      </p:ext>
+    </p:extLst>
+  </p:cSld>
+  <p:clrMapOvr>
+    <a:masterClrMapping/>
+  </p:clrMapOvr>
+</p:notes>
+</file>
+
+<file path=ppt/notesSlides/notesSlide2.xml><?xml version="1.0" encoding="utf-8"?>
+<p:notes xmlns:a="http://schemas.openxmlformats.org/drawingml/2006/main" xmlns:r="http://schemas.openxmlformats.org/officeDocument/2006/relationships" xmlns:p="http://schemas.openxmlformats.org/presentationml/2006/main" showMasterSp="0" showMasterPhAnim="0">
+  <p:cSld>
+    <p:spTree>
+      <p:nvGrpSpPr>
+        <p:cNvPr id="1" name="Shape 57"/>
+        <p:cNvGrpSpPr/>
+        <p:nvPr/>
+      </p:nvGrpSpPr>
+      <p:grpSpPr>
+        <a:xfrm>
+          <a:off x="0" y="0"/>
+          <a:ext cx="0" cy="0"/>
+          <a:chOff x="0" y="0"/>
+          <a:chExt cx="0" cy="0"/>
+        </a:xfrm>
+      </p:grpSpPr>
+      <p:sp>
+        <p:nvSpPr>
+          <p:cNvPr id="58" name="Shape 58"/>
+          <p:cNvSpPr>
+            <a:spLocks noGrp="1" noRot="1" noChangeAspect="1"/>
+          </p:cNvSpPr>
+          <p:nvPr>
+            <p:ph type="sldImg" idx="2"/>
+          </p:nvPr>
+        </p:nvSpPr>
+        <p:spPr>
+          <a:xfrm>
+            <a:off x="381000" y="685800"/>
+            <a:ext cx="6096000" cy="3429000"/>
+          </a:xfrm>
+          <a:custGeom>
+            <a:avLst/>
+            <a:gdLst/>
+            <a:ahLst/>
+            <a:cxnLst/>
+            <a:rect l="0" t="0" r="0" b="0"/>
+            <a:pathLst>
+              <a:path w="120000" h="120000" extrusionOk="0">
+                <a:moveTo>
+                  <a:pt x="0" y="0"/>
+                </a:moveTo>
+                <a:lnTo>
+                  <a:pt x="120000" y="0"/>
+                </a:lnTo>
+                <a:lnTo>
+                  <a:pt x="120000" y="120000"/>
+                </a:lnTo>
+                <a:lnTo>
+                  <a:pt x="0" y="120000"/>
+                </a:lnTo>
+                <a:close/>
+              </a:path>
+            </a:pathLst>
+          </a:custGeom>
+        </p:spPr>
+      </p:sp>
+      <p:sp>
+        <p:nvSpPr>
+          <p:cNvPr id="59" name="Shape 59"/>
+          <p:cNvSpPr txBox="1">
+            <a:spLocks noGrp="1"/>
+          </p:cNvSpPr>
+          <p:nvPr>
+            <p:ph type="body" idx="1"/>
+          </p:nvPr>
+        </p:nvSpPr>
+        <p:spPr>
+          <a:xfrm>
+            <a:off x="685800" y="4343400"/>
+            <a:ext cx="5486400" cy="4114800"/>
+          </a:xfrm>
+          <a:prstGeom prst="rect">
+            <a:avLst/>
+          </a:prstGeom>
+        </p:spPr>
+        <p:txBody>
+          <a:bodyPr spcFirstLastPara="1" wrap="square" lIns="91425" tIns="91425" rIns="91425" bIns="91425" anchor="t" anchorCtr="0">
+            <a:noAutofit/>
+          </a:bodyPr>
+          <a:lstStyle/>
+          <a:p>
+            <a:pPr marL="0" lvl="0" indent="0" rtl="0">
+              <a:spcBef>
+                <a:spcPts val="0"/>
+              </a:spcBef>
+              <a:spcAft>
+                <a:spcPts val="0"/>
+              </a:spcAft>
+              <a:buNone/>
+            </a:pPr>
+            <a:endParaRPr/>
+          </a:p>
+        </p:txBody>
+      </p:sp>
+    </p:spTree>
+    <p:extLst>
+      <p:ext uri="{BB962C8B-B14F-4D97-AF65-F5344CB8AC3E}">
+        <p14:creationId xmlns:p14="http://schemas.microsoft.com/office/powerpoint/2010/main" val="3880736831"/>
+      </p:ext>
+    </p:extLst>
+  </p:cSld>
+  <p:clrMapOvr>
+    <a:masterClrMapping/>
+  </p:clrMapOvr>
+</p:notes>
+</file>
+
+<file path=ppt/notesSlides/notesSlide3.xml><?xml version="1.0" encoding="utf-8"?>
+<p:notes xmlns:a="http://schemas.openxmlformats.org/drawingml/2006/main" xmlns:r="http://schemas.openxmlformats.org/officeDocument/2006/relationships" xmlns:p="http://schemas.openxmlformats.org/presentationml/2006/main" showMasterSp="0" showMasterPhAnim="0">
+  <p:cSld>
+    <p:spTree>
+      <p:nvGrpSpPr>
+        <p:cNvPr id="1" name="Shape 57"/>
+        <p:cNvGrpSpPr/>
+        <p:nvPr/>
+      </p:nvGrpSpPr>
+      <p:grpSpPr>
+        <a:xfrm>
+          <a:off x="0" y="0"/>
+          <a:ext cx="0" cy="0"/>
+          <a:chOff x="0" y="0"/>
+          <a:chExt cx="0" cy="0"/>
+        </a:xfrm>
+      </p:grpSpPr>
+      <p:sp>
+        <p:nvSpPr>
+          <p:cNvPr id="58" name="Shape 58"/>
+          <p:cNvSpPr>
+            <a:spLocks noGrp="1" noRot="1" noChangeAspect="1"/>
+          </p:cNvSpPr>
+          <p:nvPr>
+            <p:ph type="sldImg" idx="2"/>
+          </p:nvPr>
+        </p:nvSpPr>
+        <p:spPr>
+          <a:xfrm>
+            <a:off x="381000" y="685800"/>
+            <a:ext cx="6096000" cy="3429000"/>
+          </a:xfrm>
+          <a:custGeom>
+            <a:avLst/>
+            <a:gdLst/>
+            <a:ahLst/>
+            <a:cxnLst/>
+            <a:rect l="0" t="0" r="0" b="0"/>
+            <a:pathLst>
+              <a:path w="120000" h="120000" extrusionOk="0">
+                <a:moveTo>
+                  <a:pt x="0" y="0"/>
+                </a:moveTo>
+                <a:lnTo>
+                  <a:pt x="120000" y="0"/>
+                </a:lnTo>
+                <a:lnTo>
+                  <a:pt x="120000" y="120000"/>
+                </a:lnTo>
+                <a:lnTo>
+                  <a:pt x="0" y="120000"/>
+                </a:lnTo>
+                <a:close/>
+              </a:path>
+            </a:pathLst>
+          </a:custGeom>
+        </p:spPr>
+      </p:sp>
+      <p:sp>
+        <p:nvSpPr>
+          <p:cNvPr id="59" name="Shape 59"/>
+          <p:cNvSpPr txBox="1">
+            <a:spLocks noGrp="1"/>
+          </p:cNvSpPr>
+          <p:nvPr>
+            <p:ph type="body" idx="1"/>
+          </p:nvPr>
+        </p:nvSpPr>
+        <p:spPr>
+          <a:xfrm>
+            <a:off x="685800" y="4343400"/>
+            <a:ext cx="5486400" cy="4114800"/>
+          </a:xfrm>
+          <a:prstGeom prst="rect">
+            <a:avLst/>
+          </a:prstGeom>
+        </p:spPr>
+        <p:txBody>
+          <a:bodyPr spcFirstLastPara="1" wrap="square" lIns="91425" tIns="91425" rIns="91425" bIns="91425" anchor="t" anchorCtr="0">
+            <a:noAutofit/>
+          </a:bodyPr>
+          <a:lstStyle/>
+          <a:p>
+            <a:pPr marL="171450" lvl="0" indent="-171450" rtl="0">
+              <a:spcBef>
+                <a:spcPts val="0"/>
+              </a:spcBef>
+              <a:spcAft>
+                <a:spcPts val="0"/>
+              </a:spcAft>
+            </a:pPr>
+            <a:endParaRPr dirty="0"/>
+          </a:p>
+        </p:txBody>
+      </p:sp>
+    </p:spTree>
+    <p:extLst>
+      <p:ext uri="{BB962C8B-B14F-4D97-AF65-F5344CB8AC3E}">
+        <p14:creationId xmlns:p14="http://schemas.microsoft.com/office/powerpoint/2010/main" val="906168569"/>
+      </p:ext>
+    </p:extLst>
+  </p:cSld>
+  <p:clrMapOvr>
+    <a:masterClrMapping/>
+  </p:clrMapOvr>
+</p:notes>
+</file>
+
+<file path=ppt/notesSlides/notesSlide4.xml><?xml version="1.0" encoding="utf-8"?>
+<p:notes xmlns:a="http://schemas.openxmlformats.org/drawingml/2006/main" xmlns:r="http://schemas.openxmlformats.org/officeDocument/2006/relationships" xmlns:p="http://schemas.openxmlformats.org/presentationml/2006/main" showMasterSp="0" showMasterPhAnim="0">
+  <p:cSld>
+    <p:spTree>
+      <p:nvGrpSpPr>
+        <p:cNvPr id="1" name="Shape 50"/>
         <p:cNvGrpSpPr/>
         <p:nvPr/>
       </p:nvGrpSpPr>
@@ -692,19 +1068,26 @@
       <p:sp>
         <p:nvSpPr>
           <p:cNvPr id="51" name="Shape 51"/>
-          <p:cNvSpPr/>
+          <p:cNvSpPr>
+            <a:spLocks noGrp="1" noRot="1" noChangeAspect="1"/>
+          </p:cNvSpPr>
           <p:nvPr>
-            <p:ph idx="2" type="sldImg"/>
+            <p:ph type="sldImg" idx="2"/>
           </p:nvPr>
         </p:nvSpPr>
         <p:spPr>
           <a:xfrm>
-            <a:off x="381300" y="685800"/>
-            <a:ext cx="6096075" cy="3429000"/>
+            <a:off x="381000" y="685800"/>
+            <a:ext cx="6096000" cy="3429000"/>
           </a:xfrm>
           <a:custGeom>
+            <a:avLst/>
+            <a:gdLst/>
+            <a:ahLst/>
+            <a:cxnLst/>
+            <a:rect l="0" t="0" r="0" b="0"/>
             <a:pathLst>
-              <a:path extrusionOk="0" h="120000" w="120000">
+              <a:path w="120000" h="120000" extrusionOk="0">
                 <a:moveTo>
                   <a:pt x="0" y="0"/>
                 </a:moveTo>
@@ -726,9 +1109,11 @@
       <p:sp>
         <p:nvSpPr>
           <p:cNvPr id="52" name="Shape 52"/>
-          <p:cNvSpPr txBox="1"/>
+          <p:cNvSpPr txBox="1">
+            <a:spLocks noGrp="1"/>
+          </p:cNvSpPr>
           <p:nvPr>
-            <p:ph idx="1" type="body"/>
+            <p:ph type="body" idx="1"/>
           </p:nvPr>
         </p:nvSpPr>
         <p:spPr>
@@ -741,12 +1126,12 @@
           </a:prstGeom>
         </p:spPr>
         <p:txBody>
-          <a:bodyPr anchorCtr="0" anchor="t" bIns="91425" lIns="91425" spcFirstLastPara="1" rIns="91425" wrap="square" tIns="91425">
+          <a:bodyPr spcFirstLastPara="1" wrap="square" lIns="91425" tIns="91425" rIns="91425" bIns="91425" anchor="t" anchorCtr="0">
             <a:noAutofit/>
           </a:bodyPr>
           <a:lstStyle/>
           <a:p>
-            <a:pPr indent="0" lvl="0" marL="0">
+            <a:pPr marL="0" lvl="0" indent="0">
               <a:spcBef>
                 <a:spcPts val="0"/>
               </a:spcBef>
@@ -755,9 +1140,6 @@
               </a:spcAft>
               <a:buNone/>
             </a:pPr>
-            <a:r>
-              <a:t/>
-            </a:r>
             <a:endParaRPr/>
           </a:p>
         </p:txBody>
@@ -770,12 +1152,12 @@
 </p:notes>
 </file>
 
-<file path=ppt/notesSlides/notesSlide2.xml><?xml version="1.0" encoding="utf-8"?>
-<p:notes xmlns:a="http://schemas.openxmlformats.org/drawingml/2006/main" xmlns:r="http://schemas.openxmlformats.org/officeDocument/2006/relationships" xmlns:mc="http://schemas.openxmlformats.org/markup-compatibility/2006" xmlns:mv="urn:schemas-microsoft-com:mac:vml" xmlns:p="http://schemas.openxmlformats.org/presentationml/2006/main" xmlns:c="http://schemas.openxmlformats.org/drawingml/2006/chart" xmlns:dgm="http://schemas.openxmlformats.org/drawingml/2006/diagram" xmlns:o="urn:schemas-microsoft-com:office:office" xmlns:v="urn:schemas-microsoft-com:vml" xmlns:pvml="urn:schemas-microsoft-com:office:powerpoint" xmlns:com="http://schemas.openxmlformats.org/drawingml/2006/compatibility" xmlns:p14="http://schemas.microsoft.com/office/powerpoint/2010/main" xmlns:p15="http://schemas.microsoft.com/office/powerpoint/2012/main" showMasterPhAnim="0" showMasterSp="0">
+<file path=ppt/notesSlides/notesSlide5.xml><?xml version="1.0" encoding="utf-8"?>
+<p:notes xmlns:a="http://schemas.openxmlformats.org/drawingml/2006/main" xmlns:r="http://schemas.openxmlformats.org/officeDocument/2006/relationships" xmlns:p="http://schemas.openxmlformats.org/presentationml/2006/main" showMasterSp="0" showMasterPhAnim="0">
   <p:cSld>
     <p:spTree>
       <p:nvGrpSpPr>
-        <p:cNvPr id="57" name="Shape 57"/>
+        <p:cNvPr id="1" name="Shape 57"/>
         <p:cNvGrpSpPr/>
         <p:nvPr/>
       </p:nvGrpSpPr>
@@ -790,19 +1172,26 @@
       <p:sp>
         <p:nvSpPr>
           <p:cNvPr id="58" name="Shape 58"/>
-          <p:cNvSpPr/>
+          <p:cNvSpPr>
+            <a:spLocks noGrp="1" noRot="1" noChangeAspect="1"/>
+          </p:cNvSpPr>
           <p:nvPr>
-            <p:ph idx="2" type="sldImg"/>
+            <p:ph type="sldImg" idx="2"/>
           </p:nvPr>
         </p:nvSpPr>
         <p:spPr>
           <a:xfrm>
-            <a:off x="381300" y="685800"/>
+            <a:off x="381000" y="685800"/>
             <a:ext cx="6096000" cy="3429000"/>
           </a:xfrm>
           <a:custGeom>
+            <a:avLst/>
+            <a:gdLst/>
+            <a:ahLst/>
+            <a:cxnLst/>
+            <a:rect l="0" t="0" r="0" b="0"/>
             <a:pathLst>
-              <a:path extrusionOk="0" h="120000" w="120000">
+              <a:path w="120000" h="120000" extrusionOk="0">
                 <a:moveTo>
                   <a:pt x="0" y="0"/>
                 </a:moveTo>
@@ -824,9 +1213,11 @@
       <p:sp>
         <p:nvSpPr>
           <p:cNvPr id="59" name="Shape 59"/>
-          <p:cNvSpPr txBox="1"/>
+          <p:cNvSpPr txBox="1">
+            <a:spLocks noGrp="1"/>
+          </p:cNvSpPr>
           <p:nvPr>
-            <p:ph idx="1" type="body"/>
+            <p:ph type="body" idx="1"/>
           </p:nvPr>
         </p:nvSpPr>
         <p:spPr>
@@ -839,12 +1230,12 @@
           </a:prstGeom>
         </p:spPr>
         <p:txBody>
-          <a:bodyPr anchorCtr="0" anchor="t" bIns="91425" lIns="91425" spcFirstLastPara="1" rIns="91425" wrap="square" tIns="91425">
+          <a:bodyPr spcFirstLastPara="1" wrap="square" lIns="91425" tIns="91425" rIns="91425" bIns="91425" anchor="t" anchorCtr="0">
             <a:noAutofit/>
           </a:bodyPr>
           <a:lstStyle/>
           <a:p>
-            <a:pPr indent="0" lvl="0" marL="0" rtl="0">
+            <a:pPr marL="0" lvl="0" indent="0" rtl="0">
               <a:spcBef>
                 <a:spcPts val="0"/>
               </a:spcBef>
@@ -853,9 +1244,6 @@
               </a:spcAft>
               <a:buNone/>
             </a:pPr>
-            <a:r>
-              <a:t/>
-            </a:r>
             <a:endParaRPr/>
           </a:p>
         </p:txBody>
@@ -868,12 +1256,12 @@
 </p:notes>
 </file>
 
-<file path=ppt/notesSlides/notesSlide3.xml><?xml version="1.0" encoding="utf-8"?>
-<p:notes xmlns:a="http://schemas.openxmlformats.org/drawingml/2006/main" xmlns:r="http://schemas.openxmlformats.org/officeDocument/2006/relationships" xmlns:mc="http://schemas.openxmlformats.org/markup-compatibility/2006" xmlns:mv="urn:schemas-microsoft-com:mac:vml" xmlns:p="http://schemas.openxmlformats.org/presentationml/2006/main" xmlns:c="http://schemas.openxmlformats.org/drawingml/2006/chart" xmlns:dgm="http://schemas.openxmlformats.org/drawingml/2006/diagram" xmlns:o="urn:schemas-microsoft-com:office:office" xmlns:v="urn:schemas-microsoft-com:vml" xmlns:pvml="urn:schemas-microsoft-com:office:powerpoint" xmlns:com="http://schemas.openxmlformats.org/drawingml/2006/compatibility" xmlns:p14="http://schemas.microsoft.com/office/powerpoint/2010/main" xmlns:p15="http://schemas.microsoft.com/office/powerpoint/2012/main" showMasterPhAnim="0" showMasterSp="0">
+<file path=ppt/notesSlides/notesSlide6.xml><?xml version="1.0" encoding="utf-8"?>
+<p:notes xmlns:a="http://schemas.openxmlformats.org/drawingml/2006/main" xmlns:r="http://schemas.openxmlformats.org/officeDocument/2006/relationships" xmlns:p="http://schemas.openxmlformats.org/presentationml/2006/main" showMasterSp="0" showMasterPhAnim="0">
   <p:cSld>
     <p:spTree>
       <p:nvGrpSpPr>
-        <p:cNvPr id="63" name="Shape 63"/>
+        <p:cNvPr id="1" name="Shape 63"/>
         <p:cNvGrpSpPr/>
         <p:nvPr/>
       </p:nvGrpSpPr>
@@ -888,19 +1276,26 @@
       <p:sp>
         <p:nvSpPr>
           <p:cNvPr id="64" name="Shape 64"/>
-          <p:cNvSpPr/>
+          <p:cNvSpPr>
+            <a:spLocks noGrp="1" noRot="1" noChangeAspect="1"/>
+          </p:cNvSpPr>
           <p:nvPr>
-            <p:ph idx="2" type="sldImg"/>
+            <p:ph type="sldImg" idx="2"/>
           </p:nvPr>
         </p:nvSpPr>
         <p:spPr>
           <a:xfrm>
-            <a:off x="381300" y="685800"/>
+            <a:off x="381000" y="685800"/>
             <a:ext cx="6096000" cy="3429000"/>
           </a:xfrm>
           <a:custGeom>
+            <a:avLst/>
+            <a:gdLst/>
+            <a:ahLst/>
+            <a:cxnLst/>
+            <a:rect l="0" t="0" r="0" b="0"/>
             <a:pathLst>
-              <a:path extrusionOk="0" h="120000" w="120000">
+              <a:path w="120000" h="120000" extrusionOk="0">
                 <a:moveTo>
                   <a:pt x="0" y="0"/>
                 </a:moveTo>
@@ -922,9 +1317,11 @@
       <p:sp>
         <p:nvSpPr>
           <p:cNvPr id="65" name="Shape 65"/>
-          <p:cNvSpPr txBox="1"/>
+          <p:cNvSpPr txBox="1">
+            <a:spLocks noGrp="1"/>
+          </p:cNvSpPr>
           <p:nvPr>
-            <p:ph idx="1" type="body"/>
+            <p:ph type="body" idx="1"/>
           </p:nvPr>
         </p:nvSpPr>
         <p:spPr>
@@ -937,12 +1334,12 @@
           </a:prstGeom>
         </p:spPr>
         <p:txBody>
-          <a:bodyPr anchorCtr="0" anchor="t" bIns="91425" lIns="91425" spcFirstLastPara="1" rIns="91425" wrap="square" tIns="91425">
+          <a:bodyPr spcFirstLastPara="1" wrap="square" lIns="91425" tIns="91425" rIns="91425" bIns="91425" anchor="t" anchorCtr="0">
             <a:noAutofit/>
           </a:bodyPr>
           <a:lstStyle/>
           <a:p>
-            <a:pPr indent="0" lvl="0" marL="0" rtl="0">
+            <a:pPr marL="0" lvl="0" indent="0" rtl="0">
               <a:spcBef>
                 <a:spcPts val="0"/>
               </a:spcBef>
@@ -951,9 +1348,6 @@
               </a:spcAft>
               <a:buNone/>
             </a:pPr>
-            <a:r>
-              <a:t/>
-            </a:r>
             <a:endParaRPr/>
           </a:p>
         </p:txBody>
@@ -966,110 +1360,12 @@
 </p:notes>
 </file>
 
-<file path=ppt/notesSlides/notesSlide4.xml><?xml version="1.0" encoding="utf-8"?>
-<p:notes xmlns:a="http://schemas.openxmlformats.org/drawingml/2006/main" xmlns:r="http://schemas.openxmlformats.org/officeDocument/2006/relationships" xmlns:mc="http://schemas.openxmlformats.org/markup-compatibility/2006" xmlns:mv="urn:schemas-microsoft-com:mac:vml" xmlns:p="http://schemas.openxmlformats.org/presentationml/2006/main" xmlns:c="http://schemas.openxmlformats.org/drawingml/2006/chart" xmlns:dgm="http://schemas.openxmlformats.org/drawingml/2006/diagram" xmlns:o="urn:schemas-microsoft-com:office:office" xmlns:v="urn:schemas-microsoft-com:vml" xmlns:pvml="urn:schemas-microsoft-com:office:powerpoint" xmlns:com="http://schemas.openxmlformats.org/drawingml/2006/compatibility" xmlns:p14="http://schemas.microsoft.com/office/powerpoint/2010/main" xmlns:p15="http://schemas.microsoft.com/office/powerpoint/2012/main" showMasterPhAnim="0" showMasterSp="0">
+<file path=ppt/notesSlides/notesSlide7.xml><?xml version="1.0" encoding="utf-8"?>
+<p:notes xmlns:a="http://schemas.openxmlformats.org/drawingml/2006/main" xmlns:r="http://schemas.openxmlformats.org/officeDocument/2006/relationships" xmlns:p="http://schemas.openxmlformats.org/presentationml/2006/main" showMasterSp="0" showMasterPhAnim="0">
   <p:cSld>
     <p:spTree>
       <p:nvGrpSpPr>
-        <p:cNvPr id="69" name="Shape 69"/>
-        <p:cNvGrpSpPr/>
-        <p:nvPr/>
-      </p:nvGrpSpPr>
-      <p:grpSpPr>
-        <a:xfrm>
-          <a:off x="0" y="0"/>
-          <a:ext cx="0" cy="0"/>
-          <a:chOff x="0" y="0"/>
-          <a:chExt cx="0" cy="0"/>
-        </a:xfrm>
-      </p:grpSpPr>
-      <p:sp>
-        <p:nvSpPr>
-          <p:cNvPr id="70" name="Shape 70"/>
-          <p:cNvSpPr/>
-          <p:nvPr>
-            <p:ph idx="2" type="sldImg"/>
-          </p:nvPr>
-        </p:nvSpPr>
-        <p:spPr>
-          <a:xfrm>
-            <a:off x="381300" y="685800"/>
-            <a:ext cx="6096000" cy="3429000"/>
-          </a:xfrm>
-          <a:custGeom>
-            <a:pathLst>
-              <a:path extrusionOk="0" h="120000" w="120000">
-                <a:moveTo>
-                  <a:pt x="0" y="0"/>
-                </a:moveTo>
-                <a:lnTo>
-                  <a:pt x="120000" y="0"/>
-                </a:lnTo>
-                <a:lnTo>
-                  <a:pt x="120000" y="120000"/>
-                </a:lnTo>
-                <a:lnTo>
-                  <a:pt x="0" y="120000"/>
-                </a:lnTo>
-                <a:close/>
-              </a:path>
-            </a:pathLst>
-          </a:custGeom>
-        </p:spPr>
-      </p:sp>
-      <p:sp>
-        <p:nvSpPr>
-          <p:cNvPr id="71" name="Shape 71"/>
-          <p:cNvSpPr txBox="1"/>
-          <p:nvPr>
-            <p:ph idx="1" type="body"/>
-          </p:nvPr>
-        </p:nvSpPr>
-        <p:spPr>
-          <a:xfrm>
-            <a:off x="685800" y="4343400"/>
-            <a:ext cx="5486400" cy="4114800"/>
-          </a:xfrm>
-          <a:prstGeom prst="rect">
-            <a:avLst/>
-          </a:prstGeom>
-        </p:spPr>
-        <p:txBody>
-          <a:bodyPr anchorCtr="0" anchor="t" bIns="91425" lIns="91425" spcFirstLastPara="1" rIns="91425" wrap="square" tIns="91425">
-            <a:noAutofit/>
-          </a:bodyPr>
-          <a:lstStyle/>
-          <a:p>
-            <a:pPr indent="0" lvl="0" marL="0" rtl="0">
-              <a:spcBef>
-                <a:spcPts val="0"/>
-              </a:spcBef>
-              <a:spcAft>
-                <a:spcPts val="0"/>
-              </a:spcAft>
-              <a:buNone/>
-            </a:pPr>
-            <a:r>
-              <a:t/>
-            </a:r>
-            <a:endParaRPr/>
-          </a:p>
-        </p:txBody>
-      </p:sp>
-    </p:spTree>
-  </p:cSld>
-  <p:clrMapOvr>
-    <a:masterClrMapping/>
-  </p:clrMapOvr>
-</p:notes>
-</file>
-
-<file path=ppt/notesSlides/notesSlide5.xml><?xml version="1.0" encoding="utf-8"?>
-<p:notes xmlns:a="http://schemas.openxmlformats.org/drawingml/2006/main" xmlns:r="http://schemas.openxmlformats.org/officeDocument/2006/relationships" xmlns:mc="http://schemas.openxmlformats.org/markup-compatibility/2006" xmlns:mv="urn:schemas-microsoft-com:mac:vml" xmlns:p="http://schemas.openxmlformats.org/presentationml/2006/main" xmlns:c="http://schemas.openxmlformats.org/drawingml/2006/chart" xmlns:dgm="http://schemas.openxmlformats.org/drawingml/2006/diagram" xmlns:o="urn:schemas-microsoft-com:office:office" xmlns:v="urn:schemas-microsoft-com:vml" xmlns:pvml="urn:schemas-microsoft-com:office:powerpoint" xmlns:com="http://schemas.openxmlformats.org/drawingml/2006/compatibility" xmlns:p14="http://schemas.microsoft.com/office/powerpoint/2010/main" xmlns:p15="http://schemas.microsoft.com/office/powerpoint/2012/main" showMasterPhAnim="0" showMasterSp="0">
-  <p:cSld>
-    <p:spTree>
-      <p:nvGrpSpPr>
-        <p:cNvPr id="75" name="Shape 75"/>
+        <p:cNvPr id="1" name="Shape 75"/>
         <p:cNvGrpSpPr/>
         <p:nvPr/>
       </p:nvGrpSpPr>
@@ -1084,19 +1380,26 @@
       <p:sp>
         <p:nvSpPr>
           <p:cNvPr id="76" name="Shape 76"/>
-          <p:cNvSpPr/>
+          <p:cNvSpPr>
+            <a:spLocks noGrp="1" noRot="1" noChangeAspect="1"/>
+          </p:cNvSpPr>
           <p:nvPr>
-            <p:ph idx="2" type="sldImg"/>
+            <p:ph type="sldImg" idx="2"/>
           </p:nvPr>
         </p:nvSpPr>
         <p:spPr>
           <a:xfrm>
-            <a:off x="381300" y="685800"/>
+            <a:off x="381000" y="685800"/>
             <a:ext cx="6096000" cy="3429000"/>
           </a:xfrm>
           <a:custGeom>
+            <a:avLst/>
+            <a:gdLst/>
+            <a:ahLst/>
+            <a:cxnLst/>
+            <a:rect l="0" t="0" r="0" b="0"/>
             <a:pathLst>
-              <a:path extrusionOk="0" h="120000" w="120000">
+              <a:path w="120000" h="120000" extrusionOk="0">
                 <a:moveTo>
                   <a:pt x="0" y="0"/>
                 </a:moveTo>
@@ -1118,9 +1421,11 @@
       <p:sp>
         <p:nvSpPr>
           <p:cNvPr id="77" name="Shape 77"/>
-          <p:cNvSpPr txBox="1"/>
+          <p:cNvSpPr txBox="1">
+            <a:spLocks noGrp="1"/>
+          </p:cNvSpPr>
           <p:nvPr>
-            <p:ph idx="1" type="body"/>
+            <p:ph type="body" idx="1"/>
           </p:nvPr>
         </p:nvSpPr>
         <p:spPr>
@@ -1133,12 +1438,12 @@
           </a:prstGeom>
         </p:spPr>
         <p:txBody>
-          <a:bodyPr anchorCtr="0" anchor="t" bIns="91425" lIns="91425" spcFirstLastPara="1" rIns="91425" wrap="square" tIns="91425">
+          <a:bodyPr spcFirstLastPara="1" wrap="square" lIns="91425" tIns="91425" rIns="91425" bIns="91425" anchor="t" anchorCtr="0">
             <a:noAutofit/>
           </a:bodyPr>
           <a:lstStyle/>
           <a:p>
-            <a:pPr indent="0" lvl="0" marL="0" rtl="0">
+            <a:pPr marL="0" lvl="0" indent="0" rtl="0">
               <a:spcBef>
                 <a:spcPts val="0"/>
               </a:spcBef>
@@ -1147,9 +1452,6 @@
               </a:spcAft>
               <a:buNone/>
             </a:pPr>
-            <a:r>
-              <a:t/>
-            </a:r>
             <a:endParaRPr/>
           </a:p>
         </p:txBody>
@@ -1162,12 +1464,12 @@
 </p:notes>
 </file>
 
-<file path=ppt/notesSlides/notesSlide6.xml><?xml version="1.0" encoding="utf-8"?>
-<p:notes xmlns:a="http://schemas.openxmlformats.org/drawingml/2006/main" xmlns:r="http://schemas.openxmlformats.org/officeDocument/2006/relationships" xmlns:mc="http://schemas.openxmlformats.org/markup-compatibility/2006" xmlns:mv="urn:schemas-microsoft-com:mac:vml" xmlns:p="http://schemas.openxmlformats.org/presentationml/2006/main" xmlns:c="http://schemas.openxmlformats.org/drawingml/2006/chart" xmlns:dgm="http://schemas.openxmlformats.org/drawingml/2006/diagram" xmlns:o="urn:schemas-microsoft-com:office:office" xmlns:v="urn:schemas-microsoft-com:vml" xmlns:pvml="urn:schemas-microsoft-com:office:powerpoint" xmlns:com="http://schemas.openxmlformats.org/drawingml/2006/compatibility" xmlns:p14="http://schemas.microsoft.com/office/powerpoint/2010/main" xmlns:p15="http://schemas.microsoft.com/office/powerpoint/2012/main" showMasterPhAnim="0" showMasterSp="0">
+<file path=ppt/notesSlides/notesSlide8.xml><?xml version="1.0" encoding="utf-8"?>
+<p:notes xmlns:a="http://schemas.openxmlformats.org/drawingml/2006/main" xmlns:r="http://schemas.openxmlformats.org/officeDocument/2006/relationships" xmlns:p="http://schemas.openxmlformats.org/presentationml/2006/main" showMasterSp="0" showMasterPhAnim="0">
   <p:cSld>
     <p:spTree>
       <p:nvGrpSpPr>
-        <p:cNvPr id="81" name="Shape 81"/>
+        <p:cNvPr id="1" name="Shape 81"/>
         <p:cNvGrpSpPr/>
         <p:nvPr/>
       </p:nvGrpSpPr>
@@ -1182,19 +1484,26 @@
       <p:sp>
         <p:nvSpPr>
           <p:cNvPr id="82" name="Shape 82"/>
-          <p:cNvSpPr/>
+          <p:cNvSpPr>
+            <a:spLocks noGrp="1" noRot="1" noChangeAspect="1"/>
+          </p:cNvSpPr>
           <p:nvPr>
-            <p:ph idx="2" type="sldImg"/>
+            <p:ph type="sldImg" idx="2"/>
           </p:nvPr>
         </p:nvSpPr>
         <p:spPr>
           <a:xfrm>
-            <a:off x="381300" y="685800"/>
+            <a:off x="381000" y="685800"/>
             <a:ext cx="6096000" cy="3429000"/>
           </a:xfrm>
           <a:custGeom>
+            <a:avLst/>
+            <a:gdLst/>
+            <a:ahLst/>
+            <a:cxnLst/>
+            <a:rect l="0" t="0" r="0" b="0"/>
             <a:pathLst>
-              <a:path extrusionOk="0" h="120000" w="120000">
+              <a:path w="120000" h="120000" extrusionOk="0">
                 <a:moveTo>
                   <a:pt x="0" y="0"/>
                 </a:moveTo>
@@ -1216,9 +1525,11 @@
       <p:sp>
         <p:nvSpPr>
           <p:cNvPr id="83" name="Shape 83"/>
-          <p:cNvSpPr txBox="1"/>
+          <p:cNvSpPr txBox="1">
+            <a:spLocks noGrp="1"/>
+          </p:cNvSpPr>
           <p:nvPr>
-            <p:ph idx="1" type="body"/>
+            <p:ph type="body" idx="1"/>
           </p:nvPr>
         </p:nvSpPr>
         <p:spPr>
@@ -1231,12 +1542,12 @@
           </a:prstGeom>
         </p:spPr>
         <p:txBody>
-          <a:bodyPr anchorCtr="0" anchor="t" bIns="91425" lIns="91425" spcFirstLastPara="1" rIns="91425" wrap="square" tIns="91425">
+          <a:bodyPr spcFirstLastPara="1" wrap="square" lIns="91425" tIns="91425" rIns="91425" bIns="91425" anchor="t" anchorCtr="0">
             <a:noAutofit/>
           </a:bodyPr>
           <a:lstStyle/>
           <a:p>
-            <a:pPr indent="0" lvl="0" marL="0" rtl="0">
+            <a:pPr marL="0" lvl="0" indent="0" rtl="0">
               <a:spcBef>
                 <a:spcPts val="0"/>
               </a:spcBef>
@@ -1245,9 +1556,6 @@
               </a:spcAft>
               <a:buNone/>
             </a:pPr>
-            <a:r>
-              <a:t/>
-            </a:r>
             <a:endParaRPr/>
           </a:p>
         </p:txBody>
@@ -1260,12 +1568,78 @@
 </p:notes>
 </file>
 
+<file path=ppt/notesSlides/notesSlide9.xml><?xml version="1.0" encoding="utf-8"?>
+<p:notes xmlns:a="http://schemas.openxmlformats.org/drawingml/2006/main" xmlns:r="http://schemas.openxmlformats.org/officeDocument/2006/relationships" xmlns:p="http://schemas.openxmlformats.org/presentationml/2006/main">
+  <p:cSld>
+    <p:spTree>
+      <p:nvGrpSpPr>
+        <p:cNvPr id="1" name=""/>
+        <p:cNvGrpSpPr/>
+        <p:nvPr/>
+      </p:nvGrpSpPr>
+      <p:grpSpPr>
+        <a:xfrm>
+          <a:off x="0" y="0"/>
+          <a:ext cx="0" cy="0"/>
+          <a:chOff x="0" y="0"/>
+          <a:chExt cx="0" cy="0"/>
+        </a:xfrm>
+      </p:grpSpPr>
+      <p:sp>
+        <p:nvSpPr>
+          <p:cNvPr id="2" name="Slide Image Placeholder 1"/>
+          <p:cNvSpPr>
+            <a:spLocks noGrp="1" noRot="1" noChangeAspect="1"/>
+          </p:cNvSpPr>
+          <p:nvPr>
+            <p:ph type="sldImg"/>
+          </p:nvPr>
+        </p:nvSpPr>
+        <p:spPr>
+          <a:xfrm>
+            <a:off x="381000" y="685800"/>
+            <a:ext cx="6096000" cy="3429000"/>
+          </a:xfrm>
+        </p:spPr>
+      </p:sp>
+      <p:sp>
+        <p:nvSpPr>
+          <p:cNvPr id="3" name="Notes Placeholder 2"/>
+          <p:cNvSpPr>
+            <a:spLocks noGrp="1"/>
+          </p:cNvSpPr>
+          <p:nvPr>
+            <p:ph type="body" idx="1"/>
+          </p:nvPr>
+        </p:nvSpPr>
+        <p:spPr/>
+        <p:txBody>
+          <a:bodyPr/>
+          <a:lstStyle/>
+          <a:p>
+            <a:endParaRPr lang="en-US" dirty="0"/>
+          </a:p>
+        </p:txBody>
+      </p:sp>
+    </p:spTree>
+    <p:extLst>
+      <p:ext uri="{BB962C8B-B14F-4D97-AF65-F5344CB8AC3E}">
+        <p14:creationId xmlns:p14="http://schemas.microsoft.com/office/powerpoint/2010/main" val="2293786947"/>
+      </p:ext>
+    </p:extLst>
+  </p:cSld>
+  <p:clrMapOvr>
+    <a:masterClrMapping/>
+  </p:clrMapOvr>
+</p:notes>
+</file>
+
 <file path=ppt/slideLayouts/slideLayout1.xml><?xml version="1.0" encoding="utf-8"?>
-<p:sldLayout xmlns:a="http://schemas.openxmlformats.org/drawingml/2006/main" xmlns:r="http://schemas.openxmlformats.org/officeDocument/2006/relationships" xmlns:mc="http://schemas.openxmlformats.org/markup-compatibility/2006" xmlns:mv="urn:schemas-microsoft-com:mac:vml" xmlns:p="http://schemas.openxmlformats.org/presentationml/2006/main" xmlns:c="http://schemas.openxmlformats.org/drawingml/2006/chart" xmlns:dgm="http://schemas.openxmlformats.org/drawingml/2006/diagram" xmlns:o="urn:schemas-microsoft-com:office:office" xmlns:v="urn:schemas-microsoft-com:vml" xmlns:pvml="urn:schemas-microsoft-com:office:powerpoint" xmlns:com="http://schemas.openxmlformats.org/drawingml/2006/compatibility" xmlns:p14="http://schemas.microsoft.com/office/powerpoint/2010/main" xmlns:p15="http://schemas.microsoft.com/office/powerpoint/2012/main" matchingName="Title slide" type="title">
+<p:sldLayout xmlns:a="http://schemas.openxmlformats.org/drawingml/2006/main" xmlns:r="http://schemas.openxmlformats.org/officeDocument/2006/relationships" xmlns:p="http://schemas.openxmlformats.org/presentationml/2006/main" matchingName="Title slide" type="title">
   <p:cSld name="TITLE">
     <p:spTree>
       <p:nvGrpSpPr>
-        <p:cNvPr id="9" name="Shape 9"/>
+        <p:cNvPr id="1" name="Shape 9"/>
         <p:cNvGrpSpPr/>
         <p:nvPr/>
       </p:nvGrpSpPr>
@@ -1280,7 +1654,9 @@
       <p:sp>
         <p:nvSpPr>
           <p:cNvPr id="10" name="Shape 10"/>
-          <p:cNvSpPr txBox="1"/>
+          <p:cNvSpPr txBox="1">
+            <a:spLocks noGrp="1"/>
+          </p:cNvSpPr>
           <p:nvPr>
             <p:ph type="ctrTitle"/>
           </p:nvPr>
@@ -1295,7 +1671,7 @@
           </a:prstGeom>
         </p:spPr>
         <p:txBody>
-          <a:bodyPr anchorCtr="0" anchor="b" bIns="91425" lIns="91425" spcFirstLastPara="1" rIns="91425" wrap="square" tIns="91425"/>
+          <a:bodyPr spcFirstLastPara="1" wrap="square" lIns="91425" tIns="91425" rIns="91425" bIns="91425" anchor="b" anchorCtr="0"/>
           <a:lstStyle>
             <a:lvl1pPr lvl="0" algn="ctr">
               <a:spcBef>
@@ -1397,15 +1773,19 @@
               <a:defRPr sz="5200"/>
             </a:lvl9pPr>
           </a:lstStyle>
-          <a:p/>
+          <a:p>
+            <a:endParaRPr/>
+          </a:p>
         </p:txBody>
       </p:sp>
       <p:sp>
         <p:nvSpPr>
           <p:cNvPr id="11" name="Shape 11"/>
-          <p:cNvSpPr txBox="1"/>
+          <p:cNvSpPr txBox="1">
+            <a:spLocks noGrp="1"/>
+          </p:cNvSpPr>
           <p:nvPr>
-            <p:ph idx="1" type="subTitle"/>
+            <p:ph type="subTitle" idx="1"/>
           </p:nvPr>
         </p:nvSpPr>
         <p:spPr>
@@ -1418,7 +1798,7 @@
           </a:prstGeom>
         </p:spPr>
         <p:txBody>
-          <a:bodyPr anchorCtr="0" anchor="t" bIns="91425" lIns="91425" spcFirstLastPara="1" rIns="91425" wrap="square" tIns="91425"/>
+          <a:bodyPr spcFirstLastPara="1" wrap="square" lIns="91425" tIns="91425" rIns="91425" bIns="91425" anchor="t" anchorCtr="0"/>
           <a:lstStyle>
             <a:lvl1pPr lvl="0" algn="ctr">
               <a:lnSpc>
@@ -1547,15 +1927,19 @@
               <a:defRPr sz="2800"/>
             </a:lvl9pPr>
           </a:lstStyle>
-          <a:p/>
+          <a:p>
+            <a:endParaRPr/>
+          </a:p>
         </p:txBody>
       </p:sp>
       <p:sp>
         <p:nvSpPr>
           <p:cNvPr id="12" name="Shape 12"/>
-          <p:cNvSpPr txBox="1"/>
+          <p:cNvSpPr txBox="1">
+            <a:spLocks noGrp="1"/>
+          </p:cNvSpPr>
           <p:nvPr>
-            <p:ph idx="12" type="sldNum"/>
+            <p:ph type="sldNum" idx="12"/>
           </p:nvPr>
         </p:nvSpPr>
         <p:spPr>
@@ -1568,7 +1952,7 @@
           </a:prstGeom>
         </p:spPr>
         <p:txBody>
-          <a:bodyPr anchorCtr="0" anchor="ctr" bIns="91425" lIns="91425" spcFirstLastPara="1" rIns="91425" wrap="square" tIns="91425">
+          <a:bodyPr spcFirstLastPara="1" wrap="square" lIns="91425" tIns="91425" rIns="91425" bIns="91425" anchor="ctr" anchorCtr="0">
             <a:noAutofit/>
           </a:bodyPr>
           <a:lstStyle>
@@ -1610,7 +1994,7 @@
             </a:lvl9pPr>
           </a:lstStyle>
           <a:p>
-            <a:pPr indent="0" lvl="0" marL="0">
+            <a:pPr marL="0" lvl="0" indent="0">
               <a:spcBef>
                 <a:spcPts val="0"/>
               </a:spcBef>
@@ -1636,11 +2020,11 @@
 </file>
 
 <file path=ppt/slideLayouts/slideLayout10.xml><?xml version="1.0" encoding="utf-8"?>
-<p:sldLayout xmlns:a="http://schemas.openxmlformats.org/drawingml/2006/main" xmlns:r="http://schemas.openxmlformats.org/officeDocument/2006/relationships" xmlns:mc="http://schemas.openxmlformats.org/markup-compatibility/2006" xmlns:mv="urn:schemas-microsoft-com:mac:vml" xmlns:p="http://schemas.openxmlformats.org/presentationml/2006/main" xmlns:c="http://schemas.openxmlformats.org/drawingml/2006/chart" xmlns:dgm="http://schemas.openxmlformats.org/drawingml/2006/diagram" xmlns:o="urn:schemas-microsoft-com:office:office" xmlns:v="urn:schemas-microsoft-com:vml" xmlns:pvml="urn:schemas-microsoft-com:office:powerpoint" xmlns:com="http://schemas.openxmlformats.org/drawingml/2006/compatibility" xmlns:p14="http://schemas.microsoft.com/office/powerpoint/2010/main" xmlns:p15="http://schemas.microsoft.com/office/powerpoint/2012/main" matchingName="Big number">
+<p:sldLayout xmlns:a="http://schemas.openxmlformats.org/drawingml/2006/main" xmlns:r="http://schemas.openxmlformats.org/officeDocument/2006/relationships" xmlns:p="http://schemas.openxmlformats.org/presentationml/2006/main" matchingName="Big number">
   <p:cSld name="BIG_NUMBER">
     <p:spTree>
       <p:nvGrpSpPr>
-        <p:cNvPr id="44" name="Shape 44"/>
+        <p:cNvPr id="1" name="Shape 44"/>
         <p:cNvGrpSpPr/>
         <p:nvPr/>
       </p:nvGrpSpPr>
@@ -1655,7 +2039,9 @@
       <p:sp>
         <p:nvSpPr>
           <p:cNvPr id="45" name="Shape 45"/>
-          <p:cNvSpPr txBox="1"/>
+          <p:cNvSpPr txBox="1">
+            <a:spLocks noGrp="1"/>
+          </p:cNvSpPr>
           <p:nvPr>
             <p:ph type="title"/>
           </p:nvPr>
@@ -1670,7 +2056,7 @@
           </a:prstGeom>
         </p:spPr>
         <p:txBody>
-          <a:bodyPr anchorCtr="0" anchor="b" bIns="91425" lIns="91425" spcFirstLastPara="1" rIns="91425" wrap="square" tIns="91425"/>
+          <a:bodyPr spcFirstLastPara="1" wrap="square" lIns="91425" tIns="91425" rIns="91425" bIns="91425" anchor="b" anchorCtr="0"/>
           <a:lstStyle>
             <a:lvl1pPr lvl="0" algn="ctr">
               <a:spcBef>
@@ -1772,15 +2158,19 @@
               <a:defRPr sz="12000"/>
             </a:lvl9pPr>
           </a:lstStyle>
-          <a:p/>
+          <a:p>
+            <a:endParaRPr/>
+          </a:p>
         </p:txBody>
       </p:sp>
       <p:sp>
         <p:nvSpPr>
           <p:cNvPr id="46" name="Shape 46"/>
-          <p:cNvSpPr txBox="1"/>
+          <p:cNvSpPr txBox="1">
+            <a:spLocks noGrp="1"/>
+          </p:cNvSpPr>
           <p:nvPr>
-            <p:ph idx="1" type="body"/>
+            <p:ph type="body" idx="1"/>
           </p:nvPr>
         </p:nvSpPr>
         <p:spPr>
@@ -1793,9 +2183,9 @@
           </a:prstGeom>
         </p:spPr>
         <p:txBody>
-          <a:bodyPr anchorCtr="0" anchor="t" bIns="91425" lIns="91425" spcFirstLastPara="1" rIns="91425" wrap="square" tIns="91425"/>
+          <a:bodyPr spcFirstLastPara="1" wrap="square" lIns="91425" tIns="91425" rIns="91425" bIns="91425" anchor="t" anchorCtr="0"/>
           <a:lstStyle>
-            <a:lvl1pPr indent="-342900" lvl="0" marL="457200" algn="ctr">
+            <a:lvl1pPr marL="457200" lvl="0" indent="-342900" algn="ctr">
               <a:spcBef>
                 <a:spcPts val="0"/>
               </a:spcBef>
@@ -1806,7 +2196,7 @@
               <a:buChar char="●"/>
               <a:defRPr/>
             </a:lvl1pPr>
-            <a:lvl2pPr indent="-317500" lvl="1" marL="914400" algn="ctr">
+            <a:lvl2pPr marL="914400" lvl="1" indent="-317500" algn="ctr">
               <a:spcBef>
                 <a:spcPts val="1600"/>
               </a:spcBef>
@@ -1817,7 +2207,7 @@
               <a:buChar char="○"/>
               <a:defRPr/>
             </a:lvl2pPr>
-            <a:lvl3pPr indent="-317500" lvl="2" marL="1371600" algn="ctr">
+            <a:lvl3pPr marL="1371600" lvl="2" indent="-317500" algn="ctr">
               <a:spcBef>
                 <a:spcPts val="1600"/>
               </a:spcBef>
@@ -1828,7 +2218,7 @@
               <a:buChar char="■"/>
               <a:defRPr/>
             </a:lvl3pPr>
-            <a:lvl4pPr indent="-317500" lvl="3" marL="1828800" algn="ctr">
+            <a:lvl4pPr marL="1828800" lvl="3" indent="-317500" algn="ctr">
               <a:spcBef>
                 <a:spcPts val="1600"/>
               </a:spcBef>
@@ -1839,7 +2229,7 @@
               <a:buChar char="●"/>
               <a:defRPr/>
             </a:lvl4pPr>
-            <a:lvl5pPr indent="-317500" lvl="4" marL="2286000" algn="ctr">
+            <a:lvl5pPr marL="2286000" lvl="4" indent="-317500" algn="ctr">
               <a:spcBef>
                 <a:spcPts val="1600"/>
               </a:spcBef>
@@ -1850,7 +2240,7 @@
               <a:buChar char="○"/>
               <a:defRPr/>
             </a:lvl5pPr>
-            <a:lvl6pPr indent="-317500" lvl="5" marL="2743200" algn="ctr">
+            <a:lvl6pPr marL="2743200" lvl="5" indent="-317500" algn="ctr">
               <a:spcBef>
                 <a:spcPts val="1600"/>
               </a:spcBef>
@@ -1861,7 +2251,7 @@
               <a:buChar char="■"/>
               <a:defRPr/>
             </a:lvl6pPr>
-            <a:lvl7pPr indent="-317500" lvl="6" marL="3200400" algn="ctr">
+            <a:lvl7pPr marL="3200400" lvl="6" indent="-317500" algn="ctr">
               <a:spcBef>
                 <a:spcPts val="1600"/>
               </a:spcBef>
@@ -1872,7 +2262,7 @@
               <a:buChar char="●"/>
               <a:defRPr/>
             </a:lvl7pPr>
-            <a:lvl8pPr indent="-317500" lvl="7" marL="3657600" algn="ctr">
+            <a:lvl8pPr marL="3657600" lvl="7" indent="-317500" algn="ctr">
               <a:spcBef>
                 <a:spcPts val="1600"/>
               </a:spcBef>
@@ -1883,7 +2273,7 @@
               <a:buChar char="○"/>
               <a:defRPr/>
             </a:lvl8pPr>
-            <a:lvl9pPr indent="-317500" lvl="8" marL="4114800" algn="ctr">
+            <a:lvl9pPr marL="4114800" lvl="8" indent="-317500" algn="ctr">
               <a:spcBef>
                 <a:spcPts val="1600"/>
               </a:spcBef>
@@ -1895,15 +2285,19 @@
               <a:defRPr/>
             </a:lvl9pPr>
           </a:lstStyle>
-          <a:p/>
+          <a:p>
+            <a:endParaRPr/>
+          </a:p>
         </p:txBody>
       </p:sp>
       <p:sp>
         <p:nvSpPr>
           <p:cNvPr id="47" name="Shape 47"/>
-          <p:cNvSpPr txBox="1"/>
+          <p:cNvSpPr txBox="1">
+            <a:spLocks noGrp="1"/>
+          </p:cNvSpPr>
           <p:nvPr>
-            <p:ph idx="12" type="sldNum"/>
+            <p:ph type="sldNum" idx="12"/>
           </p:nvPr>
         </p:nvSpPr>
         <p:spPr>
@@ -1916,7 +2310,7 @@
           </a:prstGeom>
         </p:spPr>
         <p:txBody>
-          <a:bodyPr anchorCtr="0" anchor="ctr" bIns="91425" lIns="91425" spcFirstLastPara="1" rIns="91425" wrap="square" tIns="91425">
+          <a:bodyPr spcFirstLastPara="1" wrap="square" lIns="91425" tIns="91425" rIns="91425" bIns="91425" anchor="ctr" anchorCtr="0">
             <a:noAutofit/>
           </a:bodyPr>
           <a:lstStyle>
@@ -1958,7 +2352,7 @@
             </a:lvl9pPr>
           </a:lstStyle>
           <a:p>
-            <a:pPr indent="0" lvl="0" marL="0">
+            <a:pPr marL="0" lvl="0" indent="0">
               <a:spcBef>
                 <a:spcPts val="0"/>
               </a:spcBef>
@@ -1984,11 +2378,11 @@
 </file>
 
 <file path=ppt/slideLayouts/slideLayout11.xml><?xml version="1.0" encoding="utf-8"?>
-<p:sldLayout xmlns:a="http://schemas.openxmlformats.org/drawingml/2006/main" xmlns:r="http://schemas.openxmlformats.org/officeDocument/2006/relationships" xmlns:mc="http://schemas.openxmlformats.org/markup-compatibility/2006" xmlns:mv="urn:schemas-microsoft-com:mac:vml" xmlns:p="http://schemas.openxmlformats.org/presentationml/2006/main" xmlns:c="http://schemas.openxmlformats.org/drawingml/2006/chart" xmlns:dgm="http://schemas.openxmlformats.org/drawingml/2006/diagram" xmlns:o="urn:schemas-microsoft-com:office:office" xmlns:v="urn:schemas-microsoft-com:vml" xmlns:pvml="urn:schemas-microsoft-com:office:powerpoint" xmlns:com="http://schemas.openxmlformats.org/drawingml/2006/compatibility" xmlns:p14="http://schemas.microsoft.com/office/powerpoint/2010/main" xmlns:p15="http://schemas.microsoft.com/office/powerpoint/2012/main" matchingName="Blank" type="blank">
+<p:sldLayout xmlns:a="http://schemas.openxmlformats.org/drawingml/2006/main" xmlns:r="http://schemas.openxmlformats.org/officeDocument/2006/relationships" xmlns:p="http://schemas.openxmlformats.org/presentationml/2006/main" matchingName="Blank" type="blank">
   <p:cSld name="BLANK">
     <p:spTree>
       <p:nvGrpSpPr>
-        <p:cNvPr id="48" name="Shape 48"/>
+        <p:cNvPr id="1" name="Shape 48"/>
         <p:cNvGrpSpPr/>
         <p:nvPr/>
       </p:nvGrpSpPr>
@@ -2003,9 +2397,11 @@
       <p:sp>
         <p:nvSpPr>
           <p:cNvPr id="49" name="Shape 49"/>
-          <p:cNvSpPr txBox="1"/>
+          <p:cNvSpPr txBox="1">
+            <a:spLocks noGrp="1"/>
+          </p:cNvSpPr>
           <p:nvPr>
-            <p:ph idx="12" type="sldNum"/>
+            <p:ph type="sldNum" idx="12"/>
           </p:nvPr>
         </p:nvSpPr>
         <p:spPr>
@@ -2018,7 +2414,7 @@
           </a:prstGeom>
         </p:spPr>
         <p:txBody>
-          <a:bodyPr anchorCtr="0" anchor="ctr" bIns="91425" lIns="91425" spcFirstLastPara="1" rIns="91425" wrap="square" tIns="91425">
+          <a:bodyPr spcFirstLastPara="1" wrap="square" lIns="91425" tIns="91425" rIns="91425" bIns="91425" anchor="ctr" anchorCtr="0">
             <a:noAutofit/>
           </a:bodyPr>
           <a:lstStyle>
@@ -2060,7 +2456,7 @@
             </a:lvl9pPr>
           </a:lstStyle>
           <a:p>
-            <a:pPr indent="0" lvl="0" marL="0">
+            <a:pPr marL="0" lvl="0" indent="0">
               <a:spcBef>
                 <a:spcPts val="0"/>
               </a:spcBef>
@@ -2086,11 +2482,11 @@
 </file>
 
 <file path=ppt/slideLayouts/slideLayout2.xml><?xml version="1.0" encoding="utf-8"?>
-<p:sldLayout xmlns:a="http://schemas.openxmlformats.org/drawingml/2006/main" xmlns:r="http://schemas.openxmlformats.org/officeDocument/2006/relationships" xmlns:mc="http://schemas.openxmlformats.org/markup-compatibility/2006" xmlns:mv="urn:schemas-microsoft-com:mac:vml" xmlns:p="http://schemas.openxmlformats.org/presentationml/2006/main" xmlns:c="http://schemas.openxmlformats.org/drawingml/2006/chart" xmlns:dgm="http://schemas.openxmlformats.org/drawingml/2006/diagram" xmlns:o="urn:schemas-microsoft-com:office:office" xmlns:v="urn:schemas-microsoft-com:vml" xmlns:pvml="urn:schemas-microsoft-com:office:powerpoint" xmlns:com="http://schemas.openxmlformats.org/drawingml/2006/compatibility" xmlns:p14="http://schemas.microsoft.com/office/powerpoint/2010/main" xmlns:p15="http://schemas.microsoft.com/office/powerpoint/2012/main" matchingName="Section header" type="secHead">
+<p:sldLayout xmlns:a="http://schemas.openxmlformats.org/drawingml/2006/main" xmlns:r="http://schemas.openxmlformats.org/officeDocument/2006/relationships" xmlns:p="http://schemas.openxmlformats.org/presentationml/2006/main" matchingName="Section header" type="secHead">
   <p:cSld name="SECTION_HEADER">
     <p:spTree>
       <p:nvGrpSpPr>
-        <p:cNvPr id="13" name="Shape 13"/>
+        <p:cNvPr id="1" name="Shape 13"/>
         <p:cNvGrpSpPr/>
         <p:nvPr/>
       </p:nvGrpSpPr>
@@ -2105,7 +2501,9 @@
       <p:sp>
         <p:nvSpPr>
           <p:cNvPr id="14" name="Shape 14"/>
-          <p:cNvSpPr txBox="1"/>
+          <p:cNvSpPr txBox="1">
+            <a:spLocks noGrp="1"/>
+          </p:cNvSpPr>
           <p:nvPr>
             <p:ph type="title"/>
           </p:nvPr>
@@ -2120,7 +2518,7 @@
           </a:prstGeom>
         </p:spPr>
         <p:txBody>
-          <a:bodyPr anchorCtr="0" anchor="ctr" bIns="91425" lIns="91425" spcFirstLastPara="1" rIns="91425" wrap="square" tIns="91425"/>
+          <a:bodyPr spcFirstLastPara="1" wrap="square" lIns="91425" tIns="91425" rIns="91425" bIns="91425" anchor="ctr" anchorCtr="0"/>
           <a:lstStyle>
             <a:lvl1pPr lvl="0" algn="ctr">
               <a:spcBef>
@@ -2222,15 +2620,19 @@
               <a:defRPr sz="3600"/>
             </a:lvl9pPr>
           </a:lstStyle>
-          <a:p/>
+          <a:p>
+            <a:endParaRPr/>
+          </a:p>
         </p:txBody>
       </p:sp>
       <p:sp>
         <p:nvSpPr>
           <p:cNvPr id="15" name="Shape 15"/>
-          <p:cNvSpPr txBox="1"/>
+          <p:cNvSpPr txBox="1">
+            <a:spLocks noGrp="1"/>
+          </p:cNvSpPr>
           <p:nvPr>
-            <p:ph idx="12" type="sldNum"/>
+            <p:ph type="sldNum" idx="12"/>
           </p:nvPr>
         </p:nvSpPr>
         <p:spPr>
@@ -2243,7 +2645,7 @@
           </a:prstGeom>
         </p:spPr>
         <p:txBody>
-          <a:bodyPr anchorCtr="0" anchor="ctr" bIns="91425" lIns="91425" spcFirstLastPara="1" rIns="91425" wrap="square" tIns="91425">
+          <a:bodyPr spcFirstLastPara="1" wrap="square" lIns="91425" tIns="91425" rIns="91425" bIns="91425" anchor="ctr" anchorCtr="0">
             <a:noAutofit/>
           </a:bodyPr>
           <a:lstStyle>
@@ -2285,7 +2687,7 @@
             </a:lvl9pPr>
           </a:lstStyle>
           <a:p>
-            <a:pPr indent="0" lvl="0" marL="0">
+            <a:pPr marL="0" lvl="0" indent="0">
               <a:spcBef>
                 <a:spcPts val="0"/>
               </a:spcBef>
@@ -2311,11 +2713,11 @@
 </file>
 
 <file path=ppt/slideLayouts/slideLayout3.xml><?xml version="1.0" encoding="utf-8"?>
-<p:sldLayout xmlns:a="http://schemas.openxmlformats.org/drawingml/2006/main" xmlns:r="http://schemas.openxmlformats.org/officeDocument/2006/relationships" xmlns:mc="http://schemas.openxmlformats.org/markup-compatibility/2006" xmlns:mv="urn:schemas-microsoft-com:mac:vml" xmlns:p="http://schemas.openxmlformats.org/presentationml/2006/main" xmlns:c="http://schemas.openxmlformats.org/drawingml/2006/chart" xmlns:dgm="http://schemas.openxmlformats.org/drawingml/2006/diagram" xmlns:o="urn:schemas-microsoft-com:office:office" xmlns:v="urn:schemas-microsoft-com:vml" xmlns:pvml="urn:schemas-microsoft-com:office:powerpoint" xmlns:com="http://schemas.openxmlformats.org/drawingml/2006/compatibility" xmlns:p14="http://schemas.microsoft.com/office/powerpoint/2010/main" xmlns:p15="http://schemas.microsoft.com/office/powerpoint/2012/main" matchingName="Title and body" type="tx">
+<p:sldLayout xmlns:a="http://schemas.openxmlformats.org/drawingml/2006/main" xmlns:r="http://schemas.openxmlformats.org/officeDocument/2006/relationships" xmlns:p="http://schemas.openxmlformats.org/presentationml/2006/main" matchingName="Title and body" type="tx">
   <p:cSld name="TITLE_AND_BODY">
     <p:spTree>
       <p:nvGrpSpPr>
-        <p:cNvPr id="16" name="Shape 16"/>
+        <p:cNvPr id="1" name="Shape 16"/>
         <p:cNvGrpSpPr/>
         <p:nvPr/>
       </p:nvGrpSpPr>
@@ -2330,7 +2732,9 @@
       <p:sp>
         <p:nvSpPr>
           <p:cNvPr id="17" name="Shape 17"/>
-          <p:cNvSpPr txBox="1"/>
+          <p:cNvSpPr txBox="1">
+            <a:spLocks noGrp="1"/>
+          </p:cNvSpPr>
           <p:nvPr>
             <p:ph type="title"/>
           </p:nvPr>
@@ -2345,7 +2749,7 @@
           </a:prstGeom>
         </p:spPr>
         <p:txBody>
-          <a:bodyPr anchorCtr="0" anchor="t" bIns="91425" lIns="91425" spcFirstLastPara="1" rIns="91425" wrap="square" tIns="91425"/>
+          <a:bodyPr spcFirstLastPara="1" wrap="square" lIns="91425" tIns="91425" rIns="91425" bIns="91425" anchor="t" anchorCtr="0"/>
           <a:lstStyle>
             <a:lvl1pPr lvl="0">
               <a:spcBef>
@@ -2447,15 +2851,19 @@
               <a:defRPr/>
             </a:lvl9pPr>
           </a:lstStyle>
-          <a:p/>
+          <a:p>
+            <a:endParaRPr/>
+          </a:p>
         </p:txBody>
       </p:sp>
       <p:sp>
         <p:nvSpPr>
           <p:cNvPr id="18" name="Shape 18"/>
-          <p:cNvSpPr txBox="1"/>
+          <p:cNvSpPr txBox="1">
+            <a:spLocks noGrp="1"/>
+          </p:cNvSpPr>
           <p:nvPr>
-            <p:ph idx="1" type="body"/>
+            <p:ph type="body" idx="1"/>
           </p:nvPr>
         </p:nvSpPr>
         <p:spPr>
@@ -2468,9 +2876,9 @@
           </a:prstGeom>
         </p:spPr>
         <p:txBody>
-          <a:bodyPr anchorCtr="0" anchor="t" bIns="91425" lIns="91425" spcFirstLastPara="1" rIns="91425" wrap="square" tIns="91425"/>
+          <a:bodyPr spcFirstLastPara="1" wrap="square" lIns="91425" tIns="91425" rIns="91425" bIns="91425" anchor="t" anchorCtr="0"/>
           <a:lstStyle>
-            <a:lvl1pPr indent="-342900" lvl="0" marL="457200">
+            <a:lvl1pPr marL="457200" lvl="0" indent="-342900">
               <a:spcBef>
                 <a:spcPts val="0"/>
               </a:spcBef>
@@ -2481,7 +2889,7 @@
               <a:buChar char="●"/>
               <a:defRPr/>
             </a:lvl1pPr>
-            <a:lvl2pPr indent="-317500" lvl="1" marL="914400">
+            <a:lvl2pPr marL="914400" lvl="1" indent="-317500">
               <a:spcBef>
                 <a:spcPts val="1600"/>
               </a:spcBef>
@@ -2492,7 +2900,7 @@
               <a:buChar char="○"/>
               <a:defRPr/>
             </a:lvl2pPr>
-            <a:lvl3pPr indent="-317500" lvl="2" marL="1371600">
+            <a:lvl3pPr marL="1371600" lvl="2" indent="-317500">
               <a:spcBef>
                 <a:spcPts val="1600"/>
               </a:spcBef>
@@ -2503,7 +2911,7 @@
               <a:buChar char="■"/>
               <a:defRPr/>
             </a:lvl3pPr>
-            <a:lvl4pPr indent="-317500" lvl="3" marL="1828800">
+            <a:lvl4pPr marL="1828800" lvl="3" indent="-317500">
               <a:spcBef>
                 <a:spcPts val="1600"/>
               </a:spcBef>
@@ -2514,7 +2922,7 @@
               <a:buChar char="●"/>
               <a:defRPr/>
             </a:lvl4pPr>
-            <a:lvl5pPr indent="-317500" lvl="4" marL="2286000">
+            <a:lvl5pPr marL="2286000" lvl="4" indent="-317500">
               <a:spcBef>
                 <a:spcPts val="1600"/>
               </a:spcBef>
@@ -2525,7 +2933,7 @@
               <a:buChar char="○"/>
               <a:defRPr/>
             </a:lvl5pPr>
-            <a:lvl6pPr indent="-317500" lvl="5" marL="2743200">
+            <a:lvl6pPr marL="2743200" lvl="5" indent="-317500">
               <a:spcBef>
                 <a:spcPts val="1600"/>
               </a:spcBef>
@@ -2536,7 +2944,7 @@
               <a:buChar char="■"/>
               <a:defRPr/>
             </a:lvl6pPr>
-            <a:lvl7pPr indent="-317500" lvl="6" marL="3200400">
+            <a:lvl7pPr marL="3200400" lvl="6" indent="-317500">
               <a:spcBef>
                 <a:spcPts val="1600"/>
               </a:spcBef>
@@ -2547,7 +2955,7 @@
               <a:buChar char="●"/>
               <a:defRPr/>
             </a:lvl7pPr>
-            <a:lvl8pPr indent="-317500" lvl="7" marL="3657600">
+            <a:lvl8pPr marL="3657600" lvl="7" indent="-317500">
               <a:spcBef>
                 <a:spcPts val="1600"/>
               </a:spcBef>
@@ -2558,7 +2966,7 @@
               <a:buChar char="○"/>
               <a:defRPr/>
             </a:lvl8pPr>
-            <a:lvl9pPr indent="-317500" lvl="8" marL="4114800">
+            <a:lvl9pPr marL="4114800" lvl="8" indent="-317500">
               <a:spcBef>
                 <a:spcPts val="1600"/>
               </a:spcBef>
@@ -2570,15 +2978,19 @@
               <a:defRPr/>
             </a:lvl9pPr>
           </a:lstStyle>
-          <a:p/>
+          <a:p>
+            <a:endParaRPr/>
+          </a:p>
         </p:txBody>
       </p:sp>
       <p:sp>
         <p:nvSpPr>
           <p:cNvPr id="19" name="Shape 19"/>
-          <p:cNvSpPr txBox="1"/>
+          <p:cNvSpPr txBox="1">
+            <a:spLocks noGrp="1"/>
+          </p:cNvSpPr>
           <p:nvPr>
-            <p:ph idx="12" type="sldNum"/>
+            <p:ph type="sldNum" idx="12"/>
           </p:nvPr>
         </p:nvSpPr>
         <p:spPr>
@@ -2591,7 +3003,7 @@
           </a:prstGeom>
         </p:spPr>
         <p:txBody>
-          <a:bodyPr anchorCtr="0" anchor="ctr" bIns="91425" lIns="91425" spcFirstLastPara="1" rIns="91425" wrap="square" tIns="91425">
+          <a:bodyPr spcFirstLastPara="1" wrap="square" lIns="91425" tIns="91425" rIns="91425" bIns="91425" anchor="ctr" anchorCtr="0">
             <a:noAutofit/>
           </a:bodyPr>
           <a:lstStyle>
@@ -2633,7 +3045,7 @@
             </a:lvl9pPr>
           </a:lstStyle>
           <a:p>
-            <a:pPr indent="0" lvl="0" marL="0">
+            <a:pPr marL="0" lvl="0" indent="0">
               <a:spcBef>
                 <a:spcPts val="0"/>
               </a:spcBef>
@@ -2659,11 +3071,11 @@
 </file>
 
 <file path=ppt/slideLayouts/slideLayout4.xml><?xml version="1.0" encoding="utf-8"?>
-<p:sldLayout xmlns:a="http://schemas.openxmlformats.org/drawingml/2006/main" xmlns:r="http://schemas.openxmlformats.org/officeDocument/2006/relationships" xmlns:mc="http://schemas.openxmlformats.org/markup-compatibility/2006" xmlns:mv="urn:schemas-microsoft-com:mac:vml" xmlns:p="http://schemas.openxmlformats.org/presentationml/2006/main" xmlns:c="http://schemas.openxmlformats.org/drawingml/2006/chart" xmlns:dgm="http://schemas.openxmlformats.org/drawingml/2006/diagram" xmlns:o="urn:schemas-microsoft-com:office:office" xmlns:v="urn:schemas-microsoft-com:vml" xmlns:pvml="urn:schemas-microsoft-com:office:powerpoint" xmlns:com="http://schemas.openxmlformats.org/drawingml/2006/compatibility" xmlns:p14="http://schemas.microsoft.com/office/powerpoint/2010/main" xmlns:p15="http://schemas.microsoft.com/office/powerpoint/2012/main" matchingName="Title and two columns" type="twoColTx">
+<p:sldLayout xmlns:a="http://schemas.openxmlformats.org/drawingml/2006/main" xmlns:r="http://schemas.openxmlformats.org/officeDocument/2006/relationships" xmlns:p="http://schemas.openxmlformats.org/presentationml/2006/main" matchingName="Title and two columns" type="twoColTx">
   <p:cSld name="TITLE_AND_TWO_COLUMNS">
     <p:spTree>
       <p:nvGrpSpPr>
-        <p:cNvPr id="20" name="Shape 20"/>
+        <p:cNvPr id="1" name="Shape 20"/>
         <p:cNvGrpSpPr/>
         <p:nvPr/>
       </p:nvGrpSpPr>
@@ -2678,7 +3090,9 @@
       <p:sp>
         <p:nvSpPr>
           <p:cNvPr id="21" name="Shape 21"/>
-          <p:cNvSpPr txBox="1"/>
+          <p:cNvSpPr txBox="1">
+            <a:spLocks noGrp="1"/>
+          </p:cNvSpPr>
           <p:nvPr>
             <p:ph type="title"/>
           </p:nvPr>
@@ -2693,7 +3107,7 @@
           </a:prstGeom>
         </p:spPr>
         <p:txBody>
-          <a:bodyPr anchorCtr="0" anchor="t" bIns="91425" lIns="91425" spcFirstLastPara="1" rIns="91425" wrap="square" tIns="91425"/>
+          <a:bodyPr spcFirstLastPara="1" wrap="square" lIns="91425" tIns="91425" rIns="91425" bIns="91425" anchor="t" anchorCtr="0"/>
           <a:lstStyle>
             <a:lvl1pPr lvl="0">
               <a:spcBef>
@@ -2795,15 +3209,19 @@
               <a:defRPr/>
             </a:lvl9pPr>
           </a:lstStyle>
-          <a:p/>
+          <a:p>
+            <a:endParaRPr/>
+          </a:p>
         </p:txBody>
       </p:sp>
       <p:sp>
         <p:nvSpPr>
           <p:cNvPr id="22" name="Shape 22"/>
-          <p:cNvSpPr txBox="1"/>
+          <p:cNvSpPr txBox="1">
+            <a:spLocks noGrp="1"/>
+          </p:cNvSpPr>
           <p:nvPr>
-            <p:ph idx="1" type="body"/>
+            <p:ph type="body" idx="1"/>
           </p:nvPr>
         </p:nvSpPr>
         <p:spPr>
@@ -2816,9 +3234,9 @@
           </a:prstGeom>
         </p:spPr>
         <p:txBody>
-          <a:bodyPr anchorCtr="0" anchor="t" bIns="91425" lIns="91425" spcFirstLastPara="1" rIns="91425" wrap="square" tIns="91425"/>
+          <a:bodyPr spcFirstLastPara="1" wrap="square" lIns="91425" tIns="91425" rIns="91425" bIns="91425" anchor="t" anchorCtr="0"/>
           <a:lstStyle>
-            <a:lvl1pPr indent="-317500" lvl="0" marL="457200">
+            <a:lvl1pPr marL="457200" lvl="0" indent="-317500">
               <a:spcBef>
                 <a:spcPts val="0"/>
               </a:spcBef>
@@ -2829,7 +3247,7 @@
               <a:buChar char="●"/>
               <a:defRPr sz="1400"/>
             </a:lvl1pPr>
-            <a:lvl2pPr indent="-304800" lvl="1" marL="914400">
+            <a:lvl2pPr marL="914400" lvl="1" indent="-304800">
               <a:spcBef>
                 <a:spcPts val="1600"/>
               </a:spcBef>
@@ -2840,7 +3258,7 @@
               <a:buChar char="○"/>
               <a:defRPr sz="1200"/>
             </a:lvl2pPr>
-            <a:lvl3pPr indent="-304800" lvl="2" marL="1371600">
+            <a:lvl3pPr marL="1371600" lvl="2" indent="-304800">
               <a:spcBef>
                 <a:spcPts val="1600"/>
               </a:spcBef>
@@ -2851,7 +3269,7 @@
               <a:buChar char="■"/>
               <a:defRPr sz="1200"/>
             </a:lvl3pPr>
-            <a:lvl4pPr indent="-304800" lvl="3" marL="1828800">
+            <a:lvl4pPr marL="1828800" lvl="3" indent="-304800">
               <a:spcBef>
                 <a:spcPts val="1600"/>
               </a:spcBef>
@@ -2862,7 +3280,7 @@
               <a:buChar char="●"/>
               <a:defRPr sz="1200"/>
             </a:lvl4pPr>
-            <a:lvl5pPr indent="-304800" lvl="4" marL="2286000">
+            <a:lvl5pPr marL="2286000" lvl="4" indent="-304800">
               <a:spcBef>
                 <a:spcPts val="1600"/>
               </a:spcBef>
@@ -2873,7 +3291,7 @@
               <a:buChar char="○"/>
               <a:defRPr sz="1200"/>
             </a:lvl5pPr>
-            <a:lvl6pPr indent="-304800" lvl="5" marL="2743200">
+            <a:lvl6pPr marL="2743200" lvl="5" indent="-304800">
               <a:spcBef>
                 <a:spcPts val="1600"/>
               </a:spcBef>
@@ -2884,7 +3302,7 @@
               <a:buChar char="■"/>
               <a:defRPr sz="1200"/>
             </a:lvl6pPr>
-            <a:lvl7pPr indent="-304800" lvl="6" marL="3200400">
+            <a:lvl7pPr marL="3200400" lvl="6" indent="-304800">
               <a:spcBef>
                 <a:spcPts val="1600"/>
               </a:spcBef>
@@ -2895,7 +3313,7 @@
               <a:buChar char="●"/>
               <a:defRPr sz="1200"/>
             </a:lvl7pPr>
-            <a:lvl8pPr indent="-304800" lvl="7" marL="3657600">
+            <a:lvl8pPr marL="3657600" lvl="7" indent="-304800">
               <a:spcBef>
                 <a:spcPts val="1600"/>
               </a:spcBef>
@@ -2906,7 +3324,7 @@
               <a:buChar char="○"/>
               <a:defRPr sz="1200"/>
             </a:lvl8pPr>
-            <a:lvl9pPr indent="-304800" lvl="8" marL="4114800">
+            <a:lvl9pPr marL="4114800" lvl="8" indent="-304800">
               <a:spcBef>
                 <a:spcPts val="1600"/>
               </a:spcBef>
@@ -2918,15 +3336,19 @@
               <a:defRPr sz="1200"/>
             </a:lvl9pPr>
           </a:lstStyle>
-          <a:p/>
+          <a:p>
+            <a:endParaRPr/>
+          </a:p>
         </p:txBody>
       </p:sp>
       <p:sp>
         <p:nvSpPr>
           <p:cNvPr id="23" name="Shape 23"/>
-          <p:cNvSpPr txBox="1"/>
+          <p:cNvSpPr txBox="1">
+            <a:spLocks noGrp="1"/>
+          </p:cNvSpPr>
           <p:nvPr>
-            <p:ph idx="2" type="body"/>
+            <p:ph type="body" idx="2"/>
           </p:nvPr>
         </p:nvSpPr>
         <p:spPr>
@@ -2939,9 +3361,9 @@
           </a:prstGeom>
         </p:spPr>
         <p:txBody>
-          <a:bodyPr anchorCtr="0" anchor="t" bIns="91425" lIns="91425" spcFirstLastPara="1" rIns="91425" wrap="square" tIns="91425"/>
+          <a:bodyPr spcFirstLastPara="1" wrap="square" lIns="91425" tIns="91425" rIns="91425" bIns="91425" anchor="t" anchorCtr="0"/>
           <a:lstStyle>
-            <a:lvl1pPr indent="-317500" lvl="0" marL="457200">
+            <a:lvl1pPr marL="457200" lvl="0" indent="-317500">
               <a:spcBef>
                 <a:spcPts val="0"/>
               </a:spcBef>
@@ -2952,7 +3374,7 @@
               <a:buChar char="●"/>
               <a:defRPr sz="1400"/>
             </a:lvl1pPr>
-            <a:lvl2pPr indent="-304800" lvl="1" marL="914400">
+            <a:lvl2pPr marL="914400" lvl="1" indent="-304800">
               <a:spcBef>
                 <a:spcPts val="1600"/>
               </a:spcBef>
@@ -2963,7 +3385,7 @@
               <a:buChar char="○"/>
               <a:defRPr sz="1200"/>
             </a:lvl2pPr>
-            <a:lvl3pPr indent="-304800" lvl="2" marL="1371600">
+            <a:lvl3pPr marL="1371600" lvl="2" indent="-304800">
               <a:spcBef>
                 <a:spcPts val="1600"/>
               </a:spcBef>
@@ -2974,7 +3396,7 @@
               <a:buChar char="■"/>
               <a:defRPr sz="1200"/>
             </a:lvl3pPr>
-            <a:lvl4pPr indent="-304800" lvl="3" marL="1828800">
+            <a:lvl4pPr marL="1828800" lvl="3" indent="-304800">
               <a:spcBef>
                 <a:spcPts val="1600"/>
               </a:spcBef>
@@ -2985,7 +3407,7 @@
               <a:buChar char="●"/>
               <a:defRPr sz="1200"/>
             </a:lvl4pPr>
-            <a:lvl5pPr indent="-304800" lvl="4" marL="2286000">
+            <a:lvl5pPr marL="2286000" lvl="4" indent="-304800">
               <a:spcBef>
                 <a:spcPts val="1600"/>
               </a:spcBef>
@@ -2996,7 +3418,7 @@
               <a:buChar char="○"/>
               <a:defRPr sz="1200"/>
             </a:lvl5pPr>
-            <a:lvl6pPr indent="-304800" lvl="5" marL="2743200">
+            <a:lvl6pPr marL="2743200" lvl="5" indent="-304800">
               <a:spcBef>
                 <a:spcPts val="1600"/>
               </a:spcBef>
@@ -3007,7 +3429,7 @@
               <a:buChar char="■"/>
               <a:defRPr sz="1200"/>
             </a:lvl6pPr>
-            <a:lvl7pPr indent="-304800" lvl="6" marL="3200400">
+            <a:lvl7pPr marL="3200400" lvl="6" indent="-304800">
               <a:spcBef>
                 <a:spcPts val="1600"/>
               </a:spcBef>
@@ -3018,7 +3440,7 @@
               <a:buChar char="●"/>
               <a:defRPr sz="1200"/>
             </a:lvl7pPr>
-            <a:lvl8pPr indent="-304800" lvl="7" marL="3657600">
+            <a:lvl8pPr marL="3657600" lvl="7" indent="-304800">
               <a:spcBef>
                 <a:spcPts val="1600"/>
               </a:spcBef>
@@ -3029,7 +3451,7 @@
               <a:buChar char="○"/>
               <a:defRPr sz="1200"/>
             </a:lvl8pPr>
-            <a:lvl9pPr indent="-304800" lvl="8" marL="4114800">
+            <a:lvl9pPr marL="4114800" lvl="8" indent="-304800">
               <a:spcBef>
                 <a:spcPts val="1600"/>
               </a:spcBef>
@@ -3041,15 +3463,19 @@
               <a:defRPr sz="1200"/>
             </a:lvl9pPr>
           </a:lstStyle>
-          <a:p/>
+          <a:p>
+            <a:endParaRPr/>
+          </a:p>
         </p:txBody>
       </p:sp>
       <p:sp>
         <p:nvSpPr>
           <p:cNvPr id="24" name="Shape 24"/>
-          <p:cNvSpPr txBox="1"/>
+          <p:cNvSpPr txBox="1">
+            <a:spLocks noGrp="1"/>
+          </p:cNvSpPr>
           <p:nvPr>
-            <p:ph idx="12" type="sldNum"/>
+            <p:ph type="sldNum" idx="12"/>
           </p:nvPr>
         </p:nvSpPr>
         <p:spPr>
@@ -3062,7 +3488,7 @@
           </a:prstGeom>
         </p:spPr>
         <p:txBody>
-          <a:bodyPr anchorCtr="0" anchor="ctr" bIns="91425" lIns="91425" spcFirstLastPara="1" rIns="91425" wrap="square" tIns="91425">
+          <a:bodyPr spcFirstLastPara="1" wrap="square" lIns="91425" tIns="91425" rIns="91425" bIns="91425" anchor="ctr" anchorCtr="0">
             <a:noAutofit/>
           </a:bodyPr>
           <a:lstStyle>
@@ -3104,7 +3530,7 @@
             </a:lvl9pPr>
           </a:lstStyle>
           <a:p>
-            <a:pPr indent="0" lvl="0" marL="0">
+            <a:pPr marL="0" lvl="0" indent="0">
               <a:spcBef>
                 <a:spcPts val="0"/>
               </a:spcBef>
@@ -3130,11 +3556,11 @@
 </file>
 
 <file path=ppt/slideLayouts/slideLayout5.xml><?xml version="1.0" encoding="utf-8"?>
-<p:sldLayout xmlns:a="http://schemas.openxmlformats.org/drawingml/2006/main" xmlns:r="http://schemas.openxmlformats.org/officeDocument/2006/relationships" xmlns:mc="http://schemas.openxmlformats.org/markup-compatibility/2006" xmlns:mv="urn:schemas-microsoft-com:mac:vml" xmlns:p="http://schemas.openxmlformats.org/presentationml/2006/main" xmlns:c="http://schemas.openxmlformats.org/drawingml/2006/chart" xmlns:dgm="http://schemas.openxmlformats.org/drawingml/2006/diagram" xmlns:o="urn:schemas-microsoft-com:office:office" xmlns:v="urn:schemas-microsoft-com:vml" xmlns:pvml="urn:schemas-microsoft-com:office:powerpoint" xmlns:com="http://schemas.openxmlformats.org/drawingml/2006/compatibility" xmlns:p14="http://schemas.microsoft.com/office/powerpoint/2010/main" xmlns:p15="http://schemas.microsoft.com/office/powerpoint/2012/main" matchingName="Title only" type="titleOnly">
+<p:sldLayout xmlns:a="http://schemas.openxmlformats.org/drawingml/2006/main" xmlns:r="http://schemas.openxmlformats.org/officeDocument/2006/relationships" xmlns:p="http://schemas.openxmlformats.org/presentationml/2006/main" matchingName="Title only" type="titleOnly">
   <p:cSld name="TITLE_ONLY">
     <p:spTree>
       <p:nvGrpSpPr>
-        <p:cNvPr id="25" name="Shape 25"/>
+        <p:cNvPr id="1" name="Shape 25"/>
         <p:cNvGrpSpPr/>
         <p:nvPr/>
       </p:nvGrpSpPr>
@@ -3149,7 +3575,9 @@
       <p:sp>
         <p:nvSpPr>
           <p:cNvPr id="26" name="Shape 26"/>
-          <p:cNvSpPr txBox="1"/>
+          <p:cNvSpPr txBox="1">
+            <a:spLocks noGrp="1"/>
+          </p:cNvSpPr>
           <p:nvPr>
             <p:ph type="title"/>
           </p:nvPr>
@@ -3164,7 +3592,7 @@
           </a:prstGeom>
         </p:spPr>
         <p:txBody>
-          <a:bodyPr anchorCtr="0" anchor="t" bIns="91425" lIns="91425" spcFirstLastPara="1" rIns="91425" wrap="square" tIns="91425"/>
+          <a:bodyPr spcFirstLastPara="1" wrap="square" lIns="91425" tIns="91425" rIns="91425" bIns="91425" anchor="t" anchorCtr="0"/>
           <a:lstStyle>
             <a:lvl1pPr lvl="0">
               <a:spcBef>
@@ -3266,15 +3694,19 @@
               <a:defRPr/>
             </a:lvl9pPr>
           </a:lstStyle>
-          <a:p/>
+          <a:p>
+            <a:endParaRPr/>
+          </a:p>
         </p:txBody>
       </p:sp>
       <p:sp>
         <p:nvSpPr>
           <p:cNvPr id="27" name="Shape 27"/>
-          <p:cNvSpPr txBox="1"/>
+          <p:cNvSpPr txBox="1">
+            <a:spLocks noGrp="1"/>
+          </p:cNvSpPr>
           <p:nvPr>
-            <p:ph idx="12" type="sldNum"/>
+            <p:ph type="sldNum" idx="12"/>
           </p:nvPr>
         </p:nvSpPr>
         <p:spPr>
@@ -3287,7 +3719,7 @@
           </a:prstGeom>
         </p:spPr>
         <p:txBody>
-          <a:bodyPr anchorCtr="0" anchor="ctr" bIns="91425" lIns="91425" spcFirstLastPara="1" rIns="91425" wrap="square" tIns="91425">
+          <a:bodyPr spcFirstLastPara="1" wrap="square" lIns="91425" tIns="91425" rIns="91425" bIns="91425" anchor="ctr" anchorCtr="0">
             <a:noAutofit/>
           </a:bodyPr>
           <a:lstStyle>
@@ -3329,7 +3761,7 @@
             </a:lvl9pPr>
           </a:lstStyle>
           <a:p>
-            <a:pPr indent="0" lvl="0" marL="0">
+            <a:pPr marL="0" lvl="0" indent="0">
               <a:spcBef>
                 <a:spcPts val="0"/>
               </a:spcBef>
@@ -3355,11 +3787,11 @@
 </file>
 
 <file path=ppt/slideLayouts/slideLayout6.xml><?xml version="1.0" encoding="utf-8"?>
-<p:sldLayout xmlns:a="http://schemas.openxmlformats.org/drawingml/2006/main" xmlns:r="http://schemas.openxmlformats.org/officeDocument/2006/relationships" xmlns:mc="http://schemas.openxmlformats.org/markup-compatibility/2006" xmlns:mv="urn:schemas-microsoft-com:mac:vml" xmlns:p="http://schemas.openxmlformats.org/presentationml/2006/main" xmlns:c="http://schemas.openxmlformats.org/drawingml/2006/chart" xmlns:dgm="http://schemas.openxmlformats.org/drawingml/2006/diagram" xmlns:o="urn:schemas-microsoft-com:office:office" xmlns:v="urn:schemas-microsoft-com:vml" xmlns:pvml="urn:schemas-microsoft-com:office:powerpoint" xmlns:com="http://schemas.openxmlformats.org/drawingml/2006/compatibility" xmlns:p14="http://schemas.microsoft.com/office/powerpoint/2010/main" xmlns:p15="http://schemas.microsoft.com/office/powerpoint/2012/main" matchingName="One column text">
+<p:sldLayout xmlns:a="http://schemas.openxmlformats.org/drawingml/2006/main" xmlns:r="http://schemas.openxmlformats.org/officeDocument/2006/relationships" xmlns:p="http://schemas.openxmlformats.org/presentationml/2006/main" matchingName="One column text">
   <p:cSld name="ONE_COLUMN_TEXT">
     <p:spTree>
       <p:nvGrpSpPr>
-        <p:cNvPr id="28" name="Shape 28"/>
+        <p:cNvPr id="1" name="Shape 28"/>
         <p:cNvGrpSpPr/>
         <p:nvPr/>
       </p:nvGrpSpPr>
@@ -3374,7 +3806,9 @@
       <p:sp>
         <p:nvSpPr>
           <p:cNvPr id="29" name="Shape 29"/>
-          <p:cNvSpPr txBox="1"/>
+          <p:cNvSpPr txBox="1">
+            <a:spLocks noGrp="1"/>
+          </p:cNvSpPr>
           <p:nvPr>
             <p:ph type="title"/>
           </p:nvPr>
@@ -3389,7 +3823,7 @@
           </a:prstGeom>
         </p:spPr>
         <p:txBody>
-          <a:bodyPr anchorCtr="0" anchor="b" bIns="91425" lIns="91425" spcFirstLastPara="1" rIns="91425" wrap="square" tIns="91425"/>
+          <a:bodyPr spcFirstLastPara="1" wrap="square" lIns="91425" tIns="91425" rIns="91425" bIns="91425" anchor="b" anchorCtr="0"/>
           <a:lstStyle>
             <a:lvl1pPr lvl="0">
               <a:spcBef>
@@ -3491,15 +3925,19 @@
               <a:defRPr sz="2400"/>
             </a:lvl9pPr>
           </a:lstStyle>
-          <a:p/>
+          <a:p>
+            <a:endParaRPr/>
+          </a:p>
         </p:txBody>
       </p:sp>
       <p:sp>
         <p:nvSpPr>
           <p:cNvPr id="30" name="Shape 30"/>
-          <p:cNvSpPr txBox="1"/>
+          <p:cNvSpPr txBox="1">
+            <a:spLocks noGrp="1"/>
+          </p:cNvSpPr>
           <p:nvPr>
-            <p:ph idx="1" type="body"/>
+            <p:ph type="body" idx="1"/>
           </p:nvPr>
         </p:nvSpPr>
         <p:spPr>
@@ -3512,9 +3950,9 @@
           </a:prstGeom>
         </p:spPr>
         <p:txBody>
-          <a:bodyPr anchorCtr="0" anchor="t" bIns="91425" lIns="91425" spcFirstLastPara="1" rIns="91425" wrap="square" tIns="91425"/>
+          <a:bodyPr spcFirstLastPara="1" wrap="square" lIns="91425" tIns="91425" rIns="91425" bIns="91425" anchor="t" anchorCtr="0"/>
           <a:lstStyle>
-            <a:lvl1pPr indent="-304800" lvl="0" marL="457200">
+            <a:lvl1pPr marL="457200" lvl="0" indent="-304800">
               <a:spcBef>
                 <a:spcPts val="0"/>
               </a:spcBef>
@@ -3525,7 +3963,7 @@
               <a:buChar char="●"/>
               <a:defRPr sz="1200"/>
             </a:lvl1pPr>
-            <a:lvl2pPr indent="-304800" lvl="1" marL="914400">
+            <a:lvl2pPr marL="914400" lvl="1" indent="-304800">
               <a:spcBef>
                 <a:spcPts val="1600"/>
               </a:spcBef>
@@ -3536,7 +3974,7 @@
               <a:buChar char="○"/>
               <a:defRPr sz="1200"/>
             </a:lvl2pPr>
-            <a:lvl3pPr indent="-304800" lvl="2" marL="1371600">
+            <a:lvl3pPr marL="1371600" lvl="2" indent="-304800">
               <a:spcBef>
                 <a:spcPts val="1600"/>
               </a:spcBef>
@@ -3547,7 +3985,7 @@
               <a:buChar char="■"/>
               <a:defRPr sz="1200"/>
             </a:lvl3pPr>
-            <a:lvl4pPr indent="-304800" lvl="3" marL="1828800">
+            <a:lvl4pPr marL="1828800" lvl="3" indent="-304800">
               <a:spcBef>
                 <a:spcPts val="1600"/>
               </a:spcBef>
@@ -3558,7 +3996,7 @@
               <a:buChar char="●"/>
               <a:defRPr sz="1200"/>
             </a:lvl4pPr>
-            <a:lvl5pPr indent="-304800" lvl="4" marL="2286000">
+            <a:lvl5pPr marL="2286000" lvl="4" indent="-304800">
               <a:spcBef>
                 <a:spcPts val="1600"/>
               </a:spcBef>
@@ -3569,7 +4007,7 @@
               <a:buChar char="○"/>
               <a:defRPr sz="1200"/>
             </a:lvl5pPr>
-            <a:lvl6pPr indent="-304800" lvl="5" marL="2743200">
+            <a:lvl6pPr marL="2743200" lvl="5" indent="-304800">
               <a:spcBef>
                 <a:spcPts val="1600"/>
               </a:spcBef>
@@ -3580,7 +4018,7 @@
               <a:buChar char="■"/>
               <a:defRPr sz="1200"/>
             </a:lvl6pPr>
-            <a:lvl7pPr indent="-304800" lvl="6" marL="3200400">
+            <a:lvl7pPr marL="3200400" lvl="6" indent="-304800">
               <a:spcBef>
                 <a:spcPts val="1600"/>
               </a:spcBef>
@@ -3591,7 +4029,7 @@
               <a:buChar char="●"/>
               <a:defRPr sz="1200"/>
             </a:lvl7pPr>
-            <a:lvl8pPr indent="-304800" lvl="7" marL="3657600">
+            <a:lvl8pPr marL="3657600" lvl="7" indent="-304800">
               <a:spcBef>
                 <a:spcPts val="1600"/>
               </a:spcBef>
@@ -3602,7 +4040,7 @@
               <a:buChar char="○"/>
               <a:defRPr sz="1200"/>
             </a:lvl8pPr>
-            <a:lvl9pPr indent="-304800" lvl="8" marL="4114800">
+            <a:lvl9pPr marL="4114800" lvl="8" indent="-304800">
               <a:spcBef>
                 <a:spcPts val="1600"/>
               </a:spcBef>
@@ -3614,15 +4052,19 @@
               <a:defRPr sz="1200"/>
             </a:lvl9pPr>
           </a:lstStyle>
-          <a:p/>
+          <a:p>
+            <a:endParaRPr/>
+          </a:p>
         </p:txBody>
       </p:sp>
       <p:sp>
         <p:nvSpPr>
           <p:cNvPr id="31" name="Shape 31"/>
-          <p:cNvSpPr txBox="1"/>
+          <p:cNvSpPr txBox="1">
+            <a:spLocks noGrp="1"/>
+          </p:cNvSpPr>
           <p:nvPr>
-            <p:ph idx="12" type="sldNum"/>
+            <p:ph type="sldNum" idx="12"/>
           </p:nvPr>
         </p:nvSpPr>
         <p:spPr>
@@ -3635,7 +4077,7 @@
           </a:prstGeom>
         </p:spPr>
         <p:txBody>
-          <a:bodyPr anchorCtr="0" anchor="ctr" bIns="91425" lIns="91425" spcFirstLastPara="1" rIns="91425" wrap="square" tIns="91425">
+          <a:bodyPr spcFirstLastPara="1" wrap="square" lIns="91425" tIns="91425" rIns="91425" bIns="91425" anchor="ctr" anchorCtr="0">
             <a:noAutofit/>
           </a:bodyPr>
           <a:lstStyle>
@@ -3677,7 +4119,7 @@
             </a:lvl9pPr>
           </a:lstStyle>
           <a:p>
-            <a:pPr indent="0" lvl="0" marL="0">
+            <a:pPr marL="0" lvl="0" indent="0">
               <a:spcBef>
                 <a:spcPts val="0"/>
               </a:spcBef>
@@ -3703,11 +4145,11 @@
 </file>
 
 <file path=ppt/slideLayouts/slideLayout7.xml><?xml version="1.0" encoding="utf-8"?>
-<p:sldLayout xmlns:a="http://schemas.openxmlformats.org/drawingml/2006/main" xmlns:r="http://schemas.openxmlformats.org/officeDocument/2006/relationships" xmlns:mc="http://schemas.openxmlformats.org/markup-compatibility/2006" xmlns:mv="urn:schemas-microsoft-com:mac:vml" xmlns:p="http://schemas.openxmlformats.org/presentationml/2006/main" xmlns:c="http://schemas.openxmlformats.org/drawingml/2006/chart" xmlns:dgm="http://schemas.openxmlformats.org/drawingml/2006/diagram" xmlns:o="urn:schemas-microsoft-com:office:office" xmlns:v="urn:schemas-microsoft-com:vml" xmlns:pvml="urn:schemas-microsoft-com:office:powerpoint" xmlns:com="http://schemas.openxmlformats.org/drawingml/2006/compatibility" xmlns:p14="http://schemas.microsoft.com/office/powerpoint/2010/main" xmlns:p15="http://schemas.microsoft.com/office/powerpoint/2012/main" matchingName="Main point">
+<p:sldLayout xmlns:a="http://schemas.openxmlformats.org/drawingml/2006/main" xmlns:r="http://schemas.openxmlformats.org/officeDocument/2006/relationships" xmlns:p="http://schemas.openxmlformats.org/presentationml/2006/main" matchingName="Main point">
   <p:cSld name="MAIN_POINT">
     <p:spTree>
       <p:nvGrpSpPr>
-        <p:cNvPr id="32" name="Shape 32"/>
+        <p:cNvPr id="1" name="Shape 32"/>
         <p:cNvGrpSpPr/>
         <p:nvPr/>
       </p:nvGrpSpPr>
@@ -3722,7 +4164,9 @@
       <p:sp>
         <p:nvSpPr>
           <p:cNvPr id="33" name="Shape 33"/>
-          <p:cNvSpPr txBox="1"/>
+          <p:cNvSpPr txBox="1">
+            <a:spLocks noGrp="1"/>
+          </p:cNvSpPr>
           <p:nvPr>
             <p:ph type="title"/>
           </p:nvPr>
@@ -3737,7 +4181,7 @@
           </a:prstGeom>
         </p:spPr>
         <p:txBody>
-          <a:bodyPr anchorCtr="0" anchor="ctr" bIns="91425" lIns="91425" spcFirstLastPara="1" rIns="91425" wrap="square" tIns="91425"/>
+          <a:bodyPr spcFirstLastPara="1" wrap="square" lIns="91425" tIns="91425" rIns="91425" bIns="91425" anchor="ctr" anchorCtr="0"/>
           <a:lstStyle>
             <a:lvl1pPr lvl="0">
               <a:spcBef>
@@ -3839,15 +4283,19 @@
               <a:defRPr sz="4800"/>
             </a:lvl9pPr>
           </a:lstStyle>
-          <a:p/>
+          <a:p>
+            <a:endParaRPr/>
+          </a:p>
         </p:txBody>
       </p:sp>
       <p:sp>
         <p:nvSpPr>
           <p:cNvPr id="34" name="Shape 34"/>
-          <p:cNvSpPr txBox="1"/>
+          <p:cNvSpPr txBox="1">
+            <a:spLocks noGrp="1"/>
+          </p:cNvSpPr>
           <p:nvPr>
-            <p:ph idx="12" type="sldNum"/>
+            <p:ph type="sldNum" idx="12"/>
           </p:nvPr>
         </p:nvSpPr>
         <p:spPr>
@@ -3860,7 +4308,7 @@
           </a:prstGeom>
         </p:spPr>
         <p:txBody>
-          <a:bodyPr anchorCtr="0" anchor="ctr" bIns="91425" lIns="91425" spcFirstLastPara="1" rIns="91425" wrap="square" tIns="91425">
+          <a:bodyPr spcFirstLastPara="1" wrap="square" lIns="91425" tIns="91425" rIns="91425" bIns="91425" anchor="ctr" anchorCtr="0">
             <a:noAutofit/>
           </a:bodyPr>
           <a:lstStyle>
@@ -3902,7 +4350,7 @@
             </a:lvl9pPr>
           </a:lstStyle>
           <a:p>
-            <a:pPr indent="0" lvl="0" marL="0">
+            <a:pPr marL="0" lvl="0" indent="0">
               <a:spcBef>
                 <a:spcPts val="0"/>
               </a:spcBef>
@@ -3928,11 +4376,11 @@
 </file>
 
 <file path=ppt/slideLayouts/slideLayout8.xml><?xml version="1.0" encoding="utf-8"?>
-<p:sldLayout xmlns:a="http://schemas.openxmlformats.org/drawingml/2006/main" xmlns:r="http://schemas.openxmlformats.org/officeDocument/2006/relationships" xmlns:mc="http://schemas.openxmlformats.org/markup-compatibility/2006" xmlns:mv="urn:schemas-microsoft-com:mac:vml" xmlns:p="http://schemas.openxmlformats.org/presentationml/2006/main" xmlns:c="http://schemas.openxmlformats.org/drawingml/2006/chart" xmlns:dgm="http://schemas.openxmlformats.org/drawingml/2006/diagram" xmlns:o="urn:schemas-microsoft-com:office:office" xmlns:v="urn:schemas-microsoft-com:vml" xmlns:pvml="urn:schemas-microsoft-com:office:powerpoint" xmlns:com="http://schemas.openxmlformats.org/drawingml/2006/compatibility" xmlns:p14="http://schemas.microsoft.com/office/powerpoint/2010/main" xmlns:p15="http://schemas.microsoft.com/office/powerpoint/2012/main" matchingName="Section title and description">
+<p:sldLayout xmlns:a="http://schemas.openxmlformats.org/drawingml/2006/main" xmlns:r="http://schemas.openxmlformats.org/officeDocument/2006/relationships" xmlns:p="http://schemas.openxmlformats.org/presentationml/2006/main" matchingName="Section title and description">
   <p:cSld name="SECTION_TITLE_AND_DESCRIPTION">
     <p:spTree>
       <p:nvGrpSpPr>
-        <p:cNvPr id="35" name="Shape 35"/>
+        <p:cNvPr id="1" name="Shape 35"/>
         <p:cNvGrpSpPr/>
         <p:nvPr/>
       </p:nvGrpSpPr>
@@ -3966,12 +4414,12 @@
           </a:ln>
         </p:spPr>
         <p:txBody>
-          <a:bodyPr anchorCtr="0" anchor="ctr" bIns="91425" lIns="91425" spcFirstLastPara="1" rIns="91425" wrap="square" tIns="91425">
+          <a:bodyPr spcFirstLastPara="1" wrap="square" lIns="91425" tIns="91425" rIns="91425" bIns="91425" anchor="ctr" anchorCtr="0">
             <a:noAutofit/>
           </a:bodyPr>
           <a:lstStyle/>
           <a:p>
-            <a:pPr indent="0" lvl="0" marL="0">
+            <a:pPr marL="0" lvl="0" indent="0">
               <a:spcBef>
                 <a:spcPts val="0"/>
               </a:spcBef>
@@ -3980,9 +4428,6 @@
               </a:spcAft>
               <a:buNone/>
             </a:pPr>
-            <a:r>
-              <a:t/>
-            </a:r>
             <a:endParaRPr/>
           </a:p>
         </p:txBody>
@@ -3990,7 +4435,9 @@
       <p:sp>
         <p:nvSpPr>
           <p:cNvPr id="37" name="Shape 37"/>
-          <p:cNvSpPr txBox="1"/>
+          <p:cNvSpPr txBox="1">
+            <a:spLocks noGrp="1"/>
+          </p:cNvSpPr>
           <p:nvPr>
             <p:ph type="title"/>
           </p:nvPr>
@@ -4005,7 +4452,7 @@
           </a:prstGeom>
         </p:spPr>
         <p:txBody>
-          <a:bodyPr anchorCtr="0" anchor="b" bIns="91425" lIns="91425" spcFirstLastPara="1" rIns="91425" wrap="square" tIns="91425"/>
+          <a:bodyPr spcFirstLastPara="1" wrap="square" lIns="91425" tIns="91425" rIns="91425" bIns="91425" anchor="b" anchorCtr="0"/>
           <a:lstStyle>
             <a:lvl1pPr lvl="0" algn="ctr">
               <a:spcBef>
@@ -4107,15 +4554,19 @@
               <a:defRPr sz="4200"/>
             </a:lvl9pPr>
           </a:lstStyle>
-          <a:p/>
+          <a:p>
+            <a:endParaRPr/>
+          </a:p>
         </p:txBody>
       </p:sp>
       <p:sp>
         <p:nvSpPr>
           <p:cNvPr id="38" name="Shape 38"/>
-          <p:cNvSpPr txBox="1"/>
+          <p:cNvSpPr txBox="1">
+            <a:spLocks noGrp="1"/>
+          </p:cNvSpPr>
           <p:nvPr>
-            <p:ph idx="1" type="subTitle"/>
+            <p:ph type="subTitle" idx="1"/>
           </p:nvPr>
         </p:nvSpPr>
         <p:spPr>
@@ -4128,7 +4579,7 @@
           </a:prstGeom>
         </p:spPr>
         <p:txBody>
-          <a:bodyPr anchorCtr="0" anchor="t" bIns="91425" lIns="91425" spcFirstLastPara="1" rIns="91425" wrap="square" tIns="91425"/>
+          <a:bodyPr spcFirstLastPara="1" wrap="square" lIns="91425" tIns="91425" rIns="91425" bIns="91425" anchor="t" anchorCtr="0"/>
           <a:lstStyle>
             <a:lvl1pPr lvl="0" algn="ctr">
               <a:lnSpc>
@@ -4257,15 +4708,19 @@
               <a:defRPr sz="2100"/>
             </a:lvl9pPr>
           </a:lstStyle>
-          <a:p/>
+          <a:p>
+            <a:endParaRPr/>
+          </a:p>
         </p:txBody>
       </p:sp>
       <p:sp>
         <p:nvSpPr>
           <p:cNvPr id="39" name="Shape 39"/>
-          <p:cNvSpPr txBox="1"/>
+          <p:cNvSpPr txBox="1">
+            <a:spLocks noGrp="1"/>
+          </p:cNvSpPr>
           <p:nvPr>
-            <p:ph idx="2" type="body"/>
+            <p:ph type="body" idx="2"/>
           </p:nvPr>
         </p:nvSpPr>
         <p:spPr>
@@ -4278,9 +4733,9 @@
           </a:prstGeom>
         </p:spPr>
         <p:txBody>
-          <a:bodyPr anchorCtr="0" anchor="ctr" bIns="91425" lIns="91425" spcFirstLastPara="1" rIns="91425" wrap="square" tIns="91425"/>
+          <a:bodyPr spcFirstLastPara="1" wrap="square" lIns="91425" tIns="91425" rIns="91425" bIns="91425" anchor="ctr" anchorCtr="0"/>
           <a:lstStyle>
-            <a:lvl1pPr indent="-342900" lvl="0" marL="457200">
+            <a:lvl1pPr marL="457200" lvl="0" indent="-342900">
               <a:spcBef>
                 <a:spcPts val="0"/>
               </a:spcBef>
@@ -4298,7 +4753,7 @@
                 </a:solidFill>
               </a:defRPr>
             </a:lvl1pPr>
-            <a:lvl2pPr indent="-317500" lvl="1" marL="914400">
+            <a:lvl2pPr marL="914400" lvl="1" indent="-317500">
               <a:spcBef>
                 <a:spcPts val="1600"/>
               </a:spcBef>
@@ -4316,7 +4771,7 @@
                 </a:solidFill>
               </a:defRPr>
             </a:lvl2pPr>
-            <a:lvl3pPr indent="-317500" lvl="2" marL="1371600">
+            <a:lvl3pPr marL="1371600" lvl="2" indent="-317500">
               <a:spcBef>
                 <a:spcPts val="1600"/>
               </a:spcBef>
@@ -4334,7 +4789,7 @@
                 </a:solidFill>
               </a:defRPr>
             </a:lvl3pPr>
-            <a:lvl4pPr indent="-317500" lvl="3" marL="1828800">
+            <a:lvl4pPr marL="1828800" lvl="3" indent="-317500">
               <a:spcBef>
                 <a:spcPts val="1600"/>
               </a:spcBef>
@@ -4352,7 +4807,7 @@
                 </a:solidFill>
               </a:defRPr>
             </a:lvl4pPr>
-            <a:lvl5pPr indent="-317500" lvl="4" marL="2286000">
+            <a:lvl5pPr marL="2286000" lvl="4" indent="-317500">
               <a:spcBef>
                 <a:spcPts val="1600"/>
               </a:spcBef>
@@ -4370,7 +4825,7 @@
                 </a:solidFill>
               </a:defRPr>
             </a:lvl5pPr>
-            <a:lvl6pPr indent="-317500" lvl="5" marL="2743200">
+            <a:lvl6pPr marL="2743200" lvl="5" indent="-317500">
               <a:spcBef>
                 <a:spcPts val="1600"/>
               </a:spcBef>
@@ -4388,7 +4843,7 @@
                 </a:solidFill>
               </a:defRPr>
             </a:lvl6pPr>
-            <a:lvl7pPr indent="-317500" lvl="6" marL="3200400">
+            <a:lvl7pPr marL="3200400" lvl="6" indent="-317500">
               <a:spcBef>
                 <a:spcPts val="1600"/>
               </a:spcBef>
@@ -4406,7 +4861,7 @@
                 </a:solidFill>
               </a:defRPr>
             </a:lvl7pPr>
-            <a:lvl8pPr indent="-317500" lvl="7" marL="3657600">
+            <a:lvl8pPr marL="3657600" lvl="7" indent="-317500">
               <a:spcBef>
                 <a:spcPts val="1600"/>
               </a:spcBef>
@@ -4424,7 +4879,7 @@
                 </a:solidFill>
               </a:defRPr>
             </a:lvl8pPr>
-            <a:lvl9pPr indent="-317500" lvl="8" marL="4114800">
+            <a:lvl9pPr marL="4114800" lvl="8" indent="-317500">
               <a:spcBef>
                 <a:spcPts val="1600"/>
               </a:spcBef>
@@ -4443,15 +4898,19 @@
               </a:defRPr>
             </a:lvl9pPr>
           </a:lstStyle>
-          <a:p/>
+          <a:p>
+            <a:endParaRPr/>
+          </a:p>
         </p:txBody>
       </p:sp>
       <p:sp>
         <p:nvSpPr>
           <p:cNvPr id="40" name="Shape 40"/>
-          <p:cNvSpPr txBox="1"/>
+          <p:cNvSpPr txBox="1">
+            <a:spLocks noGrp="1"/>
+          </p:cNvSpPr>
           <p:nvPr>
-            <p:ph idx="12" type="sldNum"/>
+            <p:ph type="sldNum" idx="12"/>
           </p:nvPr>
         </p:nvSpPr>
         <p:spPr>
@@ -4464,7 +4923,7 @@
           </a:prstGeom>
         </p:spPr>
         <p:txBody>
-          <a:bodyPr anchorCtr="0" anchor="ctr" bIns="91425" lIns="91425" spcFirstLastPara="1" rIns="91425" wrap="square" tIns="91425">
+          <a:bodyPr spcFirstLastPara="1" wrap="square" lIns="91425" tIns="91425" rIns="91425" bIns="91425" anchor="ctr" anchorCtr="0">
             <a:noAutofit/>
           </a:bodyPr>
           <a:lstStyle>
@@ -4506,7 +4965,7 @@
             </a:lvl9pPr>
           </a:lstStyle>
           <a:p>
-            <a:pPr indent="0" lvl="0" marL="0">
+            <a:pPr marL="0" lvl="0" indent="0">
               <a:spcBef>
                 <a:spcPts val="0"/>
               </a:spcBef>
@@ -4532,11 +4991,11 @@
 </file>
 
 <file path=ppt/slideLayouts/slideLayout9.xml><?xml version="1.0" encoding="utf-8"?>
-<p:sldLayout xmlns:a="http://schemas.openxmlformats.org/drawingml/2006/main" xmlns:r="http://schemas.openxmlformats.org/officeDocument/2006/relationships" xmlns:mc="http://schemas.openxmlformats.org/markup-compatibility/2006" xmlns:mv="urn:schemas-microsoft-com:mac:vml" xmlns:p="http://schemas.openxmlformats.org/presentationml/2006/main" xmlns:c="http://schemas.openxmlformats.org/drawingml/2006/chart" xmlns:dgm="http://schemas.openxmlformats.org/drawingml/2006/diagram" xmlns:o="urn:schemas-microsoft-com:office:office" xmlns:v="urn:schemas-microsoft-com:vml" xmlns:pvml="urn:schemas-microsoft-com:office:powerpoint" xmlns:com="http://schemas.openxmlformats.org/drawingml/2006/compatibility" xmlns:p14="http://schemas.microsoft.com/office/powerpoint/2010/main" xmlns:p15="http://schemas.microsoft.com/office/powerpoint/2012/main" matchingName="Caption">
+<p:sldLayout xmlns:a="http://schemas.openxmlformats.org/drawingml/2006/main" xmlns:r="http://schemas.openxmlformats.org/officeDocument/2006/relationships" xmlns:p="http://schemas.openxmlformats.org/presentationml/2006/main" matchingName="Caption">
   <p:cSld name="CAPTION_ONLY">
     <p:spTree>
       <p:nvGrpSpPr>
-        <p:cNvPr id="41" name="Shape 41"/>
+        <p:cNvPr id="1" name="Shape 41"/>
         <p:cNvGrpSpPr/>
         <p:nvPr/>
       </p:nvGrpSpPr>
@@ -4551,9 +5010,11 @@
       <p:sp>
         <p:nvSpPr>
           <p:cNvPr id="42" name="Shape 42"/>
-          <p:cNvSpPr txBox="1"/>
+          <p:cNvSpPr txBox="1">
+            <a:spLocks noGrp="1"/>
+          </p:cNvSpPr>
           <p:nvPr>
-            <p:ph idx="1" type="body"/>
+            <p:ph type="body" idx="1"/>
           </p:nvPr>
         </p:nvSpPr>
         <p:spPr>
@@ -4566,9 +5027,9 @@
           </a:prstGeom>
         </p:spPr>
         <p:txBody>
-          <a:bodyPr anchorCtr="0" anchor="ctr" bIns="91425" lIns="91425" spcFirstLastPara="1" rIns="91425" wrap="square" tIns="91425"/>
+          <a:bodyPr spcFirstLastPara="1" wrap="square" lIns="91425" tIns="91425" rIns="91425" bIns="91425" anchor="ctr" anchorCtr="0"/>
           <a:lstStyle>
-            <a:lvl1pPr indent="-228600" lvl="0" marL="457200">
+            <a:lvl1pPr marL="457200" lvl="0" indent="-228600">
               <a:lnSpc>
                 <a:spcPct val="100000"/>
               </a:lnSpc>
@@ -4583,15 +5044,19 @@
               <a:defRPr/>
             </a:lvl1pPr>
           </a:lstStyle>
-          <a:p/>
+          <a:p>
+            <a:endParaRPr/>
+          </a:p>
         </p:txBody>
       </p:sp>
       <p:sp>
         <p:nvSpPr>
           <p:cNvPr id="43" name="Shape 43"/>
-          <p:cNvSpPr txBox="1"/>
+          <p:cNvSpPr txBox="1">
+            <a:spLocks noGrp="1"/>
+          </p:cNvSpPr>
           <p:nvPr>
-            <p:ph idx="12" type="sldNum"/>
+            <p:ph type="sldNum" idx="12"/>
           </p:nvPr>
         </p:nvSpPr>
         <p:spPr>
@@ -4604,7 +5069,7 @@
           </a:prstGeom>
         </p:spPr>
         <p:txBody>
-          <a:bodyPr anchorCtr="0" anchor="ctr" bIns="91425" lIns="91425" spcFirstLastPara="1" rIns="91425" wrap="square" tIns="91425">
+          <a:bodyPr spcFirstLastPara="1" wrap="square" lIns="91425" tIns="91425" rIns="91425" bIns="91425" anchor="ctr" anchorCtr="0">
             <a:noAutofit/>
           </a:bodyPr>
           <a:lstStyle>
@@ -4646,7 +5111,7 @@
             </a:lvl9pPr>
           </a:lstStyle>
           <a:p>
-            <a:pPr indent="0" lvl="0" marL="0">
+            <a:pPr marL="0" lvl="0" indent="0">
               <a:spcBef>
                 <a:spcPts val="0"/>
               </a:spcBef>
@@ -4672,18 +5137,19 @@
 </file>
 
 <file path=ppt/slideMasters/slideMaster1.xml><?xml version="1.0" encoding="utf-8"?>
-<p:sldMaster xmlns:a="http://schemas.openxmlformats.org/drawingml/2006/main" xmlns:r="http://schemas.openxmlformats.org/officeDocument/2006/relationships" xmlns:mc="http://schemas.openxmlformats.org/markup-compatibility/2006" xmlns:mv="urn:schemas-microsoft-com:mac:vml" xmlns:p="http://schemas.openxmlformats.org/presentationml/2006/main" xmlns:c="http://schemas.openxmlformats.org/drawingml/2006/chart" xmlns:dgm="http://schemas.openxmlformats.org/drawingml/2006/diagram" xmlns:o="urn:schemas-microsoft-com:office:office" xmlns:v="urn:schemas-microsoft-com:vml" xmlns:pvml="urn:schemas-microsoft-com:office:powerpoint" xmlns:com="http://schemas.openxmlformats.org/drawingml/2006/compatibility" xmlns:p14="http://schemas.microsoft.com/office/powerpoint/2010/main" xmlns:p15="http://schemas.microsoft.com/office/powerpoint/2012/main">
+<p:sldMaster xmlns:a="http://schemas.openxmlformats.org/drawingml/2006/main" xmlns:r="http://schemas.openxmlformats.org/officeDocument/2006/relationships" xmlns:p="http://schemas.openxmlformats.org/presentationml/2006/main">
   <p:cSld name="simple-dark-2">
     <p:bg>
       <p:bgPr>
         <a:solidFill>
           <a:schemeClr val="lt1"/>
         </a:solidFill>
+        <a:effectLst/>
       </p:bgPr>
     </p:bg>
     <p:spTree>
       <p:nvGrpSpPr>
-        <p:cNvPr id="5" name="Shape 5"/>
+        <p:cNvPr id="1" name="Shape 5"/>
         <p:cNvGrpSpPr/>
         <p:nvPr/>
       </p:nvGrpSpPr>
@@ -4698,7 +5164,9 @@
       <p:sp>
         <p:nvSpPr>
           <p:cNvPr id="6" name="Shape 6"/>
-          <p:cNvSpPr txBox="1"/>
+          <p:cNvSpPr txBox="1">
+            <a:spLocks noGrp="1"/>
+          </p:cNvSpPr>
           <p:nvPr>
             <p:ph type="title"/>
           </p:nvPr>
@@ -4717,7 +5185,7 @@
           </a:ln>
         </p:spPr>
         <p:txBody>
-          <a:bodyPr anchorCtr="0" anchor="t" bIns="91425" lIns="91425" spcFirstLastPara="1" rIns="91425" wrap="square" tIns="91425"/>
+          <a:bodyPr spcFirstLastPara="1" wrap="square" lIns="91425" tIns="91425" rIns="91425" bIns="91425" anchor="t" anchorCtr="0"/>
           <a:lstStyle>
             <a:lvl1pPr lvl="0">
               <a:spcBef>
@@ -4882,15 +5350,19 @@
               </a:defRPr>
             </a:lvl9pPr>
           </a:lstStyle>
-          <a:p/>
+          <a:p>
+            <a:endParaRPr/>
+          </a:p>
         </p:txBody>
       </p:sp>
       <p:sp>
         <p:nvSpPr>
           <p:cNvPr id="7" name="Shape 7"/>
-          <p:cNvSpPr txBox="1"/>
+          <p:cNvSpPr txBox="1">
+            <a:spLocks noGrp="1"/>
+          </p:cNvSpPr>
           <p:nvPr>
-            <p:ph idx="1" type="body"/>
+            <p:ph type="body" idx="1"/>
           </p:nvPr>
         </p:nvSpPr>
         <p:spPr>
@@ -4907,9 +5379,9 @@
           </a:ln>
         </p:spPr>
         <p:txBody>
-          <a:bodyPr anchorCtr="0" anchor="t" bIns="91425" lIns="91425" spcFirstLastPara="1" rIns="91425" wrap="square" tIns="91425"/>
+          <a:bodyPr spcFirstLastPara="1" wrap="square" lIns="91425" tIns="91425" rIns="91425" bIns="91425" anchor="t" anchorCtr="0"/>
           <a:lstStyle>
-            <a:lvl1pPr indent="-342900" lvl="0" marL="457200">
+            <a:lvl1pPr marL="457200" lvl="0" indent="-342900">
               <a:lnSpc>
                 <a:spcPct val="115000"/>
               </a:lnSpc>
@@ -4930,7 +5402,7 @@
                 </a:solidFill>
               </a:defRPr>
             </a:lvl1pPr>
-            <a:lvl2pPr indent="-317500" lvl="1" marL="914400">
+            <a:lvl2pPr marL="914400" lvl="1" indent="-317500">
               <a:lnSpc>
                 <a:spcPct val="115000"/>
               </a:lnSpc>
@@ -4951,7 +5423,7 @@
                 </a:solidFill>
               </a:defRPr>
             </a:lvl2pPr>
-            <a:lvl3pPr indent="-317500" lvl="2" marL="1371600">
+            <a:lvl3pPr marL="1371600" lvl="2" indent="-317500">
               <a:lnSpc>
                 <a:spcPct val="115000"/>
               </a:lnSpc>
@@ -4972,7 +5444,7 @@
                 </a:solidFill>
               </a:defRPr>
             </a:lvl3pPr>
-            <a:lvl4pPr indent="-317500" lvl="3" marL="1828800">
+            <a:lvl4pPr marL="1828800" lvl="3" indent="-317500">
               <a:lnSpc>
                 <a:spcPct val="115000"/>
               </a:lnSpc>
@@ -4993,7 +5465,7 @@
                 </a:solidFill>
               </a:defRPr>
             </a:lvl4pPr>
-            <a:lvl5pPr indent="-317500" lvl="4" marL="2286000">
+            <a:lvl5pPr marL="2286000" lvl="4" indent="-317500">
               <a:lnSpc>
                 <a:spcPct val="115000"/>
               </a:lnSpc>
@@ -5014,7 +5486,7 @@
                 </a:solidFill>
               </a:defRPr>
             </a:lvl5pPr>
-            <a:lvl6pPr indent="-317500" lvl="5" marL="2743200">
+            <a:lvl6pPr marL="2743200" lvl="5" indent="-317500">
               <a:lnSpc>
                 <a:spcPct val="115000"/>
               </a:lnSpc>
@@ -5035,7 +5507,7 @@
                 </a:solidFill>
               </a:defRPr>
             </a:lvl6pPr>
-            <a:lvl7pPr indent="-317500" lvl="6" marL="3200400">
+            <a:lvl7pPr marL="3200400" lvl="6" indent="-317500">
               <a:lnSpc>
                 <a:spcPct val="115000"/>
               </a:lnSpc>
@@ -5056,7 +5528,7 @@
                 </a:solidFill>
               </a:defRPr>
             </a:lvl7pPr>
-            <a:lvl8pPr indent="-317500" lvl="7" marL="3657600">
+            <a:lvl8pPr marL="3657600" lvl="7" indent="-317500">
               <a:lnSpc>
                 <a:spcPct val="115000"/>
               </a:lnSpc>
@@ -5077,7 +5549,7 @@
                 </a:solidFill>
               </a:defRPr>
             </a:lvl8pPr>
-            <a:lvl9pPr indent="-317500" lvl="8" marL="4114800">
+            <a:lvl9pPr marL="4114800" lvl="8" indent="-317500">
               <a:lnSpc>
                 <a:spcPct val="115000"/>
               </a:lnSpc>
@@ -5099,15 +5571,19 @@
               </a:defRPr>
             </a:lvl9pPr>
           </a:lstStyle>
-          <a:p/>
+          <a:p>
+            <a:endParaRPr/>
+          </a:p>
         </p:txBody>
       </p:sp>
       <p:sp>
         <p:nvSpPr>
           <p:cNvPr id="8" name="Shape 8"/>
-          <p:cNvSpPr txBox="1"/>
+          <p:cNvSpPr txBox="1">
+            <a:spLocks noGrp="1"/>
+          </p:cNvSpPr>
           <p:nvPr>
-            <p:ph idx="12" type="sldNum"/>
+            <p:ph type="sldNum" idx="12"/>
           </p:nvPr>
         </p:nvSpPr>
         <p:spPr>
@@ -5124,7 +5600,7 @@
           </a:ln>
         </p:spPr>
         <p:txBody>
-          <a:bodyPr anchorCtr="0" anchor="ctr" bIns="91425" lIns="91425" spcFirstLastPara="1" rIns="91425" wrap="square" tIns="91425">
+          <a:bodyPr spcFirstLastPara="1" wrap="square" lIns="91425" tIns="91425" rIns="91425" bIns="91425" anchor="ctr" anchorCtr="0">
             <a:noAutofit/>
           </a:bodyPr>
           <a:lstStyle>
@@ -5202,7 +5678,7 @@
             </a:lvl9pPr>
           </a:lstStyle>
           <a:p>
-            <a:pPr indent="0" lvl="0" marL="0">
+            <a:pPr marL="0" lvl="0" indent="0">
               <a:spcBef>
                 <a:spcPts val="0"/>
               </a:spcBef>
@@ -5221,7 +5697,7 @@
       </p:sp>
     </p:spTree>
   </p:cSld>
-  <p:clrMap accent1="accent1" accent2="accent2" accent3="accent3" accent4="accent4" accent5="accent5" accent6="accent6" bg1="lt1" bg2="dk2" tx1="dk1" tx2="lt2" folHlink="folHlink" hlink="hlink"/>
+  <p:clrMap bg1="lt1" tx1="dk1" bg2="dk2" tx2="lt2" accent1="accent1" accent2="accent2" accent3="accent3" accent4="accent4" accent5="accent5" accent6="accent6" hlink="hlink" folHlink="folHlink"/>
   <p:sldLayoutIdLst>
     <p:sldLayoutId id="2147483648" r:id="rId1"/>
     <p:sldLayoutId id="2147483649" r:id="rId2"/>
@@ -5235,10 +5711,10 @@
     <p:sldLayoutId id="2147483657" r:id="rId10"/>
     <p:sldLayoutId id="2147483658" r:id="rId11"/>
   </p:sldLayoutIdLst>
-  <p:hf dt="0" ftr="0" hdr="0" sldNum="0"/>
+  <p:hf sldNum="0" hdr="0" ftr="0" dt="0"/>
   <p:txStyles>
     <p:titleStyle>
-      <a:defPPr lvl="0" marR="0" rtl="0" algn="l">
+      <a:defPPr marR="0" lvl="0" algn="l" rtl="0">
         <a:lnSpc>
           <a:spcPct val="100000"/>
         </a:lnSpc>
@@ -5249,7 +5725,7 @@
           <a:spcPts val="0"/>
         </a:spcAft>
       </a:defPPr>
-      <a:lvl1pPr lvl="0" marR="0" rtl="0" algn="l">
+      <a:lvl1pPr marR="0" lvl="0" algn="l" rtl="0">
         <a:lnSpc>
           <a:spcPct val="100000"/>
         </a:lnSpc>
@@ -5263,7 +5739,7 @@
           <a:srgbClr val="000000"/>
         </a:buClr>
         <a:buFont typeface="Arial"/>
-        <a:defRPr b="0" i="0" sz="1400" u="none" cap="none" strike="noStrike">
+        <a:defRPr sz="1400" b="0" i="0" u="none" strike="noStrike" cap="none">
           <a:solidFill>
             <a:srgbClr val="000000"/>
           </a:solidFill>
@@ -5273,7 +5749,7 @@
           <a:sym typeface="Arial"/>
         </a:defRPr>
       </a:lvl1pPr>
-      <a:lvl2pPr lvl="1" marR="0" rtl="0" algn="l">
+      <a:lvl2pPr marR="0" lvl="1" algn="l" rtl="0">
         <a:lnSpc>
           <a:spcPct val="100000"/>
         </a:lnSpc>
@@ -5287,7 +5763,7 @@
           <a:srgbClr val="000000"/>
         </a:buClr>
         <a:buFont typeface="Arial"/>
-        <a:defRPr b="0" i="0" sz="1400" u="none" cap="none" strike="noStrike">
+        <a:defRPr sz="1400" b="0" i="0" u="none" strike="noStrike" cap="none">
           <a:solidFill>
             <a:srgbClr val="000000"/>
           </a:solidFill>
@@ -5297,7 +5773,7 @@
           <a:sym typeface="Arial"/>
         </a:defRPr>
       </a:lvl2pPr>
-      <a:lvl3pPr lvl="2" marR="0" rtl="0" algn="l">
+      <a:lvl3pPr marR="0" lvl="2" algn="l" rtl="0">
         <a:lnSpc>
           <a:spcPct val="100000"/>
         </a:lnSpc>
@@ -5311,7 +5787,7 @@
           <a:srgbClr val="000000"/>
         </a:buClr>
         <a:buFont typeface="Arial"/>
-        <a:defRPr b="0" i="0" sz="1400" u="none" cap="none" strike="noStrike">
+        <a:defRPr sz="1400" b="0" i="0" u="none" strike="noStrike" cap="none">
           <a:solidFill>
             <a:srgbClr val="000000"/>
           </a:solidFill>
@@ -5321,7 +5797,7 @@
           <a:sym typeface="Arial"/>
         </a:defRPr>
       </a:lvl3pPr>
-      <a:lvl4pPr lvl="3" marR="0" rtl="0" algn="l">
+      <a:lvl4pPr marR="0" lvl="3" algn="l" rtl="0">
         <a:lnSpc>
           <a:spcPct val="100000"/>
         </a:lnSpc>
@@ -5335,7 +5811,7 @@
           <a:srgbClr val="000000"/>
         </a:buClr>
         <a:buFont typeface="Arial"/>
-        <a:defRPr b="0" i="0" sz="1400" u="none" cap="none" strike="noStrike">
+        <a:defRPr sz="1400" b="0" i="0" u="none" strike="noStrike" cap="none">
           <a:solidFill>
             <a:srgbClr val="000000"/>
           </a:solidFill>
@@ -5345,7 +5821,7 @@
           <a:sym typeface="Arial"/>
         </a:defRPr>
       </a:lvl4pPr>
-      <a:lvl5pPr lvl="4" marR="0" rtl="0" algn="l">
+      <a:lvl5pPr marR="0" lvl="4" algn="l" rtl="0">
         <a:lnSpc>
           <a:spcPct val="100000"/>
         </a:lnSpc>
@@ -5359,7 +5835,7 @@
           <a:srgbClr val="000000"/>
         </a:buClr>
         <a:buFont typeface="Arial"/>
-        <a:defRPr b="0" i="0" sz="1400" u="none" cap="none" strike="noStrike">
+        <a:defRPr sz="1400" b="0" i="0" u="none" strike="noStrike" cap="none">
           <a:solidFill>
             <a:srgbClr val="000000"/>
           </a:solidFill>
@@ -5369,7 +5845,7 @@
           <a:sym typeface="Arial"/>
         </a:defRPr>
       </a:lvl5pPr>
-      <a:lvl6pPr lvl="5" marR="0" rtl="0" algn="l">
+      <a:lvl6pPr marR="0" lvl="5" algn="l" rtl="0">
         <a:lnSpc>
           <a:spcPct val="100000"/>
         </a:lnSpc>
@@ -5383,7 +5859,7 @@
           <a:srgbClr val="000000"/>
         </a:buClr>
         <a:buFont typeface="Arial"/>
-        <a:defRPr b="0" i="0" sz="1400" u="none" cap="none" strike="noStrike">
+        <a:defRPr sz="1400" b="0" i="0" u="none" strike="noStrike" cap="none">
           <a:solidFill>
             <a:srgbClr val="000000"/>
           </a:solidFill>
@@ -5393,7 +5869,7 @@
           <a:sym typeface="Arial"/>
         </a:defRPr>
       </a:lvl6pPr>
-      <a:lvl7pPr lvl="6" marR="0" rtl="0" algn="l">
+      <a:lvl7pPr marR="0" lvl="6" algn="l" rtl="0">
         <a:lnSpc>
           <a:spcPct val="100000"/>
         </a:lnSpc>
@@ -5407,7 +5883,7 @@
           <a:srgbClr val="000000"/>
         </a:buClr>
         <a:buFont typeface="Arial"/>
-        <a:defRPr b="0" i="0" sz="1400" u="none" cap="none" strike="noStrike">
+        <a:defRPr sz="1400" b="0" i="0" u="none" strike="noStrike" cap="none">
           <a:solidFill>
             <a:srgbClr val="000000"/>
           </a:solidFill>
@@ -5417,7 +5893,7 @@
           <a:sym typeface="Arial"/>
         </a:defRPr>
       </a:lvl7pPr>
-      <a:lvl8pPr lvl="7" marR="0" rtl="0" algn="l">
+      <a:lvl8pPr marR="0" lvl="7" algn="l" rtl="0">
         <a:lnSpc>
           <a:spcPct val="100000"/>
         </a:lnSpc>
@@ -5431,7 +5907,7 @@
           <a:srgbClr val="000000"/>
         </a:buClr>
         <a:buFont typeface="Arial"/>
-        <a:defRPr b="0" i="0" sz="1400" u="none" cap="none" strike="noStrike">
+        <a:defRPr sz="1400" b="0" i="0" u="none" strike="noStrike" cap="none">
           <a:solidFill>
             <a:srgbClr val="000000"/>
           </a:solidFill>
@@ -5441,7 +5917,7 @@
           <a:sym typeface="Arial"/>
         </a:defRPr>
       </a:lvl8pPr>
-      <a:lvl9pPr lvl="8" marR="0" rtl="0" algn="l">
+      <a:lvl9pPr marR="0" lvl="8" algn="l" rtl="0">
         <a:lnSpc>
           <a:spcPct val="100000"/>
         </a:lnSpc>
@@ -5455,7 +5931,7 @@
           <a:srgbClr val="000000"/>
         </a:buClr>
         <a:buFont typeface="Arial"/>
-        <a:defRPr b="0" i="0" sz="1400" u="none" cap="none" strike="noStrike">
+        <a:defRPr sz="1400" b="0" i="0" u="none" strike="noStrike" cap="none">
           <a:solidFill>
             <a:srgbClr val="000000"/>
           </a:solidFill>
@@ -5467,7 +5943,7 @@
       </a:lvl9pPr>
     </p:titleStyle>
     <p:bodyStyle>
-      <a:defPPr lvl="0" marR="0" rtl="0" algn="l">
+      <a:defPPr marR="0" lvl="0" algn="l" rtl="0">
         <a:lnSpc>
           <a:spcPct val="100000"/>
         </a:lnSpc>
@@ -5478,7 +5954,7 @@
           <a:spcPts val="0"/>
         </a:spcAft>
       </a:defPPr>
-      <a:lvl1pPr lvl="0" marR="0" rtl="0" algn="l">
+      <a:lvl1pPr marR="0" lvl="0" algn="l" rtl="0">
         <a:lnSpc>
           <a:spcPct val="100000"/>
         </a:lnSpc>
@@ -5492,7 +5968,7 @@
           <a:srgbClr val="000000"/>
         </a:buClr>
         <a:buFont typeface="Arial"/>
-        <a:defRPr b="0" i="0" sz="1400" u="none" cap="none" strike="noStrike">
+        <a:defRPr sz="1400" b="0" i="0" u="none" strike="noStrike" cap="none">
           <a:solidFill>
             <a:srgbClr val="000000"/>
           </a:solidFill>
@@ -5502,7 +5978,7 @@
           <a:sym typeface="Arial"/>
         </a:defRPr>
       </a:lvl1pPr>
-      <a:lvl2pPr lvl="1" marR="0" rtl="0" algn="l">
+      <a:lvl2pPr marR="0" lvl="1" algn="l" rtl="0">
         <a:lnSpc>
           <a:spcPct val="100000"/>
         </a:lnSpc>
@@ -5516,7 +5992,7 @@
           <a:srgbClr val="000000"/>
         </a:buClr>
         <a:buFont typeface="Arial"/>
-        <a:defRPr b="0" i="0" sz="1400" u="none" cap="none" strike="noStrike">
+        <a:defRPr sz="1400" b="0" i="0" u="none" strike="noStrike" cap="none">
           <a:solidFill>
             <a:srgbClr val="000000"/>
           </a:solidFill>
@@ -5526,7 +6002,7 @@
           <a:sym typeface="Arial"/>
         </a:defRPr>
       </a:lvl2pPr>
-      <a:lvl3pPr lvl="2" marR="0" rtl="0" algn="l">
+      <a:lvl3pPr marR="0" lvl="2" algn="l" rtl="0">
         <a:lnSpc>
           <a:spcPct val="100000"/>
         </a:lnSpc>
@@ -5540,7 +6016,7 @@
           <a:srgbClr val="000000"/>
         </a:buClr>
         <a:buFont typeface="Arial"/>
-        <a:defRPr b="0" i="0" sz="1400" u="none" cap="none" strike="noStrike">
+        <a:defRPr sz="1400" b="0" i="0" u="none" strike="noStrike" cap="none">
           <a:solidFill>
             <a:srgbClr val="000000"/>
           </a:solidFill>
@@ -5550,7 +6026,7 @@
           <a:sym typeface="Arial"/>
         </a:defRPr>
       </a:lvl3pPr>
-      <a:lvl4pPr lvl="3" marR="0" rtl="0" algn="l">
+      <a:lvl4pPr marR="0" lvl="3" algn="l" rtl="0">
         <a:lnSpc>
           <a:spcPct val="100000"/>
         </a:lnSpc>
@@ -5564,7 +6040,7 @@
           <a:srgbClr val="000000"/>
         </a:buClr>
         <a:buFont typeface="Arial"/>
-        <a:defRPr b="0" i="0" sz="1400" u="none" cap="none" strike="noStrike">
+        <a:defRPr sz="1400" b="0" i="0" u="none" strike="noStrike" cap="none">
           <a:solidFill>
             <a:srgbClr val="000000"/>
           </a:solidFill>
@@ -5574,7 +6050,7 @@
           <a:sym typeface="Arial"/>
         </a:defRPr>
       </a:lvl4pPr>
-      <a:lvl5pPr lvl="4" marR="0" rtl="0" algn="l">
+      <a:lvl5pPr marR="0" lvl="4" algn="l" rtl="0">
         <a:lnSpc>
           <a:spcPct val="100000"/>
         </a:lnSpc>
@@ -5588,7 +6064,7 @@
           <a:srgbClr val="000000"/>
         </a:buClr>
         <a:buFont typeface="Arial"/>
-        <a:defRPr b="0" i="0" sz="1400" u="none" cap="none" strike="noStrike">
+        <a:defRPr sz="1400" b="0" i="0" u="none" strike="noStrike" cap="none">
           <a:solidFill>
             <a:srgbClr val="000000"/>
           </a:solidFill>
@@ -5598,7 +6074,7 @@
           <a:sym typeface="Arial"/>
         </a:defRPr>
       </a:lvl5pPr>
-      <a:lvl6pPr lvl="5" marR="0" rtl="0" algn="l">
+      <a:lvl6pPr marR="0" lvl="5" algn="l" rtl="0">
         <a:lnSpc>
           <a:spcPct val="100000"/>
         </a:lnSpc>
@@ -5612,7 +6088,7 @@
           <a:srgbClr val="000000"/>
         </a:buClr>
         <a:buFont typeface="Arial"/>
-        <a:defRPr b="0" i="0" sz="1400" u="none" cap="none" strike="noStrike">
+        <a:defRPr sz="1400" b="0" i="0" u="none" strike="noStrike" cap="none">
           <a:solidFill>
             <a:srgbClr val="000000"/>
           </a:solidFill>
@@ -5622,7 +6098,7 @@
           <a:sym typeface="Arial"/>
         </a:defRPr>
       </a:lvl6pPr>
-      <a:lvl7pPr lvl="6" marR="0" rtl="0" algn="l">
+      <a:lvl7pPr marR="0" lvl="6" algn="l" rtl="0">
         <a:lnSpc>
           <a:spcPct val="100000"/>
         </a:lnSpc>
@@ -5636,7 +6112,7 @@
           <a:srgbClr val="000000"/>
         </a:buClr>
         <a:buFont typeface="Arial"/>
-        <a:defRPr b="0" i="0" sz="1400" u="none" cap="none" strike="noStrike">
+        <a:defRPr sz="1400" b="0" i="0" u="none" strike="noStrike" cap="none">
           <a:solidFill>
             <a:srgbClr val="000000"/>
           </a:solidFill>
@@ -5646,7 +6122,7 @@
           <a:sym typeface="Arial"/>
         </a:defRPr>
       </a:lvl7pPr>
-      <a:lvl8pPr lvl="7" marR="0" rtl="0" algn="l">
+      <a:lvl8pPr marR="0" lvl="7" algn="l" rtl="0">
         <a:lnSpc>
           <a:spcPct val="100000"/>
         </a:lnSpc>
@@ -5660,7 +6136,7 @@
           <a:srgbClr val="000000"/>
         </a:buClr>
         <a:buFont typeface="Arial"/>
-        <a:defRPr b="0" i="0" sz="1400" u="none" cap="none" strike="noStrike">
+        <a:defRPr sz="1400" b="0" i="0" u="none" strike="noStrike" cap="none">
           <a:solidFill>
             <a:srgbClr val="000000"/>
           </a:solidFill>
@@ -5670,7 +6146,7 @@
           <a:sym typeface="Arial"/>
         </a:defRPr>
       </a:lvl8pPr>
-      <a:lvl9pPr lvl="8" marR="0" rtl="0" algn="l">
+      <a:lvl9pPr marR="0" lvl="8" algn="l" rtl="0">
         <a:lnSpc>
           <a:spcPct val="100000"/>
         </a:lnSpc>
@@ -5684,7 +6160,7 @@
           <a:srgbClr val="000000"/>
         </a:buClr>
         <a:buFont typeface="Arial"/>
-        <a:defRPr b="0" i="0" sz="1400" u="none" cap="none" strike="noStrike">
+        <a:defRPr sz="1400" b="0" i="0" u="none" strike="noStrike" cap="none">
           <a:solidFill>
             <a:srgbClr val="000000"/>
           </a:solidFill>
@@ -5696,7 +6172,7 @@
       </a:lvl9pPr>
     </p:bodyStyle>
     <p:otherStyle>
-      <a:defPPr lvl="0" marR="0" rtl="0" algn="l">
+      <a:defPPr marR="0" lvl="0" algn="l" rtl="0">
         <a:lnSpc>
           <a:spcPct val="100000"/>
         </a:lnSpc>
@@ -5707,7 +6183,7 @@
           <a:spcPts val="0"/>
         </a:spcAft>
       </a:defPPr>
-      <a:lvl1pPr lvl="0" marR="0" rtl="0" algn="l">
+      <a:lvl1pPr marR="0" lvl="0" algn="l" rtl="0">
         <a:lnSpc>
           <a:spcPct val="100000"/>
         </a:lnSpc>
@@ -5721,7 +6197,7 @@
           <a:srgbClr val="000000"/>
         </a:buClr>
         <a:buFont typeface="Arial"/>
-        <a:defRPr b="0" i="0" sz="1400" u="none" cap="none" strike="noStrike">
+        <a:defRPr sz="1400" b="0" i="0" u="none" strike="noStrike" cap="none">
           <a:solidFill>
             <a:srgbClr val="000000"/>
           </a:solidFill>
@@ -5731,7 +6207,7 @@
           <a:sym typeface="Arial"/>
         </a:defRPr>
       </a:lvl1pPr>
-      <a:lvl2pPr lvl="1" marR="0" rtl="0" algn="l">
+      <a:lvl2pPr marR="0" lvl="1" algn="l" rtl="0">
         <a:lnSpc>
           <a:spcPct val="100000"/>
         </a:lnSpc>
@@ -5745,7 +6221,7 @@
           <a:srgbClr val="000000"/>
         </a:buClr>
         <a:buFont typeface="Arial"/>
-        <a:defRPr b="0" i="0" sz="1400" u="none" cap="none" strike="noStrike">
+        <a:defRPr sz="1400" b="0" i="0" u="none" strike="noStrike" cap="none">
           <a:solidFill>
             <a:srgbClr val="000000"/>
           </a:solidFill>
@@ -5755,7 +6231,7 @@
           <a:sym typeface="Arial"/>
         </a:defRPr>
       </a:lvl2pPr>
-      <a:lvl3pPr lvl="2" marR="0" rtl="0" algn="l">
+      <a:lvl3pPr marR="0" lvl="2" algn="l" rtl="0">
         <a:lnSpc>
           <a:spcPct val="100000"/>
         </a:lnSpc>
@@ -5769,7 +6245,7 @@
           <a:srgbClr val="000000"/>
         </a:buClr>
         <a:buFont typeface="Arial"/>
-        <a:defRPr b="0" i="0" sz="1400" u="none" cap="none" strike="noStrike">
+        <a:defRPr sz="1400" b="0" i="0" u="none" strike="noStrike" cap="none">
           <a:solidFill>
             <a:srgbClr val="000000"/>
           </a:solidFill>
@@ -5779,7 +6255,7 @@
           <a:sym typeface="Arial"/>
         </a:defRPr>
       </a:lvl3pPr>
-      <a:lvl4pPr lvl="3" marR="0" rtl="0" algn="l">
+      <a:lvl4pPr marR="0" lvl="3" algn="l" rtl="0">
         <a:lnSpc>
           <a:spcPct val="100000"/>
         </a:lnSpc>
@@ -5793,7 +6269,7 @@
           <a:srgbClr val="000000"/>
         </a:buClr>
         <a:buFont typeface="Arial"/>
-        <a:defRPr b="0" i="0" sz="1400" u="none" cap="none" strike="noStrike">
+        <a:defRPr sz="1400" b="0" i="0" u="none" strike="noStrike" cap="none">
           <a:solidFill>
             <a:srgbClr val="000000"/>
           </a:solidFill>
@@ -5803,7 +6279,7 @@
           <a:sym typeface="Arial"/>
         </a:defRPr>
       </a:lvl4pPr>
-      <a:lvl5pPr lvl="4" marR="0" rtl="0" algn="l">
+      <a:lvl5pPr marR="0" lvl="4" algn="l" rtl="0">
         <a:lnSpc>
           <a:spcPct val="100000"/>
         </a:lnSpc>
@@ -5817,7 +6293,7 @@
           <a:srgbClr val="000000"/>
         </a:buClr>
         <a:buFont typeface="Arial"/>
-        <a:defRPr b="0" i="0" sz="1400" u="none" cap="none" strike="noStrike">
+        <a:defRPr sz="1400" b="0" i="0" u="none" strike="noStrike" cap="none">
           <a:solidFill>
             <a:srgbClr val="000000"/>
           </a:solidFill>
@@ -5827,7 +6303,7 @@
           <a:sym typeface="Arial"/>
         </a:defRPr>
       </a:lvl5pPr>
-      <a:lvl6pPr lvl="5" marR="0" rtl="0" algn="l">
+      <a:lvl6pPr marR="0" lvl="5" algn="l" rtl="0">
         <a:lnSpc>
           <a:spcPct val="100000"/>
         </a:lnSpc>
@@ -5841,7 +6317,7 @@
           <a:srgbClr val="000000"/>
         </a:buClr>
         <a:buFont typeface="Arial"/>
-        <a:defRPr b="0" i="0" sz="1400" u="none" cap="none" strike="noStrike">
+        <a:defRPr sz="1400" b="0" i="0" u="none" strike="noStrike" cap="none">
           <a:solidFill>
             <a:srgbClr val="000000"/>
           </a:solidFill>
@@ -5851,7 +6327,7 @@
           <a:sym typeface="Arial"/>
         </a:defRPr>
       </a:lvl6pPr>
-      <a:lvl7pPr lvl="6" marR="0" rtl="0" algn="l">
+      <a:lvl7pPr marR="0" lvl="6" algn="l" rtl="0">
         <a:lnSpc>
           <a:spcPct val="100000"/>
         </a:lnSpc>
@@ -5865,7 +6341,7 @@
           <a:srgbClr val="000000"/>
         </a:buClr>
         <a:buFont typeface="Arial"/>
-        <a:defRPr b="0" i="0" sz="1400" u="none" cap="none" strike="noStrike">
+        <a:defRPr sz="1400" b="0" i="0" u="none" strike="noStrike" cap="none">
           <a:solidFill>
             <a:srgbClr val="000000"/>
           </a:solidFill>
@@ -5875,7 +6351,7 @@
           <a:sym typeface="Arial"/>
         </a:defRPr>
       </a:lvl7pPr>
-      <a:lvl8pPr lvl="7" marR="0" rtl="0" algn="l">
+      <a:lvl8pPr marR="0" lvl="7" algn="l" rtl="0">
         <a:lnSpc>
           <a:spcPct val="100000"/>
         </a:lnSpc>
@@ -5889,7 +6365,7 @@
           <a:srgbClr val="000000"/>
         </a:buClr>
         <a:buFont typeface="Arial"/>
-        <a:defRPr b="0" i="0" sz="1400" u="none" cap="none" strike="noStrike">
+        <a:defRPr sz="1400" b="0" i="0" u="none" strike="noStrike" cap="none">
           <a:solidFill>
             <a:srgbClr val="000000"/>
           </a:solidFill>
@@ -5899,7 +6375,7 @@
           <a:sym typeface="Arial"/>
         </a:defRPr>
       </a:lvl8pPr>
-      <a:lvl9pPr lvl="8" marR="0" rtl="0" algn="l">
+      <a:lvl9pPr marR="0" lvl="8" algn="l" rtl="0">
         <a:lnSpc>
           <a:spcPct val="100000"/>
         </a:lnSpc>
@@ -5913,7 +6389,7 @@
           <a:srgbClr val="000000"/>
         </a:buClr>
         <a:buFont typeface="Arial"/>
-        <a:defRPr b="0" i="0" sz="1400" u="none" cap="none" strike="noStrike">
+        <a:defRPr sz="1400" b="0" i="0" u="none" strike="noStrike" cap="none">
           <a:solidFill>
             <a:srgbClr val="000000"/>
           </a:solidFill>
@@ -5929,11 +6405,1544 @@
 </file>
 
 <file path=ppt/slides/slide1.xml><?xml version="1.0" encoding="utf-8"?>
-<p:sld xmlns:a="http://schemas.openxmlformats.org/drawingml/2006/main" xmlns:r="http://schemas.openxmlformats.org/officeDocument/2006/relationships" xmlns:mc="http://schemas.openxmlformats.org/markup-compatibility/2006" xmlns:mv="urn:schemas-microsoft-com:mac:vml" xmlns:p="http://schemas.openxmlformats.org/presentationml/2006/main" xmlns:c="http://schemas.openxmlformats.org/drawingml/2006/chart" xmlns:dgm="http://schemas.openxmlformats.org/drawingml/2006/diagram" xmlns:o="urn:schemas-microsoft-com:office:office" xmlns:v="urn:schemas-microsoft-com:vml" xmlns:pvml="urn:schemas-microsoft-com:office:powerpoint" xmlns:com="http://schemas.openxmlformats.org/drawingml/2006/compatibility" xmlns:p14="http://schemas.microsoft.com/office/powerpoint/2010/main" xmlns:p15="http://schemas.microsoft.com/office/powerpoint/2012/main">
+<p:sld xmlns:a="http://schemas.openxmlformats.org/drawingml/2006/main" xmlns:r="http://schemas.openxmlformats.org/officeDocument/2006/relationships" xmlns:p="http://schemas.openxmlformats.org/presentationml/2006/main">
   <p:cSld>
     <p:spTree>
       <p:nvGrpSpPr>
-        <p:cNvPr id="53" name="Shape 53"/>
+        <p:cNvPr id="1" name=""/>
+        <p:cNvGrpSpPr/>
+        <p:nvPr/>
+      </p:nvGrpSpPr>
+      <p:grpSpPr>
+        <a:xfrm>
+          <a:off x="0" y="0"/>
+          <a:ext cx="0" cy="0"/>
+          <a:chOff x="0" y="0"/>
+          <a:chExt cx="0" cy="0"/>
+        </a:xfrm>
+      </p:grpSpPr>
+      <p:sp>
+        <p:nvSpPr>
+          <p:cNvPr id="4" name="Title 3">
+            <a:extLst>
+              <a:ext uri="{FF2B5EF4-FFF2-40B4-BE49-F238E27FC236}">
+                <a16:creationId xmlns:a16="http://schemas.microsoft.com/office/drawing/2014/main" id="{774B795C-49A2-4CD2-B09E-AB93E55C38C9}"/>
+              </a:ext>
+            </a:extLst>
+          </p:cNvPr>
+          <p:cNvSpPr>
+            <a:spLocks noGrp="1"/>
+          </p:cNvSpPr>
+          <p:nvPr>
+            <p:ph type="title"/>
+          </p:nvPr>
+        </p:nvSpPr>
+        <p:spPr/>
+        <p:txBody>
+          <a:bodyPr/>
+          <a:lstStyle/>
+          <a:p>
+            <a:endParaRPr lang="en-US" dirty="0"/>
+          </a:p>
+        </p:txBody>
+      </p:sp>
+    </p:spTree>
+    <p:extLst>
+      <p:ext uri="{BB962C8B-B14F-4D97-AF65-F5344CB8AC3E}">
+        <p14:creationId xmlns:p14="http://schemas.microsoft.com/office/powerpoint/2010/main" val="3904958647"/>
+      </p:ext>
+    </p:extLst>
+  </p:cSld>
+  <p:clrMapOvr>
+    <a:masterClrMapping/>
+  </p:clrMapOvr>
+</p:sld>
+</file>
+
+<file path=ppt/slides/slide10.xml><?xml version="1.0" encoding="utf-8"?>
+<p:sld xmlns:a="http://schemas.openxmlformats.org/drawingml/2006/main" xmlns:r="http://schemas.openxmlformats.org/officeDocument/2006/relationships" xmlns:p="http://schemas.openxmlformats.org/presentationml/2006/main">
+  <p:cSld>
+    <p:spTree>
+      <p:nvGrpSpPr>
+        <p:cNvPr id="1" name=""/>
+        <p:cNvGrpSpPr/>
+        <p:nvPr/>
+      </p:nvGrpSpPr>
+      <p:grpSpPr>
+        <a:xfrm>
+          <a:off x="0" y="0"/>
+          <a:ext cx="0" cy="0"/>
+          <a:chOff x="0" y="0"/>
+          <a:chExt cx="0" cy="0"/>
+        </a:xfrm>
+      </p:grpSpPr>
+      <p:sp>
+        <p:nvSpPr>
+          <p:cNvPr id="2" name="Title 1">
+            <a:extLst>
+              <a:ext uri="{FF2B5EF4-FFF2-40B4-BE49-F238E27FC236}">
+                <a16:creationId xmlns:a16="http://schemas.microsoft.com/office/drawing/2014/main" id="{4CA1D703-8BBD-4963-8604-EB1BB7521617}"/>
+              </a:ext>
+            </a:extLst>
+          </p:cNvPr>
+          <p:cNvSpPr>
+            <a:spLocks noGrp="1"/>
+          </p:cNvSpPr>
+          <p:nvPr>
+            <p:ph type="title"/>
+          </p:nvPr>
+        </p:nvSpPr>
+        <p:spPr>
+          <a:xfrm>
+            <a:off x="311700" y="1729950"/>
+            <a:ext cx="8520600" cy="841800"/>
+          </a:xfrm>
+        </p:spPr>
+        <p:txBody>
+          <a:bodyPr/>
+          <a:lstStyle/>
+          <a:p>
+            <a:r>
+              <a:rPr lang="en-US" dirty="0"/>
+              <a:t>Q &amp; A</a:t>
+            </a:r>
+          </a:p>
+        </p:txBody>
+      </p:sp>
+    </p:spTree>
+    <p:extLst>
+      <p:ext uri="{BB962C8B-B14F-4D97-AF65-F5344CB8AC3E}">
+        <p14:creationId xmlns:p14="http://schemas.microsoft.com/office/powerpoint/2010/main" val="2589605758"/>
+      </p:ext>
+    </p:extLst>
+  </p:cSld>
+  <p:clrMapOvr>
+    <a:masterClrMapping/>
+  </p:clrMapOvr>
+</p:sld>
+</file>
+
+<file path=ppt/slides/slide11.xml><?xml version="1.0" encoding="utf-8"?>
+<p:sld xmlns:a="http://schemas.openxmlformats.org/drawingml/2006/main" xmlns:r="http://schemas.openxmlformats.org/officeDocument/2006/relationships" xmlns:p="http://schemas.openxmlformats.org/presentationml/2006/main">
+  <p:cSld>
+    <p:spTree>
+      <p:nvGrpSpPr>
+        <p:cNvPr id="1" name=""/>
+        <p:cNvGrpSpPr/>
+        <p:nvPr/>
+      </p:nvGrpSpPr>
+      <p:grpSpPr>
+        <a:xfrm>
+          <a:off x="0" y="0"/>
+          <a:ext cx="0" cy="0"/>
+          <a:chOff x="0" y="0"/>
+          <a:chExt cx="0" cy="0"/>
+        </a:xfrm>
+      </p:grpSpPr>
+      <p:sp>
+        <p:nvSpPr>
+          <p:cNvPr id="2" name="Title 1">
+            <a:extLst>
+              <a:ext uri="{FF2B5EF4-FFF2-40B4-BE49-F238E27FC236}">
+                <a16:creationId xmlns:a16="http://schemas.microsoft.com/office/drawing/2014/main" id="{4CA1D703-8BBD-4963-8604-EB1BB7521617}"/>
+              </a:ext>
+            </a:extLst>
+          </p:cNvPr>
+          <p:cNvSpPr>
+            <a:spLocks noGrp="1"/>
+          </p:cNvSpPr>
+          <p:nvPr>
+            <p:ph type="title"/>
+          </p:nvPr>
+        </p:nvSpPr>
+        <p:spPr>
+          <a:xfrm>
+            <a:off x="311700" y="1729950"/>
+            <a:ext cx="8520600" cy="841800"/>
+          </a:xfrm>
+        </p:spPr>
+        <p:txBody>
+          <a:bodyPr/>
+          <a:lstStyle/>
+          <a:p>
+            <a:r>
+              <a:rPr lang="en-US" dirty="0"/>
+              <a:t>Studio Walkthrough</a:t>
+            </a:r>
+          </a:p>
+        </p:txBody>
+      </p:sp>
+    </p:spTree>
+    <p:extLst>
+      <p:ext uri="{BB962C8B-B14F-4D97-AF65-F5344CB8AC3E}">
+        <p14:creationId xmlns:p14="http://schemas.microsoft.com/office/powerpoint/2010/main" val="2220849723"/>
+      </p:ext>
+    </p:extLst>
+  </p:cSld>
+  <p:clrMapOvr>
+    <a:masterClrMapping/>
+  </p:clrMapOvr>
+</p:sld>
+</file>
+
+<file path=ppt/slides/slide2.xml><?xml version="1.0" encoding="utf-8"?>
+<p:sld xmlns:a="http://schemas.openxmlformats.org/drawingml/2006/main" xmlns:r="http://schemas.openxmlformats.org/officeDocument/2006/relationships" xmlns:p="http://schemas.openxmlformats.org/presentationml/2006/main">
+  <p:cSld>
+    <p:spTree>
+      <p:nvGrpSpPr>
+        <p:cNvPr id="1" name="Shape 60"/>
+        <p:cNvGrpSpPr/>
+        <p:nvPr/>
+      </p:nvGrpSpPr>
+      <p:grpSpPr>
+        <a:xfrm>
+          <a:off x="0" y="0"/>
+          <a:ext cx="0" cy="0"/>
+          <a:chOff x="0" y="0"/>
+          <a:chExt cx="0" cy="0"/>
+        </a:xfrm>
+      </p:grpSpPr>
+      <p:sp>
+        <p:nvSpPr>
+          <p:cNvPr id="61" name="Shape 61"/>
+          <p:cNvSpPr txBox="1">
+            <a:spLocks noGrp="1"/>
+          </p:cNvSpPr>
+          <p:nvPr>
+            <p:ph type="title"/>
+          </p:nvPr>
+        </p:nvSpPr>
+        <p:spPr>
+          <a:xfrm>
+            <a:off x="62275" y="-124550"/>
+            <a:ext cx="8769900" cy="524700"/>
+          </a:xfrm>
+          <a:prstGeom prst="rect">
+            <a:avLst/>
+          </a:prstGeom>
+        </p:spPr>
+        <p:txBody>
+          <a:bodyPr spcFirstLastPara="1" wrap="square" lIns="91425" tIns="91425" rIns="91425" bIns="91425" anchor="t" anchorCtr="0">
+            <a:noAutofit/>
+          </a:bodyPr>
+          <a:lstStyle/>
+          <a:p>
+            <a:pPr marL="0" lvl="0" indent="0" rtl="0">
+              <a:spcBef>
+                <a:spcPts val="0"/>
+              </a:spcBef>
+              <a:spcAft>
+                <a:spcPts val="0"/>
+              </a:spcAft>
+              <a:buNone/>
+            </a:pPr>
+            <a:r>
+              <a:rPr lang="en-US" sz="4000" dirty="0"/>
+              <a:t>Outline</a:t>
+            </a:r>
+            <a:endParaRPr sz="4000" dirty="0"/>
+          </a:p>
+        </p:txBody>
+      </p:sp>
+      <p:sp>
+        <p:nvSpPr>
+          <p:cNvPr id="62" name="Shape 62"/>
+          <p:cNvSpPr txBox="1"/>
+          <p:nvPr/>
+        </p:nvSpPr>
+        <p:spPr>
+          <a:xfrm>
+            <a:off x="418050" y="658225"/>
+            <a:ext cx="8619300" cy="4349700"/>
+          </a:xfrm>
+          <a:prstGeom prst="rect">
+            <a:avLst/>
+          </a:prstGeom>
+          <a:noFill/>
+          <a:ln>
+            <a:noFill/>
+          </a:ln>
+        </p:spPr>
+        <p:txBody>
+          <a:bodyPr spcFirstLastPara="1" wrap="square" lIns="91425" tIns="91425" rIns="91425" bIns="91425" anchor="t" anchorCtr="0">
+            <a:noAutofit/>
+          </a:bodyPr>
+          <a:lstStyle/>
+          <a:p>
+            <a:pPr marL="457200" marR="0" lvl="0" indent="-381000" algn="l" rtl="0">
+              <a:lnSpc>
+                <a:spcPct val="115000"/>
+              </a:lnSpc>
+              <a:spcBef>
+                <a:spcPts val="0"/>
+              </a:spcBef>
+              <a:spcAft>
+                <a:spcPts val="0"/>
+              </a:spcAft>
+              <a:buClr>
+                <a:srgbClr val="FFFFFF"/>
+              </a:buClr>
+              <a:buSzPts val="2400"/>
+              <a:buFont typeface="Arial"/>
+              <a:buChar char="●"/>
+            </a:pPr>
+            <a:r>
+              <a:rPr lang="en-US" sz="2400" dirty="0">
+                <a:solidFill>
+                  <a:srgbClr val="FFFFFF"/>
+                </a:solidFill>
+              </a:rPr>
+              <a:t>Reminders</a:t>
+            </a:r>
+          </a:p>
+          <a:p>
+            <a:pPr marL="457200" marR="0" lvl="0" indent="-381000" algn="l" rtl="0">
+              <a:lnSpc>
+                <a:spcPct val="115000"/>
+              </a:lnSpc>
+              <a:spcBef>
+                <a:spcPts val="0"/>
+              </a:spcBef>
+              <a:spcAft>
+                <a:spcPts val="0"/>
+              </a:spcAft>
+              <a:buClr>
+                <a:srgbClr val="FFFFFF"/>
+              </a:buClr>
+              <a:buSzPts val="2400"/>
+              <a:buFont typeface="Arial"/>
+              <a:buChar char="●"/>
+            </a:pPr>
+            <a:r>
+              <a:rPr lang="en-US" sz="2400" dirty="0">
+                <a:solidFill>
+                  <a:srgbClr val="FFFFFF"/>
+                </a:solidFill>
+              </a:rPr>
+              <a:t>Studio Solution (Databases Part 2)</a:t>
+            </a:r>
+          </a:p>
+          <a:p>
+            <a:pPr marL="457200" marR="0" lvl="0" indent="-381000" algn="l" rtl="0">
+              <a:lnSpc>
+                <a:spcPct val="115000"/>
+              </a:lnSpc>
+              <a:spcBef>
+                <a:spcPts val="0"/>
+              </a:spcBef>
+              <a:spcAft>
+                <a:spcPts val="0"/>
+              </a:spcAft>
+              <a:buClr>
+                <a:srgbClr val="FFFFFF"/>
+              </a:buClr>
+              <a:buSzPts val="2400"/>
+              <a:buFont typeface="Arial"/>
+              <a:buChar char="●"/>
+            </a:pPr>
+            <a:r>
+              <a:rPr lang="en-US" sz="2400" dirty="0">
+                <a:solidFill>
+                  <a:srgbClr val="FFFFFF"/>
+                </a:solidFill>
+              </a:rPr>
+              <a:t> Q&amp;A</a:t>
+            </a:r>
+          </a:p>
+          <a:p>
+            <a:pPr marL="457200" marR="0" lvl="0" indent="-381000" algn="l" rtl="0">
+              <a:lnSpc>
+                <a:spcPct val="115000"/>
+              </a:lnSpc>
+              <a:spcBef>
+                <a:spcPts val="0"/>
+              </a:spcBef>
+              <a:spcAft>
+                <a:spcPts val="0"/>
+              </a:spcAft>
+              <a:buClr>
+                <a:srgbClr val="FFFFFF"/>
+              </a:buClr>
+              <a:buSzPts val="2400"/>
+              <a:buFont typeface="Arial"/>
+              <a:buChar char="●"/>
+            </a:pPr>
+            <a:r>
+              <a:rPr lang="en-US" sz="2400" dirty="0">
+                <a:solidFill>
+                  <a:srgbClr val="FFFFFF"/>
+                </a:solidFill>
+              </a:rPr>
+              <a:t>Studio Walkthrough (</a:t>
+            </a:r>
+            <a:r>
+              <a:rPr lang="en-US" sz="2400" dirty="0" err="1">
+                <a:solidFill>
+                  <a:srgbClr val="FFFFFF"/>
+                </a:solidFill>
+              </a:rPr>
+              <a:t>Flicklist</a:t>
+            </a:r>
+            <a:r>
+              <a:rPr lang="en-US" sz="2400" dirty="0">
+                <a:solidFill>
+                  <a:srgbClr val="FFFFFF"/>
+                </a:solidFill>
+              </a:rPr>
+              <a:t> 6)</a:t>
+            </a:r>
+          </a:p>
+          <a:p>
+            <a:pPr marL="457200" marR="0" lvl="0" indent="-381000" algn="l" rtl="0">
+              <a:lnSpc>
+                <a:spcPct val="115000"/>
+              </a:lnSpc>
+              <a:spcBef>
+                <a:spcPts val="0"/>
+              </a:spcBef>
+              <a:spcAft>
+                <a:spcPts val="0"/>
+              </a:spcAft>
+              <a:buClr>
+                <a:srgbClr val="FFFFFF"/>
+              </a:buClr>
+              <a:buSzPts val="2400"/>
+              <a:buFont typeface="Arial"/>
+              <a:buChar char="●"/>
+            </a:pPr>
+            <a:r>
+              <a:rPr lang="en-US" sz="2400" dirty="0">
+                <a:solidFill>
+                  <a:srgbClr val="FFFFFF"/>
+                </a:solidFill>
+              </a:rPr>
+              <a:t>Studio</a:t>
+            </a:r>
+            <a:endParaRPr sz="2400" dirty="0">
+              <a:solidFill>
+                <a:srgbClr val="FFFFFF"/>
+              </a:solidFill>
+            </a:endParaRPr>
+          </a:p>
+          <a:p>
+            <a:pPr marL="0" lvl="0" indent="0" rtl="0">
+              <a:lnSpc>
+                <a:spcPct val="115000"/>
+              </a:lnSpc>
+              <a:spcBef>
+                <a:spcPts val="0"/>
+              </a:spcBef>
+              <a:spcAft>
+                <a:spcPts val="0"/>
+              </a:spcAft>
+              <a:buNone/>
+            </a:pPr>
+            <a:endParaRPr sz="2200" dirty="0">
+              <a:solidFill>
+                <a:srgbClr val="FFFFFF"/>
+              </a:solidFill>
+            </a:endParaRPr>
+          </a:p>
+          <a:p>
+            <a:pPr marL="0" lvl="0" indent="0" rtl="0">
+              <a:lnSpc>
+                <a:spcPct val="115000"/>
+              </a:lnSpc>
+              <a:spcBef>
+                <a:spcPts val="0"/>
+              </a:spcBef>
+              <a:spcAft>
+                <a:spcPts val="0"/>
+              </a:spcAft>
+              <a:buNone/>
+            </a:pPr>
+            <a:endParaRPr sz="2200" dirty="0">
+              <a:solidFill>
+                <a:srgbClr val="FFFFFF"/>
+              </a:solidFill>
+            </a:endParaRPr>
+          </a:p>
+          <a:p>
+            <a:pPr marL="0" marR="0" lvl="0" indent="0" algn="l" rtl="0">
+              <a:lnSpc>
+                <a:spcPct val="100000"/>
+              </a:lnSpc>
+              <a:spcBef>
+                <a:spcPts val="0"/>
+              </a:spcBef>
+              <a:spcAft>
+                <a:spcPts val="0"/>
+              </a:spcAft>
+              <a:buNone/>
+            </a:pPr>
+            <a:endParaRPr sz="2400" dirty="0">
+              <a:solidFill>
+                <a:srgbClr val="FFFFFF"/>
+              </a:solidFill>
+            </a:endParaRPr>
+          </a:p>
+          <a:p>
+            <a:pPr marL="0" lvl="0" indent="0" rtl="0">
+              <a:spcBef>
+                <a:spcPts val="0"/>
+              </a:spcBef>
+              <a:spcAft>
+                <a:spcPts val="0"/>
+              </a:spcAft>
+              <a:buNone/>
+            </a:pPr>
+            <a:endParaRPr sz="2400" dirty="0">
+              <a:solidFill>
+                <a:srgbClr val="FFFFFF"/>
+              </a:solidFill>
+            </a:endParaRPr>
+          </a:p>
+        </p:txBody>
+      </p:sp>
+    </p:spTree>
+    <p:extLst>
+      <p:ext uri="{BB962C8B-B14F-4D97-AF65-F5344CB8AC3E}">
+        <p14:creationId xmlns:p14="http://schemas.microsoft.com/office/powerpoint/2010/main" val="2159364699"/>
+      </p:ext>
+    </p:extLst>
+  </p:cSld>
+  <p:clrMapOvr>
+    <a:masterClrMapping/>
+  </p:clrMapOvr>
+  <p:timing>
+    <p:tnLst>
+      <p:par>
+        <p:cTn id="1" dur="indefinite" restart="never" nodeType="tmRoot">
+          <p:childTnLst>
+            <p:seq concurrent="1" nextAc="seek">
+              <p:cTn id="2" dur="indefinite" nodeType="mainSeq">
+                <p:childTnLst>
+                  <p:par>
+                    <p:cTn id="3" fill="hold">
+                      <p:stCondLst>
+                        <p:cond delay="indefinite"/>
+                      </p:stCondLst>
+                      <p:childTnLst>
+                        <p:par>
+                          <p:cTn id="4" fill="hold">
+                            <p:stCondLst>
+                              <p:cond delay="0"/>
+                            </p:stCondLst>
+                            <p:childTnLst>
+                              <p:par>
+                                <p:cTn id="5" presetID="10" presetClass="entr" presetSubtype="0" fill="hold" nodeType="clickEffect">
+                                  <p:stCondLst>
+                                    <p:cond delay="0"/>
+                                  </p:stCondLst>
+                                  <p:childTnLst>
+                                    <p:set>
+                                      <p:cBhvr>
+                                        <p:cTn id="6" dur="1" fill="hold">
+                                          <p:stCondLst>
+                                            <p:cond delay="0"/>
+                                          </p:stCondLst>
+                                        </p:cTn>
+                                        <p:tgtEl>
+                                          <p:spTgt spid="62">
+                                            <p:txEl>
+                                              <p:pRg st="0" end="0"/>
+                                            </p:txEl>
+                                          </p:spTgt>
+                                        </p:tgtEl>
+                                        <p:attrNameLst>
+                                          <p:attrName>style.visibility</p:attrName>
+                                        </p:attrNameLst>
+                                      </p:cBhvr>
+                                      <p:to>
+                                        <p:strVal val="visible"/>
+                                      </p:to>
+                                    </p:set>
+                                    <p:animEffect transition="in" filter="fade">
+                                      <p:cBhvr>
+                                        <p:cTn id="7" dur="1000"/>
+                                        <p:tgtEl>
+                                          <p:spTgt spid="62">
+                                            <p:txEl>
+                                              <p:pRg st="0" end="0"/>
+                                            </p:txEl>
+                                          </p:spTgt>
+                                        </p:tgtEl>
+                                      </p:cBhvr>
+                                    </p:animEffect>
+                                  </p:childTnLst>
+                                </p:cTn>
+                              </p:par>
+                            </p:childTnLst>
+                          </p:cTn>
+                        </p:par>
+                      </p:childTnLst>
+                    </p:cTn>
+                  </p:par>
+                  <p:par>
+                    <p:cTn id="8" fill="hold">
+                      <p:stCondLst>
+                        <p:cond delay="indefinite"/>
+                      </p:stCondLst>
+                      <p:childTnLst>
+                        <p:par>
+                          <p:cTn id="9" fill="hold">
+                            <p:stCondLst>
+                              <p:cond delay="0"/>
+                            </p:stCondLst>
+                            <p:childTnLst>
+                              <p:par>
+                                <p:cTn id="10" presetID="10" presetClass="entr" presetSubtype="0" fill="hold" nodeType="clickEffect">
+                                  <p:stCondLst>
+                                    <p:cond delay="0"/>
+                                  </p:stCondLst>
+                                  <p:childTnLst>
+                                    <p:set>
+                                      <p:cBhvr>
+                                        <p:cTn id="11" dur="1" fill="hold">
+                                          <p:stCondLst>
+                                            <p:cond delay="0"/>
+                                          </p:stCondLst>
+                                        </p:cTn>
+                                        <p:tgtEl>
+                                          <p:spTgt spid="62">
+                                            <p:txEl>
+                                              <p:pRg st="1" end="1"/>
+                                            </p:txEl>
+                                          </p:spTgt>
+                                        </p:tgtEl>
+                                        <p:attrNameLst>
+                                          <p:attrName>style.visibility</p:attrName>
+                                        </p:attrNameLst>
+                                      </p:cBhvr>
+                                      <p:to>
+                                        <p:strVal val="visible"/>
+                                      </p:to>
+                                    </p:set>
+                                    <p:animEffect transition="in" filter="fade">
+                                      <p:cBhvr>
+                                        <p:cTn id="12" dur="1000"/>
+                                        <p:tgtEl>
+                                          <p:spTgt spid="62">
+                                            <p:txEl>
+                                              <p:pRg st="1" end="1"/>
+                                            </p:txEl>
+                                          </p:spTgt>
+                                        </p:tgtEl>
+                                      </p:cBhvr>
+                                    </p:animEffect>
+                                  </p:childTnLst>
+                                </p:cTn>
+                              </p:par>
+                            </p:childTnLst>
+                          </p:cTn>
+                        </p:par>
+                      </p:childTnLst>
+                    </p:cTn>
+                  </p:par>
+                  <p:par>
+                    <p:cTn id="13" fill="hold">
+                      <p:stCondLst>
+                        <p:cond delay="indefinite"/>
+                      </p:stCondLst>
+                      <p:childTnLst>
+                        <p:par>
+                          <p:cTn id="14" fill="hold">
+                            <p:stCondLst>
+                              <p:cond delay="0"/>
+                            </p:stCondLst>
+                            <p:childTnLst>
+                              <p:par>
+                                <p:cTn id="15" presetID="10" presetClass="entr" presetSubtype="0" fill="hold" nodeType="clickEffect">
+                                  <p:stCondLst>
+                                    <p:cond delay="0"/>
+                                  </p:stCondLst>
+                                  <p:childTnLst>
+                                    <p:set>
+                                      <p:cBhvr>
+                                        <p:cTn id="16" dur="1" fill="hold">
+                                          <p:stCondLst>
+                                            <p:cond delay="0"/>
+                                          </p:stCondLst>
+                                        </p:cTn>
+                                        <p:tgtEl>
+                                          <p:spTgt spid="62">
+                                            <p:txEl>
+                                              <p:pRg st="2" end="2"/>
+                                            </p:txEl>
+                                          </p:spTgt>
+                                        </p:tgtEl>
+                                        <p:attrNameLst>
+                                          <p:attrName>style.visibility</p:attrName>
+                                        </p:attrNameLst>
+                                      </p:cBhvr>
+                                      <p:to>
+                                        <p:strVal val="visible"/>
+                                      </p:to>
+                                    </p:set>
+                                    <p:animEffect transition="in" filter="fade">
+                                      <p:cBhvr>
+                                        <p:cTn id="17" dur="1000"/>
+                                        <p:tgtEl>
+                                          <p:spTgt spid="62">
+                                            <p:txEl>
+                                              <p:pRg st="2" end="2"/>
+                                            </p:txEl>
+                                          </p:spTgt>
+                                        </p:tgtEl>
+                                      </p:cBhvr>
+                                    </p:animEffect>
+                                  </p:childTnLst>
+                                </p:cTn>
+                              </p:par>
+                            </p:childTnLst>
+                          </p:cTn>
+                        </p:par>
+                      </p:childTnLst>
+                    </p:cTn>
+                  </p:par>
+                  <p:par>
+                    <p:cTn id="18" fill="hold">
+                      <p:stCondLst>
+                        <p:cond delay="indefinite"/>
+                      </p:stCondLst>
+                      <p:childTnLst>
+                        <p:par>
+                          <p:cTn id="19" fill="hold">
+                            <p:stCondLst>
+                              <p:cond delay="0"/>
+                            </p:stCondLst>
+                            <p:childTnLst>
+                              <p:par>
+                                <p:cTn id="20" presetID="10" presetClass="entr" presetSubtype="0" fill="hold" nodeType="clickEffect">
+                                  <p:stCondLst>
+                                    <p:cond delay="0"/>
+                                  </p:stCondLst>
+                                  <p:childTnLst>
+                                    <p:set>
+                                      <p:cBhvr>
+                                        <p:cTn id="21" dur="1" fill="hold">
+                                          <p:stCondLst>
+                                            <p:cond delay="0"/>
+                                          </p:stCondLst>
+                                        </p:cTn>
+                                        <p:tgtEl>
+                                          <p:spTgt spid="62">
+                                            <p:txEl>
+                                              <p:pRg st="3" end="3"/>
+                                            </p:txEl>
+                                          </p:spTgt>
+                                        </p:tgtEl>
+                                        <p:attrNameLst>
+                                          <p:attrName>style.visibility</p:attrName>
+                                        </p:attrNameLst>
+                                      </p:cBhvr>
+                                      <p:to>
+                                        <p:strVal val="visible"/>
+                                      </p:to>
+                                    </p:set>
+                                    <p:animEffect transition="in" filter="fade">
+                                      <p:cBhvr>
+                                        <p:cTn id="22" dur="1000"/>
+                                        <p:tgtEl>
+                                          <p:spTgt spid="62">
+                                            <p:txEl>
+                                              <p:pRg st="3" end="3"/>
+                                            </p:txEl>
+                                          </p:spTgt>
+                                        </p:tgtEl>
+                                      </p:cBhvr>
+                                    </p:animEffect>
+                                  </p:childTnLst>
+                                </p:cTn>
+                              </p:par>
+                            </p:childTnLst>
+                          </p:cTn>
+                        </p:par>
+                      </p:childTnLst>
+                    </p:cTn>
+                  </p:par>
+                  <p:par>
+                    <p:cTn id="23" fill="hold">
+                      <p:stCondLst>
+                        <p:cond delay="indefinite"/>
+                      </p:stCondLst>
+                      <p:childTnLst>
+                        <p:par>
+                          <p:cTn id="24" fill="hold">
+                            <p:stCondLst>
+                              <p:cond delay="0"/>
+                            </p:stCondLst>
+                            <p:childTnLst>
+                              <p:par>
+                                <p:cTn id="25" presetID="10" presetClass="entr" presetSubtype="0" fill="hold" nodeType="clickEffect">
+                                  <p:stCondLst>
+                                    <p:cond delay="0"/>
+                                  </p:stCondLst>
+                                  <p:childTnLst>
+                                    <p:set>
+                                      <p:cBhvr>
+                                        <p:cTn id="26" dur="1" fill="hold">
+                                          <p:stCondLst>
+                                            <p:cond delay="0"/>
+                                          </p:stCondLst>
+                                        </p:cTn>
+                                        <p:tgtEl>
+                                          <p:spTgt spid="62">
+                                            <p:txEl>
+                                              <p:pRg st="4" end="4"/>
+                                            </p:txEl>
+                                          </p:spTgt>
+                                        </p:tgtEl>
+                                        <p:attrNameLst>
+                                          <p:attrName>style.visibility</p:attrName>
+                                        </p:attrNameLst>
+                                      </p:cBhvr>
+                                      <p:to>
+                                        <p:strVal val="visible"/>
+                                      </p:to>
+                                    </p:set>
+                                    <p:animEffect transition="in" filter="fade">
+                                      <p:cBhvr>
+                                        <p:cTn id="27" dur="1000"/>
+                                        <p:tgtEl>
+                                          <p:spTgt spid="62">
+                                            <p:txEl>
+                                              <p:pRg st="4" end="4"/>
+                                            </p:txEl>
+                                          </p:spTgt>
+                                        </p:tgtEl>
+                                      </p:cBhvr>
+                                    </p:animEffect>
+                                  </p:childTnLst>
+                                </p:cTn>
+                              </p:par>
+                            </p:childTnLst>
+                          </p:cTn>
+                        </p:par>
+                      </p:childTnLst>
+                    </p:cTn>
+                  </p:par>
+                </p:childTnLst>
+              </p:cTn>
+              <p:prevCondLst>
+                <p:cond evt="onPrev" delay="0">
+                  <p:tgtEl>
+                    <p:sldTgt/>
+                  </p:tgtEl>
+                </p:cond>
+              </p:prevCondLst>
+              <p:nextCondLst>
+                <p:cond evt="onNext" delay="0">
+                  <p:tgtEl>
+                    <p:sldTgt/>
+                  </p:tgtEl>
+                </p:cond>
+              </p:nextCondLst>
+            </p:seq>
+          </p:childTnLst>
+        </p:cTn>
+      </p:par>
+    </p:tnLst>
+  </p:timing>
+</p:sld>
+</file>
+
+<file path=ppt/slides/slide3.xml><?xml version="1.0" encoding="utf-8"?>
+<p:sld xmlns:a="http://schemas.openxmlformats.org/drawingml/2006/main" xmlns:r="http://schemas.openxmlformats.org/officeDocument/2006/relationships" xmlns:p="http://schemas.openxmlformats.org/presentationml/2006/main">
+  <p:cSld>
+    <p:spTree>
+      <p:nvGrpSpPr>
+        <p:cNvPr id="1" name="Shape 60"/>
+        <p:cNvGrpSpPr/>
+        <p:nvPr/>
+      </p:nvGrpSpPr>
+      <p:grpSpPr>
+        <a:xfrm>
+          <a:off x="0" y="0"/>
+          <a:ext cx="0" cy="0"/>
+          <a:chOff x="0" y="0"/>
+          <a:chExt cx="0" cy="0"/>
+        </a:xfrm>
+      </p:grpSpPr>
+      <p:sp>
+        <p:nvSpPr>
+          <p:cNvPr id="61" name="Shape 61"/>
+          <p:cNvSpPr txBox="1">
+            <a:spLocks noGrp="1"/>
+          </p:cNvSpPr>
+          <p:nvPr>
+            <p:ph type="title"/>
+          </p:nvPr>
+        </p:nvSpPr>
+        <p:spPr>
+          <a:xfrm>
+            <a:off x="62275" y="-124550"/>
+            <a:ext cx="8769900" cy="524700"/>
+          </a:xfrm>
+          <a:prstGeom prst="rect">
+            <a:avLst/>
+          </a:prstGeom>
+        </p:spPr>
+        <p:txBody>
+          <a:bodyPr spcFirstLastPara="1" wrap="square" lIns="91425" tIns="91425" rIns="91425" bIns="91425" anchor="t" anchorCtr="0">
+            <a:noAutofit/>
+          </a:bodyPr>
+          <a:lstStyle/>
+          <a:p>
+            <a:pPr marL="0" lvl="0" indent="0" rtl="0">
+              <a:spcBef>
+                <a:spcPts val="0"/>
+              </a:spcBef>
+              <a:spcAft>
+                <a:spcPts val="0"/>
+              </a:spcAft>
+              <a:buNone/>
+            </a:pPr>
+            <a:r>
+              <a:rPr lang="en-US" sz="4000" dirty="0"/>
+              <a:t>Reminders</a:t>
+            </a:r>
+            <a:endParaRPr sz="4000" dirty="0"/>
+          </a:p>
+        </p:txBody>
+      </p:sp>
+      <p:sp>
+        <p:nvSpPr>
+          <p:cNvPr id="62" name="Shape 62"/>
+          <p:cNvSpPr txBox="1"/>
+          <p:nvPr/>
+        </p:nvSpPr>
+        <p:spPr>
+          <a:xfrm>
+            <a:off x="418050" y="668858"/>
+            <a:ext cx="8619300" cy="4349700"/>
+          </a:xfrm>
+          <a:prstGeom prst="rect">
+            <a:avLst/>
+          </a:prstGeom>
+          <a:noFill/>
+          <a:ln>
+            <a:noFill/>
+          </a:ln>
+        </p:spPr>
+        <p:txBody>
+          <a:bodyPr spcFirstLastPara="1" wrap="square" lIns="91425" tIns="91425" rIns="91425" bIns="91425" anchor="t" anchorCtr="0">
+            <a:noAutofit/>
+          </a:bodyPr>
+          <a:lstStyle/>
+          <a:p>
+            <a:pPr marL="457200" marR="0" lvl="0" indent="-381000" algn="l" rtl="0">
+              <a:lnSpc>
+                <a:spcPct val="115000"/>
+              </a:lnSpc>
+              <a:spcBef>
+                <a:spcPts val="0"/>
+              </a:spcBef>
+              <a:spcAft>
+                <a:spcPts val="0"/>
+              </a:spcAft>
+              <a:buClr>
+                <a:srgbClr val="FFFFFF"/>
+              </a:buClr>
+              <a:buSzPts val="2400"/>
+              <a:buFont typeface="Arial"/>
+              <a:buChar char="●"/>
+            </a:pPr>
+            <a:r>
+              <a:rPr lang="en-US" sz="2400" dirty="0">
+                <a:solidFill>
+                  <a:srgbClr val="FFFFFF"/>
+                </a:solidFill>
+              </a:rPr>
+              <a:t>User Signup is due today</a:t>
+            </a:r>
+          </a:p>
+          <a:p>
+            <a:pPr marL="76200" marR="0" lvl="0" algn="l" rtl="0">
+              <a:lnSpc>
+                <a:spcPct val="115000"/>
+              </a:lnSpc>
+              <a:spcBef>
+                <a:spcPts val="0"/>
+              </a:spcBef>
+              <a:spcAft>
+                <a:spcPts val="0"/>
+              </a:spcAft>
+              <a:buClr>
+                <a:srgbClr val="FFFFFF"/>
+              </a:buClr>
+              <a:buSzPts val="2400"/>
+            </a:pPr>
+            <a:endParaRPr lang="en-US" sz="900" dirty="0">
+              <a:solidFill>
+                <a:srgbClr val="FFFFFF"/>
+              </a:solidFill>
+            </a:endParaRPr>
+          </a:p>
+          <a:p>
+            <a:pPr marL="457200" marR="0" lvl="0" indent="-381000" algn="l" rtl="0">
+              <a:lnSpc>
+                <a:spcPct val="115000"/>
+              </a:lnSpc>
+              <a:spcBef>
+                <a:spcPts val="0"/>
+              </a:spcBef>
+              <a:spcAft>
+                <a:spcPts val="0"/>
+              </a:spcAft>
+              <a:buClr>
+                <a:srgbClr val="FFFFFF"/>
+              </a:buClr>
+              <a:buSzPts val="2400"/>
+              <a:buFont typeface="Arial"/>
+              <a:buChar char="●"/>
+            </a:pPr>
+            <a:r>
+              <a:rPr lang="en-US" sz="2400" dirty="0">
+                <a:solidFill>
+                  <a:srgbClr val="FFFFFF"/>
+                </a:solidFill>
+              </a:rPr>
+              <a:t>Also, catch up on missing assignments ASAP</a:t>
+            </a:r>
+          </a:p>
+          <a:p>
+            <a:pPr marL="457200" lvl="1" indent="-381000">
+              <a:lnSpc>
+                <a:spcPct val="115000"/>
+              </a:lnSpc>
+              <a:buClr>
+                <a:srgbClr val="FFFFFF"/>
+              </a:buClr>
+              <a:buSzPts val="2400"/>
+              <a:buFont typeface="Arial"/>
+              <a:buChar char="●"/>
+            </a:pPr>
+            <a:r>
+              <a:rPr lang="en-US" sz="2400" dirty="0">
+                <a:solidFill>
+                  <a:srgbClr val="FFFFFF"/>
+                </a:solidFill>
+              </a:rPr>
+              <a:t>(I suggest by Saturday)</a:t>
+            </a:r>
+          </a:p>
+          <a:p>
+            <a:pPr marL="0" lvl="0" indent="0" rtl="0">
+              <a:lnSpc>
+                <a:spcPct val="115000"/>
+              </a:lnSpc>
+              <a:spcBef>
+                <a:spcPts val="0"/>
+              </a:spcBef>
+              <a:spcAft>
+                <a:spcPts val="0"/>
+              </a:spcAft>
+              <a:buNone/>
+            </a:pPr>
+            <a:endParaRPr sz="900" dirty="0">
+              <a:solidFill>
+                <a:srgbClr val="FFFFFF"/>
+              </a:solidFill>
+            </a:endParaRPr>
+          </a:p>
+          <a:p>
+            <a:pPr marL="76200" lvl="0">
+              <a:lnSpc>
+                <a:spcPct val="115000"/>
+              </a:lnSpc>
+              <a:buClr>
+                <a:srgbClr val="FFFFFF"/>
+              </a:buClr>
+              <a:buSzPts val="2400"/>
+            </a:pPr>
+            <a:endParaRPr lang="en-US" sz="900" dirty="0">
+              <a:solidFill>
+                <a:srgbClr val="FFFFFF"/>
+              </a:solidFill>
+            </a:endParaRPr>
+          </a:p>
+          <a:p>
+            <a:pPr marL="76200" lvl="0">
+              <a:lnSpc>
+                <a:spcPct val="115000"/>
+              </a:lnSpc>
+              <a:buClr>
+                <a:srgbClr val="FFFFFF"/>
+              </a:buClr>
+              <a:buSzPts val="2400"/>
+            </a:pPr>
+            <a:endParaRPr lang="en-US" sz="900" dirty="0">
+              <a:solidFill>
+                <a:srgbClr val="FFFFFF"/>
+              </a:solidFill>
+            </a:endParaRPr>
+          </a:p>
+          <a:p>
+            <a:pPr marL="76200" lvl="0">
+              <a:lnSpc>
+                <a:spcPct val="115000"/>
+              </a:lnSpc>
+              <a:buClr>
+                <a:srgbClr val="FFFFFF"/>
+              </a:buClr>
+              <a:buSzPts val="2400"/>
+            </a:pPr>
+            <a:endParaRPr lang="en-US" sz="900" dirty="0">
+              <a:solidFill>
+                <a:srgbClr val="FFFFFF"/>
+              </a:solidFill>
+            </a:endParaRPr>
+          </a:p>
+          <a:p>
+            <a:pPr marL="457200" lvl="0" indent="-381000">
+              <a:lnSpc>
+                <a:spcPct val="115000"/>
+              </a:lnSpc>
+              <a:buClr>
+                <a:srgbClr val="FFFFFF"/>
+              </a:buClr>
+              <a:buSzPts val="2400"/>
+              <a:buFont typeface="Arial"/>
+              <a:buChar char="●"/>
+            </a:pPr>
+            <a:endParaRPr lang="en-US" sz="2400" dirty="0">
+              <a:solidFill>
+                <a:srgbClr val="FFFFFF"/>
+              </a:solidFill>
+            </a:endParaRPr>
+          </a:p>
+          <a:p>
+            <a:pPr marL="457200" lvl="0" indent="-381000">
+              <a:lnSpc>
+                <a:spcPct val="115000"/>
+              </a:lnSpc>
+              <a:buClr>
+                <a:srgbClr val="FFFFFF"/>
+              </a:buClr>
+              <a:buSzPts val="2400"/>
+              <a:buFont typeface="Arial"/>
+              <a:buChar char="●"/>
+            </a:pPr>
+            <a:r>
+              <a:rPr lang="en-US" sz="2400" dirty="0">
+                <a:solidFill>
+                  <a:srgbClr val="FFFFFF"/>
+                </a:solidFill>
+              </a:rPr>
+              <a:t>Start Build-a-blog ASAP. (It is lengthy).</a:t>
+            </a:r>
+            <a:endParaRPr lang="en-US" sz="2200" dirty="0">
+              <a:solidFill>
+                <a:srgbClr val="FFFFFF"/>
+              </a:solidFill>
+            </a:endParaRPr>
+          </a:p>
+          <a:p>
+            <a:pPr lvl="0">
+              <a:lnSpc>
+                <a:spcPct val="115000"/>
+              </a:lnSpc>
+            </a:pPr>
+            <a:endParaRPr lang="en-US" sz="2200" dirty="0">
+              <a:solidFill>
+                <a:srgbClr val="FFFFFF"/>
+              </a:solidFill>
+            </a:endParaRPr>
+          </a:p>
+          <a:p>
+            <a:pPr marL="0" marR="0" lvl="0" indent="0" algn="l" rtl="0">
+              <a:lnSpc>
+                <a:spcPct val="100000"/>
+              </a:lnSpc>
+              <a:spcBef>
+                <a:spcPts val="0"/>
+              </a:spcBef>
+              <a:spcAft>
+                <a:spcPts val="0"/>
+              </a:spcAft>
+              <a:buNone/>
+            </a:pPr>
+            <a:endParaRPr sz="2400" dirty="0">
+              <a:solidFill>
+                <a:srgbClr val="FFFFFF"/>
+              </a:solidFill>
+            </a:endParaRPr>
+          </a:p>
+          <a:p>
+            <a:pPr marL="0" lvl="0" indent="0" rtl="0">
+              <a:spcBef>
+                <a:spcPts val="0"/>
+              </a:spcBef>
+              <a:spcAft>
+                <a:spcPts val="0"/>
+              </a:spcAft>
+              <a:buNone/>
+            </a:pPr>
+            <a:endParaRPr sz="2400" dirty="0">
+              <a:solidFill>
+                <a:srgbClr val="FFFFFF"/>
+              </a:solidFill>
+            </a:endParaRPr>
+          </a:p>
+        </p:txBody>
+      </p:sp>
+    </p:spTree>
+    <p:extLst>
+      <p:ext uri="{BB962C8B-B14F-4D97-AF65-F5344CB8AC3E}">
+        <p14:creationId xmlns:p14="http://schemas.microsoft.com/office/powerpoint/2010/main" val="3377696005"/>
+      </p:ext>
+    </p:extLst>
+  </p:cSld>
+  <p:clrMapOvr>
+    <a:masterClrMapping/>
+  </p:clrMapOvr>
+  <p:timing>
+    <p:tnLst>
+      <p:par>
+        <p:cTn id="1" dur="indefinite" restart="never" nodeType="tmRoot">
+          <p:childTnLst>
+            <p:seq concurrent="1" nextAc="seek">
+              <p:cTn id="2" dur="indefinite" nodeType="mainSeq">
+                <p:childTnLst>
+                  <p:par>
+                    <p:cTn id="3" fill="hold">
+                      <p:stCondLst>
+                        <p:cond delay="indefinite"/>
+                      </p:stCondLst>
+                      <p:childTnLst>
+                        <p:par>
+                          <p:cTn id="4" fill="hold">
+                            <p:stCondLst>
+                              <p:cond delay="0"/>
+                            </p:stCondLst>
+                            <p:childTnLst>
+                              <p:par>
+                                <p:cTn id="5" presetID="10" presetClass="entr" presetSubtype="0" fill="hold" nodeType="clickEffect">
+                                  <p:stCondLst>
+                                    <p:cond delay="0"/>
+                                  </p:stCondLst>
+                                  <p:childTnLst>
+                                    <p:set>
+                                      <p:cBhvr>
+                                        <p:cTn id="6" dur="1" fill="hold">
+                                          <p:stCondLst>
+                                            <p:cond delay="0"/>
+                                          </p:stCondLst>
+                                        </p:cTn>
+                                        <p:tgtEl>
+                                          <p:spTgt spid="62">
+                                            <p:txEl>
+                                              <p:pRg st="0" end="0"/>
+                                            </p:txEl>
+                                          </p:spTgt>
+                                        </p:tgtEl>
+                                        <p:attrNameLst>
+                                          <p:attrName>style.visibility</p:attrName>
+                                        </p:attrNameLst>
+                                      </p:cBhvr>
+                                      <p:to>
+                                        <p:strVal val="visible"/>
+                                      </p:to>
+                                    </p:set>
+                                    <p:animEffect transition="in" filter="fade">
+                                      <p:cBhvr>
+                                        <p:cTn id="7" dur="1000"/>
+                                        <p:tgtEl>
+                                          <p:spTgt spid="62">
+                                            <p:txEl>
+                                              <p:pRg st="0" end="0"/>
+                                            </p:txEl>
+                                          </p:spTgt>
+                                        </p:tgtEl>
+                                      </p:cBhvr>
+                                    </p:animEffect>
+                                  </p:childTnLst>
+                                </p:cTn>
+                              </p:par>
+                            </p:childTnLst>
+                          </p:cTn>
+                        </p:par>
+                      </p:childTnLst>
+                    </p:cTn>
+                  </p:par>
+                  <p:par>
+                    <p:cTn id="8" fill="hold">
+                      <p:stCondLst>
+                        <p:cond delay="indefinite"/>
+                      </p:stCondLst>
+                      <p:childTnLst>
+                        <p:par>
+                          <p:cTn id="9" fill="hold">
+                            <p:stCondLst>
+                              <p:cond delay="0"/>
+                            </p:stCondLst>
+                            <p:childTnLst>
+                              <p:par>
+                                <p:cTn id="10" presetID="10" presetClass="entr" presetSubtype="0" fill="hold" nodeType="clickEffect">
+                                  <p:stCondLst>
+                                    <p:cond delay="0"/>
+                                  </p:stCondLst>
+                                  <p:childTnLst>
+                                    <p:set>
+                                      <p:cBhvr>
+                                        <p:cTn id="11" dur="1" fill="hold">
+                                          <p:stCondLst>
+                                            <p:cond delay="0"/>
+                                          </p:stCondLst>
+                                        </p:cTn>
+                                        <p:tgtEl>
+                                          <p:spTgt spid="62">
+                                            <p:txEl>
+                                              <p:pRg st="2" end="2"/>
+                                            </p:txEl>
+                                          </p:spTgt>
+                                        </p:tgtEl>
+                                        <p:attrNameLst>
+                                          <p:attrName>style.visibility</p:attrName>
+                                        </p:attrNameLst>
+                                      </p:cBhvr>
+                                      <p:to>
+                                        <p:strVal val="visible"/>
+                                      </p:to>
+                                    </p:set>
+                                    <p:animEffect transition="in" filter="fade">
+                                      <p:cBhvr>
+                                        <p:cTn id="12" dur="1000"/>
+                                        <p:tgtEl>
+                                          <p:spTgt spid="62">
+                                            <p:txEl>
+                                              <p:pRg st="2" end="2"/>
+                                            </p:txEl>
+                                          </p:spTgt>
+                                        </p:tgtEl>
+                                      </p:cBhvr>
+                                    </p:animEffect>
+                                  </p:childTnLst>
+                                </p:cTn>
+                              </p:par>
+                            </p:childTnLst>
+                          </p:cTn>
+                        </p:par>
+                      </p:childTnLst>
+                    </p:cTn>
+                  </p:par>
+                  <p:par>
+                    <p:cTn id="13" fill="hold">
+                      <p:stCondLst>
+                        <p:cond delay="indefinite"/>
+                      </p:stCondLst>
+                      <p:childTnLst>
+                        <p:par>
+                          <p:cTn id="14" fill="hold">
+                            <p:stCondLst>
+                              <p:cond delay="0"/>
+                            </p:stCondLst>
+                            <p:childTnLst>
+                              <p:par>
+                                <p:cTn id="15" presetID="10" presetClass="entr" presetSubtype="0" fill="hold" nodeType="clickEffect">
+                                  <p:stCondLst>
+                                    <p:cond delay="0"/>
+                                  </p:stCondLst>
+                                  <p:childTnLst>
+                                    <p:set>
+                                      <p:cBhvr>
+                                        <p:cTn id="16" dur="1" fill="hold">
+                                          <p:stCondLst>
+                                            <p:cond delay="0"/>
+                                          </p:stCondLst>
+                                        </p:cTn>
+                                        <p:tgtEl>
+                                          <p:spTgt spid="62">
+                                            <p:txEl>
+                                              <p:pRg st="3" end="3"/>
+                                            </p:txEl>
+                                          </p:spTgt>
+                                        </p:tgtEl>
+                                        <p:attrNameLst>
+                                          <p:attrName>style.visibility</p:attrName>
+                                        </p:attrNameLst>
+                                      </p:cBhvr>
+                                      <p:to>
+                                        <p:strVal val="visible"/>
+                                      </p:to>
+                                    </p:set>
+                                    <p:animEffect transition="in" filter="fade">
+                                      <p:cBhvr>
+                                        <p:cTn id="17" dur="1000"/>
+                                        <p:tgtEl>
+                                          <p:spTgt spid="62">
+                                            <p:txEl>
+                                              <p:pRg st="3" end="3"/>
+                                            </p:txEl>
+                                          </p:spTgt>
+                                        </p:tgtEl>
+                                      </p:cBhvr>
+                                    </p:animEffect>
+                                  </p:childTnLst>
+                                </p:cTn>
+                              </p:par>
+                            </p:childTnLst>
+                          </p:cTn>
+                        </p:par>
+                      </p:childTnLst>
+                    </p:cTn>
+                  </p:par>
+                  <p:par>
+                    <p:cTn id="18" fill="hold">
+                      <p:stCondLst>
+                        <p:cond delay="indefinite"/>
+                      </p:stCondLst>
+                      <p:childTnLst>
+                        <p:par>
+                          <p:cTn id="19" fill="hold">
+                            <p:stCondLst>
+                              <p:cond delay="0"/>
+                            </p:stCondLst>
+                            <p:childTnLst>
+                              <p:par>
+                                <p:cTn id="20" presetID="10" presetClass="entr" presetSubtype="0" fill="hold" nodeType="clickEffect">
+                                  <p:stCondLst>
+                                    <p:cond delay="0"/>
+                                  </p:stCondLst>
+                                  <p:childTnLst>
+                                    <p:set>
+                                      <p:cBhvr>
+                                        <p:cTn id="21" dur="1" fill="hold">
+                                          <p:stCondLst>
+                                            <p:cond delay="0"/>
+                                          </p:stCondLst>
+                                        </p:cTn>
+                                        <p:tgtEl>
+                                          <p:spTgt spid="62">
+                                            <p:txEl>
+                                              <p:pRg st="9" end="9"/>
+                                            </p:txEl>
+                                          </p:spTgt>
+                                        </p:tgtEl>
+                                        <p:attrNameLst>
+                                          <p:attrName>style.visibility</p:attrName>
+                                        </p:attrNameLst>
+                                      </p:cBhvr>
+                                      <p:to>
+                                        <p:strVal val="visible"/>
+                                      </p:to>
+                                    </p:set>
+                                    <p:animEffect transition="in" filter="fade">
+                                      <p:cBhvr>
+                                        <p:cTn id="22" dur="1000"/>
+                                        <p:tgtEl>
+                                          <p:spTgt spid="62">
+                                            <p:txEl>
+                                              <p:pRg st="9" end="9"/>
+                                            </p:txEl>
+                                          </p:spTgt>
+                                        </p:tgtEl>
+                                      </p:cBhvr>
+                                    </p:animEffect>
+                                  </p:childTnLst>
+                                </p:cTn>
+                              </p:par>
+                            </p:childTnLst>
+                          </p:cTn>
+                        </p:par>
+                      </p:childTnLst>
+                    </p:cTn>
+                  </p:par>
+                </p:childTnLst>
+              </p:cTn>
+              <p:prevCondLst>
+                <p:cond evt="onPrev" delay="0">
+                  <p:tgtEl>
+                    <p:sldTgt/>
+                  </p:tgtEl>
+                </p:cond>
+              </p:prevCondLst>
+              <p:nextCondLst>
+                <p:cond evt="onNext" delay="0">
+                  <p:tgtEl>
+                    <p:sldTgt/>
+                  </p:tgtEl>
+                </p:cond>
+              </p:nextCondLst>
+            </p:seq>
+          </p:childTnLst>
+        </p:cTn>
+      </p:par>
+    </p:tnLst>
+  </p:timing>
+</p:sld>
+</file>
+
+<file path=ppt/slides/slide4.xml><?xml version="1.0" encoding="utf-8"?>
+<p:sld xmlns:a="http://schemas.openxmlformats.org/drawingml/2006/main" xmlns:r="http://schemas.openxmlformats.org/officeDocument/2006/relationships" xmlns:p="http://schemas.openxmlformats.org/presentationml/2006/main">
+  <p:cSld>
+    <p:spTree>
+      <p:nvGrpSpPr>
+        <p:cNvPr id="1" name=""/>
+        <p:cNvGrpSpPr/>
+        <p:nvPr/>
+      </p:nvGrpSpPr>
+      <p:grpSpPr>
+        <a:xfrm>
+          <a:off x="0" y="0"/>
+          <a:ext cx="0" cy="0"/>
+          <a:chOff x="0" y="0"/>
+          <a:chExt cx="0" cy="0"/>
+        </a:xfrm>
+      </p:grpSpPr>
+      <p:sp>
+        <p:nvSpPr>
+          <p:cNvPr id="2" name="Title 1">
+            <a:extLst>
+              <a:ext uri="{FF2B5EF4-FFF2-40B4-BE49-F238E27FC236}">
+                <a16:creationId xmlns:a16="http://schemas.microsoft.com/office/drawing/2014/main" id="{C51B2B44-E135-446B-8B96-DA63B6936F88}"/>
+              </a:ext>
+            </a:extLst>
+          </p:cNvPr>
+          <p:cNvSpPr>
+            <a:spLocks noGrp="1"/>
+          </p:cNvSpPr>
+          <p:nvPr>
+            <p:ph type="title"/>
+          </p:nvPr>
+        </p:nvSpPr>
+        <p:spPr>
+          <a:xfrm>
+            <a:off x="311700" y="1729950"/>
+            <a:ext cx="8520600" cy="841800"/>
+          </a:xfrm>
+        </p:spPr>
+        <p:txBody>
+          <a:bodyPr/>
+          <a:lstStyle/>
+          <a:p>
+            <a:r>
+              <a:rPr lang="en-US" dirty="0"/>
+              <a:t>Databases 2 Solution (last class)</a:t>
+            </a:r>
+          </a:p>
+        </p:txBody>
+      </p:sp>
+    </p:spTree>
+    <p:extLst>
+      <p:ext uri="{BB962C8B-B14F-4D97-AF65-F5344CB8AC3E}">
+        <p14:creationId xmlns:p14="http://schemas.microsoft.com/office/powerpoint/2010/main" val="182366447"/>
+      </p:ext>
+    </p:extLst>
+  </p:cSld>
+  <p:clrMapOvr>
+    <a:masterClrMapping/>
+  </p:clrMapOvr>
+</p:sld>
+</file>
+
+<file path=ppt/slides/slide5.xml><?xml version="1.0" encoding="utf-8"?>
+<p:sld xmlns:a="http://schemas.openxmlformats.org/drawingml/2006/main" xmlns:r="http://schemas.openxmlformats.org/officeDocument/2006/relationships" xmlns:p="http://schemas.openxmlformats.org/presentationml/2006/main">
+  <p:cSld>
+    <p:spTree>
+      <p:nvGrpSpPr>
+        <p:cNvPr id="1" name="Shape 53"/>
         <p:cNvGrpSpPr/>
         <p:nvPr/>
       </p:nvGrpSpPr>
@@ -5948,7 +7957,9 @@
       <p:sp>
         <p:nvSpPr>
           <p:cNvPr id="54" name="Shape 54"/>
-          <p:cNvSpPr txBox="1"/>
+          <p:cNvSpPr txBox="1">
+            <a:spLocks noGrp="1"/>
+          </p:cNvSpPr>
           <p:nvPr>
             <p:ph type="ctrTitle"/>
           </p:nvPr>
@@ -5963,12 +7974,12 @@
           </a:prstGeom>
         </p:spPr>
         <p:txBody>
-          <a:bodyPr anchorCtr="0" anchor="b" bIns="91425" lIns="91425" spcFirstLastPara="1" rIns="91425" wrap="square" tIns="91425">
+          <a:bodyPr spcFirstLastPara="1" wrap="square" lIns="91425" tIns="91425" rIns="91425" bIns="91425" anchor="b" anchorCtr="0">
             <a:noAutofit/>
           </a:bodyPr>
           <a:lstStyle/>
           <a:p>
-            <a:pPr indent="0" lvl="0" marL="0">
+            <a:pPr marL="0" lvl="0" indent="0">
               <a:spcBef>
                 <a:spcPts val="0"/>
               </a:spcBef>
@@ -5988,9 +7999,11 @@
       <p:sp>
         <p:nvSpPr>
           <p:cNvPr id="55" name="Shape 55"/>
-          <p:cNvSpPr txBox="1"/>
+          <p:cNvSpPr txBox="1">
+            <a:spLocks noGrp="1"/>
+          </p:cNvSpPr>
           <p:nvPr>
-            <p:ph idx="1" type="subTitle"/>
+            <p:ph type="subTitle" idx="1"/>
           </p:nvPr>
         </p:nvSpPr>
         <p:spPr>
@@ -6003,12 +8016,12 @@
           </a:prstGeom>
         </p:spPr>
         <p:txBody>
-          <a:bodyPr anchorCtr="0" anchor="t" bIns="91425" lIns="91425" spcFirstLastPara="1" rIns="91425" wrap="square" tIns="91425">
+          <a:bodyPr spcFirstLastPara="1" wrap="square" lIns="91425" tIns="91425" rIns="91425" bIns="91425" anchor="t" anchorCtr="0">
             <a:noAutofit/>
           </a:bodyPr>
           <a:lstStyle/>
           <a:p>
-            <a:pPr indent="0" lvl="0" marL="0" rtl="0">
+            <a:pPr marL="0" lvl="0" indent="0" rtl="0">
               <a:spcBef>
                 <a:spcPts val="0"/>
               </a:spcBef>
@@ -6033,7 +8046,7 @@
         </p:nvSpPr>
         <p:spPr>
           <a:xfrm>
-            <a:off x="1196250" y="2084400"/>
+            <a:off x="1196250" y="2446710"/>
             <a:ext cx="6751500" cy="1058400"/>
           </a:xfrm>
           <a:prstGeom prst="rect">
@@ -6045,12 +8058,12 @@
           </a:ln>
         </p:spPr>
         <p:txBody>
-          <a:bodyPr anchorCtr="0" anchor="t" bIns="91425" lIns="91425" spcFirstLastPara="1" rIns="91425" wrap="square" tIns="91425">
+          <a:bodyPr spcFirstLastPara="1" wrap="square" lIns="91425" tIns="91425" rIns="91425" bIns="91425" anchor="t" anchorCtr="0">
             <a:noAutofit/>
           </a:bodyPr>
           <a:lstStyle/>
           <a:p>
-            <a:pPr indent="0" lvl="0" marL="0">
+            <a:pPr marL="0" lvl="0" indent="0">
               <a:spcBef>
                 <a:spcPts val="0"/>
               </a:spcBef>
@@ -6060,7 +8073,7 @@
               <a:buNone/>
             </a:pPr>
             <a:r>
-              <a:rPr lang="en" sz="4000">
+              <a:rPr lang="en" sz="4000" dirty="0">
                 <a:solidFill>
                   <a:srgbClr val="FFFFFF"/>
                 </a:solidFill>
@@ -6071,7 +8084,7 @@
               </a:rPr>
               <a:t>It’s about to get weird</a:t>
             </a:r>
-            <a:endParaRPr sz="4000">
+            <a:endParaRPr sz="4000" dirty="0">
               <a:solidFill>
                 <a:srgbClr val="FFFFFF"/>
               </a:solidFill>
@@ -6091,12 +8104,12 @@
 </p:sld>
 </file>
 
-<file path=ppt/slides/slide2.xml><?xml version="1.0" encoding="utf-8"?>
-<p:sld xmlns:a="http://schemas.openxmlformats.org/drawingml/2006/main" xmlns:r="http://schemas.openxmlformats.org/officeDocument/2006/relationships" xmlns:mc="http://schemas.openxmlformats.org/markup-compatibility/2006" xmlns:mv="urn:schemas-microsoft-com:mac:vml" xmlns:p="http://schemas.openxmlformats.org/presentationml/2006/main" xmlns:c="http://schemas.openxmlformats.org/drawingml/2006/chart" xmlns:dgm="http://schemas.openxmlformats.org/drawingml/2006/diagram" xmlns:o="urn:schemas-microsoft-com:office:office" xmlns:v="urn:schemas-microsoft-com:vml" xmlns:pvml="urn:schemas-microsoft-com:office:powerpoint" xmlns:com="http://schemas.openxmlformats.org/drawingml/2006/compatibility" xmlns:p14="http://schemas.microsoft.com/office/powerpoint/2010/main" xmlns:p15="http://schemas.microsoft.com/office/powerpoint/2012/main">
+<file path=ppt/slides/slide6.xml><?xml version="1.0" encoding="utf-8"?>
+<p:sld xmlns:a="http://schemas.openxmlformats.org/drawingml/2006/main" xmlns:r="http://schemas.openxmlformats.org/officeDocument/2006/relationships" xmlns:p="http://schemas.openxmlformats.org/presentationml/2006/main">
   <p:cSld>
     <p:spTree>
       <p:nvGrpSpPr>
-        <p:cNvPr id="60" name="Shape 60"/>
+        <p:cNvPr id="1" name="Shape 60"/>
         <p:cNvGrpSpPr/>
         <p:nvPr/>
       </p:nvGrpSpPr>
@@ -6111,7 +8124,9 @@
       <p:sp>
         <p:nvSpPr>
           <p:cNvPr id="61" name="Shape 61"/>
-          <p:cNvSpPr txBox="1"/>
+          <p:cNvSpPr txBox="1">
+            <a:spLocks noGrp="1"/>
+          </p:cNvSpPr>
           <p:nvPr>
             <p:ph type="title"/>
           </p:nvPr>
@@ -6126,12 +8141,12 @@
           </a:prstGeom>
         </p:spPr>
         <p:txBody>
-          <a:bodyPr anchorCtr="0" anchor="t" bIns="91425" lIns="91425" spcFirstLastPara="1" rIns="91425" wrap="square" tIns="91425">
+          <a:bodyPr spcFirstLastPara="1" wrap="square" lIns="91425" tIns="91425" rIns="91425" bIns="91425" anchor="t" anchorCtr="0">
             <a:noAutofit/>
           </a:bodyPr>
           <a:lstStyle/>
           <a:p>
-            <a:pPr indent="0" lvl="0" marL="0" rtl="0">
+            <a:pPr marL="0" lvl="0" indent="0" rtl="0">
               <a:spcBef>
                 <a:spcPts val="0"/>
               </a:spcBef>
@@ -6168,12 +8183,12 @@
           </a:ln>
         </p:spPr>
         <p:txBody>
-          <a:bodyPr anchorCtr="0" anchor="t" bIns="91425" lIns="91425" spcFirstLastPara="1" rIns="91425" wrap="square" tIns="91425">
+          <a:bodyPr spcFirstLastPara="1" wrap="square" lIns="91425" tIns="91425" rIns="91425" bIns="91425" anchor="t" anchorCtr="0">
             <a:noAutofit/>
           </a:bodyPr>
           <a:lstStyle/>
           <a:p>
-            <a:pPr indent="-381000" lvl="0" marL="457200" rtl="0">
+            <a:pPr marL="457200" lvl="0" indent="-381000" rtl="0">
               <a:lnSpc>
                 <a:spcPct val="115000"/>
               </a:lnSpc>
@@ -6204,7 +8219,7 @@
             </a:endParaRPr>
           </a:p>
           <a:p>
-            <a:pPr indent="-381000" lvl="0" marL="457200" rtl="0">
+            <a:pPr marL="457200" lvl="0" indent="-381000" rtl="0">
               <a:lnSpc>
                 <a:spcPct val="115000"/>
               </a:lnSpc>
@@ -6244,32 +8259,32 @@
   <p:timing>
     <p:tnLst>
       <p:par>
-        <p:cTn dur="indefinite" nodeType="tmRoot" restart="never">
+        <p:cTn id="1" dur="indefinite" restart="never" nodeType="tmRoot">
           <p:childTnLst>
             <p:seq concurrent="1" nextAc="seek">
-              <p:cTn dur="indefinite" id="2" nodeType="mainSeq">
+              <p:cTn id="2" dur="indefinite" nodeType="mainSeq">
                 <p:childTnLst>
                   <p:par>
-                    <p:cTn fill="hold">
+                    <p:cTn id="3" fill="hold">
                       <p:stCondLst>
                         <p:cond delay="indefinite"/>
                       </p:stCondLst>
                       <p:childTnLst>
                         <p:par>
-                          <p:cTn fill="hold">
+                          <p:cTn id="4" fill="hold">
                             <p:stCondLst>
                               <p:cond delay="0"/>
                             </p:stCondLst>
                             <p:childTnLst>
                               <p:par>
-                                <p:cTn fill="hold" nodeType="clickEffect" presetClass="entr" presetID="10" presetSubtype="0">
+                                <p:cTn id="5" presetID="10" presetClass="entr" presetSubtype="0" fill="hold" nodeType="clickEffect">
                                   <p:stCondLst>
                                     <p:cond delay="0"/>
                                   </p:stCondLst>
                                   <p:childTnLst>
                                     <p:set>
                                       <p:cBhvr>
-                                        <p:cTn dur="1" fill="hold">
+                                        <p:cTn id="6" dur="1" fill="hold">
                                           <p:stCondLst>
                                             <p:cond delay="0"/>
                                           </p:stCondLst>
@@ -6277,7 +8292,7 @@
                                         <p:tgtEl>
                                           <p:spTgt spid="62">
                                             <p:txEl>
-                                              <p:pRg end="0" st="0"/>
+                                              <p:pRg st="0" end="0"/>
                                             </p:txEl>
                                           </p:spTgt>
                                         </p:tgtEl>
@@ -6289,13 +8304,13 @@
                                         <p:strVal val="visible"/>
                                       </p:to>
                                     </p:set>
-                                    <p:animEffect filter="fade" transition="in">
+                                    <p:animEffect transition="in" filter="fade">
                                       <p:cBhvr>
-                                        <p:cTn dur="1000"/>
+                                        <p:cTn id="7" dur="1000"/>
                                         <p:tgtEl>
                                           <p:spTgt spid="62">
                                             <p:txEl>
-                                              <p:pRg end="0" st="0"/>
+                                              <p:pRg st="0" end="0"/>
                                             </p:txEl>
                                           </p:spTgt>
                                         </p:tgtEl>
@@ -6311,26 +8326,26 @@
                     </p:cTn>
                   </p:par>
                   <p:par>
-                    <p:cTn fill="hold">
+                    <p:cTn id="8" fill="hold">
                       <p:stCondLst>
                         <p:cond delay="indefinite"/>
                       </p:stCondLst>
                       <p:childTnLst>
                         <p:par>
-                          <p:cTn fill="hold">
+                          <p:cTn id="9" fill="hold">
                             <p:stCondLst>
                               <p:cond delay="0"/>
                             </p:stCondLst>
                             <p:childTnLst>
                               <p:par>
-                                <p:cTn fill="hold" nodeType="clickEffect" presetClass="entr" presetID="10" presetSubtype="0">
+                                <p:cTn id="10" presetID="10" presetClass="entr" presetSubtype="0" fill="hold" nodeType="clickEffect">
                                   <p:stCondLst>
                                     <p:cond delay="0"/>
                                   </p:stCondLst>
                                   <p:childTnLst>
                                     <p:set>
                                       <p:cBhvr>
-                                        <p:cTn dur="1" fill="hold">
+                                        <p:cTn id="11" dur="1" fill="hold">
                                           <p:stCondLst>
                                             <p:cond delay="0"/>
                                           </p:stCondLst>
@@ -6338,7 +8353,7 @@
                                         <p:tgtEl>
                                           <p:spTgt spid="62">
                                             <p:txEl>
-                                              <p:pRg end="1" st="1"/>
+                                              <p:pRg st="1" end="1"/>
                                             </p:txEl>
                                           </p:spTgt>
                                         </p:tgtEl>
@@ -6350,13 +8365,13 @@
                                         <p:strVal val="visible"/>
                                       </p:to>
                                     </p:set>
-                                    <p:animEffect filter="fade" transition="in">
+                                    <p:animEffect transition="in" filter="fade">
                                       <p:cBhvr>
-                                        <p:cTn dur="1000"/>
+                                        <p:cTn id="12" dur="1000"/>
                                         <p:tgtEl>
                                           <p:spTgt spid="62">
                                             <p:txEl>
-                                              <p:pRg end="1" st="1"/>
+                                              <p:pRg st="1" end="1"/>
                                             </p:txEl>
                                           </p:spTgt>
                                         </p:tgtEl>
@@ -6374,14 +8389,14 @@
                 </p:childTnLst>
               </p:cTn>
               <p:prevCondLst>
-                <p:cond evt="onPrev">
+                <p:cond evt="onPrev" delay="0">
                   <p:tgtEl>
                     <p:sldTgt/>
                   </p:tgtEl>
                 </p:cond>
               </p:prevCondLst>
               <p:nextCondLst>
-                <p:cond evt="onNext">
+                <p:cond evt="onNext" delay="0">
                   <p:tgtEl>
                     <p:sldTgt/>
                   </p:tgtEl>
@@ -6396,12 +8411,12 @@
 </p:sld>
 </file>
 
-<file path=ppt/slides/slide3.xml><?xml version="1.0" encoding="utf-8"?>
-<p:sld xmlns:a="http://schemas.openxmlformats.org/drawingml/2006/main" xmlns:r="http://schemas.openxmlformats.org/officeDocument/2006/relationships" xmlns:mc="http://schemas.openxmlformats.org/markup-compatibility/2006" xmlns:mv="urn:schemas-microsoft-com:mac:vml" xmlns:p="http://schemas.openxmlformats.org/presentationml/2006/main" xmlns:c="http://schemas.openxmlformats.org/drawingml/2006/chart" xmlns:dgm="http://schemas.openxmlformats.org/drawingml/2006/diagram" xmlns:o="urn:schemas-microsoft-com:office:office" xmlns:v="urn:schemas-microsoft-com:vml" xmlns:pvml="urn:schemas-microsoft-com:office:powerpoint" xmlns:com="http://schemas.openxmlformats.org/drawingml/2006/compatibility" xmlns:p14="http://schemas.microsoft.com/office/powerpoint/2010/main" xmlns:p15="http://schemas.microsoft.com/office/powerpoint/2012/main">
+<file path=ppt/slides/slide7.xml><?xml version="1.0" encoding="utf-8"?>
+<p:sld xmlns:a="http://schemas.openxmlformats.org/drawingml/2006/main" xmlns:r="http://schemas.openxmlformats.org/officeDocument/2006/relationships" xmlns:p="http://schemas.openxmlformats.org/presentationml/2006/main">
   <p:cSld>
     <p:spTree>
       <p:nvGrpSpPr>
-        <p:cNvPr id="66" name="Shape 66"/>
+        <p:cNvPr id="1" name="Shape 66"/>
         <p:cNvGrpSpPr/>
         <p:nvPr/>
       </p:nvGrpSpPr>
@@ -6416,7 +8431,9 @@
       <p:sp>
         <p:nvSpPr>
           <p:cNvPr id="67" name="Shape 67"/>
-          <p:cNvSpPr txBox="1"/>
+          <p:cNvSpPr txBox="1">
+            <a:spLocks noGrp="1"/>
+          </p:cNvSpPr>
           <p:nvPr>
             <p:ph type="title"/>
           </p:nvPr>
@@ -6431,12 +8448,12 @@
           </a:prstGeom>
         </p:spPr>
         <p:txBody>
-          <a:bodyPr anchorCtr="0" anchor="t" bIns="91425" lIns="91425" spcFirstLastPara="1" rIns="91425" wrap="square" tIns="91425">
+          <a:bodyPr spcFirstLastPara="1" wrap="square" lIns="91425" tIns="91425" rIns="91425" bIns="91425" anchor="t" anchorCtr="0">
             <a:noAutofit/>
           </a:bodyPr>
           <a:lstStyle/>
           <a:p>
-            <a:pPr indent="0" lvl="0" marL="0" rtl="0">
+            <a:pPr marL="0" lvl="0" indent="0" rtl="0">
               <a:spcBef>
                 <a:spcPts val="0"/>
               </a:spcBef>
@@ -6473,12 +8490,12 @@
           </a:ln>
         </p:spPr>
         <p:txBody>
-          <a:bodyPr anchorCtr="0" anchor="t" bIns="91425" lIns="91425" spcFirstLastPara="1" rIns="91425" wrap="square" tIns="91425">
+          <a:bodyPr spcFirstLastPara="1" wrap="square" lIns="91425" tIns="91425" rIns="91425" bIns="91425" anchor="t" anchorCtr="0">
             <a:noAutofit/>
           </a:bodyPr>
           <a:lstStyle/>
           <a:p>
-            <a:pPr indent="-381000" lvl="0" marL="457200" rtl="0">
+            <a:pPr marL="457200" lvl="0" indent="-381000" rtl="0">
               <a:lnSpc>
                 <a:spcPct val="115000"/>
               </a:lnSpc>
@@ -6495,21 +8512,21 @@
               <a:buChar char="●"/>
             </a:pPr>
             <a:r>
-              <a:rPr lang="en" sz="2400">
+              <a:rPr lang="en" sz="2400" dirty="0">
                 <a:solidFill>
                   <a:srgbClr val="FFFFFF"/>
                 </a:solidFill>
               </a:rPr>
               <a:t>You can run SQL queries in a query tool</a:t>
             </a:r>
-            <a:endParaRPr sz="2400">
+            <a:endParaRPr sz="2400" dirty="0">
               <a:solidFill>
                 <a:srgbClr val="FFFFFF"/>
               </a:solidFill>
             </a:endParaRPr>
           </a:p>
           <a:p>
-            <a:pPr indent="-381000" lvl="0" marL="457200" rtl="0">
+            <a:pPr marL="457200" lvl="0" indent="-381000" rtl="0">
               <a:lnSpc>
                 <a:spcPct val="115000"/>
               </a:lnSpc>
@@ -6526,21 +8543,21 @@
               <a:buChar char="●"/>
             </a:pPr>
             <a:r>
-              <a:rPr lang="en" sz="2400">
+              <a:rPr lang="en" sz="2400" dirty="0">
                 <a:solidFill>
                   <a:srgbClr val="FFFFFF"/>
                 </a:solidFill>
               </a:rPr>
               <a:t>You can also run them in code (Python)</a:t>
             </a:r>
-            <a:endParaRPr sz="2400">
+            <a:endParaRPr sz="2400" dirty="0">
               <a:solidFill>
                 <a:srgbClr val="FFFFFF"/>
               </a:solidFill>
             </a:endParaRPr>
           </a:p>
           <a:p>
-            <a:pPr indent="-381000" lvl="0" marL="457200" rtl="0">
+            <a:pPr marL="457200" lvl="0" indent="-381000" rtl="0">
               <a:lnSpc>
                 <a:spcPct val="115000"/>
               </a:lnSpc>
@@ -6557,7 +8574,7 @@
               <a:buChar char="●"/>
             </a:pPr>
             <a:r>
-              <a:rPr lang="en" sz="2400">
+              <a:rPr lang="en" sz="2400" dirty="0">
                 <a:solidFill>
                   <a:srgbClr val="FFFFFF"/>
                 </a:solidFill>
@@ -6565,7 +8582,7 @@
               <a:t>How do you do run SQL </a:t>
             </a:r>
             <a:r>
-              <a:rPr lang="en" sz="2400">
+              <a:rPr lang="en" sz="2400" dirty="0">
                 <a:solidFill>
                   <a:schemeClr val="dk1"/>
                 </a:solidFill>
@@ -6573,21 +8590,67 @@
               <a:t>queries</a:t>
             </a:r>
             <a:r>
-              <a:rPr lang="en" sz="2400">
+              <a:rPr lang="en" sz="2400" dirty="0">
                 <a:solidFill>
                   <a:srgbClr val="FFFFFF"/>
                 </a:solidFill>
               </a:rPr>
               <a:t> in Python?</a:t>
             </a:r>
-            <a:endParaRPr sz="2400">
+            <a:endParaRPr sz="2400" dirty="0">
               <a:solidFill>
                 <a:srgbClr val="FFFFFF"/>
               </a:solidFill>
             </a:endParaRPr>
           </a:p>
           <a:p>
-            <a:pPr indent="-381000" lvl="1" marL="914400" rtl="0">
+            <a:pPr marL="914400" lvl="1" indent="-381000" rtl="0">
+              <a:lnSpc>
+                <a:spcPct val="115000"/>
+              </a:lnSpc>
+              <a:spcBef>
+                <a:spcPts val="0"/>
+              </a:spcBef>
+              <a:spcAft>
+                <a:spcPts val="0"/>
+              </a:spcAft>
+              <a:buClr>
+                <a:srgbClr val="FFFFFF"/>
+              </a:buClr>
+              <a:buSzPts val="2400"/>
+              <a:buChar char="○"/>
+            </a:pPr>
+            <a:endParaRPr lang="en" sz="2400" dirty="0">
+              <a:solidFill>
+                <a:srgbClr val="FFFFFF"/>
+              </a:solidFill>
+            </a:endParaRPr>
+          </a:p>
+          <a:p>
+            <a:pPr marL="914400" lvl="1" indent="-381000" rtl="0">
+              <a:lnSpc>
+                <a:spcPct val="115000"/>
+              </a:lnSpc>
+              <a:spcBef>
+                <a:spcPts val="0"/>
+              </a:spcBef>
+              <a:spcAft>
+                <a:spcPts val="0"/>
+              </a:spcAft>
+              <a:buClr>
+                <a:srgbClr val="FFFFFF"/>
+              </a:buClr>
+              <a:buSzPts val="2400"/>
+              <a:buChar char="○"/>
+            </a:pPr>
+            <a:endParaRPr lang="en" sz="2400" dirty="0">
+              <a:solidFill>
+                <a:srgbClr val="FFFFFF"/>
+              </a:solidFill>
+            </a:endParaRPr>
+          </a:p>
+          <a:p>
+            <a:pPr marL="914400" lvl="1" indent="-381000" rtl="0">
               <a:lnSpc>
                 <a:spcPct val="115000"/>
               </a:lnSpc>
@@ -6604,21 +8667,21 @@
               <a:buChar char="○"/>
             </a:pPr>
             <a:r>
-              <a:rPr lang="en" sz="2400">
+              <a:rPr lang="en" sz="2400" dirty="0">
                 <a:solidFill>
                   <a:srgbClr val="FFFFFF"/>
                 </a:solidFill>
               </a:rPr>
               <a:t>Install a module</a:t>
             </a:r>
-            <a:endParaRPr sz="2400">
+            <a:endParaRPr sz="2400" dirty="0">
               <a:solidFill>
                 <a:srgbClr val="FFFFFF"/>
               </a:solidFill>
             </a:endParaRPr>
           </a:p>
           <a:p>
-            <a:pPr indent="-381000" lvl="1" marL="914400" rtl="0">
+            <a:pPr marL="914400" lvl="1" indent="-381000" rtl="0">
               <a:lnSpc>
                 <a:spcPct val="115000"/>
               </a:lnSpc>
@@ -6635,21 +8698,21 @@
               <a:buChar char="○"/>
             </a:pPr>
             <a:r>
-              <a:rPr lang="en" sz="2400">
+              <a:rPr lang="en" sz="2400" dirty="0">
                 <a:solidFill>
                   <a:srgbClr val="FFFFFF"/>
                 </a:solidFill>
               </a:rPr>
               <a:t>Configure the db connection (port, name, password)</a:t>
             </a:r>
-            <a:endParaRPr sz="2400">
+            <a:endParaRPr sz="2400" dirty="0">
               <a:solidFill>
                 <a:srgbClr val="FFFFFF"/>
               </a:solidFill>
             </a:endParaRPr>
           </a:p>
           <a:p>
-            <a:pPr indent="-381000" lvl="1" marL="914400" rtl="0">
+            <a:pPr marL="914400" lvl="1" indent="-381000" rtl="0">
               <a:lnSpc>
                 <a:spcPct val="115000"/>
               </a:lnSpc>
@@ -6666,14 +8729,14 @@
               <a:buChar char="○"/>
             </a:pPr>
             <a:r>
-              <a:rPr lang="en" sz="2400">
+              <a:rPr lang="en" sz="2400" dirty="0">
                 <a:solidFill>
                   <a:srgbClr val="FFFFFF"/>
                 </a:solidFill>
               </a:rPr>
               <a:t>Use Classes and methods to run SQL statements</a:t>
             </a:r>
-            <a:endParaRPr sz="2400">
+            <a:endParaRPr sz="2400" dirty="0">
               <a:solidFill>
                 <a:srgbClr val="FFFFFF"/>
               </a:solidFill>
@@ -6689,32 +8752,32 @@
   <p:timing>
     <p:tnLst>
       <p:par>
-        <p:cTn dur="indefinite" nodeType="tmRoot" restart="never">
+        <p:cTn id="1" dur="indefinite" restart="never" nodeType="tmRoot">
           <p:childTnLst>
             <p:seq concurrent="1" nextAc="seek">
-              <p:cTn dur="indefinite" id="2" nodeType="mainSeq">
+              <p:cTn id="2" dur="indefinite" nodeType="mainSeq">
                 <p:childTnLst>
                   <p:par>
-                    <p:cTn fill="hold">
+                    <p:cTn id="3" fill="hold">
                       <p:stCondLst>
                         <p:cond delay="indefinite"/>
                       </p:stCondLst>
                       <p:childTnLst>
                         <p:par>
-                          <p:cTn fill="hold">
+                          <p:cTn id="4" fill="hold">
                             <p:stCondLst>
                               <p:cond delay="0"/>
                             </p:stCondLst>
                             <p:childTnLst>
                               <p:par>
-                                <p:cTn fill="hold" nodeType="clickEffect" presetClass="entr" presetID="10" presetSubtype="0">
+                                <p:cTn id="5" presetID="10" presetClass="entr" presetSubtype="0" fill="hold" nodeType="clickEffect">
                                   <p:stCondLst>
                                     <p:cond delay="0"/>
                                   </p:stCondLst>
                                   <p:childTnLst>
                                     <p:set>
                                       <p:cBhvr>
-                                        <p:cTn dur="1" fill="hold">
+                                        <p:cTn id="6" dur="1" fill="hold">
                                           <p:stCondLst>
                                             <p:cond delay="0"/>
                                           </p:stCondLst>
@@ -6722,7 +8785,7 @@
                                         <p:tgtEl>
                                           <p:spTgt spid="68">
                                             <p:txEl>
-                                              <p:pRg end="0" st="0"/>
+                                              <p:pRg st="0" end="0"/>
                                             </p:txEl>
                                           </p:spTgt>
                                         </p:tgtEl>
@@ -6734,13 +8797,13 @@
                                         <p:strVal val="visible"/>
                                       </p:to>
                                     </p:set>
-                                    <p:animEffect filter="fade" transition="in">
+                                    <p:animEffect transition="in" filter="fade">
                                       <p:cBhvr>
-                                        <p:cTn dur="1000"/>
+                                        <p:cTn id="7" dur="1000"/>
                                         <p:tgtEl>
                                           <p:spTgt spid="68">
                                             <p:txEl>
-                                              <p:pRg end="0" st="0"/>
+                                              <p:pRg st="0" end="0"/>
                                             </p:txEl>
                                           </p:spTgt>
                                         </p:tgtEl>
@@ -6756,26 +8819,26 @@
                     </p:cTn>
                   </p:par>
                   <p:par>
-                    <p:cTn fill="hold">
+                    <p:cTn id="8" fill="hold">
                       <p:stCondLst>
                         <p:cond delay="indefinite"/>
                       </p:stCondLst>
                       <p:childTnLst>
                         <p:par>
-                          <p:cTn fill="hold">
+                          <p:cTn id="9" fill="hold">
                             <p:stCondLst>
                               <p:cond delay="0"/>
                             </p:stCondLst>
                             <p:childTnLst>
                               <p:par>
-                                <p:cTn fill="hold" nodeType="clickEffect" presetClass="entr" presetID="10" presetSubtype="0">
+                                <p:cTn id="10" presetID="10" presetClass="entr" presetSubtype="0" fill="hold" nodeType="clickEffect">
                                   <p:stCondLst>
                                     <p:cond delay="0"/>
                                   </p:stCondLst>
                                   <p:childTnLst>
                                     <p:set>
                                       <p:cBhvr>
-                                        <p:cTn dur="1" fill="hold">
+                                        <p:cTn id="11" dur="1" fill="hold">
                                           <p:stCondLst>
                                             <p:cond delay="0"/>
                                           </p:stCondLst>
@@ -6783,7 +8846,7 @@
                                         <p:tgtEl>
                                           <p:spTgt spid="68">
                                             <p:txEl>
-                                              <p:pRg end="1" st="1"/>
+                                              <p:pRg st="1" end="1"/>
                                             </p:txEl>
                                           </p:spTgt>
                                         </p:tgtEl>
@@ -6795,13 +8858,13 @@
                                         <p:strVal val="visible"/>
                                       </p:to>
                                     </p:set>
-                                    <p:animEffect filter="fade" transition="in">
+                                    <p:animEffect transition="in" filter="fade">
                                       <p:cBhvr>
-                                        <p:cTn dur="1000"/>
+                                        <p:cTn id="12" dur="1000"/>
                                         <p:tgtEl>
                                           <p:spTgt spid="68">
                                             <p:txEl>
-                                              <p:pRg end="1" st="1"/>
+                                              <p:pRg st="1" end="1"/>
                                             </p:txEl>
                                           </p:spTgt>
                                         </p:tgtEl>
@@ -6817,26 +8880,26 @@
                     </p:cTn>
                   </p:par>
                   <p:par>
-                    <p:cTn fill="hold">
+                    <p:cTn id="13" fill="hold">
                       <p:stCondLst>
                         <p:cond delay="indefinite"/>
                       </p:stCondLst>
                       <p:childTnLst>
                         <p:par>
-                          <p:cTn fill="hold">
+                          <p:cTn id="14" fill="hold">
                             <p:stCondLst>
                               <p:cond delay="0"/>
                             </p:stCondLst>
                             <p:childTnLst>
                               <p:par>
-                                <p:cTn fill="hold" nodeType="clickEffect" presetClass="entr" presetID="10" presetSubtype="0">
+                                <p:cTn id="15" presetID="10" presetClass="entr" presetSubtype="0" fill="hold" nodeType="clickEffect">
                                   <p:stCondLst>
                                     <p:cond delay="0"/>
                                   </p:stCondLst>
                                   <p:childTnLst>
                                     <p:set>
                                       <p:cBhvr>
-                                        <p:cTn dur="1" fill="hold">
+                                        <p:cTn id="16" dur="1" fill="hold">
                                           <p:stCondLst>
                                             <p:cond delay="0"/>
                                           </p:stCondLst>
@@ -6844,7 +8907,7 @@
                                         <p:tgtEl>
                                           <p:spTgt spid="68">
                                             <p:txEl>
-                                              <p:pRg end="2" st="2"/>
+                                              <p:pRg st="2" end="2"/>
                                             </p:txEl>
                                           </p:spTgt>
                                         </p:tgtEl>
@@ -6856,13 +8919,13 @@
                                         <p:strVal val="visible"/>
                                       </p:to>
                                     </p:set>
-                                    <p:animEffect filter="fade" transition="in">
+                                    <p:animEffect transition="in" filter="fade">
                                       <p:cBhvr>
-                                        <p:cTn dur="1000"/>
+                                        <p:cTn id="17" dur="1000"/>
                                         <p:tgtEl>
                                           <p:spTgt spid="68">
                                             <p:txEl>
-                                              <p:pRg end="2" st="2"/>
+                                              <p:pRg st="2" end="2"/>
                                             </p:txEl>
                                           </p:spTgt>
                                         </p:tgtEl>
@@ -6878,26 +8941,26 @@
                     </p:cTn>
                   </p:par>
                   <p:par>
-                    <p:cTn fill="hold">
+                    <p:cTn id="18" fill="hold">
                       <p:stCondLst>
                         <p:cond delay="indefinite"/>
                       </p:stCondLst>
                       <p:childTnLst>
                         <p:par>
-                          <p:cTn fill="hold">
+                          <p:cTn id="19" fill="hold">
                             <p:stCondLst>
                               <p:cond delay="0"/>
                             </p:stCondLst>
                             <p:childTnLst>
                               <p:par>
-                                <p:cTn fill="hold" nodeType="clickEffect" presetClass="entr" presetID="10" presetSubtype="0">
+                                <p:cTn id="20" presetID="10" presetClass="entr" presetSubtype="0" fill="hold" nodeType="clickEffect">
                                   <p:stCondLst>
                                     <p:cond delay="0"/>
                                   </p:stCondLst>
                                   <p:childTnLst>
                                     <p:set>
                                       <p:cBhvr>
-                                        <p:cTn dur="1" fill="hold">
+                                        <p:cTn id="21" dur="1" fill="hold">
                                           <p:stCondLst>
                                             <p:cond delay="0"/>
                                           </p:stCondLst>
@@ -6905,7 +8968,7 @@
                                         <p:tgtEl>
                                           <p:spTgt spid="68">
                                             <p:txEl>
-                                              <p:pRg end="3" st="3"/>
+                                              <p:pRg st="5" end="5"/>
                                             </p:txEl>
                                           </p:spTgt>
                                         </p:tgtEl>
@@ -6917,13 +8980,13 @@
                                         <p:strVal val="visible"/>
                                       </p:to>
                                     </p:set>
-                                    <p:animEffect filter="fade" transition="in">
+                                    <p:animEffect transition="in" filter="fade">
                                       <p:cBhvr>
-                                        <p:cTn dur="1000"/>
+                                        <p:cTn id="22" dur="1000"/>
                                         <p:tgtEl>
                                           <p:spTgt spid="68">
                                             <p:txEl>
-                                              <p:pRg end="3" st="3"/>
+                                              <p:pRg st="5" end="5"/>
                                             </p:txEl>
                                           </p:spTgt>
                                         </p:tgtEl>
@@ -6939,26 +9002,26 @@
                     </p:cTn>
                   </p:par>
                   <p:par>
-                    <p:cTn fill="hold">
+                    <p:cTn id="23" fill="hold">
                       <p:stCondLst>
                         <p:cond delay="indefinite"/>
                       </p:stCondLst>
                       <p:childTnLst>
                         <p:par>
-                          <p:cTn fill="hold">
+                          <p:cTn id="24" fill="hold">
                             <p:stCondLst>
                               <p:cond delay="0"/>
                             </p:stCondLst>
                             <p:childTnLst>
                               <p:par>
-                                <p:cTn fill="hold" nodeType="clickEffect" presetClass="entr" presetID="10" presetSubtype="0">
+                                <p:cTn id="25" presetID="10" presetClass="entr" presetSubtype="0" fill="hold" nodeType="clickEffect">
                                   <p:stCondLst>
                                     <p:cond delay="0"/>
                                   </p:stCondLst>
                                   <p:childTnLst>
                                     <p:set>
                                       <p:cBhvr>
-                                        <p:cTn dur="1" fill="hold">
+                                        <p:cTn id="26" dur="1" fill="hold">
                                           <p:stCondLst>
                                             <p:cond delay="0"/>
                                           </p:stCondLst>
@@ -6966,7 +9029,7 @@
                                         <p:tgtEl>
                                           <p:spTgt spid="68">
                                             <p:txEl>
-                                              <p:pRg end="4" st="4"/>
+                                              <p:pRg st="6" end="6"/>
                                             </p:txEl>
                                           </p:spTgt>
                                         </p:tgtEl>
@@ -6978,13 +9041,13 @@
                                         <p:strVal val="visible"/>
                                       </p:to>
                                     </p:set>
-                                    <p:animEffect filter="fade" transition="in">
+                                    <p:animEffect transition="in" filter="fade">
                                       <p:cBhvr>
-                                        <p:cTn dur="1000"/>
+                                        <p:cTn id="27" dur="1000"/>
                                         <p:tgtEl>
                                           <p:spTgt spid="68">
                                             <p:txEl>
-                                              <p:pRg end="4" st="4"/>
+                                              <p:pRg st="6" end="6"/>
                                             </p:txEl>
                                           </p:spTgt>
                                         </p:tgtEl>
@@ -7000,26 +9063,26 @@
                     </p:cTn>
                   </p:par>
                   <p:par>
-                    <p:cTn fill="hold">
+                    <p:cTn id="28" fill="hold">
                       <p:stCondLst>
                         <p:cond delay="indefinite"/>
                       </p:stCondLst>
                       <p:childTnLst>
                         <p:par>
-                          <p:cTn fill="hold">
+                          <p:cTn id="29" fill="hold">
                             <p:stCondLst>
                               <p:cond delay="0"/>
                             </p:stCondLst>
                             <p:childTnLst>
                               <p:par>
-                                <p:cTn fill="hold" nodeType="clickEffect" presetClass="entr" presetID="10" presetSubtype="0">
+                                <p:cTn id="30" presetID="10" presetClass="entr" presetSubtype="0" fill="hold" nodeType="clickEffect">
                                   <p:stCondLst>
                                     <p:cond delay="0"/>
                                   </p:stCondLst>
                                   <p:childTnLst>
                                     <p:set>
                                       <p:cBhvr>
-                                        <p:cTn dur="1" fill="hold">
+                                        <p:cTn id="31" dur="1" fill="hold">
                                           <p:stCondLst>
                                             <p:cond delay="0"/>
                                           </p:stCondLst>
@@ -7027,7 +9090,7 @@
                                         <p:tgtEl>
                                           <p:spTgt spid="68">
                                             <p:txEl>
-                                              <p:pRg end="5" st="5"/>
+                                              <p:pRg st="7" end="7"/>
                                             </p:txEl>
                                           </p:spTgt>
                                         </p:tgtEl>
@@ -7039,13 +9102,13 @@
                                         <p:strVal val="visible"/>
                                       </p:to>
                                     </p:set>
-                                    <p:animEffect filter="fade" transition="in">
+                                    <p:animEffect transition="in" filter="fade">
                                       <p:cBhvr>
-                                        <p:cTn dur="1000"/>
+                                        <p:cTn id="32" dur="1000"/>
                                         <p:tgtEl>
                                           <p:spTgt spid="68">
                                             <p:txEl>
-                                              <p:pRg end="5" st="5"/>
+                                              <p:pRg st="7" end="7"/>
                                             </p:txEl>
                                           </p:spTgt>
                                         </p:tgtEl>
@@ -7063,14 +9126,14 @@
                 </p:childTnLst>
               </p:cTn>
               <p:prevCondLst>
-                <p:cond evt="onPrev">
+                <p:cond evt="onPrev" delay="0">
                   <p:tgtEl>
                     <p:sldTgt/>
                   </p:tgtEl>
                 </p:cond>
               </p:prevCondLst>
               <p:nextCondLst>
-                <p:cond evt="onNext">
+                <p:cond evt="onNext" delay="0">
                   <p:tgtEl>
                     <p:sldTgt/>
                   </p:tgtEl>
@@ -7085,12 +9148,12 @@
 </p:sld>
 </file>
 
-<file path=ppt/slides/slide4.xml><?xml version="1.0" encoding="utf-8"?>
-<p:sld xmlns:a="http://schemas.openxmlformats.org/drawingml/2006/main" xmlns:r="http://schemas.openxmlformats.org/officeDocument/2006/relationships" xmlns:mc="http://schemas.openxmlformats.org/markup-compatibility/2006" xmlns:mv="urn:schemas-microsoft-com:mac:vml" xmlns:p="http://schemas.openxmlformats.org/presentationml/2006/main" xmlns:c="http://schemas.openxmlformats.org/drawingml/2006/chart" xmlns:dgm="http://schemas.openxmlformats.org/drawingml/2006/diagram" xmlns:o="urn:schemas-microsoft-com:office:office" xmlns:v="urn:schemas-microsoft-com:vml" xmlns:pvml="urn:schemas-microsoft-com:office:powerpoint" xmlns:com="http://schemas.openxmlformats.org/drawingml/2006/compatibility" xmlns:p14="http://schemas.microsoft.com/office/powerpoint/2010/main" xmlns:p15="http://schemas.microsoft.com/office/powerpoint/2012/main">
+<file path=ppt/slides/slide8.xml><?xml version="1.0" encoding="utf-8"?>
+<p:sld xmlns:a="http://schemas.openxmlformats.org/drawingml/2006/main" xmlns:r="http://schemas.openxmlformats.org/officeDocument/2006/relationships" xmlns:p="http://schemas.openxmlformats.org/presentationml/2006/main">
   <p:cSld>
     <p:spTree>
       <p:nvGrpSpPr>
-        <p:cNvPr id="72" name="Shape 72"/>
+        <p:cNvPr id="1" name="Shape 78"/>
         <p:cNvGrpSpPr/>
         <p:nvPr/>
       </p:nvGrpSpPr>
@@ -7104,8 +9167,10 @@
       </p:grpSpPr>
       <p:sp>
         <p:nvSpPr>
-          <p:cNvPr id="73" name="Shape 73"/>
-          <p:cNvSpPr txBox="1"/>
+          <p:cNvPr id="79" name="Shape 79"/>
+          <p:cNvSpPr txBox="1">
+            <a:spLocks noGrp="1"/>
+          </p:cNvSpPr>
           <p:nvPr>
             <p:ph type="title"/>
           </p:nvPr>
@@ -7120,12 +9185,12 @@
           </a:prstGeom>
         </p:spPr>
         <p:txBody>
-          <a:bodyPr anchorCtr="0" anchor="t" bIns="91425" lIns="91425" spcFirstLastPara="1" rIns="91425" wrap="square" tIns="91425">
+          <a:bodyPr spcFirstLastPara="1" wrap="square" lIns="91425" tIns="91425" rIns="91425" bIns="91425" anchor="t" anchorCtr="0">
             <a:noAutofit/>
           </a:bodyPr>
           <a:lstStyle/>
           <a:p>
-            <a:pPr indent="0" lvl="0" marL="0" rtl="0">
+            <a:pPr marL="0" lvl="0" indent="0" rtl="0">
               <a:spcBef>
                 <a:spcPts val="0"/>
               </a:spcBef>
@@ -7135,22 +9200,22 @@
               <a:buNone/>
             </a:pPr>
             <a:r>
-              <a:rPr lang="en" sz="4000"/>
-              <a:t>Basic Example of SQL in Code</a:t>
+              <a:rPr lang="en" sz="4000" dirty="0"/>
+              <a:t>Have the SQL Generated</a:t>
             </a:r>
-            <a:endParaRPr sz="4000"/>
+            <a:endParaRPr sz="4000" dirty="0"/>
           </a:p>
         </p:txBody>
       </p:sp>
       <p:sp>
         <p:nvSpPr>
-          <p:cNvPr id="74" name="Shape 74"/>
+          <p:cNvPr id="80" name="Shape 80"/>
           <p:cNvSpPr txBox="1"/>
           <p:nvPr/>
         </p:nvSpPr>
         <p:spPr>
           <a:xfrm>
-            <a:off x="418050" y="658225"/>
+            <a:off x="262350" y="623719"/>
             <a:ext cx="8619300" cy="4349700"/>
           </a:xfrm>
           <a:prstGeom prst="rect">
@@ -7162,12 +9227,12 @@
           </a:ln>
         </p:spPr>
         <p:txBody>
-          <a:bodyPr anchorCtr="0" anchor="t" bIns="91425" lIns="91425" spcFirstLastPara="1" rIns="91425" wrap="square" tIns="91425">
+          <a:bodyPr spcFirstLastPara="1" wrap="square" lIns="91425" tIns="91425" rIns="91425" bIns="91425" anchor="t" anchorCtr="0">
             <a:noAutofit/>
           </a:bodyPr>
           <a:lstStyle/>
           <a:p>
-            <a:pPr indent="-381000" lvl="0" marL="457200" rtl="0">
+            <a:pPr marL="457200" lvl="0" indent="-381000" rtl="0">
               <a:lnSpc>
                 <a:spcPct val="115000"/>
               </a:lnSpc>
@@ -7184,137 +9249,151 @@
               <a:buChar char="●"/>
             </a:pPr>
             <a:r>
-              <a:rPr lang="en" sz="2400">
+              <a:rPr lang="en" sz="2400" dirty="0">
                 <a:solidFill>
                   <a:srgbClr val="FFFFFF"/>
                 </a:solidFill>
               </a:rPr>
-              <a:t>NOTE: this is not a “real” example.</a:t>
+              <a:t>Some software packages will generate SQL for you</a:t>
             </a:r>
-            <a:endParaRPr sz="2400">
+            <a:endParaRPr sz="2400" dirty="0">
               <a:solidFill>
                 <a:srgbClr val="FFFFFF"/>
               </a:solidFill>
             </a:endParaRPr>
           </a:p>
           <a:p>
-            <a:pPr indent="0" lvl="0" marL="0" rtl="0">
+            <a:pPr marL="457200" lvl="0" indent="-381000" rtl="0">
               <a:lnSpc>
                 <a:spcPct val="115000"/>
               </a:lnSpc>
               <a:spcBef>
-                <a:spcPts val="1000"/>
-              </a:spcBef>
-              <a:spcAft>
-                <a:spcPts val="0"/>
-              </a:spcAft>
-              <a:buNone/>
+                <a:spcPts val="0"/>
+              </a:spcBef>
+              <a:spcAft>
+                <a:spcPts val="0"/>
+              </a:spcAft>
+              <a:buClr>
+                <a:srgbClr val="FFFFFF"/>
+              </a:buClr>
+              <a:buSzPts val="2400"/>
+              <a:buChar char="●"/>
             </a:pPr>
             <a:r>
-              <a:rPr lang="en" sz="2400">
+              <a:rPr lang="en" sz="2400" dirty="0">
                 <a:solidFill>
                   <a:srgbClr val="FFFFFF"/>
                 </a:solidFill>
               </a:rPr>
-              <a:t>import sql_module</a:t>
+              <a:t>ORM - Object Relational Mapper</a:t>
             </a:r>
-            <a:endParaRPr sz="2400">
+            <a:endParaRPr sz="2400" dirty="0">
               <a:solidFill>
                 <a:srgbClr val="FFFFFF"/>
               </a:solidFill>
             </a:endParaRPr>
           </a:p>
           <a:p>
-            <a:pPr indent="0" lvl="0" marL="0" rtl="0">
+            <a:pPr marL="914400" lvl="1" indent="-381000" rtl="0">
               <a:lnSpc>
                 <a:spcPct val="115000"/>
               </a:lnSpc>
               <a:spcBef>
-                <a:spcPts val="1000"/>
-              </a:spcBef>
-              <a:spcAft>
-                <a:spcPts val="0"/>
-              </a:spcAft>
-              <a:buNone/>
+                <a:spcPts val="0"/>
+              </a:spcBef>
+              <a:spcAft>
+                <a:spcPts val="0"/>
+              </a:spcAft>
+              <a:buClr>
+                <a:srgbClr val="FFFFFF"/>
+              </a:buClr>
+              <a:buSzPts val="2400"/>
+              <a:buChar char="○"/>
             </a:pPr>
             <a:r>
-              <a:rPr lang="en" sz="2400">
+              <a:rPr lang="en" sz="2400" dirty="0">
                 <a:solidFill>
                   <a:srgbClr val="FFFFFF"/>
                 </a:solidFill>
               </a:rPr>
-              <a:t>db = Database(username=u, password=1234, name=cars, port=8889)</a:t>
+              <a:t>Python Objects &lt;-&gt;  Relational Database</a:t>
             </a:r>
-            <a:endParaRPr sz="2400">
+            <a:endParaRPr sz="2400" dirty="0">
               <a:solidFill>
                 <a:srgbClr val="FFFFFF"/>
               </a:solidFill>
             </a:endParaRPr>
           </a:p>
           <a:p>
-            <a:pPr indent="0" lvl="0" marL="0" rtl="0">
+            <a:pPr marL="914400" lvl="1" indent="-381000" rtl="0">
               <a:lnSpc>
                 <a:spcPct val="115000"/>
               </a:lnSpc>
               <a:spcBef>
-                <a:spcPts val="1000"/>
-              </a:spcBef>
-              <a:spcAft>
-                <a:spcPts val="0"/>
-              </a:spcAft>
-              <a:buNone/>
+                <a:spcPts val="0"/>
+              </a:spcBef>
+              <a:spcAft>
+                <a:spcPts val="0"/>
+              </a:spcAft>
+              <a:buClr>
+                <a:srgbClr val="FFFFFF"/>
+              </a:buClr>
+              <a:buSzPts val="2400"/>
+              <a:buChar char="○"/>
             </a:pPr>
             <a:r>
-              <a:rPr lang="en" sz="2400">
+              <a:rPr lang="en" sz="2400" dirty="0">
                 <a:solidFill>
                   <a:srgbClr val="FFFFFF"/>
                 </a:solidFill>
               </a:rPr>
-              <a:t>cars = db.query('SELECT * FROM cars</a:t>
+              <a:t>In order for this to work you need to configure the</a:t>
             </a:r>
-            <a:r>
-              <a:rPr lang="en" sz="2400">
+            <a:br>
+              <a:rPr lang="en" sz="2400" dirty="0">
                 <a:solidFill>
-                  <a:schemeClr val="dk1"/>
+                  <a:srgbClr val="FFFFFF"/>
                 </a:solidFill>
               </a:rPr>
-              <a:t>')</a:t>
-            </a:r>
-            <a:endParaRPr sz="2400">
+            </a:br>
+            <a:endParaRPr lang="en" sz="2400" dirty="0">
               <a:solidFill>
-                <a:schemeClr val="dk1"/>
+                <a:srgbClr val="FFFFFF"/>
               </a:solidFill>
             </a:endParaRPr>
           </a:p>
           <a:p>
-            <a:pPr indent="0" lvl="0" marL="0" rtl="0">
+            <a:pPr marL="533400" lvl="1" rtl="0">
               <a:lnSpc>
                 <a:spcPct val="115000"/>
               </a:lnSpc>
               <a:spcBef>
-                <a:spcPts val="1000"/>
-              </a:spcBef>
-              <a:spcAft>
-                <a:spcPts val="0"/>
-              </a:spcAft>
-              <a:buNone/>
+                <a:spcPts val="0"/>
+              </a:spcBef>
+              <a:spcAft>
+                <a:spcPts val="0"/>
+              </a:spcAft>
+              <a:buClr>
+                <a:srgbClr val="FFFFFF"/>
+              </a:buClr>
+              <a:buSzPts val="2400"/>
             </a:pPr>
             <a:r>
-              <a:rPr lang="en" sz="2400">
+              <a:rPr lang="en" sz="2400" dirty="0">
                 <a:solidFill>
-                  <a:schemeClr val="dk1"/>
+                  <a:srgbClr val="FFFFFF"/>
                 </a:solidFill>
               </a:rPr>
-              <a:t>for car in cars:</a:t>
+              <a:t>	module to know what Classes you have</a:t>
             </a:r>
-            <a:endParaRPr sz="2400">
+            <a:endParaRPr sz="2400" dirty="0">
               <a:solidFill>
-                <a:schemeClr val="dk1"/>
+                <a:srgbClr val="FFFFFF"/>
               </a:solidFill>
             </a:endParaRPr>
           </a:p>
           <a:p>
-            <a:pPr indent="0" lvl="0" marL="0" rtl="0">
+            <a:pPr marL="914400" lvl="1" indent="-381000" rtl="0">
               <a:lnSpc>
                 <a:spcPct val="115000"/>
               </a:lnSpc>
@@ -7324,39 +9403,114 @@
               <a:spcAft>
                 <a:spcPts val="0"/>
               </a:spcAft>
-              <a:buNone/>
+              <a:buClr>
+                <a:srgbClr val="FFFFFF"/>
+              </a:buClr>
+              <a:buSzPts val="2400"/>
+              <a:buChar char="○"/>
             </a:pPr>
             <a:r>
-              <a:rPr lang="en" sz="2400">
+              <a:rPr lang="en" sz="2400" dirty="0">
                 <a:solidFill>
-                  <a:schemeClr val="dk1"/>
+                  <a:srgbClr val="FFFFFF"/>
                 </a:solidFill>
               </a:rPr>
-              <a:t>  print(car.name)</a:t>
+              <a:t>Your Class attributes map to a Table column</a:t>
             </a:r>
-            <a:endParaRPr sz="2400">
+            <a:endParaRPr sz="2400" dirty="0">
               <a:solidFill>
-                <a:schemeClr val="dk1"/>
+                <a:srgbClr val="FFFFFF"/>
               </a:solidFill>
             </a:endParaRPr>
           </a:p>
           <a:p>
-            <a:pPr indent="0" lvl="0" marL="0" rtl="0">
+            <a:pPr marL="1371600" lvl="2" indent="-381000" rtl="0">
               <a:lnSpc>
                 <a:spcPct val="115000"/>
               </a:lnSpc>
               <a:spcBef>
-                <a:spcPts val="1000"/>
-              </a:spcBef>
-              <a:spcAft>
-                <a:spcPts val="1000"/>
-              </a:spcAft>
-              <a:buNone/>
+                <a:spcPts val="0"/>
+              </a:spcBef>
+              <a:spcAft>
+                <a:spcPts val="0"/>
+              </a:spcAft>
+              <a:buClr>
+                <a:srgbClr val="FFFFFF"/>
+              </a:buClr>
+              <a:buSzPts val="2400"/>
+              <a:buChar char="■"/>
             </a:pPr>
             <a:r>
-              <a:t/>
+              <a:rPr lang="en" sz="2400" dirty="0">
+                <a:solidFill>
+                  <a:srgbClr val="FFFFFF"/>
+                </a:solidFill>
+              </a:rPr>
+              <a:t>Car.name in Python</a:t>
             </a:r>
-            <a:endParaRPr sz="2400">
+            <a:endParaRPr sz="2400" dirty="0">
+              <a:solidFill>
+                <a:srgbClr val="FFFFFF"/>
+              </a:solidFill>
+            </a:endParaRPr>
+          </a:p>
+          <a:p>
+            <a:pPr marL="1828800" lvl="3" indent="-381000" rtl="0">
+              <a:lnSpc>
+                <a:spcPct val="115000"/>
+              </a:lnSpc>
+              <a:spcBef>
+                <a:spcPts val="0"/>
+              </a:spcBef>
+              <a:spcAft>
+                <a:spcPts val="0"/>
+              </a:spcAft>
+              <a:buClr>
+                <a:srgbClr val="FFFFFF"/>
+              </a:buClr>
+              <a:buSzPts val="2400"/>
+              <a:buChar char="●"/>
+            </a:pPr>
+            <a:r>
+              <a:rPr lang="en" sz="2400" dirty="0">
+                <a:solidFill>
+                  <a:srgbClr val="FFFFFF"/>
+                </a:solidFill>
+              </a:rPr>
+              <a:t>maps to</a:t>
+            </a:r>
+            <a:endParaRPr sz="2400" dirty="0">
+              <a:solidFill>
+                <a:srgbClr val="FFFFFF"/>
+              </a:solidFill>
+            </a:endParaRPr>
+          </a:p>
+          <a:p>
+            <a:pPr marL="1371600" lvl="2" indent="-381000" rtl="0">
+              <a:lnSpc>
+                <a:spcPct val="115000"/>
+              </a:lnSpc>
+              <a:spcBef>
+                <a:spcPts val="0"/>
+              </a:spcBef>
+              <a:spcAft>
+                <a:spcPts val="0"/>
+              </a:spcAft>
+              <a:buClr>
+                <a:srgbClr val="FFFFFF"/>
+              </a:buClr>
+              <a:buSzPts val="2400"/>
+              <a:buChar char="■"/>
+            </a:pPr>
+            <a:r>
+              <a:rPr lang="en" sz="2400" dirty="0">
+                <a:solidFill>
+                  <a:srgbClr val="FFFFFF"/>
+                </a:solidFill>
+              </a:rPr>
+              <a:t>Car Table and the name column</a:t>
+            </a:r>
+            <a:endParaRPr sz="2400" dirty="0">
               <a:solidFill>
                 <a:srgbClr val="FFFFFF"/>
               </a:solidFill>
@@ -7372,40 +9526,40 @@
   <p:timing>
     <p:tnLst>
       <p:par>
-        <p:cTn dur="indefinite" nodeType="tmRoot" restart="never">
+        <p:cTn id="1" dur="indefinite" restart="never" nodeType="tmRoot">
           <p:childTnLst>
             <p:seq concurrent="1" nextAc="seek">
-              <p:cTn dur="indefinite" id="2" nodeType="mainSeq">
+              <p:cTn id="2" dur="indefinite" nodeType="mainSeq">
                 <p:childTnLst>
                   <p:par>
-                    <p:cTn fill="hold">
+                    <p:cTn id="3" fill="hold">
                       <p:stCondLst>
                         <p:cond delay="indefinite"/>
                       </p:stCondLst>
                       <p:childTnLst>
                         <p:par>
-                          <p:cTn fill="hold">
+                          <p:cTn id="4" fill="hold">
                             <p:stCondLst>
                               <p:cond delay="0"/>
                             </p:stCondLst>
                             <p:childTnLst>
                               <p:par>
-                                <p:cTn fill="hold" nodeType="clickEffect" presetClass="entr" presetID="10" presetSubtype="0">
+                                <p:cTn id="5" presetID="10" presetClass="entr" presetSubtype="0" fill="hold" nodeType="clickEffect">
                                   <p:stCondLst>
                                     <p:cond delay="0"/>
                                   </p:stCondLst>
                                   <p:childTnLst>
                                     <p:set>
                                       <p:cBhvr>
-                                        <p:cTn dur="1" fill="hold">
+                                        <p:cTn id="6" dur="1" fill="hold">
                                           <p:stCondLst>
                                             <p:cond delay="0"/>
                                           </p:stCondLst>
                                         </p:cTn>
                                         <p:tgtEl>
-                                          <p:spTgt spid="74">
+                                          <p:spTgt spid="80">
                                             <p:txEl>
-                                              <p:pRg end="0" st="0"/>
+                                              <p:pRg st="0" end="0"/>
                                             </p:txEl>
                                           </p:spTgt>
                                         </p:tgtEl>
@@ -7417,13 +9571,13 @@
                                         <p:strVal val="visible"/>
                                       </p:to>
                                     </p:set>
-                                    <p:animEffect filter="fade" transition="in">
+                                    <p:animEffect transition="in" filter="fade">
                                       <p:cBhvr>
-                                        <p:cTn dur="1000"/>
+                                        <p:cTn id="7" dur="1000"/>
                                         <p:tgtEl>
-                                          <p:spTgt spid="74">
+                                          <p:spTgt spid="80">
                                             <p:txEl>
-                                              <p:pRg end="0" st="0"/>
+                                              <p:pRg st="0" end="0"/>
                                             </p:txEl>
                                           </p:spTgt>
                                         </p:tgtEl>
@@ -7439,34 +9593,34 @@
                     </p:cTn>
                   </p:par>
                   <p:par>
-                    <p:cTn fill="hold">
+                    <p:cTn id="8" fill="hold">
                       <p:stCondLst>
                         <p:cond delay="indefinite"/>
                       </p:stCondLst>
                       <p:childTnLst>
                         <p:par>
-                          <p:cTn fill="hold">
+                          <p:cTn id="9" fill="hold">
                             <p:stCondLst>
                               <p:cond delay="0"/>
                             </p:stCondLst>
                             <p:childTnLst>
                               <p:par>
-                                <p:cTn fill="hold" nodeType="clickEffect" presetClass="entr" presetID="10" presetSubtype="0">
+                                <p:cTn id="10" presetID="10" presetClass="entr" presetSubtype="0" fill="hold" nodeType="clickEffect">
                                   <p:stCondLst>
                                     <p:cond delay="0"/>
                                   </p:stCondLst>
                                   <p:childTnLst>
                                     <p:set>
                                       <p:cBhvr>
-                                        <p:cTn dur="1" fill="hold">
+                                        <p:cTn id="11" dur="1" fill="hold">
                                           <p:stCondLst>
                                             <p:cond delay="0"/>
                                           </p:stCondLst>
                                         </p:cTn>
                                         <p:tgtEl>
-                                          <p:spTgt spid="74">
+                                          <p:spTgt spid="80">
                                             <p:txEl>
-                                              <p:pRg end="1" st="1"/>
+                                              <p:pRg st="1" end="1"/>
                                             </p:txEl>
                                           </p:spTgt>
                                         </p:tgtEl>
@@ -7478,13 +9632,13 @@
                                         <p:strVal val="visible"/>
                                       </p:to>
                                     </p:set>
-                                    <p:animEffect filter="fade" transition="in">
+                                    <p:animEffect transition="in" filter="fade">
                                       <p:cBhvr>
-                                        <p:cTn dur="1000"/>
+                                        <p:cTn id="12" dur="1000"/>
                                         <p:tgtEl>
-                                          <p:spTgt spid="74">
+                                          <p:spTgt spid="80">
                                             <p:txEl>
-                                              <p:pRg end="1" st="1"/>
+                                              <p:pRg st="1" end="1"/>
                                             </p:txEl>
                                           </p:spTgt>
                                         </p:tgtEl>
@@ -7500,34 +9654,34 @@
                     </p:cTn>
                   </p:par>
                   <p:par>
-                    <p:cTn fill="hold">
+                    <p:cTn id="13" fill="hold">
                       <p:stCondLst>
                         <p:cond delay="indefinite"/>
                       </p:stCondLst>
                       <p:childTnLst>
                         <p:par>
-                          <p:cTn fill="hold">
+                          <p:cTn id="14" fill="hold">
                             <p:stCondLst>
                               <p:cond delay="0"/>
                             </p:stCondLst>
                             <p:childTnLst>
                               <p:par>
-                                <p:cTn fill="hold" nodeType="clickEffect" presetClass="entr" presetID="10" presetSubtype="0">
+                                <p:cTn id="15" presetID="10" presetClass="entr" presetSubtype="0" fill="hold" nodeType="clickEffect">
                                   <p:stCondLst>
                                     <p:cond delay="0"/>
                                   </p:stCondLst>
                                   <p:childTnLst>
                                     <p:set>
                                       <p:cBhvr>
-                                        <p:cTn dur="1" fill="hold">
+                                        <p:cTn id="16" dur="1" fill="hold">
                                           <p:stCondLst>
                                             <p:cond delay="0"/>
                                           </p:stCondLst>
                                         </p:cTn>
                                         <p:tgtEl>
-                                          <p:spTgt spid="74">
+                                          <p:spTgt spid="80">
                                             <p:txEl>
-                                              <p:pRg end="2" st="2"/>
+                                              <p:pRg st="2" end="2"/>
                                             </p:txEl>
                                           </p:spTgt>
                                         </p:tgtEl>
@@ -7539,13 +9693,13 @@
                                         <p:strVal val="visible"/>
                                       </p:to>
                                     </p:set>
-                                    <p:animEffect filter="fade" transition="in">
+                                    <p:animEffect transition="in" filter="fade">
                                       <p:cBhvr>
-                                        <p:cTn dur="1000"/>
+                                        <p:cTn id="17" dur="1000"/>
                                         <p:tgtEl>
-                                          <p:spTgt spid="74">
+                                          <p:spTgt spid="80">
                                             <p:txEl>
-                                              <p:pRg end="2" st="2"/>
+                                              <p:pRg st="2" end="2"/>
                                             </p:txEl>
                                           </p:spTgt>
                                         </p:tgtEl>
@@ -7561,34 +9715,34 @@
                     </p:cTn>
                   </p:par>
                   <p:par>
-                    <p:cTn fill="hold">
+                    <p:cTn id="18" fill="hold">
                       <p:stCondLst>
                         <p:cond delay="indefinite"/>
                       </p:stCondLst>
                       <p:childTnLst>
                         <p:par>
-                          <p:cTn fill="hold">
+                          <p:cTn id="19" fill="hold">
                             <p:stCondLst>
                               <p:cond delay="0"/>
                             </p:stCondLst>
                             <p:childTnLst>
                               <p:par>
-                                <p:cTn fill="hold" nodeType="clickEffect" presetClass="entr" presetID="10" presetSubtype="0">
+                                <p:cTn id="20" presetID="10" presetClass="entr" presetSubtype="0" fill="hold" nodeType="clickEffect">
                                   <p:stCondLst>
                                     <p:cond delay="0"/>
                                   </p:stCondLst>
                                   <p:childTnLst>
                                     <p:set>
                                       <p:cBhvr>
-                                        <p:cTn dur="1" fill="hold">
+                                        <p:cTn id="21" dur="1" fill="hold">
                                           <p:stCondLst>
                                             <p:cond delay="0"/>
                                           </p:stCondLst>
                                         </p:cTn>
                                         <p:tgtEl>
-                                          <p:spTgt spid="74">
+                                          <p:spTgt spid="80">
                                             <p:txEl>
-                                              <p:pRg end="3" st="3"/>
+                                              <p:pRg st="3" end="3"/>
                                             </p:txEl>
                                           </p:spTgt>
                                         </p:tgtEl>
@@ -7600,13 +9754,13 @@
                                         <p:strVal val="visible"/>
                                       </p:to>
                                     </p:set>
-                                    <p:animEffect filter="fade" transition="in">
+                                    <p:animEffect transition="in" filter="fade">
                                       <p:cBhvr>
-                                        <p:cTn dur="1000"/>
+                                        <p:cTn id="22" dur="1000"/>
                                         <p:tgtEl>
-                                          <p:spTgt spid="74">
+                                          <p:spTgt spid="80">
                                             <p:txEl>
-                                              <p:pRg end="3" st="3"/>
+                                              <p:pRg st="3" end="3"/>
                                             </p:txEl>
                                           </p:spTgt>
                                         </p:tgtEl>
@@ -7622,34 +9776,34 @@
                     </p:cTn>
                   </p:par>
                   <p:par>
-                    <p:cTn fill="hold">
+                    <p:cTn id="23" fill="hold">
                       <p:stCondLst>
                         <p:cond delay="indefinite"/>
                       </p:stCondLst>
                       <p:childTnLst>
                         <p:par>
-                          <p:cTn fill="hold">
+                          <p:cTn id="24" fill="hold">
                             <p:stCondLst>
                               <p:cond delay="0"/>
                             </p:stCondLst>
                             <p:childTnLst>
                               <p:par>
-                                <p:cTn fill="hold" nodeType="clickEffect" presetClass="entr" presetID="10" presetSubtype="0">
+                                <p:cTn id="25" presetID="10" presetClass="entr" presetSubtype="0" fill="hold" nodeType="clickEffect">
                                   <p:stCondLst>
                                     <p:cond delay="0"/>
                                   </p:stCondLst>
                                   <p:childTnLst>
                                     <p:set>
                                       <p:cBhvr>
-                                        <p:cTn dur="1" fill="hold">
+                                        <p:cTn id="26" dur="1" fill="hold">
                                           <p:stCondLst>
                                             <p:cond delay="0"/>
                                           </p:stCondLst>
                                         </p:cTn>
                                         <p:tgtEl>
-                                          <p:spTgt spid="74">
+                                          <p:spTgt spid="80">
                                             <p:txEl>
-                                              <p:pRg end="4" st="4"/>
+                                              <p:pRg st="4" end="4"/>
                                             </p:txEl>
                                           </p:spTgt>
                                         </p:tgtEl>
@@ -7661,13 +9815,13 @@
                                         <p:strVal val="visible"/>
                                       </p:to>
                                     </p:set>
-                                    <p:animEffect filter="fade" transition="in">
+                                    <p:animEffect transition="in" filter="fade">
                                       <p:cBhvr>
-                                        <p:cTn dur="1000"/>
+                                        <p:cTn id="27" dur="1000"/>
                                         <p:tgtEl>
-                                          <p:spTgt spid="74">
+                                          <p:spTgt spid="80">
                                             <p:txEl>
-                                              <p:pRg end="4" st="4"/>
+                                              <p:pRg st="4" end="4"/>
                                             </p:txEl>
                                           </p:spTgt>
                                         </p:tgtEl>
@@ -7683,34 +9837,34 @@
                     </p:cTn>
                   </p:par>
                   <p:par>
-                    <p:cTn fill="hold">
+                    <p:cTn id="28" fill="hold">
                       <p:stCondLst>
                         <p:cond delay="indefinite"/>
                       </p:stCondLst>
                       <p:childTnLst>
                         <p:par>
-                          <p:cTn fill="hold">
+                          <p:cTn id="29" fill="hold">
                             <p:stCondLst>
                               <p:cond delay="0"/>
                             </p:stCondLst>
                             <p:childTnLst>
                               <p:par>
-                                <p:cTn fill="hold" nodeType="clickEffect" presetClass="entr" presetID="10" presetSubtype="0">
+                                <p:cTn id="30" presetID="10" presetClass="entr" presetSubtype="0" fill="hold" nodeType="clickEffect">
                                   <p:stCondLst>
                                     <p:cond delay="0"/>
                                   </p:stCondLst>
                                   <p:childTnLst>
                                     <p:set>
                                       <p:cBhvr>
-                                        <p:cTn dur="1" fill="hold">
+                                        <p:cTn id="31" dur="1" fill="hold">
                                           <p:stCondLst>
                                             <p:cond delay="0"/>
                                           </p:stCondLst>
                                         </p:cTn>
                                         <p:tgtEl>
-                                          <p:spTgt spid="74">
+                                          <p:spTgt spid="80">
                                             <p:txEl>
-                                              <p:pRg end="5" st="5"/>
+                                              <p:pRg st="5" end="5"/>
                                             </p:txEl>
                                           </p:spTgt>
                                         </p:tgtEl>
@@ -7722,13 +9876,13 @@
                                         <p:strVal val="visible"/>
                                       </p:to>
                                     </p:set>
-                                    <p:animEffect filter="fade" transition="in">
+                                    <p:animEffect transition="in" filter="fade">
                                       <p:cBhvr>
-                                        <p:cTn dur="1000"/>
+                                        <p:cTn id="32" dur="1000"/>
                                         <p:tgtEl>
-                                          <p:spTgt spid="74">
+                                          <p:spTgt spid="80">
                                             <p:txEl>
-                                              <p:pRg end="5" st="5"/>
+                                              <p:pRg st="5" end="5"/>
                                             </p:txEl>
                                           </p:spTgt>
                                         </p:tgtEl>
@@ -7744,34 +9898,34 @@
                     </p:cTn>
                   </p:par>
                   <p:par>
-                    <p:cTn fill="hold">
+                    <p:cTn id="33" fill="hold">
                       <p:stCondLst>
                         <p:cond delay="indefinite"/>
                       </p:stCondLst>
                       <p:childTnLst>
                         <p:par>
-                          <p:cTn fill="hold">
+                          <p:cTn id="34" fill="hold">
                             <p:stCondLst>
                               <p:cond delay="0"/>
                             </p:stCondLst>
                             <p:childTnLst>
                               <p:par>
-                                <p:cTn fill="hold" nodeType="clickEffect" presetClass="entr" presetID="10" presetSubtype="0">
+                                <p:cTn id="35" presetID="10" presetClass="entr" presetSubtype="0" fill="hold" nodeType="clickEffect">
                                   <p:stCondLst>
                                     <p:cond delay="0"/>
                                   </p:stCondLst>
                                   <p:childTnLst>
                                     <p:set>
                                       <p:cBhvr>
-                                        <p:cTn dur="1" fill="hold">
+                                        <p:cTn id="36" dur="1" fill="hold">
                                           <p:stCondLst>
                                             <p:cond delay="0"/>
                                           </p:stCondLst>
                                         </p:cTn>
                                         <p:tgtEl>
-                                          <p:spTgt spid="74">
+                                          <p:spTgt spid="80">
                                             <p:txEl>
-                                              <p:pRg end="6" st="6"/>
+                                              <p:pRg st="6" end="6"/>
                                             </p:txEl>
                                           </p:spTgt>
                                         </p:tgtEl>
@@ -7783,13 +9937,135 @@
                                         <p:strVal val="visible"/>
                                       </p:to>
                                     </p:set>
-                                    <p:animEffect filter="fade" transition="in">
+                                    <p:animEffect transition="in" filter="fade">
                                       <p:cBhvr>
-                                        <p:cTn dur="1000"/>
+                                        <p:cTn id="37" dur="1000"/>
                                         <p:tgtEl>
-                                          <p:spTgt spid="74">
+                                          <p:spTgt spid="80">
                                             <p:txEl>
-                                              <p:pRg end="6" st="6"/>
+                                              <p:pRg st="6" end="6"/>
+                                            </p:txEl>
+                                          </p:spTgt>
+                                        </p:tgtEl>
+                                      </p:cBhvr>
+                                    </p:animEffect>
+                                  </p:childTnLst>
+                                </p:cTn>
+                              </p:par>
+                            </p:childTnLst>
+                          </p:cTn>
+                        </p:par>
+                      </p:childTnLst>
+                    </p:cTn>
+                  </p:par>
+                  <p:par>
+                    <p:cTn id="38" fill="hold">
+                      <p:stCondLst>
+                        <p:cond delay="indefinite"/>
+                      </p:stCondLst>
+                      <p:childTnLst>
+                        <p:par>
+                          <p:cTn id="39" fill="hold">
+                            <p:stCondLst>
+                              <p:cond delay="0"/>
+                            </p:stCondLst>
+                            <p:childTnLst>
+                              <p:par>
+                                <p:cTn id="40" presetID="10" presetClass="entr" presetSubtype="0" fill="hold" nodeType="clickEffect">
+                                  <p:stCondLst>
+                                    <p:cond delay="0"/>
+                                  </p:stCondLst>
+                                  <p:childTnLst>
+                                    <p:set>
+                                      <p:cBhvr>
+                                        <p:cTn id="41" dur="1" fill="hold">
+                                          <p:stCondLst>
+                                            <p:cond delay="0"/>
+                                          </p:stCondLst>
+                                        </p:cTn>
+                                        <p:tgtEl>
+                                          <p:spTgt spid="80">
+                                            <p:txEl>
+                                              <p:pRg st="7" end="7"/>
+                                            </p:txEl>
+                                          </p:spTgt>
+                                        </p:tgtEl>
+                                        <p:attrNameLst>
+                                          <p:attrName>style.visibility</p:attrName>
+                                        </p:attrNameLst>
+                                      </p:cBhvr>
+                                      <p:to>
+                                        <p:strVal val="visible"/>
+                                      </p:to>
+                                    </p:set>
+                                    <p:animEffect transition="in" filter="fade">
+                                      <p:cBhvr>
+                                        <p:cTn id="42" dur="1000"/>
+                                        <p:tgtEl>
+                                          <p:spTgt spid="80">
+                                            <p:txEl>
+                                              <p:pRg st="7" end="7"/>
+                                            </p:txEl>
+                                          </p:spTgt>
+                                        </p:tgtEl>
+                                      </p:cBhvr>
+                                    </p:animEffect>
+                                  </p:childTnLst>
+                                </p:cTn>
+                              </p:par>
+                            </p:childTnLst>
+                          </p:cTn>
+                        </p:par>
+                      </p:childTnLst>
+                    </p:cTn>
+                  </p:par>
+                  <p:par>
+                    <p:cTn id="43" fill="hold">
+                      <p:stCondLst>
+                        <p:cond delay="indefinite"/>
+                      </p:stCondLst>
+                      <p:childTnLst>
+                        <p:par>
+                          <p:cTn id="44" fill="hold">
+                            <p:stCondLst>
+                              <p:cond delay="0"/>
+                            </p:stCondLst>
+                            <p:childTnLst>
+                              <p:par>
+                                <p:cTn id="45" presetID="10" presetClass="entr" presetSubtype="0" fill="hold" nodeType="clickEffect">
+                                  <p:stCondLst>
+                                    <p:cond delay="0"/>
+                                  </p:stCondLst>
+                                  <p:childTnLst>
+                                    <p:set>
+                                      <p:cBhvr>
+                                        <p:cTn id="46" dur="1" fill="hold">
+                                          <p:stCondLst>
+                                            <p:cond delay="0"/>
+                                          </p:stCondLst>
+                                        </p:cTn>
+                                        <p:tgtEl>
+                                          <p:spTgt spid="80">
+                                            <p:txEl>
+                                              <p:pRg st="8" end="8"/>
+                                            </p:txEl>
+                                          </p:spTgt>
+                                        </p:tgtEl>
+                                        <p:attrNameLst>
+                                          <p:attrName>style.visibility</p:attrName>
+                                        </p:attrNameLst>
+                                      </p:cBhvr>
+                                      <p:to>
+                                        <p:strVal val="visible"/>
+                                      </p:to>
+                                    </p:set>
+                                    <p:animEffect transition="in" filter="fade">
+                                      <p:cBhvr>
+                                        <p:cTn id="47" dur="1000"/>
+                                        <p:tgtEl>
+                                          <p:spTgt spid="80">
+                                            <p:txEl>
+                                              <p:pRg st="8" end="8"/>
                                             </p:txEl>
                                           </p:spTgt>
                                         </p:tgtEl>
@@ -7807,14 +10083,14 @@
                 </p:childTnLst>
               </p:cTn>
               <p:prevCondLst>
-                <p:cond evt="onPrev">
+                <p:cond evt="onPrev" delay="0">
                   <p:tgtEl>
                     <p:sldTgt/>
                   </p:tgtEl>
                 </p:cond>
               </p:prevCondLst>
               <p:nextCondLst>
-                <p:cond evt="onNext">
+                <p:cond evt="onNext" delay="0">
                   <p:tgtEl>
                     <p:sldTgt/>
                   </p:tgtEl>
@@ -7829,12 +10105,12 @@
 </p:sld>
 </file>
 
-<file path=ppt/slides/slide5.xml><?xml version="1.0" encoding="utf-8"?>
-<p:sld xmlns:a="http://schemas.openxmlformats.org/drawingml/2006/main" xmlns:r="http://schemas.openxmlformats.org/officeDocument/2006/relationships" xmlns:mc="http://schemas.openxmlformats.org/markup-compatibility/2006" xmlns:mv="urn:schemas-microsoft-com:mac:vml" xmlns:p="http://schemas.openxmlformats.org/presentationml/2006/main" xmlns:c="http://schemas.openxmlformats.org/drawingml/2006/chart" xmlns:dgm="http://schemas.openxmlformats.org/drawingml/2006/diagram" xmlns:o="urn:schemas-microsoft-com:office:office" xmlns:v="urn:schemas-microsoft-com:vml" xmlns:pvml="urn:schemas-microsoft-com:office:powerpoint" xmlns:com="http://schemas.openxmlformats.org/drawingml/2006/compatibility" xmlns:p14="http://schemas.microsoft.com/office/powerpoint/2010/main" xmlns:p15="http://schemas.microsoft.com/office/powerpoint/2012/main">
+<file path=ppt/slides/slide9.xml><?xml version="1.0" encoding="utf-8"?>
+<p:sld xmlns:a="http://schemas.openxmlformats.org/drawingml/2006/main" xmlns:r="http://schemas.openxmlformats.org/officeDocument/2006/relationships" xmlns:p="http://schemas.openxmlformats.org/presentationml/2006/main">
   <p:cSld>
     <p:spTree>
       <p:nvGrpSpPr>
-        <p:cNvPr id="78" name="Shape 78"/>
+        <p:cNvPr id="1" name="Shape 84"/>
         <p:cNvGrpSpPr/>
         <p:nvPr/>
       </p:nvGrpSpPr>
@@ -7848,8 +10124,10 @@
       </p:grpSpPr>
       <p:sp>
         <p:nvSpPr>
-          <p:cNvPr id="79" name="Shape 79"/>
-          <p:cNvSpPr txBox="1"/>
+          <p:cNvPr id="85" name="Shape 85"/>
+          <p:cNvSpPr txBox="1">
+            <a:spLocks noGrp="1"/>
+          </p:cNvSpPr>
           <p:nvPr>
             <p:ph type="title"/>
           </p:nvPr>
@@ -7864,12 +10142,12 @@
           </a:prstGeom>
         </p:spPr>
         <p:txBody>
-          <a:bodyPr anchorCtr="0" anchor="t" bIns="91425" lIns="91425" spcFirstLastPara="1" rIns="91425" wrap="square" tIns="91425">
+          <a:bodyPr spcFirstLastPara="1" wrap="square" lIns="91425" tIns="91425" rIns="91425" bIns="91425" anchor="t" anchorCtr="0">
             <a:noAutofit/>
           </a:bodyPr>
           <a:lstStyle/>
           <a:p>
-            <a:pPr indent="0" lvl="0" marL="0" rtl="0">
+            <a:pPr marL="0" lvl="0" indent="0" rtl="0">
               <a:spcBef>
                 <a:spcPts val="0"/>
               </a:spcBef>
@@ -7880,7 +10158,7 @@
             </a:pPr>
             <a:r>
               <a:rPr lang="en" sz="4000"/>
-              <a:t>Have the SQL Generated</a:t>
+              <a:t>Our ORM is?</a:t>
             </a:r>
             <a:endParaRPr sz="4000"/>
           </a:p>
@@ -7888,13 +10166,13 @@
       </p:sp>
       <p:sp>
         <p:nvSpPr>
-          <p:cNvPr id="80" name="Shape 80"/>
+          <p:cNvPr id="86" name="Shape 86"/>
           <p:cNvSpPr txBox="1"/>
           <p:nvPr/>
         </p:nvSpPr>
         <p:spPr>
           <a:xfrm>
-            <a:off x="418050" y="658225"/>
+            <a:off x="262350" y="638524"/>
             <a:ext cx="8619300" cy="4349700"/>
           </a:xfrm>
           <a:prstGeom prst="rect">
@@ -7906,12 +10184,12 @@
           </a:ln>
         </p:spPr>
         <p:txBody>
-          <a:bodyPr anchorCtr="0" anchor="t" bIns="91425" lIns="91425" spcFirstLastPara="1" rIns="91425" wrap="square" tIns="91425">
+          <a:bodyPr spcFirstLastPara="1" wrap="square" lIns="91425" tIns="91425" rIns="91425" bIns="91425" anchor="t" anchorCtr="0">
             <a:noAutofit/>
           </a:bodyPr>
           <a:lstStyle/>
           <a:p>
-            <a:pPr indent="-381000" lvl="0" marL="457200" rtl="0">
+            <a:pPr marL="457200" lvl="0" indent="-381000" rtl="0">
               <a:lnSpc>
                 <a:spcPct val="115000"/>
               </a:lnSpc>
@@ -7928,26 +10206,144 @@
               <a:buChar char="●"/>
             </a:pPr>
             <a:r>
-              <a:rPr lang="en" sz="2400">
+              <a:rPr lang="en" sz="2400" dirty="0">
                 <a:solidFill>
                   <a:srgbClr val="FFFFFF"/>
                 </a:solidFill>
               </a:rPr>
-              <a:t>Some software packages will generate SQL for you</a:t>
+              <a:t>SQLAlchemy is the module we will use</a:t>
             </a:r>
-            <a:endParaRPr sz="2400">
+            <a:endParaRPr sz="2400" dirty="0">
               <a:solidFill>
                 <a:srgbClr val="FFFFFF"/>
               </a:solidFill>
             </a:endParaRPr>
           </a:p>
           <a:p>
-            <a:pPr indent="-381000" lvl="0" marL="457200" rtl="0">
+            <a:pPr marL="914400" lvl="1" indent="-381000" rtl="0">
               <a:lnSpc>
                 <a:spcPct val="115000"/>
               </a:lnSpc>
               <a:spcBef>
                 <a:spcPts val="0"/>
+              </a:spcBef>
+              <a:spcAft>
+                <a:spcPts val="0"/>
+              </a:spcAft>
+              <a:buClr>
+                <a:srgbClr val="FFFFFF"/>
+              </a:buClr>
+              <a:buSzPts val="2400"/>
+              <a:buChar char="○"/>
+            </a:pPr>
+            <a:r>
+              <a:rPr lang="en" sz="2400" u="sng" dirty="0">
+                <a:solidFill>
+                  <a:srgbClr val="FFFFFF"/>
+                </a:solidFill>
+                <a:hlinkClick r:id="rId3"/>
+              </a:rPr>
+              <a:t>https://www.sqlalchemy.org/</a:t>
+            </a:r>
+            <a:endParaRPr sz="2400" dirty="0">
+              <a:solidFill>
+                <a:srgbClr val="FFFFFF"/>
+              </a:solidFill>
+            </a:endParaRPr>
+          </a:p>
+          <a:p>
+            <a:pPr marL="1371600" lvl="2" indent="-381000" rtl="0">
+              <a:lnSpc>
+                <a:spcPct val="115000"/>
+              </a:lnSpc>
+              <a:spcBef>
+                <a:spcPts val="0"/>
+              </a:spcBef>
+              <a:spcAft>
+                <a:spcPts val="0"/>
+              </a:spcAft>
+              <a:buClr>
+                <a:srgbClr val="FFFFFF"/>
+              </a:buClr>
+              <a:buSzPts val="2400"/>
+              <a:buChar char="■"/>
+            </a:pPr>
+            <a:r>
+              <a:rPr lang="en" sz="2400" dirty="0">
+                <a:solidFill>
+                  <a:srgbClr val="FFFFFF"/>
+                </a:solidFill>
+              </a:rPr>
+              <a:t>Used by Yelp, Reddit, Mozilla...</a:t>
+            </a:r>
+            <a:endParaRPr sz="2400" dirty="0">
+              <a:solidFill>
+                <a:srgbClr val="FFFFFF"/>
+              </a:solidFill>
+            </a:endParaRPr>
+          </a:p>
+          <a:p>
+            <a:pPr marL="914400" lvl="1" indent="-381000" rtl="0">
+              <a:lnSpc>
+                <a:spcPct val="115000"/>
+              </a:lnSpc>
+              <a:spcBef>
+                <a:spcPts val="0"/>
+              </a:spcBef>
+              <a:spcAft>
+                <a:spcPts val="0"/>
+              </a:spcAft>
+              <a:buClr>
+                <a:srgbClr val="FFFFFF"/>
+              </a:buClr>
+              <a:buSzPts val="2400"/>
+              <a:buChar char="○"/>
+            </a:pPr>
+            <a:r>
+              <a:rPr lang="en" sz="2400" u="sng" dirty="0">
+                <a:solidFill>
+                  <a:srgbClr val="FFFFFF"/>
+                </a:solidFill>
+                <a:hlinkClick r:id="rId4"/>
+              </a:rPr>
+              <a:t>http://docs.sqlalchemy.org/en/latest/orm/tutorial.html</a:t>
+            </a:r>
+            <a:endParaRPr sz="2400" dirty="0">
+              <a:solidFill>
+                <a:srgbClr val="FFFFFF"/>
+              </a:solidFill>
+            </a:endParaRPr>
+          </a:p>
+          <a:p>
+            <a:pPr marL="457200" lvl="0" indent="-381000" rtl="0">
+              <a:lnSpc>
+                <a:spcPct val="115000"/>
+              </a:lnSpc>
+              <a:spcBef>
+                <a:spcPts val="1000"/>
+              </a:spcBef>
+              <a:spcAft>
+                <a:spcPts val="0"/>
+              </a:spcAft>
+              <a:buClr>
+                <a:srgbClr val="FFFFFF"/>
+              </a:buClr>
+              <a:buSzPts val="2400"/>
+              <a:buChar char="●"/>
+            </a:pPr>
+            <a:endParaRPr lang="en" sz="2400" dirty="0">
+              <a:solidFill>
+                <a:srgbClr val="FFFFFF"/>
+              </a:solidFill>
+            </a:endParaRPr>
+          </a:p>
+          <a:p>
+            <a:pPr marL="457200" lvl="0" indent="-381000" rtl="0">
+              <a:lnSpc>
+                <a:spcPct val="115000"/>
+              </a:lnSpc>
+              <a:spcBef>
+                <a:spcPts val="1000"/>
               </a:spcBef>
               <a:spcAft>
                 <a:spcPts val="0"/>
@@ -7959,21 +10355,21 @@
               <a:buChar char="●"/>
             </a:pPr>
             <a:r>
-              <a:rPr lang="en" sz="2400">
+              <a:rPr lang="en" sz="2400" dirty="0">
                 <a:solidFill>
                   <a:srgbClr val="FFFFFF"/>
                 </a:solidFill>
               </a:rPr>
-              <a:t>ORM - Object Relational Mapper</a:t>
+              <a:t>Configure SQLAlchemy</a:t>
             </a:r>
-            <a:endParaRPr sz="2400">
+            <a:endParaRPr sz="2400" dirty="0">
               <a:solidFill>
                 <a:srgbClr val="FFFFFF"/>
               </a:solidFill>
             </a:endParaRPr>
           </a:p>
           <a:p>
-            <a:pPr indent="-381000" lvl="1" marL="914400" rtl="0">
+            <a:pPr marL="914400" lvl="1" indent="-381000" rtl="0">
               <a:lnSpc>
                 <a:spcPct val="115000"/>
               </a:lnSpc>
@@ -7990,21 +10386,21 @@
               <a:buChar char="○"/>
             </a:pPr>
             <a:r>
-              <a:rPr lang="en" sz="2400">
+              <a:rPr lang="en" sz="2400" dirty="0">
                 <a:solidFill>
                   <a:srgbClr val="FFFFFF"/>
                 </a:solidFill>
               </a:rPr>
-              <a:t>Python Objects &lt;-&gt;  Relational Database</a:t>
+              <a:t>Define a Python Class and use special methods</a:t>
             </a:r>
-            <a:endParaRPr sz="2400">
+            <a:endParaRPr sz="2400" dirty="0">
               <a:solidFill>
                 <a:srgbClr val="FFFFFF"/>
               </a:solidFill>
             </a:endParaRPr>
           </a:p>
           <a:p>
-            <a:pPr indent="-381000" lvl="1" marL="914400" rtl="0">
+            <a:pPr marL="914400" lvl="1" indent="-381000" rtl="0">
               <a:lnSpc>
                 <a:spcPct val="115000"/>
               </a:lnSpc>
@@ -8021,138 +10417,14 @@
               <a:buChar char="○"/>
             </a:pPr>
             <a:r>
-              <a:rPr lang="en" sz="2400">
+              <a:rPr lang="en" sz="2400" dirty="0">
                 <a:solidFill>
                   <a:srgbClr val="FFFFFF"/>
                 </a:solidFill>
               </a:rPr>
-              <a:t>In order for this to work you need to configure the module to know what Classes you have</a:t>
+              <a:t>Pass in db settings to SQLAlchemy</a:t>
             </a:r>
-            <a:endParaRPr sz="2400">
-              <a:solidFill>
-                <a:srgbClr val="FFFFFF"/>
-              </a:solidFill>
-            </a:endParaRPr>
-          </a:p>
-          <a:p>
-            <a:pPr indent="-381000" lvl="1" marL="914400" rtl="0">
-              <a:lnSpc>
-                <a:spcPct val="115000"/>
-              </a:lnSpc>
-              <a:spcBef>
-                <a:spcPts val="0"/>
-              </a:spcBef>
-              <a:spcAft>
-                <a:spcPts val="0"/>
-              </a:spcAft>
-              <a:buClr>
-                <a:srgbClr val="FFFFFF"/>
-              </a:buClr>
-              <a:buSzPts val="2400"/>
-              <a:buChar char="○"/>
-            </a:pPr>
-            <a:r>
-              <a:rPr lang="en" sz="2400">
-                <a:solidFill>
-                  <a:srgbClr val="FFFFFF"/>
-                </a:solidFill>
-              </a:rPr>
-              <a:t>Your Class attributes map to a Table column</a:t>
-            </a:r>
-            <a:endParaRPr sz="2400">
-              <a:solidFill>
-                <a:srgbClr val="FFFFFF"/>
-              </a:solidFill>
-            </a:endParaRPr>
-          </a:p>
-          <a:p>
-            <a:pPr indent="-381000" lvl="2" marL="1371600" rtl="0">
-              <a:lnSpc>
-                <a:spcPct val="115000"/>
-              </a:lnSpc>
-              <a:spcBef>
-                <a:spcPts val="0"/>
-              </a:spcBef>
-              <a:spcAft>
-                <a:spcPts val="0"/>
-              </a:spcAft>
-              <a:buClr>
-                <a:srgbClr val="FFFFFF"/>
-              </a:buClr>
-              <a:buSzPts val="2400"/>
-              <a:buChar char="■"/>
-            </a:pPr>
-            <a:r>
-              <a:rPr lang="en" sz="2400">
-                <a:solidFill>
-                  <a:srgbClr val="FFFFFF"/>
-                </a:solidFill>
-              </a:rPr>
-              <a:t>Car.name in Python</a:t>
-            </a:r>
-            <a:endParaRPr sz="2400">
-              <a:solidFill>
-                <a:srgbClr val="FFFFFF"/>
-              </a:solidFill>
-            </a:endParaRPr>
-          </a:p>
-          <a:p>
-            <a:pPr indent="-381000" lvl="3" marL="1828800" rtl="0">
-              <a:lnSpc>
-                <a:spcPct val="115000"/>
-              </a:lnSpc>
-              <a:spcBef>
-                <a:spcPts val="0"/>
-              </a:spcBef>
-              <a:spcAft>
-                <a:spcPts val="0"/>
-              </a:spcAft>
-              <a:buClr>
-                <a:srgbClr val="FFFFFF"/>
-              </a:buClr>
-              <a:buSzPts val="2400"/>
-              <a:buChar char="●"/>
-            </a:pPr>
-            <a:r>
-              <a:rPr lang="en" sz="2400">
-                <a:solidFill>
-                  <a:srgbClr val="FFFFFF"/>
-                </a:solidFill>
-              </a:rPr>
-              <a:t>maps to</a:t>
-            </a:r>
-            <a:endParaRPr sz="2400">
-              <a:solidFill>
-                <a:srgbClr val="FFFFFF"/>
-              </a:solidFill>
-            </a:endParaRPr>
-          </a:p>
-          <a:p>
-            <a:pPr indent="-381000" lvl="2" marL="1371600" rtl="0">
-              <a:lnSpc>
-                <a:spcPct val="115000"/>
-              </a:lnSpc>
-              <a:spcBef>
-                <a:spcPts val="0"/>
-              </a:spcBef>
-              <a:spcAft>
-                <a:spcPts val="0"/>
-              </a:spcAft>
-              <a:buClr>
-                <a:srgbClr val="FFFFFF"/>
-              </a:buClr>
-              <a:buSzPts val="2400"/>
-              <a:buChar char="■"/>
-            </a:pPr>
-            <a:r>
-              <a:rPr lang="en" sz="2400">
-                <a:solidFill>
-                  <a:srgbClr val="FFFFFF"/>
-                </a:solidFill>
-              </a:rPr>
-              <a:t>Car Table and the name column</a:t>
-            </a:r>
-            <a:endParaRPr sz="2400">
+            <a:endParaRPr sz="2400" dirty="0">
               <a:solidFill>
                 <a:srgbClr val="FFFFFF"/>
               </a:solidFill>
@@ -8168,40 +10440,40 @@
   <p:timing>
     <p:tnLst>
       <p:par>
-        <p:cTn dur="indefinite" nodeType="tmRoot" restart="never">
+        <p:cTn id="1" dur="indefinite" restart="never" nodeType="tmRoot">
           <p:childTnLst>
             <p:seq concurrent="1" nextAc="seek">
-              <p:cTn dur="indefinite" id="2" nodeType="mainSeq">
+              <p:cTn id="2" dur="indefinite" nodeType="mainSeq">
                 <p:childTnLst>
                   <p:par>
-                    <p:cTn fill="hold">
+                    <p:cTn id="3" fill="hold">
                       <p:stCondLst>
                         <p:cond delay="indefinite"/>
                       </p:stCondLst>
                       <p:childTnLst>
                         <p:par>
-                          <p:cTn fill="hold">
+                          <p:cTn id="4" fill="hold">
                             <p:stCondLst>
                               <p:cond delay="0"/>
                             </p:stCondLst>
                             <p:childTnLst>
                               <p:par>
-                                <p:cTn fill="hold" nodeType="clickEffect" presetClass="entr" presetID="10" presetSubtype="0">
+                                <p:cTn id="5" presetID="10" presetClass="entr" presetSubtype="0" fill="hold" nodeType="clickEffect">
                                   <p:stCondLst>
                                     <p:cond delay="0"/>
                                   </p:stCondLst>
                                   <p:childTnLst>
                                     <p:set>
                                       <p:cBhvr>
-                                        <p:cTn dur="1" fill="hold">
+                                        <p:cTn id="6" dur="1" fill="hold">
                                           <p:stCondLst>
                                             <p:cond delay="0"/>
                                           </p:stCondLst>
                                         </p:cTn>
                                         <p:tgtEl>
-                                          <p:spTgt spid="80">
+                                          <p:spTgt spid="86">
                                             <p:txEl>
-                                              <p:pRg end="0" st="0"/>
+                                              <p:pRg st="0" end="0"/>
                                             </p:txEl>
                                           </p:spTgt>
                                         </p:tgtEl>
@@ -8213,13 +10485,13 @@
                                         <p:strVal val="visible"/>
                                       </p:to>
                                     </p:set>
-                                    <p:animEffect filter="fade" transition="in">
+                                    <p:animEffect transition="in" filter="fade">
                                       <p:cBhvr>
-                                        <p:cTn dur="1000"/>
+                                        <p:cTn id="7" dur="1000"/>
                                         <p:tgtEl>
-                                          <p:spTgt spid="80">
+                                          <p:spTgt spid="86">
                                             <p:txEl>
-                                              <p:pRg end="0" st="0"/>
+                                              <p:pRg st="0" end="0"/>
                                             </p:txEl>
                                           </p:spTgt>
                                         </p:tgtEl>
@@ -8235,34 +10507,34 @@
                     </p:cTn>
                   </p:par>
                   <p:par>
-                    <p:cTn fill="hold">
+                    <p:cTn id="8" fill="hold">
                       <p:stCondLst>
                         <p:cond delay="indefinite"/>
                       </p:stCondLst>
                       <p:childTnLst>
                         <p:par>
-                          <p:cTn fill="hold">
+                          <p:cTn id="9" fill="hold">
                             <p:stCondLst>
                               <p:cond delay="0"/>
                             </p:stCondLst>
                             <p:childTnLst>
                               <p:par>
-                                <p:cTn fill="hold" nodeType="clickEffect" presetClass="entr" presetID="10" presetSubtype="0">
+                                <p:cTn id="10" presetID="10" presetClass="entr" presetSubtype="0" fill="hold" nodeType="clickEffect">
                                   <p:stCondLst>
                                     <p:cond delay="0"/>
                                   </p:stCondLst>
                                   <p:childTnLst>
                                     <p:set>
                                       <p:cBhvr>
-                                        <p:cTn dur="1" fill="hold">
+                                        <p:cTn id="11" dur="1" fill="hold">
                                           <p:stCondLst>
                                             <p:cond delay="0"/>
                                           </p:stCondLst>
                                         </p:cTn>
                                         <p:tgtEl>
-                                          <p:spTgt spid="80">
+                                          <p:spTgt spid="86">
                                             <p:txEl>
-                                              <p:pRg end="1" st="1"/>
+                                              <p:pRg st="1" end="1"/>
                                             </p:txEl>
                                           </p:spTgt>
                                         </p:tgtEl>
@@ -8274,13 +10546,13 @@
                                         <p:strVal val="visible"/>
                                       </p:to>
                                     </p:set>
-                                    <p:animEffect filter="fade" transition="in">
+                                    <p:animEffect transition="in" filter="fade">
                                       <p:cBhvr>
-                                        <p:cTn dur="1000"/>
+                                        <p:cTn id="12" dur="1000"/>
                                         <p:tgtEl>
-                                          <p:spTgt spid="80">
+                                          <p:spTgt spid="86">
                                             <p:txEl>
-                                              <p:pRg end="1" st="1"/>
+                                              <p:pRg st="1" end="1"/>
                                             </p:txEl>
                                           </p:spTgt>
                                         </p:tgtEl>
@@ -8296,34 +10568,34 @@
                     </p:cTn>
                   </p:par>
                   <p:par>
-                    <p:cTn fill="hold">
+                    <p:cTn id="13" fill="hold">
                       <p:stCondLst>
                         <p:cond delay="indefinite"/>
                       </p:stCondLst>
                       <p:childTnLst>
                         <p:par>
-                          <p:cTn fill="hold">
+                          <p:cTn id="14" fill="hold">
                             <p:stCondLst>
                               <p:cond delay="0"/>
                             </p:stCondLst>
                             <p:childTnLst>
                               <p:par>
-                                <p:cTn fill="hold" nodeType="clickEffect" presetClass="entr" presetID="10" presetSubtype="0">
+                                <p:cTn id="15" presetID="10" presetClass="entr" presetSubtype="0" fill="hold" nodeType="clickEffect">
                                   <p:stCondLst>
                                     <p:cond delay="0"/>
                                   </p:stCondLst>
                                   <p:childTnLst>
                                     <p:set>
                                       <p:cBhvr>
-                                        <p:cTn dur="1" fill="hold">
+                                        <p:cTn id="16" dur="1" fill="hold">
                                           <p:stCondLst>
                                             <p:cond delay="0"/>
                                           </p:stCondLst>
                                         </p:cTn>
                                         <p:tgtEl>
-                                          <p:spTgt spid="80">
+                                          <p:spTgt spid="86">
                                             <p:txEl>
-                                              <p:pRg end="2" st="2"/>
+                                              <p:pRg st="2" end="2"/>
                                             </p:txEl>
                                           </p:spTgt>
                                         </p:tgtEl>
@@ -8335,13 +10607,13 @@
                                         <p:strVal val="visible"/>
                                       </p:to>
                                     </p:set>
-                                    <p:animEffect filter="fade" transition="in">
+                                    <p:animEffect transition="in" filter="fade">
                                       <p:cBhvr>
-                                        <p:cTn dur="1000"/>
+                                        <p:cTn id="17" dur="1000"/>
                                         <p:tgtEl>
-                                          <p:spTgt spid="80">
+                                          <p:spTgt spid="86">
                                             <p:txEl>
-                                              <p:pRg end="2" st="2"/>
+                                              <p:pRg st="2" end="2"/>
                                             </p:txEl>
                                           </p:spTgt>
                                         </p:tgtEl>
@@ -8357,34 +10629,34 @@
                     </p:cTn>
                   </p:par>
                   <p:par>
-                    <p:cTn fill="hold">
+                    <p:cTn id="18" fill="hold">
                       <p:stCondLst>
                         <p:cond delay="indefinite"/>
                       </p:stCondLst>
                       <p:childTnLst>
                         <p:par>
-                          <p:cTn fill="hold">
+                          <p:cTn id="19" fill="hold">
                             <p:stCondLst>
                               <p:cond delay="0"/>
                             </p:stCondLst>
                             <p:childTnLst>
                               <p:par>
-                                <p:cTn fill="hold" nodeType="clickEffect" presetClass="entr" presetID="10" presetSubtype="0">
+                                <p:cTn id="20" presetID="10" presetClass="entr" presetSubtype="0" fill="hold" nodeType="clickEffect">
                                   <p:stCondLst>
                                     <p:cond delay="0"/>
                                   </p:stCondLst>
                                   <p:childTnLst>
                                     <p:set>
                                       <p:cBhvr>
-                                        <p:cTn dur="1" fill="hold">
+                                        <p:cTn id="21" dur="1" fill="hold">
                                           <p:stCondLst>
                                             <p:cond delay="0"/>
                                           </p:stCondLst>
                                         </p:cTn>
                                         <p:tgtEl>
-                                          <p:spTgt spid="80">
+                                          <p:spTgt spid="86">
                                             <p:txEl>
-                                              <p:pRg end="3" st="3"/>
+                                              <p:pRg st="3" end="3"/>
                                             </p:txEl>
                                           </p:spTgt>
                                         </p:tgtEl>
@@ -8396,13 +10668,13 @@
                                         <p:strVal val="visible"/>
                                       </p:to>
                                     </p:set>
-                                    <p:animEffect filter="fade" transition="in">
+                                    <p:animEffect transition="in" filter="fade">
                                       <p:cBhvr>
-                                        <p:cTn dur="1000"/>
+                                        <p:cTn id="22" dur="1000"/>
                                         <p:tgtEl>
-                                          <p:spTgt spid="80">
+                                          <p:spTgt spid="86">
                                             <p:txEl>
-                                              <p:pRg end="3" st="3"/>
+                                              <p:pRg st="3" end="3"/>
                                             </p:txEl>
                                           </p:spTgt>
                                         </p:tgtEl>
@@ -8418,34 +10690,34 @@
                     </p:cTn>
                   </p:par>
                   <p:par>
-                    <p:cTn fill="hold">
+                    <p:cTn id="23" fill="hold">
                       <p:stCondLst>
                         <p:cond delay="indefinite"/>
                       </p:stCondLst>
                       <p:childTnLst>
                         <p:par>
-                          <p:cTn fill="hold">
+                          <p:cTn id="24" fill="hold">
                             <p:stCondLst>
                               <p:cond delay="0"/>
                             </p:stCondLst>
                             <p:childTnLst>
                               <p:par>
-                                <p:cTn fill="hold" nodeType="clickEffect" presetClass="entr" presetID="10" presetSubtype="0">
+                                <p:cTn id="25" presetID="10" presetClass="entr" presetSubtype="0" fill="hold" nodeType="clickEffect">
                                   <p:stCondLst>
                                     <p:cond delay="0"/>
                                   </p:stCondLst>
                                   <p:childTnLst>
                                     <p:set>
                                       <p:cBhvr>
-                                        <p:cTn dur="1" fill="hold">
+                                        <p:cTn id="26" dur="1" fill="hold">
                                           <p:stCondLst>
                                             <p:cond delay="0"/>
                                           </p:stCondLst>
                                         </p:cTn>
                                         <p:tgtEl>
-                                          <p:spTgt spid="80">
+                                          <p:spTgt spid="86">
                                             <p:txEl>
-                                              <p:pRg end="4" st="4"/>
+                                              <p:pRg st="5" end="5"/>
                                             </p:txEl>
                                           </p:spTgt>
                                         </p:tgtEl>
@@ -8457,13 +10729,13 @@
                                         <p:strVal val="visible"/>
                                       </p:to>
                                     </p:set>
-                                    <p:animEffect filter="fade" transition="in">
+                                    <p:animEffect transition="in" filter="fade">
                                       <p:cBhvr>
-                                        <p:cTn dur="1000"/>
+                                        <p:cTn id="27" dur="1000"/>
                                         <p:tgtEl>
-                                          <p:spTgt spid="80">
+                                          <p:spTgt spid="86">
                                             <p:txEl>
-                                              <p:pRg end="4" st="4"/>
+                                              <p:pRg st="5" end="5"/>
                                             </p:txEl>
                                           </p:spTgt>
                                         </p:tgtEl>
@@ -8479,34 +10751,34 @@
                     </p:cTn>
                   </p:par>
                   <p:par>
-                    <p:cTn fill="hold">
+                    <p:cTn id="28" fill="hold">
                       <p:stCondLst>
                         <p:cond delay="indefinite"/>
                       </p:stCondLst>
                       <p:childTnLst>
                         <p:par>
-                          <p:cTn fill="hold">
+                          <p:cTn id="29" fill="hold">
                             <p:stCondLst>
                               <p:cond delay="0"/>
                             </p:stCondLst>
                             <p:childTnLst>
                               <p:par>
-                                <p:cTn fill="hold" nodeType="clickEffect" presetClass="entr" presetID="10" presetSubtype="0">
+                                <p:cTn id="30" presetID="10" presetClass="entr" presetSubtype="0" fill="hold" nodeType="clickEffect">
                                   <p:stCondLst>
                                     <p:cond delay="0"/>
                                   </p:stCondLst>
                                   <p:childTnLst>
                                     <p:set>
                                       <p:cBhvr>
-                                        <p:cTn dur="1" fill="hold">
+                                        <p:cTn id="31" dur="1" fill="hold">
                                           <p:stCondLst>
                                             <p:cond delay="0"/>
                                           </p:stCondLst>
                                         </p:cTn>
                                         <p:tgtEl>
-                                          <p:spTgt spid="80">
+                                          <p:spTgt spid="86">
                                             <p:txEl>
-                                              <p:pRg end="5" st="5"/>
+                                              <p:pRg st="6" end="6"/>
                                             </p:txEl>
                                           </p:spTgt>
                                         </p:tgtEl>
@@ -8518,13 +10790,13 @@
                                         <p:strVal val="visible"/>
                                       </p:to>
                                     </p:set>
-                                    <p:animEffect filter="fade" transition="in">
+                                    <p:animEffect transition="in" filter="fade">
                                       <p:cBhvr>
-                                        <p:cTn dur="1000"/>
+                                        <p:cTn id="32" dur="1000"/>
                                         <p:tgtEl>
-                                          <p:spTgt spid="80">
+                                          <p:spTgt spid="86">
                                             <p:txEl>
-                                              <p:pRg end="5" st="5"/>
+                                              <p:pRg st="6" end="6"/>
                                             </p:txEl>
                                           </p:spTgt>
                                         </p:tgtEl>
@@ -8540,34 +10812,34 @@
                     </p:cTn>
                   </p:par>
                   <p:par>
-                    <p:cTn fill="hold">
+                    <p:cTn id="33" fill="hold">
                       <p:stCondLst>
                         <p:cond delay="indefinite"/>
                       </p:stCondLst>
                       <p:childTnLst>
                         <p:par>
-                          <p:cTn fill="hold">
+                          <p:cTn id="34" fill="hold">
                             <p:stCondLst>
                               <p:cond delay="0"/>
                             </p:stCondLst>
                             <p:childTnLst>
                               <p:par>
-                                <p:cTn fill="hold" nodeType="clickEffect" presetClass="entr" presetID="10" presetSubtype="0">
+                                <p:cTn id="35" presetID="10" presetClass="entr" presetSubtype="0" fill="hold" nodeType="clickEffect">
                                   <p:stCondLst>
                                     <p:cond delay="0"/>
                                   </p:stCondLst>
                                   <p:childTnLst>
                                     <p:set>
                                       <p:cBhvr>
-                                        <p:cTn dur="1" fill="hold">
+                                        <p:cTn id="36" dur="1" fill="hold">
                                           <p:stCondLst>
                                             <p:cond delay="0"/>
                                           </p:stCondLst>
                                         </p:cTn>
                                         <p:tgtEl>
-                                          <p:spTgt spid="80">
+                                          <p:spTgt spid="86">
                                             <p:txEl>
-                                              <p:pRg end="6" st="6"/>
+                                              <p:pRg st="7" end="7"/>
                                             </p:txEl>
                                           </p:spTgt>
                                         </p:tgtEl>
@@ -8579,74 +10851,13 @@
                                         <p:strVal val="visible"/>
                                       </p:to>
                                     </p:set>
-                                    <p:animEffect filter="fade" transition="in">
+                                    <p:animEffect transition="in" filter="fade">
                                       <p:cBhvr>
-                                        <p:cTn dur="1000"/>
+                                        <p:cTn id="37" dur="1000"/>
                                         <p:tgtEl>
-                                          <p:spTgt spid="80">
+                                          <p:spTgt spid="86">
                                             <p:txEl>
-                                              <p:pRg end="6" st="6"/>
-                                            </p:txEl>
-                                          </p:spTgt>
-                                        </p:tgtEl>
-                                      </p:cBhvr>
-                                    </p:animEffect>
-                                  </p:childTnLst>
-                                </p:cTn>
-                              </p:par>
-                            </p:childTnLst>
-                          </p:cTn>
-                        </p:par>
-                      </p:childTnLst>
-                    </p:cTn>
-                  </p:par>
-                  <p:par>
-                    <p:cTn fill="hold">
-                      <p:stCondLst>
-                        <p:cond delay="indefinite"/>
-                      </p:stCondLst>
-                      <p:childTnLst>
-                        <p:par>
-                          <p:cTn fill="hold">
-                            <p:stCondLst>
-                              <p:cond delay="0"/>
-                            </p:stCondLst>
-                            <p:childTnLst>
-                              <p:par>
-                                <p:cTn fill="hold" nodeType="clickEffect" presetClass="entr" presetID="10" presetSubtype="0">
-                                  <p:stCondLst>
-                                    <p:cond delay="0"/>
-                                  </p:stCondLst>
-                                  <p:childTnLst>
-                                    <p:set>
-                                      <p:cBhvr>
-                                        <p:cTn dur="1" fill="hold">
-                                          <p:stCondLst>
-                                            <p:cond delay="0"/>
-                                          </p:stCondLst>
-                                        </p:cTn>
-                                        <p:tgtEl>
-                                          <p:spTgt spid="80">
-                                            <p:txEl>
-                                              <p:pRg end="7" st="7"/>
-                                            </p:txEl>
-                                          </p:spTgt>
-                                        </p:tgtEl>
-                                        <p:attrNameLst>
-                                          <p:attrName>style.visibility</p:attrName>
-                                        </p:attrNameLst>
-                                      </p:cBhvr>
-                                      <p:to>
-                                        <p:strVal val="visible"/>
-                                      </p:to>
-                                    </p:set>
-                                    <p:animEffect filter="fade" transition="in">
-                                      <p:cBhvr>
-                                        <p:cTn dur="1000"/>
-                                        <p:tgtEl>
-                                          <p:spTgt spid="80">
-                                            <p:txEl>
-                                              <p:pRg end="7" st="7"/>
+                                              <p:pRg st="7" end="7"/>
                                             </p:txEl>
                                           </p:spTgt>
                                         </p:tgtEl>
@@ -8664,781 +10875,14 @@
                 </p:childTnLst>
               </p:cTn>
               <p:prevCondLst>
-                <p:cond evt="onPrev">
+                <p:cond evt="onPrev" delay="0">
                   <p:tgtEl>
                     <p:sldTgt/>
                   </p:tgtEl>
                 </p:cond>
               </p:prevCondLst>
               <p:nextCondLst>
-                <p:cond evt="onNext">
-                  <p:tgtEl>
-                    <p:sldTgt/>
-                  </p:tgtEl>
-                </p:cond>
-              </p:nextCondLst>
-            </p:seq>
-          </p:childTnLst>
-        </p:cTn>
-      </p:par>
-    </p:tnLst>
-  </p:timing>
-</p:sld>
-</file>
-
-<file path=ppt/slides/slide6.xml><?xml version="1.0" encoding="utf-8"?>
-<p:sld xmlns:a="http://schemas.openxmlformats.org/drawingml/2006/main" xmlns:r="http://schemas.openxmlformats.org/officeDocument/2006/relationships" xmlns:mc="http://schemas.openxmlformats.org/markup-compatibility/2006" xmlns:mv="urn:schemas-microsoft-com:mac:vml" xmlns:p="http://schemas.openxmlformats.org/presentationml/2006/main" xmlns:c="http://schemas.openxmlformats.org/drawingml/2006/chart" xmlns:dgm="http://schemas.openxmlformats.org/drawingml/2006/diagram" xmlns:o="urn:schemas-microsoft-com:office:office" xmlns:v="urn:schemas-microsoft-com:vml" xmlns:pvml="urn:schemas-microsoft-com:office:powerpoint" xmlns:com="http://schemas.openxmlformats.org/drawingml/2006/compatibility" xmlns:p14="http://schemas.microsoft.com/office/powerpoint/2010/main" xmlns:p15="http://schemas.microsoft.com/office/powerpoint/2012/main">
-  <p:cSld>
-    <p:spTree>
-      <p:nvGrpSpPr>
-        <p:cNvPr id="84" name="Shape 84"/>
-        <p:cNvGrpSpPr/>
-        <p:nvPr/>
-      </p:nvGrpSpPr>
-      <p:grpSpPr>
-        <a:xfrm>
-          <a:off x="0" y="0"/>
-          <a:ext cx="0" cy="0"/>
-          <a:chOff x="0" y="0"/>
-          <a:chExt cx="0" cy="0"/>
-        </a:xfrm>
-      </p:grpSpPr>
-      <p:sp>
-        <p:nvSpPr>
-          <p:cNvPr id="85" name="Shape 85"/>
-          <p:cNvSpPr txBox="1"/>
-          <p:nvPr>
-            <p:ph type="title"/>
-          </p:nvPr>
-        </p:nvSpPr>
-        <p:spPr>
-          <a:xfrm>
-            <a:off x="62275" y="-124550"/>
-            <a:ext cx="8769900" cy="524700"/>
-          </a:xfrm>
-          <a:prstGeom prst="rect">
-            <a:avLst/>
-          </a:prstGeom>
-        </p:spPr>
-        <p:txBody>
-          <a:bodyPr anchorCtr="0" anchor="t" bIns="91425" lIns="91425" spcFirstLastPara="1" rIns="91425" wrap="square" tIns="91425">
-            <a:noAutofit/>
-          </a:bodyPr>
-          <a:lstStyle/>
-          <a:p>
-            <a:pPr indent="0" lvl="0" marL="0" rtl="0">
-              <a:spcBef>
-                <a:spcPts val="0"/>
-              </a:spcBef>
-              <a:spcAft>
-                <a:spcPts val="0"/>
-              </a:spcAft>
-              <a:buNone/>
-            </a:pPr>
-            <a:r>
-              <a:rPr lang="en" sz="4000"/>
-              <a:t>Our ORM is?</a:t>
-            </a:r>
-            <a:endParaRPr sz="4000"/>
-          </a:p>
-        </p:txBody>
-      </p:sp>
-      <p:sp>
-        <p:nvSpPr>
-          <p:cNvPr id="86" name="Shape 86"/>
-          <p:cNvSpPr txBox="1"/>
-          <p:nvPr/>
-        </p:nvSpPr>
-        <p:spPr>
-          <a:xfrm>
-            <a:off x="418050" y="658225"/>
-            <a:ext cx="8619300" cy="4349700"/>
-          </a:xfrm>
-          <a:prstGeom prst="rect">
-            <a:avLst/>
-          </a:prstGeom>
-          <a:noFill/>
-          <a:ln>
-            <a:noFill/>
-          </a:ln>
-        </p:spPr>
-        <p:txBody>
-          <a:bodyPr anchorCtr="0" anchor="t" bIns="91425" lIns="91425" spcFirstLastPara="1" rIns="91425" wrap="square" tIns="91425">
-            <a:noAutofit/>
-          </a:bodyPr>
-          <a:lstStyle/>
-          <a:p>
-            <a:pPr indent="-381000" lvl="0" marL="457200" rtl="0">
-              <a:lnSpc>
-                <a:spcPct val="115000"/>
-              </a:lnSpc>
-              <a:spcBef>
-                <a:spcPts val="0"/>
-              </a:spcBef>
-              <a:spcAft>
-                <a:spcPts val="0"/>
-              </a:spcAft>
-              <a:buClr>
-                <a:srgbClr val="FFFFFF"/>
-              </a:buClr>
-              <a:buSzPts val="2400"/>
-              <a:buChar char="●"/>
-            </a:pPr>
-            <a:r>
-              <a:rPr lang="en" sz="2400">
-                <a:solidFill>
-                  <a:srgbClr val="FFFFFF"/>
-                </a:solidFill>
-              </a:rPr>
-              <a:t>SQLAlchemy is the module we will use</a:t>
-            </a:r>
-            <a:endParaRPr sz="2400">
-              <a:solidFill>
-                <a:srgbClr val="FFFFFF"/>
-              </a:solidFill>
-            </a:endParaRPr>
-          </a:p>
-          <a:p>
-            <a:pPr indent="-381000" lvl="1" marL="914400" rtl="0">
-              <a:lnSpc>
-                <a:spcPct val="115000"/>
-              </a:lnSpc>
-              <a:spcBef>
-                <a:spcPts val="0"/>
-              </a:spcBef>
-              <a:spcAft>
-                <a:spcPts val="0"/>
-              </a:spcAft>
-              <a:buClr>
-                <a:srgbClr val="FFFFFF"/>
-              </a:buClr>
-              <a:buSzPts val="2400"/>
-              <a:buChar char="○"/>
-            </a:pPr>
-            <a:r>
-              <a:rPr lang="en" sz="2400" u="sng">
-                <a:solidFill>
-                  <a:srgbClr val="FFFFFF"/>
-                </a:solidFill>
-                <a:hlinkClick r:id="rId3"/>
-              </a:rPr>
-              <a:t>https://www.sqlalchemy.org/</a:t>
-            </a:r>
-            <a:endParaRPr sz="2400">
-              <a:solidFill>
-                <a:srgbClr val="FFFFFF"/>
-              </a:solidFill>
-            </a:endParaRPr>
-          </a:p>
-          <a:p>
-            <a:pPr indent="-381000" lvl="2" marL="1371600" rtl="0">
-              <a:lnSpc>
-                <a:spcPct val="115000"/>
-              </a:lnSpc>
-              <a:spcBef>
-                <a:spcPts val="0"/>
-              </a:spcBef>
-              <a:spcAft>
-                <a:spcPts val="0"/>
-              </a:spcAft>
-              <a:buClr>
-                <a:srgbClr val="FFFFFF"/>
-              </a:buClr>
-              <a:buSzPts val="2400"/>
-              <a:buChar char="■"/>
-            </a:pPr>
-            <a:r>
-              <a:rPr lang="en" sz="2400">
-                <a:solidFill>
-                  <a:srgbClr val="FFFFFF"/>
-                </a:solidFill>
-              </a:rPr>
-              <a:t>Used by Yelp, Reddit, Mozilla...</a:t>
-            </a:r>
-            <a:endParaRPr sz="2400">
-              <a:solidFill>
-                <a:srgbClr val="FFFFFF"/>
-              </a:solidFill>
-            </a:endParaRPr>
-          </a:p>
-          <a:p>
-            <a:pPr indent="-381000" lvl="1" marL="914400" rtl="0">
-              <a:lnSpc>
-                <a:spcPct val="115000"/>
-              </a:lnSpc>
-              <a:spcBef>
-                <a:spcPts val="0"/>
-              </a:spcBef>
-              <a:spcAft>
-                <a:spcPts val="0"/>
-              </a:spcAft>
-              <a:buClr>
-                <a:srgbClr val="FFFFFF"/>
-              </a:buClr>
-              <a:buSzPts val="2400"/>
-              <a:buChar char="○"/>
-            </a:pPr>
-            <a:r>
-              <a:rPr lang="en" sz="2400" u="sng">
-                <a:solidFill>
-                  <a:srgbClr val="FFFFFF"/>
-                </a:solidFill>
-                <a:hlinkClick r:id="rId4"/>
-              </a:rPr>
-              <a:t>http://docs.sqlalchemy.org/en/latest/orm/tutorial.html</a:t>
-            </a:r>
-            <a:endParaRPr sz="2400">
-              <a:solidFill>
-                <a:srgbClr val="FFFFFF"/>
-              </a:solidFill>
-            </a:endParaRPr>
-          </a:p>
-          <a:p>
-            <a:pPr indent="-381000" lvl="0" marL="457200" rtl="0">
-              <a:lnSpc>
-                <a:spcPct val="115000"/>
-              </a:lnSpc>
-              <a:spcBef>
-                <a:spcPts val="1000"/>
-              </a:spcBef>
-              <a:spcAft>
-                <a:spcPts val="0"/>
-              </a:spcAft>
-              <a:buClr>
-                <a:srgbClr val="FFFFFF"/>
-              </a:buClr>
-              <a:buSzPts val="2400"/>
-              <a:buChar char="●"/>
-            </a:pPr>
-            <a:r>
-              <a:rPr lang="en" sz="2400">
-                <a:solidFill>
-                  <a:srgbClr val="FFFFFF"/>
-                </a:solidFill>
-              </a:rPr>
-              <a:t>Configure SQLAlchemy</a:t>
-            </a:r>
-            <a:endParaRPr sz="2400">
-              <a:solidFill>
-                <a:srgbClr val="FFFFFF"/>
-              </a:solidFill>
-            </a:endParaRPr>
-          </a:p>
-          <a:p>
-            <a:pPr indent="-381000" lvl="1" marL="914400" rtl="0">
-              <a:lnSpc>
-                <a:spcPct val="115000"/>
-              </a:lnSpc>
-              <a:spcBef>
-                <a:spcPts val="0"/>
-              </a:spcBef>
-              <a:spcAft>
-                <a:spcPts val="0"/>
-              </a:spcAft>
-              <a:buClr>
-                <a:srgbClr val="FFFFFF"/>
-              </a:buClr>
-              <a:buSzPts val="2400"/>
-              <a:buChar char="○"/>
-            </a:pPr>
-            <a:r>
-              <a:rPr lang="en" sz="2400">
-                <a:solidFill>
-                  <a:srgbClr val="FFFFFF"/>
-                </a:solidFill>
-              </a:rPr>
-              <a:t>Define a Python Class and use special methods</a:t>
-            </a:r>
-            <a:endParaRPr sz="2400">
-              <a:solidFill>
-                <a:srgbClr val="FFFFFF"/>
-              </a:solidFill>
-            </a:endParaRPr>
-          </a:p>
-          <a:p>
-            <a:pPr indent="-381000" lvl="1" marL="914400" rtl="0">
-              <a:lnSpc>
-                <a:spcPct val="115000"/>
-              </a:lnSpc>
-              <a:spcBef>
-                <a:spcPts val="0"/>
-              </a:spcBef>
-              <a:spcAft>
-                <a:spcPts val="0"/>
-              </a:spcAft>
-              <a:buClr>
-                <a:srgbClr val="FFFFFF"/>
-              </a:buClr>
-              <a:buSzPts val="2400"/>
-              <a:buChar char="○"/>
-            </a:pPr>
-            <a:r>
-              <a:rPr lang="en" sz="2400">
-                <a:solidFill>
-                  <a:srgbClr val="FFFFFF"/>
-                </a:solidFill>
-              </a:rPr>
-              <a:t>Pass in db settings to SQLAlchemy</a:t>
-            </a:r>
-            <a:endParaRPr sz="2400">
-              <a:solidFill>
-                <a:srgbClr val="FFFFFF"/>
-              </a:solidFill>
-            </a:endParaRPr>
-          </a:p>
-        </p:txBody>
-      </p:sp>
-    </p:spTree>
-  </p:cSld>
-  <p:clrMapOvr>
-    <a:masterClrMapping/>
-  </p:clrMapOvr>
-  <p:timing>
-    <p:tnLst>
-      <p:par>
-        <p:cTn dur="indefinite" nodeType="tmRoot" restart="never">
-          <p:childTnLst>
-            <p:seq concurrent="1" nextAc="seek">
-              <p:cTn dur="indefinite" id="2" nodeType="mainSeq">
-                <p:childTnLst>
-                  <p:par>
-                    <p:cTn fill="hold">
-                      <p:stCondLst>
-                        <p:cond delay="indefinite"/>
-                      </p:stCondLst>
-                      <p:childTnLst>
-                        <p:par>
-                          <p:cTn fill="hold">
-                            <p:stCondLst>
-                              <p:cond delay="0"/>
-                            </p:stCondLst>
-                            <p:childTnLst>
-                              <p:par>
-                                <p:cTn fill="hold" nodeType="clickEffect" presetClass="entr" presetID="10" presetSubtype="0">
-                                  <p:stCondLst>
-                                    <p:cond delay="0"/>
-                                  </p:stCondLst>
-                                  <p:childTnLst>
-                                    <p:set>
-                                      <p:cBhvr>
-                                        <p:cTn dur="1" fill="hold">
-                                          <p:stCondLst>
-                                            <p:cond delay="0"/>
-                                          </p:stCondLst>
-                                        </p:cTn>
-                                        <p:tgtEl>
-                                          <p:spTgt spid="86">
-                                            <p:txEl>
-                                              <p:pRg end="0" st="0"/>
-                                            </p:txEl>
-                                          </p:spTgt>
-                                        </p:tgtEl>
-                                        <p:attrNameLst>
-                                          <p:attrName>style.visibility</p:attrName>
-                                        </p:attrNameLst>
-                                      </p:cBhvr>
-                                      <p:to>
-                                        <p:strVal val="visible"/>
-                                      </p:to>
-                                    </p:set>
-                                    <p:animEffect filter="fade" transition="in">
-                                      <p:cBhvr>
-                                        <p:cTn dur="1000"/>
-                                        <p:tgtEl>
-                                          <p:spTgt spid="86">
-                                            <p:txEl>
-                                              <p:pRg end="0" st="0"/>
-                                            </p:txEl>
-                                          </p:spTgt>
-                                        </p:tgtEl>
-                                      </p:cBhvr>
-                                    </p:animEffect>
-                                  </p:childTnLst>
-                                </p:cTn>
-                              </p:par>
-                            </p:childTnLst>
-                          </p:cTn>
-                        </p:par>
-                      </p:childTnLst>
-                    </p:cTn>
-                  </p:par>
-                  <p:par>
-                    <p:cTn fill="hold">
-                      <p:stCondLst>
-                        <p:cond delay="indefinite"/>
-                      </p:stCondLst>
-                      <p:childTnLst>
-                        <p:par>
-                          <p:cTn fill="hold">
-                            <p:stCondLst>
-                              <p:cond delay="0"/>
-                            </p:stCondLst>
-                            <p:childTnLst>
-                              <p:par>
-                                <p:cTn fill="hold" nodeType="clickEffect" presetClass="entr" presetID="10" presetSubtype="0">
-                                  <p:stCondLst>
-                                    <p:cond delay="0"/>
-                                  </p:stCondLst>
-                                  <p:childTnLst>
-                                    <p:set>
-                                      <p:cBhvr>
-                                        <p:cTn dur="1" fill="hold">
-                                          <p:stCondLst>
-                                            <p:cond delay="0"/>
-                                          </p:stCondLst>
-                                        </p:cTn>
-                                        <p:tgtEl>
-                                          <p:spTgt spid="86">
-                                            <p:txEl>
-                                              <p:pRg end="1" st="1"/>
-                                            </p:txEl>
-                                          </p:spTgt>
-                                        </p:tgtEl>
-                                        <p:attrNameLst>
-                                          <p:attrName>style.visibility</p:attrName>
-                                        </p:attrNameLst>
-                                      </p:cBhvr>
-                                      <p:to>
-                                        <p:strVal val="visible"/>
-                                      </p:to>
-                                    </p:set>
-                                    <p:animEffect filter="fade" transition="in">
-                                      <p:cBhvr>
-                                        <p:cTn dur="1000"/>
-                                        <p:tgtEl>
-                                          <p:spTgt spid="86">
-                                            <p:txEl>
-                                              <p:pRg end="1" st="1"/>
-                                            </p:txEl>
-                                          </p:spTgt>
-                                        </p:tgtEl>
-                                      </p:cBhvr>
-                                    </p:animEffect>
-                                  </p:childTnLst>
-                                </p:cTn>
-                              </p:par>
-                            </p:childTnLst>
-                          </p:cTn>
-                        </p:par>
-                      </p:childTnLst>
-                    </p:cTn>
-                  </p:par>
-                  <p:par>
-                    <p:cTn fill="hold">
-                      <p:stCondLst>
-                        <p:cond delay="indefinite"/>
-                      </p:stCondLst>
-                      <p:childTnLst>
-                        <p:par>
-                          <p:cTn fill="hold">
-                            <p:stCondLst>
-                              <p:cond delay="0"/>
-                            </p:stCondLst>
-                            <p:childTnLst>
-                              <p:par>
-                                <p:cTn fill="hold" nodeType="clickEffect" presetClass="entr" presetID="10" presetSubtype="0">
-                                  <p:stCondLst>
-                                    <p:cond delay="0"/>
-                                  </p:stCondLst>
-                                  <p:childTnLst>
-                                    <p:set>
-                                      <p:cBhvr>
-                                        <p:cTn dur="1" fill="hold">
-                                          <p:stCondLst>
-                                            <p:cond delay="0"/>
-                                          </p:stCondLst>
-                                        </p:cTn>
-                                        <p:tgtEl>
-                                          <p:spTgt spid="86">
-                                            <p:txEl>
-                                              <p:pRg end="2" st="2"/>
-                                            </p:txEl>
-                                          </p:spTgt>
-                                        </p:tgtEl>
-                                        <p:attrNameLst>
-                                          <p:attrName>style.visibility</p:attrName>
-                                        </p:attrNameLst>
-                                      </p:cBhvr>
-                                      <p:to>
-                                        <p:strVal val="visible"/>
-                                      </p:to>
-                                    </p:set>
-                                    <p:animEffect filter="fade" transition="in">
-                                      <p:cBhvr>
-                                        <p:cTn dur="1000"/>
-                                        <p:tgtEl>
-                                          <p:spTgt spid="86">
-                                            <p:txEl>
-                                              <p:pRg end="2" st="2"/>
-                                            </p:txEl>
-                                          </p:spTgt>
-                                        </p:tgtEl>
-                                      </p:cBhvr>
-                                    </p:animEffect>
-                                  </p:childTnLst>
-                                </p:cTn>
-                              </p:par>
-                            </p:childTnLst>
-                          </p:cTn>
-                        </p:par>
-                      </p:childTnLst>
-                    </p:cTn>
-                  </p:par>
-                  <p:par>
-                    <p:cTn fill="hold">
-                      <p:stCondLst>
-                        <p:cond delay="indefinite"/>
-                      </p:stCondLst>
-                      <p:childTnLst>
-                        <p:par>
-                          <p:cTn fill="hold">
-                            <p:stCondLst>
-                              <p:cond delay="0"/>
-                            </p:stCondLst>
-                            <p:childTnLst>
-                              <p:par>
-                                <p:cTn fill="hold" nodeType="clickEffect" presetClass="entr" presetID="10" presetSubtype="0">
-                                  <p:stCondLst>
-                                    <p:cond delay="0"/>
-                                  </p:stCondLst>
-                                  <p:childTnLst>
-                                    <p:set>
-                                      <p:cBhvr>
-                                        <p:cTn dur="1" fill="hold">
-                                          <p:stCondLst>
-                                            <p:cond delay="0"/>
-                                          </p:stCondLst>
-                                        </p:cTn>
-                                        <p:tgtEl>
-                                          <p:spTgt spid="86">
-                                            <p:txEl>
-                                              <p:pRg end="3" st="3"/>
-                                            </p:txEl>
-                                          </p:spTgt>
-                                        </p:tgtEl>
-                                        <p:attrNameLst>
-                                          <p:attrName>style.visibility</p:attrName>
-                                        </p:attrNameLst>
-                                      </p:cBhvr>
-                                      <p:to>
-                                        <p:strVal val="visible"/>
-                                      </p:to>
-                                    </p:set>
-                                    <p:animEffect filter="fade" transition="in">
-                                      <p:cBhvr>
-                                        <p:cTn dur="1000"/>
-                                        <p:tgtEl>
-                                          <p:spTgt spid="86">
-                                            <p:txEl>
-                                              <p:pRg end="3" st="3"/>
-                                            </p:txEl>
-                                          </p:spTgt>
-                                        </p:tgtEl>
-                                      </p:cBhvr>
-                                    </p:animEffect>
-                                  </p:childTnLst>
-                                </p:cTn>
-                              </p:par>
-                            </p:childTnLst>
-                          </p:cTn>
-                        </p:par>
-                      </p:childTnLst>
-                    </p:cTn>
-                  </p:par>
-                  <p:par>
-                    <p:cTn fill="hold">
-                      <p:stCondLst>
-                        <p:cond delay="indefinite"/>
-                      </p:stCondLst>
-                      <p:childTnLst>
-                        <p:par>
-                          <p:cTn fill="hold">
-                            <p:stCondLst>
-                              <p:cond delay="0"/>
-                            </p:stCondLst>
-                            <p:childTnLst>
-                              <p:par>
-                                <p:cTn fill="hold" nodeType="clickEffect" presetClass="entr" presetID="10" presetSubtype="0">
-                                  <p:stCondLst>
-                                    <p:cond delay="0"/>
-                                  </p:stCondLst>
-                                  <p:childTnLst>
-                                    <p:set>
-                                      <p:cBhvr>
-                                        <p:cTn dur="1" fill="hold">
-                                          <p:stCondLst>
-                                            <p:cond delay="0"/>
-                                          </p:stCondLst>
-                                        </p:cTn>
-                                        <p:tgtEl>
-                                          <p:spTgt spid="86">
-                                            <p:txEl>
-                                              <p:pRg end="4" st="4"/>
-                                            </p:txEl>
-                                          </p:spTgt>
-                                        </p:tgtEl>
-                                        <p:attrNameLst>
-                                          <p:attrName>style.visibility</p:attrName>
-                                        </p:attrNameLst>
-                                      </p:cBhvr>
-                                      <p:to>
-                                        <p:strVal val="visible"/>
-                                      </p:to>
-                                    </p:set>
-                                    <p:animEffect filter="fade" transition="in">
-                                      <p:cBhvr>
-                                        <p:cTn dur="1000"/>
-                                        <p:tgtEl>
-                                          <p:spTgt spid="86">
-                                            <p:txEl>
-                                              <p:pRg end="4" st="4"/>
-                                            </p:txEl>
-                                          </p:spTgt>
-                                        </p:tgtEl>
-                                      </p:cBhvr>
-                                    </p:animEffect>
-                                  </p:childTnLst>
-                                </p:cTn>
-                              </p:par>
-                            </p:childTnLst>
-                          </p:cTn>
-                        </p:par>
-                      </p:childTnLst>
-                    </p:cTn>
-                  </p:par>
-                  <p:par>
-                    <p:cTn fill="hold">
-                      <p:stCondLst>
-                        <p:cond delay="indefinite"/>
-                      </p:stCondLst>
-                      <p:childTnLst>
-                        <p:par>
-                          <p:cTn fill="hold">
-                            <p:stCondLst>
-                              <p:cond delay="0"/>
-                            </p:stCondLst>
-                            <p:childTnLst>
-                              <p:par>
-                                <p:cTn fill="hold" nodeType="clickEffect" presetClass="entr" presetID="10" presetSubtype="0">
-                                  <p:stCondLst>
-                                    <p:cond delay="0"/>
-                                  </p:stCondLst>
-                                  <p:childTnLst>
-                                    <p:set>
-                                      <p:cBhvr>
-                                        <p:cTn dur="1" fill="hold">
-                                          <p:stCondLst>
-                                            <p:cond delay="0"/>
-                                          </p:stCondLst>
-                                        </p:cTn>
-                                        <p:tgtEl>
-                                          <p:spTgt spid="86">
-                                            <p:txEl>
-                                              <p:pRg end="5" st="5"/>
-                                            </p:txEl>
-                                          </p:spTgt>
-                                        </p:tgtEl>
-                                        <p:attrNameLst>
-                                          <p:attrName>style.visibility</p:attrName>
-                                        </p:attrNameLst>
-                                      </p:cBhvr>
-                                      <p:to>
-                                        <p:strVal val="visible"/>
-                                      </p:to>
-                                    </p:set>
-                                    <p:animEffect filter="fade" transition="in">
-                                      <p:cBhvr>
-                                        <p:cTn dur="1000"/>
-                                        <p:tgtEl>
-                                          <p:spTgt spid="86">
-                                            <p:txEl>
-                                              <p:pRg end="5" st="5"/>
-                                            </p:txEl>
-                                          </p:spTgt>
-                                        </p:tgtEl>
-                                      </p:cBhvr>
-                                    </p:animEffect>
-                                  </p:childTnLst>
-                                </p:cTn>
-                              </p:par>
-                            </p:childTnLst>
-                          </p:cTn>
-                        </p:par>
-                      </p:childTnLst>
-                    </p:cTn>
-                  </p:par>
-                  <p:par>
-                    <p:cTn fill="hold">
-                      <p:stCondLst>
-                        <p:cond delay="indefinite"/>
-                      </p:stCondLst>
-                      <p:childTnLst>
-                        <p:par>
-                          <p:cTn fill="hold">
-                            <p:stCondLst>
-                              <p:cond delay="0"/>
-                            </p:stCondLst>
-                            <p:childTnLst>
-                              <p:par>
-                                <p:cTn fill="hold" nodeType="clickEffect" presetClass="entr" presetID="10" presetSubtype="0">
-                                  <p:stCondLst>
-                                    <p:cond delay="0"/>
-                                  </p:stCondLst>
-                                  <p:childTnLst>
-                                    <p:set>
-                                      <p:cBhvr>
-                                        <p:cTn dur="1" fill="hold">
-                                          <p:stCondLst>
-                                            <p:cond delay="0"/>
-                                          </p:stCondLst>
-                                        </p:cTn>
-                                        <p:tgtEl>
-                                          <p:spTgt spid="86">
-                                            <p:txEl>
-                                              <p:pRg end="6" st="6"/>
-                                            </p:txEl>
-                                          </p:spTgt>
-                                        </p:tgtEl>
-                                        <p:attrNameLst>
-                                          <p:attrName>style.visibility</p:attrName>
-                                        </p:attrNameLst>
-                                      </p:cBhvr>
-                                      <p:to>
-                                        <p:strVal val="visible"/>
-                                      </p:to>
-                                    </p:set>
-                                    <p:animEffect filter="fade" transition="in">
-                                      <p:cBhvr>
-                                        <p:cTn dur="1000"/>
-                                        <p:tgtEl>
-                                          <p:spTgt spid="86">
-                                            <p:txEl>
-                                              <p:pRg end="6" st="6"/>
-                                            </p:txEl>
-                                          </p:spTgt>
-                                        </p:tgtEl>
-                                      </p:cBhvr>
-                                    </p:animEffect>
-                                  </p:childTnLst>
-                                </p:cTn>
-                              </p:par>
-                            </p:childTnLst>
-                          </p:cTn>
-                        </p:par>
-                      </p:childTnLst>
-                    </p:cTn>
-                  </p:par>
-                </p:childTnLst>
-              </p:cTn>
-              <p:prevCondLst>
-                <p:cond evt="onPrev">
-                  <p:tgtEl>
-                    <p:sldTgt/>
-                  </p:tgtEl>
-                </p:cond>
-              </p:prevCondLst>
-              <p:nextCondLst>
-                <p:cond evt="onNext">
+                <p:cond evt="onNext" delay="0">
                   <p:tgtEl>
                     <p:sldTgt/>
                   </p:tgtEl>
@@ -9454,7 +10898,288 @@
 </file>
 
 <file path=ppt/theme/theme1.xml><?xml version="1.0" encoding="utf-8"?>
-<a:theme xmlns:a="http://schemas.openxmlformats.org/drawingml/2006/main" xmlns:r="http://schemas.openxmlformats.org/officeDocument/2006/relationships">
+<a:theme xmlns:a="http://schemas.openxmlformats.org/drawingml/2006/main" name="Simple Dark">
+  <a:themeElements>
+    <a:clrScheme name="Simple Dark">
+      <a:dk1>
+        <a:srgbClr val="FFFFFF"/>
+      </a:dk1>
+      <a:lt1>
+        <a:srgbClr val="212121"/>
+      </a:lt1>
+      <a:dk2>
+        <a:srgbClr val="303030"/>
+      </a:dk2>
+      <a:lt2>
+        <a:srgbClr val="ADADAD"/>
+      </a:lt2>
+      <a:accent1>
+        <a:srgbClr val="009688"/>
+      </a:accent1>
+      <a:accent2>
+        <a:srgbClr val="EEEEEE"/>
+      </a:accent2>
+      <a:accent3>
+        <a:srgbClr val="78909C"/>
+      </a:accent3>
+      <a:accent4>
+        <a:srgbClr val="FFAB40"/>
+      </a:accent4>
+      <a:accent5>
+        <a:srgbClr val="4DD0E1"/>
+      </a:accent5>
+      <a:accent6>
+        <a:srgbClr val="EEFF41"/>
+      </a:accent6>
+      <a:hlink>
+        <a:srgbClr val="4DD0E1"/>
+      </a:hlink>
+      <a:folHlink>
+        <a:srgbClr val="4DD0E1"/>
+      </a:folHlink>
+    </a:clrScheme>
+    <a:fontScheme name="Office">
+      <a:majorFont>
+        <a:latin typeface="Arial"/>
+        <a:ea typeface=""/>
+        <a:cs typeface=""/>
+        <a:font script="Jpan" typeface="ＭＳ Ｐゴシック"/>
+        <a:font script="Hang" typeface="맑은 고딕"/>
+        <a:font script="Hans" typeface="宋体"/>
+        <a:font script="Hant" typeface="新細明體"/>
+        <a:font script="Arab" typeface="Times New Roman"/>
+        <a:font script="Hebr" typeface="Times New Roman"/>
+        <a:font script="Thai" typeface="Angsana New"/>
+        <a:font script="Ethi" typeface="Nyala"/>
+        <a:font script="Beng" typeface="Vrinda"/>
+        <a:font script="Gujr" typeface="Shruti"/>
+        <a:font script="Khmr" typeface="MoolBoran"/>
+        <a:font script="Knda" typeface="Tunga"/>
+        <a:font script="Guru" typeface="Raavi"/>
+        <a:font script="Cans" typeface="Euphemia"/>
+        <a:font script="Cher" typeface="Plantagenet Cherokee"/>
+        <a:font script="Yiii" typeface="Microsoft Yi Baiti"/>
+        <a:font script="Tibt" typeface="Microsoft Himalaya"/>
+        <a:font script="Thaa" typeface="MV Boli"/>
+        <a:font script="Deva" typeface="Mangal"/>
+        <a:font script="Telu" typeface="Gautami"/>
+        <a:font script="Taml" typeface="Latha"/>
+        <a:font script="Syrc" typeface="Estrangelo Edessa"/>
+        <a:font script="Orya" typeface="Kalinga"/>
+        <a:font script="Mlym" typeface="Kartika"/>
+        <a:font script="Laoo" typeface="DokChampa"/>
+        <a:font script="Sinh" typeface="Iskoola Pota"/>
+        <a:font script="Mong" typeface="Mongolian Baiti"/>
+        <a:font script="Viet" typeface="Times New Roman"/>
+        <a:font script="Uigh" typeface="Microsoft Uighur"/>
+        <a:font script="Geor" typeface="Sylfaen"/>
+      </a:majorFont>
+      <a:minorFont>
+        <a:latin typeface="Arial"/>
+        <a:ea typeface=""/>
+        <a:cs typeface=""/>
+        <a:font script="Jpan" typeface="ＭＳ Ｐゴシック"/>
+        <a:font script="Hang" typeface="맑은 고딕"/>
+        <a:font script="Hans" typeface="宋体"/>
+        <a:font script="Hant" typeface="新細明體"/>
+        <a:font script="Arab" typeface="Arial"/>
+        <a:font script="Hebr" typeface="Arial"/>
+        <a:font script="Thai" typeface="Cordia New"/>
+        <a:font script="Ethi" typeface="Nyala"/>
+        <a:font script="Beng" typeface="Vrinda"/>
+        <a:font script="Gujr" typeface="Shruti"/>
+        <a:font script="Khmr" typeface="DaunPenh"/>
+        <a:font script="Knda" typeface="Tunga"/>
+        <a:font script="Guru" typeface="Raavi"/>
+        <a:font script="Cans" typeface="Euphemia"/>
+        <a:font script="Cher" typeface="Plantagenet Cherokee"/>
+        <a:font script="Yiii" typeface="Microsoft Yi Baiti"/>
+        <a:font script="Tibt" typeface="Microsoft Himalaya"/>
+        <a:font script="Thaa" typeface="MV Boli"/>
+        <a:font script="Deva" typeface="Mangal"/>
+        <a:font script="Telu" typeface="Gautami"/>
+        <a:font script="Taml" typeface="Latha"/>
+        <a:font script="Syrc" typeface="Estrangelo Edessa"/>
+        <a:font script="Orya" typeface="Kalinga"/>
+        <a:font script="Mlym" typeface="Kartika"/>
+        <a:font script="Laoo" typeface="DokChampa"/>
+        <a:font script="Sinh" typeface="Iskoola Pota"/>
+        <a:font script="Mong" typeface="Mongolian Baiti"/>
+        <a:font script="Viet" typeface="Arial"/>
+        <a:font script="Uigh" typeface="Microsoft Uighur"/>
+        <a:font script="Geor" typeface="Sylfaen"/>
+      </a:minorFont>
+    </a:fontScheme>
+    <a:fmtScheme name="Office">
+      <a:fillStyleLst>
+        <a:solidFill>
+          <a:schemeClr val="phClr"/>
+        </a:solidFill>
+        <a:gradFill rotWithShape="1">
+          <a:gsLst>
+            <a:gs pos="0">
+              <a:schemeClr val="phClr">
+                <a:tint val="50000"/>
+                <a:satMod val="300000"/>
+              </a:schemeClr>
+            </a:gs>
+            <a:gs pos="35000">
+              <a:schemeClr val="phClr">
+                <a:tint val="37000"/>
+                <a:satMod val="300000"/>
+              </a:schemeClr>
+            </a:gs>
+            <a:gs pos="100000">
+              <a:schemeClr val="phClr">
+                <a:tint val="15000"/>
+                <a:satMod val="350000"/>
+              </a:schemeClr>
+            </a:gs>
+          </a:gsLst>
+          <a:lin ang="16200000" scaled="1"/>
+        </a:gradFill>
+        <a:gradFill rotWithShape="1">
+          <a:gsLst>
+            <a:gs pos="0">
+              <a:schemeClr val="phClr">
+                <a:tint val="100000"/>
+                <a:shade val="100000"/>
+                <a:satMod val="130000"/>
+              </a:schemeClr>
+            </a:gs>
+            <a:gs pos="100000">
+              <a:schemeClr val="phClr">
+                <a:tint val="50000"/>
+                <a:shade val="100000"/>
+                <a:satMod val="350000"/>
+              </a:schemeClr>
+            </a:gs>
+          </a:gsLst>
+          <a:lin ang="16200000" scaled="0"/>
+        </a:gradFill>
+      </a:fillStyleLst>
+      <a:lnStyleLst>
+        <a:ln w="9525" cap="flat" cmpd="sng" algn="ctr">
+          <a:solidFill>
+            <a:schemeClr val="phClr">
+              <a:shade val="95000"/>
+              <a:satMod val="105000"/>
+            </a:schemeClr>
+          </a:solidFill>
+          <a:prstDash val="solid"/>
+        </a:ln>
+        <a:ln w="25400" cap="flat" cmpd="sng" algn="ctr">
+          <a:solidFill>
+            <a:schemeClr val="phClr"/>
+          </a:solidFill>
+          <a:prstDash val="solid"/>
+        </a:ln>
+        <a:ln w="38100" cap="flat" cmpd="sng" algn="ctr">
+          <a:solidFill>
+            <a:schemeClr val="phClr"/>
+          </a:solidFill>
+          <a:prstDash val="solid"/>
+        </a:ln>
+      </a:lnStyleLst>
+      <a:effectStyleLst>
+        <a:effectStyle>
+          <a:effectLst>
+            <a:outerShdw blurRad="40000" dist="20000" dir="5400000" rotWithShape="0">
+              <a:srgbClr val="000000">
+                <a:alpha val="38000"/>
+              </a:srgbClr>
+            </a:outerShdw>
+          </a:effectLst>
+        </a:effectStyle>
+        <a:effectStyle>
+          <a:effectLst>
+            <a:outerShdw blurRad="40000" dist="23000" dir="5400000" rotWithShape="0">
+              <a:srgbClr val="000000">
+                <a:alpha val="35000"/>
+              </a:srgbClr>
+            </a:outerShdw>
+          </a:effectLst>
+        </a:effectStyle>
+        <a:effectStyle>
+          <a:effectLst>
+            <a:outerShdw blurRad="40000" dist="23000" dir="5400000" rotWithShape="0">
+              <a:srgbClr val="000000">
+                <a:alpha val="35000"/>
+              </a:srgbClr>
+            </a:outerShdw>
+          </a:effectLst>
+          <a:scene3d>
+            <a:camera prst="orthographicFront">
+              <a:rot lat="0" lon="0" rev="0"/>
+            </a:camera>
+            <a:lightRig rig="threePt" dir="t">
+              <a:rot lat="0" lon="0" rev="1200000"/>
+            </a:lightRig>
+          </a:scene3d>
+          <a:sp3d>
+            <a:bevelT w="63500" h="25400"/>
+          </a:sp3d>
+        </a:effectStyle>
+      </a:effectStyleLst>
+      <a:bgFillStyleLst>
+        <a:solidFill>
+          <a:schemeClr val="phClr"/>
+        </a:solidFill>
+        <a:gradFill rotWithShape="1">
+          <a:gsLst>
+            <a:gs pos="0">
+              <a:schemeClr val="phClr">
+                <a:tint val="40000"/>
+                <a:satMod val="350000"/>
+              </a:schemeClr>
+            </a:gs>
+            <a:gs pos="40000">
+              <a:schemeClr val="phClr">
+                <a:tint val="45000"/>
+                <a:shade val="99000"/>
+                <a:satMod val="350000"/>
+              </a:schemeClr>
+            </a:gs>
+            <a:gs pos="100000">
+              <a:schemeClr val="phClr">
+                <a:shade val="20000"/>
+                <a:satMod val="255000"/>
+              </a:schemeClr>
+            </a:gs>
+          </a:gsLst>
+          <a:path path="circle">
+            <a:fillToRect l="50000" t="-80000" r="50000" b="180000"/>
+          </a:path>
+        </a:gradFill>
+        <a:gradFill rotWithShape="1">
+          <a:gsLst>
+            <a:gs pos="0">
+              <a:schemeClr val="phClr">
+                <a:tint val="80000"/>
+                <a:satMod val="300000"/>
+              </a:schemeClr>
+            </a:gs>
+            <a:gs pos="100000">
+              <a:schemeClr val="phClr">
+                <a:shade val="30000"/>
+                <a:satMod val="200000"/>
+              </a:schemeClr>
+            </a:gs>
+          </a:gsLst>
+          <a:path path="circle">
+            <a:fillToRect l="50000" t="50000" r="50000" b="50000"/>
+          </a:path>
+        </a:gradFill>
+      </a:bgFillStyleLst>
+    </a:fmtScheme>
+  </a:themeElements>
+  <a:objectDefaults/>
+  <a:extraClrSchemeLst/>
+</a:theme>
+</file>
+
+<file path=ppt/theme/theme2.xml><?xml version="1.0" encoding="utf-8"?>
+<a:theme xmlns:a="http://schemas.openxmlformats.org/drawingml/2006/main">
   <a:themeElements>
     <a:clrScheme name="Default">
       <a:dk1>
@@ -9729,284 +11454,7 @@
       </a:bgFillStyleLst>
     </a:fmtScheme>
   </a:themeElements>
-</a:theme>
-</file>
-
-<file path=ppt/theme/theme2.xml><?xml version="1.0" encoding="utf-8"?>
-<a:theme xmlns:a="http://schemas.openxmlformats.org/drawingml/2006/main" xmlns:r="http://schemas.openxmlformats.org/officeDocument/2006/relationships" name="Simple Dark">
-  <a:themeElements>
-    <a:clrScheme name="Simple Dark">
-      <a:dk1>
-        <a:srgbClr val="FFFFFF"/>
-      </a:dk1>
-      <a:lt1>
-        <a:srgbClr val="212121"/>
-      </a:lt1>
-      <a:dk2>
-        <a:srgbClr val="303030"/>
-      </a:dk2>
-      <a:lt2>
-        <a:srgbClr val="ADADAD"/>
-      </a:lt2>
-      <a:accent1>
-        <a:srgbClr val="009688"/>
-      </a:accent1>
-      <a:accent2>
-        <a:srgbClr val="EEEEEE"/>
-      </a:accent2>
-      <a:accent3>
-        <a:srgbClr val="78909C"/>
-      </a:accent3>
-      <a:accent4>
-        <a:srgbClr val="FFAB40"/>
-      </a:accent4>
-      <a:accent5>
-        <a:srgbClr val="4DD0E1"/>
-      </a:accent5>
-      <a:accent6>
-        <a:srgbClr val="EEFF41"/>
-      </a:accent6>
-      <a:hlink>
-        <a:srgbClr val="4DD0E1"/>
-      </a:hlink>
-      <a:folHlink>
-        <a:srgbClr val="4DD0E1"/>
-      </a:folHlink>
-    </a:clrScheme>
-    <a:fontScheme name="Office">
-      <a:majorFont>
-        <a:latin typeface="Arial"/>
-        <a:ea typeface=""/>
-        <a:cs typeface=""/>
-        <a:font script="Jpan" typeface="ＭＳ Ｐゴシック"/>
-        <a:font script="Hang" typeface="맑은 고딕"/>
-        <a:font script="Hans" typeface="宋体"/>
-        <a:font script="Hant" typeface="新細明體"/>
-        <a:font script="Arab" typeface="Times New Roman"/>
-        <a:font script="Hebr" typeface="Times New Roman"/>
-        <a:font script="Thai" typeface="Angsana New"/>
-        <a:font script="Ethi" typeface="Nyala"/>
-        <a:font script="Beng" typeface="Vrinda"/>
-        <a:font script="Gujr" typeface="Shruti"/>
-        <a:font script="Khmr" typeface="MoolBoran"/>
-        <a:font script="Knda" typeface="Tunga"/>
-        <a:font script="Guru" typeface="Raavi"/>
-        <a:font script="Cans" typeface="Euphemia"/>
-        <a:font script="Cher" typeface="Plantagenet Cherokee"/>
-        <a:font script="Yiii" typeface="Microsoft Yi Baiti"/>
-        <a:font script="Tibt" typeface="Microsoft Himalaya"/>
-        <a:font script="Thaa" typeface="MV Boli"/>
-        <a:font script="Deva" typeface="Mangal"/>
-        <a:font script="Telu" typeface="Gautami"/>
-        <a:font script="Taml" typeface="Latha"/>
-        <a:font script="Syrc" typeface="Estrangelo Edessa"/>
-        <a:font script="Orya" typeface="Kalinga"/>
-        <a:font script="Mlym" typeface="Kartika"/>
-        <a:font script="Laoo" typeface="DokChampa"/>
-        <a:font script="Sinh" typeface="Iskoola Pota"/>
-        <a:font script="Mong" typeface="Mongolian Baiti"/>
-        <a:font script="Viet" typeface="Times New Roman"/>
-        <a:font script="Uigh" typeface="Microsoft Uighur"/>
-        <a:font script="Geor" typeface="Sylfaen"/>
-      </a:majorFont>
-      <a:minorFont>
-        <a:latin typeface="Arial"/>
-        <a:ea typeface=""/>
-        <a:cs typeface=""/>
-        <a:font script="Jpan" typeface="ＭＳ Ｐゴシック"/>
-        <a:font script="Hang" typeface="맑은 고딕"/>
-        <a:font script="Hans" typeface="宋体"/>
-        <a:font script="Hant" typeface="新細明體"/>
-        <a:font script="Arab" typeface="Arial"/>
-        <a:font script="Hebr" typeface="Arial"/>
-        <a:font script="Thai" typeface="Cordia New"/>
-        <a:font script="Ethi" typeface="Nyala"/>
-        <a:font script="Beng" typeface="Vrinda"/>
-        <a:font script="Gujr" typeface="Shruti"/>
-        <a:font script="Khmr" typeface="DaunPenh"/>
-        <a:font script="Knda" typeface="Tunga"/>
-        <a:font script="Guru" typeface="Raavi"/>
-        <a:font script="Cans" typeface="Euphemia"/>
-        <a:font script="Cher" typeface="Plantagenet Cherokee"/>
-        <a:font script="Yiii" typeface="Microsoft Yi Baiti"/>
-        <a:font script="Tibt" typeface="Microsoft Himalaya"/>
-        <a:font script="Thaa" typeface="MV Boli"/>
-        <a:font script="Deva" typeface="Mangal"/>
-        <a:font script="Telu" typeface="Gautami"/>
-        <a:font script="Taml" typeface="Latha"/>
-        <a:font script="Syrc" typeface="Estrangelo Edessa"/>
-        <a:font script="Orya" typeface="Kalinga"/>
-        <a:font script="Mlym" typeface="Kartika"/>
-        <a:font script="Laoo" typeface="DokChampa"/>
-        <a:font script="Sinh" typeface="Iskoola Pota"/>
-        <a:font script="Mong" typeface="Mongolian Baiti"/>
-        <a:font script="Viet" typeface="Arial"/>
-        <a:font script="Uigh" typeface="Microsoft Uighur"/>
-        <a:font script="Geor" typeface="Sylfaen"/>
-      </a:minorFont>
-    </a:fontScheme>
-    <a:fmtScheme name="Office">
-      <a:fillStyleLst>
-        <a:solidFill>
-          <a:schemeClr val="phClr"/>
-        </a:solidFill>
-        <a:gradFill rotWithShape="1">
-          <a:gsLst>
-            <a:gs pos="0">
-              <a:schemeClr val="phClr">
-                <a:tint val="50000"/>
-                <a:satMod val="300000"/>
-              </a:schemeClr>
-            </a:gs>
-            <a:gs pos="35000">
-              <a:schemeClr val="phClr">
-                <a:tint val="37000"/>
-                <a:satMod val="300000"/>
-              </a:schemeClr>
-            </a:gs>
-            <a:gs pos="100000">
-              <a:schemeClr val="phClr">
-                <a:tint val="15000"/>
-                <a:satMod val="350000"/>
-              </a:schemeClr>
-            </a:gs>
-          </a:gsLst>
-          <a:lin ang="16200000" scaled="1"/>
-        </a:gradFill>
-        <a:gradFill rotWithShape="1">
-          <a:gsLst>
-            <a:gs pos="0">
-              <a:schemeClr val="phClr">
-                <a:tint val="100000"/>
-                <a:shade val="100000"/>
-                <a:satMod val="130000"/>
-              </a:schemeClr>
-            </a:gs>
-            <a:gs pos="100000">
-              <a:schemeClr val="phClr">
-                <a:tint val="50000"/>
-                <a:shade val="100000"/>
-                <a:satMod val="350000"/>
-              </a:schemeClr>
-            </a:gs>
-          </a:gsLst>
-          <a:lin ang="16200000" scaled="0"/>
-        </a:gradFill>
-      </a:fillStyleLst>
-      <a:lnStyleLst>
-        <a:ln w="9525" cap="flat" cmpd="sng" algn="ctr">
-          <a:solidFill>
-            <a:schemeClr val="phClr">
-              <a:shade val="95000"/>
-              <a:satMod val="105000"/>
-            </a:schemeClr>
-          </a:solidFill>
-          <a:prstDash val="solid"/>
-        </a:ln>
-        <a:ln w="25400" cap="flat" cmpd="sng" algn="ctr">
-          <a:solidFill>
-            <a:schemeClr val="phClr"/>
-          </a:solidFill>
-          <a:prstDash val="solid"/>
-        </a:ln>
-        <a:ln w="38100" cap="flat" cmpd="sng" algn="ctr">
-          <a:solidFill>
-            <a:schemeClr val="phClr"/>
-          </a:solidFill>
-          <a:prstDash val="solid"/>
-        </a:ln>
-      </a:lnStyleLst>
-      <a:effectStyleLst>
-        <a:effectStyle>
-          <a:effectLst>
-            <a:outerShdw blurRad="40000" dist="20000" dir="5400000" rotWithShape="0">
-              <a:srgbClr val="000000">
-                <a:alpha val="38000"/>
-              </a:srgbClr>
-            </a:outerShdw>
-          </a:effectLst>
-        </a:effectStyle>
-        <a:effectStyle>
-          <a:effectLst>
-            <a:outerShdw blurRad="40000" dist="23000" dir="5400000" rotWithShape="0">
-              <a:srgbClr val="000000">
-                <a:alpha val="35000"/>
-              </a:srgbClr>
-            </a:outerShdw>
-          </a:effectLst>
-        </a:effectStyle>
-        <a:effectStyle>
-          <a:effectLst>
-            <a:outerShdw blurRad="40000" dist="23000" dir="5400000" rotWithShape="0">
-              <a:srgbClr val="000000">
-                <a:alpha val="35000"/>
-              </a:srgbClr>
-            </a:outerShdw>
-          </a:effectLst>
-          <a:scene3d>
-            <a:camera prst="orthographicFront">
-              <a:rot lat="0" lon="0" rev="0"/>
-            </a:camera>
-            <a:lightRig rig="threePt" dir="t">
-              <a:rot lat="0" lon="0" rev="1200000"/>
-            </a:lightRig>
-          </a:scene3d>
-          <a:sp3d>
-            <a:bevelT w="63500" h="25400"/>
-          </a:sp3d>
-        </a:effectStyle>
-      </a:effectStyleLst>
-      <a:bgFillStyleLst>
-        <a:solidFill>
-          <a:schemeClr val="phClr"/>
-        </a:solidFill>
-        <a:gradFill rotWithShape="1">
-          <a:gsLst>
-            <a:gs pos="0">
-              <a:schemeClr val="phClr">
-                <a:tint val="40000"/>
-                <a:satMod val="350000"/>
-              </a:schemeClr>
-            </a:gs>
-            <a:gs pos="40000">
-              <a:schemeClr val="phClr">
-                <a:tint val="45000"/>
-                <a:shade val="99000"/>
-                <a:satMod val="350000"/>
-              </a:schemeClr>
-            </a:gs>
-            <a:gs pos="100000">
-              <a:schemeClr val="phClr">
-                <a:shade val="20000"/>
-                <a:satMod val="255000"/>
-              </a:schemeClr>
-            </a:gs>
-          </a:gsLst>
-          <a:path path="circle">
-            <a:fillToRect l="50000" t="-80000" r="50000" b="180000"/>
-          </a:path>
-        </a:gradFill>
-        <a:gradFill rotWithShape="1">
-          <a:gsLst>
-            <a:gs pos="0">
-              <a:schemeClr val="phClr">
-                <a:tint val="80000"/>
-                <a:satMod val="300000"/>
-              </a:schemeClr>
-            </a:gs>
-            <a:gs pos="100000">
-              <a:schemeClr val="phClr">
-                <a:shade val="30000"/>
-                <a:satMod val="200000"/>
-              </a:schemeClr>
-            </a:gs>
-          </a:gsLst>
-          <a:path path="circle">
-            <a:fillToRect l="50000" t="50000" r="50000" b="50000"/>
-          </a:path>
-        </a:gradFill>
-      </a:bgFillStyleLst>
-    </a:fmtScheme>
-  </a:themeElements>
+  <a:objectDefaults/>
+  <a:extraClrSchemeLst/>
 </a:theme>
 </file>
--- a/slides/Unit 2 - LC 101 - Class 9.pptx
+++ b/slides/Unit 2 - LC 101 - Class 9.pptx
@@ -251,6 +251,11 @@
       </a:defRPr>
     </a:lvl9pPr>
   </p:defaultTextStyle>
+  <p:extLst>
+    <p:ext uri="{EFAFB233-063F-42B5-8137-9DF3F51BA10A}">
+      <p15:sldGuideLst xmlns:p15="http://schemas.microsoft.com/office/powerpoint/2012/main"/>
+    </p:ext>
+  </p:extLst>
 </p:presentation>
 </file>
 
